--- a/Interface/INTERFACE.pptx
+++ b/Interface/INTERFACE.pptx
@@ -10,11 +10,14 @@
     <p:sldId id="257" r:id="rId4"/>
     <p:sldId id="258" r:id="rId5"/>
     <p:sldId id="260" r:id="rId6"/>
-    <p:sldId id="259" r:id="rId7"/>
-    <p:sldId id="261" r:id="rId8"/>
-    <p:sldId id="263" r:id="rId9"/>
-    <p:sldId id="262" r:id="rId10"/>
-    <p:sldId id="264" r:id="rId11"/>
+    <p:sldId id="261" r:id="rId7"/>
+    <p:sldId id="263" r:id="rId8"/>
+    <p:sldId id="262" r:id="rId9"/>
+    <p:sldId id="264" r:id="rId10"/>
+    <p:sldId id="259" r:id="rId11"/>
+    <p:sldId id="266" r:id="rId12"/>
+    <p:sldId id="267" r:id="rId13"/>
+    <p:sldId id="268" r:id="rId14"/>
   </p:sldIdLst>
   <p:sldSz cx="12192000" cy="6858000"/>
   <p:notesSz cx="6858000" cy="9144000"/>
@@ -4403,7 +4406,7 @@
           <a:p>
             <a:fld id="{EB7344F3-385B-4416-9BA2-CA4571DF68C9}" type="datetimeFigureOut">
               <a:rPr lang="en-MY" smtClean="0"/>
-              <a:t>2/9/2020</a:t>
+              <a:t>9/9/2020</a:t>
             </a:fld>
             <a:endParaRPr lang="en-MY"/>
           </a:p>
@@ -4670,7 +4673,7 @@
           <a:p>
             <a:fld id="{EB7344F3-385B-4416-9BA2-CA4571DF68C9}" type="datetimeFigureOut">
               <a:rPr lang="en-MY" smtClean="0"/>
-              <a:t>2/9/2020</a:t>
+              <a:t>9/9/2020</a:t>
             </a:fld>
             <a:endParaRPr lang="en-MY"/>
           </a:p>
@@ -4866,7 +4869,7 @@
           <a:p>
             <a:fld id="{EB7344F3-385B-4416-9BA2-CA4571DF68C9}" type="datetimeFigureOut">
               <a:rPr lang="en-MY" smtClean="0"/>
-              <a:t>2/9/2020</a:t>
+              <a:t>9/9/2020</a:t>
             </a:fld>
             <a:endParaRPr lang="en-MY"/>
           </a:p>
@@ -5129,7 +5132,7 @@
           <a:p>
             <a:fld id="{EB7344F3-385B-4416-9BA2-CA4571DF68C9}" type="datetimeFigureOut">
               <a:rPr lang="en-MY" smtClean="0"/>
-              <a:t>2/9/2020</a:t>
+              <a:t>9/9/2020</a:t>
             </a:fld>
             <a:endParaRPr lang="en-MY"/>
           </a:p>
@@ -5563,7 +5566,7 @@
           <a:p>
             <a:fld id="{EB7344F3-385B-4416-9BA2-CA4571DF68C9}" type="datetimeFigureOut">
               <a:rPr lang="en-MY" smtClean="0"/>
-              <a:t>2/9/2020</a:t>
+              <a:t>9/9/2020</a:t>
             </a:fld>
             <a:endParaRPr lang="en-MY"/>
           </a:p>
@@ -6109,7 +6112,7 @@
           <a:p>
             <a:fld id="{EB7344F3-385B-4416-9BA2-CA4571DF68C9}" type="datetimeFigureOut">
               <a:rPr lang="en-MY" smtClean="0"/>
-              <a:t>2/9/2020</a:t>
+              <a:t>9/9/2020</a:t>
             </a:fld>
             <a:endParaRPr lang="en-MY"/>
           </a:p>
@@ -6829,7 +6832,7 @@
           <a:p>
             <a:fld id="{EB7344F3-385B-4416-9BA2-CA4571DF68C9}" type="datetimeFigureOut">
               <a:rPr lang="en-MY" smtClean="0"/>
-              <a:t>2/9/2020</a:t>
+              <a:t>9/9/2020</a:t>
             </a:fld>
             <a:endParaRPr lang="en-MY"/>
           </a:p>
@@ -6999,7 +7002,7 @@
           <a:p>
             <a:fld id="{EB7344F3-385B-4416-9BA2-CA4571DF68C9}" type="datetimeFigureOut">
               <a:rPr lang="en-MY" smtClean="0"/>
-              <a:t>2/9/2020</a:t>
+              <a:t>9/9/2020</a:t>
             </a:fld>
             <a:endParaRPr lang="en-MY"/>
           </a:p>
@@ -7179,7 +7182,7 @@
           <a:p>
             <a:fld id="{EB7344F3-385B-4416-9BA2-CA4571DF68C9}" type="datetimeFigureOut">
               <a:rPr lang="en-MY" smtClean="0"/>
-              <a:t>2/9/2020</a:t>
+              <a:t>9/9/2020</a:t>
             </a:fld>
             <a:endParaRPr lang="en-MY"/>
           </a:p>
@@ -7349,7 +7352,7 @@
           <a:p>
             <a:fld id="{EB7344F3-385B-4416-9BA2-CA4571DF68C9}" type="datetimeFigureOut">
               <a:rPr lang="en-MY" smtClean="0"/>
-              <a:t>2/9/2020</a:t>
+              <a:t>9/9/2020</a:t>
             </a:fld>
             <a:endParaRPr lang="en-MY"/>
           </a:p>
@@ -7599,7 +7602,7 @@
           <a:p>
             <a:fld id="{EB7344F3-385B-4416-9BA2-CA4571DF68C9}" type="datetimeFigureOut">
               <a:rPr lang="en-MY" smtClean="0"/>
-              <a:t>2/9/2020</a:t>
+              <a:t>9/9/2020</a:t>
             </a:fld>
             <a:endParaRPr lang="en-MY"/>
           </a:p>
@@ -7831,7 +7834,7 @@
           <a:p>
             <a:fld id="{EB7344F3-385B-4416-9BA2-CA4571DF68C9}" type="datetimeFigureOut">
               <a:rPr lang="en-MY" smtClean="0"/>
-              <a:t>2/9/2020</a:t>
+              <a:t>9/9/2020</a:t>
             </a:fld>
             <a:endParaRPr lang="en-MY"/>
           </a:p>
@@ -8212,7 +8215,7 @@
           <a:p>
             <a:fld id="{EB7344F3-385B-4416-9BA2-CA4571DF68C9}" type="datetimeFigureOut">
               <a:rPr lang="en-MY" smtClean="0"/>
-              <a:t>2/9/2020</a:t>
+              <a:t>9/9/2020</a:t>
             </a:fld>
             <a:endParaRPr lang="en-MY"/>
           </a:p>
@@ -8330,7 +8333,7 @@
           <a:p>
             <a:fld id="{EB7344F3-385B-4416-9BA2-CA4571DF68C9}" type="datetimeFigureOut">
               <a:rPr lang="en-MY" smtClean="0"/>
-              <a:t>2/9/2020</a:t>
+              <a:t>9/9/2020</a:t>
             </a:fld>
             <a:endParaRPr lang="en-MY"/>
           </a:p>
@@ -8425,7 +8428,7 @@
           <a:p>
             <a:fld id="{EB7344F3-385B-4416-9BA2-CA4571DF68C9}" type="datetimeFigureOut">
               <a:rPr lang="en-MY" smtClean="0"/>
-              <a:t>2/9/2020</a:t>
+              <a:t>9/9/2020</a:t>
             </a:fld>
             <a:endParaRPr lang="en-MY"/>
           </a:p>
@@ -8674,7 +8677,7 @@
           <a:p>
             <a:fld id="{EB7344F3-385B-4416-9BA2-CA4571DF68C9}" type="datetimeFigureOut">
               <a:rPr lang="en-MY" smtClean="0"/>
-              <a:t>2/9/2020</a:t>
+              <a:t>9/9/2020</a:t>
             </a:fld>
             <a:endParaRPr lang="en-MY"/>
           </a:p>
@@ -8954,7 +8957,7 @@
           <a:p>
             <a:fld id="{EB7344F3-385B-4416-9BA2-CA4571DF68C9}" type="datetimeFigureOut">
               <a:rPr lang="en-MY" smtClean="0"/>
-              <a:t>2/9/2020</a:t>
+              <a:t>9/9/2020</a:t>
             </a:fld>
             <a:endParaRPr lang="en-MY"/>
           </a:p>
@@ -12021,7 +12024,7 @@
           <a:p>
             <a:fld id="{EB7344F3-385B-4416-9BA2-CA4571DF68C9}" type="datetimeFigureOut">
               <a:rPr lang="en-MY" smtClean="0"/>
-              <a:t>2/9/2020</a:t>
+              <a:t>9/9/2020</a:t>
             </a:fld>
             <a:endParaRPr lang="en-MY"/>
           </a:p>
@@ -12535,8 +12538,8 @@
         </p:nvCxnSpPr>
         <p:spPr>
           <a:xfrm>
-            <a:off x="7891095" y="4078246"/>
-            <a:ext cx="641840" cy="578005"/>
+            <a:off x="8524902" y="3842112"/>
+            <a:ext cx="705139" cy="351782"/>
           </a:xfrm>
           <a:prstGeom prst="straightConnector1">
             <a:avLst/>
@@ -12658,8 +12661,8 @@
         </p:nvCxnSpPr>
         <p:spPr>
           <a:xfrm>
-            <a:off x="5959716" y="4217076"/>
-            <a:ext cx="0" cy="599618"/>
+            <a:off x="4605902" y="4135570"/>
+            <a:ext cx="0" cy="563304"/>
           </a:xfrm>
           <a:prstGeom prst="straightConnector1">
             <a:avLst/>
@@ -12699,8 +12702,8 @@
         </p:nvCxnSpPr>
         <p:spPr>
           <a:xfrm flipH="1">
-            <a:off x="3730869" y="4060338"/>
-            <a:ext cx="480646" cy="582107"/>
+            <a:off x="2994195" y="3842112"/>
+            <a:ext cx="617973" cy="293458"/>
           </a:xfrm>
           <a:prstGeom prst="straightConnector1">
             <a:avLst/>
@@ -13168,7 +13171,7 @@
         </p:nvSpPr>
         <p:spPr>
           <a:xfrm>
-            <a:off x="1935776" y="4863887"/>
+            <a:off x="5650520" y="4944723"/>
             <a:ext cx="2035416" cy="404854"/>
           </a:xfrm>
           <a:prstGeom prst="actionButtonBlank">
@@ -13219,7 +13222,7 @@
         </p:nvSpPr>
         <p:spPr>
           <a:xfrm>
-            <a:off x="5037993" y="5024660"/>
+            <a:off x="7878778" y="4944723"/>
             <a:ext cx="1843447" cy="404854"/>
           </a:xfrm>
           <a:prstGeom prst="actionButtonBlank">
@@ -13270,7 +13273,7 @@
         </p:nvSpPr>
         <p:spPr>
           <a:xfrm>
-            <a:off x="7920399" y="4822233"/>
+            <a:off x="9668604" y="4291817"/>
             <a:ext cx="1742343" cy="404854"/>
           </a:xfrm>
           <a:prstGeom prst="actionButtonBlank">
@@ -13306,6 +13309,282 @@
           </a:p>
         </p:txBody>
       </p:sp>
+      <p:cxnSp>
+        <p:nvCxnSpPr>
+          <p:cNvPr id="23" name="Straight Arrow Connector 22">
+            <a:extLst>
+              <a:ext uri="{FF2B5EF4-FFF2-40B4-BE49-F238E27FC236}">
+                <a16:creationId xmlns:a16="http://schemas.microsoft.com/office/drawing/2014/main" id="{DCA85B94-3C7B-4E4E-ADC3-8BAA0E7D8D42}"/>
+              </a:ext>
+            </a:extLst>
+          </p:cNvPr>
+          <p:cNvCxnSpPr>
+            <a:cxnSpLocks/>
+          </p:cNvCxnSpPr>
+          <p:nvPr/>
+        </p:nvCxnSpPr>
+        <p:spPr>
+          <a:xfrm>
+            <a:off x="8380438" y="4038249"/>
+            <a:ext cx="0" cy="599618"/>
+          </a:xfrm>
+          <a:prstGeom prst="straightConnector1">
+            <a:avLst/>
+          </a:prstGeom>
+          <a:ln>
+            <a:tailEnd type="triangle"/>
+          </a:ln>
+        </p:spPr>
+        <p:style>
+          <a:lnRef idx="1">
+            <a:schemeClr val="accent1"/>
+          </a:lnRef>
+          <a:fillRef idx="0">
+            <a:schemeClr val="accent1"/>
+          </a:fillRef>
+          <a:effectRef idx="0">
+            <a:schemeClr val="accent1"/>
+          </a:effectRef>
+          <a:fontRef idx="minor">
+            <a:schemeClr val="tx1"/>
+          </a:fontRef>
+        </p:style>
+      </p:cxnSp>
+      <p:cxnSp>
+        <p:nvCxnSpPr>
+          <p:cNvPr id="24" name="Straight Arrow Connector 23">
+            <a:extLst>
+              <a:ext uri="{FF2B5EF4-FFF2-40B4-BE49-F238E27FC236}">
+                <a16:creationId xmlns:a16="http://schemas.microsoft.com/office/drawing/2014/main" id="{56023A74-D044-4722-8FA2-815B919B39B4}"/>
+              </a:ext>
+            </a:extLst>
+          </p:cNvPr>
+          <p:cNvCxnSpPr>
+            <a:cxnSpLocks/>
+          </p:cNvCxnSpPr>
+          <p:nvPr/>
+        </p:nvCxnSpPr>
+        <p:spPr>
+          <a:xfrm>
+            <a:off x="6668228" y="4193894"/>
+            <a:ext cx="0" cy="523137"/>
+          </a:xfrm>
+          <a:prstGeom prst="straightConnector1">
+            <a:avLst/>
+          </a:prstGeom>
+          <a:ln>
+            <a:tailEnd type="triangle"/>
+          </a:ln>
+        </p:spPr>
+        <p:style>
+          <a:lnRef idx="1">
+            <a:schemeClr val="accent1"/>
+          </a:lnRef>
+          <a:fillRef idx="0">
+            <a:schemeClr val="accent1"/>
+          </a:fillRef>
+          <a:effectRef idx="0">
+            <a:schemeClr val="accent1"/>
+          </a:effectRef>
+          <a:fontRef idx="minor">
+            <a:schemeClr val="tx1"/>
+          </a:fontRef>
+        </p:style>
+      </p:cxnSp>
+      <p:sp>
+        <p:nvSpPr>
+          <p:cNvPr id="5" name="Action Button: Blank 4">
+            <a:hlinkClick r:id="rId11" action="ppaction://hlinksldjump" highlightClick="1"/>
+            <a:extLst>
+              <a:ext uri="{FF2B5EF4-FFF2-40B4-BE49-F238E27FC236}">
+                <a16:creationId xmlns:a16="http://schemas.microsoft.com/office/drawing/2014/main" id="{F198DBDB-DD09-43DB-B2ED-97BAFEB37798}"/>
+              </a:ext>
+            </a:extLst>
+          </p:cNvPr>
+          <p:cNvSpPr/>
+          <p:nvPr/>
+        </p:nvSpPr>
+        <p:spPr>
+          <a:xfrm>
+            <a:off x="703386" y="4291817"/>
+            <a:ext cx="2035416" cy="404854"/>
+          </a:xfrm>
+          <a:prstGeom prst="actionButtonBlank">
+            <a:avLst/>
+          </a:prstGeom>
+        </p:spPr>
+        <p:style>
+          <a:lnRef idx="2">
+            <a:schemeClr val="accent4">
+              <a:shade val="50000"/>
+            </a:schemeClr>
+          </a:lnRef>
+          <a:fillRef idx="1">
+            <a:schemeClr val="accent4"/>
+          </a:fillRef>
+          <a:effectRef idx="0">
+            <a:schemeClr val="accent4"/>
+          </a:effectRef>
+          <a:fontRef idx="minor">
+            <a:schemeClr val="lt1"/>
+          </a:fontRef>
+        </p:style>
+        <p:txBody>
+          <a:bodyPr rtlCol="0" anchor="ctr"/>
+          <a:lstStyle/>
+          <a:p>
+            <a:pPr algn="ctr"/>
+            <a:r>
+              <a:rPr lang="en-US" dirty="0"/>
+              <a:t>REGISTER TEACHER</a:t>
+            </a:r>
+            <a:endParaRPr lang="en-MY" dirty="0"/>
+          </a:p>
+        </p:txBody>
+      </p:sp>
+      <p:sp>
+        <p:nvSpPr>
+          <p:cNvPr id="10" name="Action Button: Blank 9">
+            <a:hlinkClick r:id="rId12" action="ppaction://hlinksldjump" highlightClick="1"/>
+            <a:extLst>
+              <a:ext uri="{FF2B5EF4-FFF2-40B4-BE49-F238E27FC236}">
+                <a16:creationId xmlns:a16="http://schemas.microsoft.com/office/drawing/2014/main" id="{E661E83E-7F91-496C-84C0-145414D60D42}"/>
+              </a:ext>
+            </a:extLst>
+          </p:cNvPr>
+          <p:cNvSpPr/>
+          <p:nvPr/>
+        </p:nvSpPr>
+        <p:spPr>
+          <a:xfrm>
+            <a:off x="1679046" y="4944723"/>
+            <a:ext cx="1843447" cy="404854"/>
+          </a:xfrm>
+          <a:prstGeom prst="actionButtonBlank">
+            <a:avLst/>
+          </a:prstGeom>
+        </p:spPr>
+        <p:style>
+          <a:lnRef idx="2">
+            <a:schemeClr val="accent4">
+              <a:shade val="50000"/>
+            </a:schemeClr>
+          </a:lnRef>
+          <a:fillRef idx="1">
+            <a:schemeClr val="accent4"/>
+          </a:fillRef>
+          <a:effectRef idx="0">
+            <a:schemeClr val="accent4"/>
+          </a:effectRef>
+          <a:fontRef idx="minor">
+            <a:schemeClr val="lt1"/>
+          </a:fontRef>
+        </p:style>
+        <p:txBody>
+          <a:bodyPr rtlCol="0" anchor="ctr"/>
+          <a:lstStyle/>
+          <a:p>
+            <a:pPr algn="ctr"/>
+            <a:r>
+              <a:rPr lang="en-US" dirty="0"/>
+              <a:t>UPDATE TEACHER </a:t>
+            </a:r>
+            <a:endParaRPr lang="en-MY" dirty="0"/>
+          </a:p>
+        </p:txBody>
+      </p:sp>
+      <p:sp>
+        <p:nvSpPr>
+          <p:cNvPr id="12" name="Action Button: Blank 11">
+            <a:hlinkClick r:id="rId13" action="ppaction://hlinksldjump" highlightClick="1"/>
+            <a:extLst>
+              <a:ext uri="{FF2B5EF4-FFF2-40B4-BE49-F238E27FC236}">
+                <a16:creationId xmlns:a16="http://schemas.microsoft.com/office/drawing/2014/main" id="{69397D47-E94E-4093-A060-CBEA68ACA493}"/>
+              </a:ext>
+            </a:extLst>
+          </p:cNvPr>
+          <p:cNvSpPr/>
+          <p:nvPr/>
+        </p:nvSpPr>
+        <p:spPr>
+          <a:xfrm>
+            <a:off x="3715335" y="4944723"/>
+            <a:ext cx="1742343" cy="404854"/>
+          </a:xfrm>
+          <a:prstGeom prst="actionButtonBlank">
+            <a:avLst/>
+          </a:prstGeom>
+        </p:spPr>
+        <p:style>
+          <a:lnRef idx="2">
+            <a:schemeClr val="accent4">
+              <a:shade val="50000"/>
+            </a:schemeClr>
+          </a:lnRef>
+          <a:fillRef idx="1">
+            <a:schemeClr val="accent4"/>
+          </a:fillRef>
+          <a:effectRef idx="0">
+            <a:schemeClr val="accent4"/>
+          </a:effectRef>
+          <a:fontRef idx="minor">
+            <a:schemeClr val="lt1"/>
+          </a:fontRef>
+        </p:style>
+        <p:txBody>
+          <a:bodyPr rtlCol="0" anchor="ctr"/>
+          <a:lstStyle/>
+          <a:p>
+            <a:pPr algn="ctr"/>
+            <a:r>
+              <a:rPr lang="en-US" dirty="0"/>
+              <a:t>DELETE TEACHER </a:t>
+            </a:r>
+            <a:endParaRPr lang="en-MY" dirty="0"/>
+          </a:p>
+        </p:txBody>
+      </p:sp>
+      <p:cxnSp>
+        <p:nvCxnSpPr>
+          <p:cNvPr id="33" name="Straight Arrow Connector 32">
+            <a:extLst>
+              <a:ext uri="{FF2B5EF4-FFF2-40B4-BE49-F238E27FC236}">
+                <a16:creationId xmlns:a16="http://schemas.microsoft.com/office/drawing/2014/main" id="{07E27A74-B281-47EF-8D68-080FE86113AA}"/>
+              </a:ext>
+            </a:extLst>
+          </p:cNvPr>
+          <p:cNvCxnSpPr>
+            <a:cxnSpLocks/>
+          </p:cNvCxnSpPr>
+          <p:nvPr/>
+        </p:nvCxnSpPr>
+        <p:spPr>
+          <a:xfrm flipH="1">
+            <a:off x="3364452" y="4078139"/>
+            <a:ext cx="428037" cy="518975"/>
+          </a:xfrm>
+          <a:prstGeom prst="straightConnector1">
+            <a:avLst/>
+          </a:prstGeom>
+          <a:ln>
+            <a:tailEnd type="triangle"/>
+          </a:ln>
+        </p:spPr>
+        <p:style>
+          <a:lnRef idx="1">
+            <a:schemeClr val="accent1"/>
+          </a:lnRef>
+          <a:fillRef idx="0">
+            <a:schemeClr val="accent1"/>
+          </a:fillRef>
+          <a:effectRef idx="0">
+            <a:schemeClr val="accent1"/>
+          </a:effectRef>
+          <a:fontRef idx="minor">
+            <a:schemeClr val="tx1"/>
+          </a:fontRef>
+        </p:style>
+      </p:cxnSp>
     </p:spTree>
     <p:extLst>
       <p:ext uri="{BB962C8B-B14F-4D97-AF65-F5344CB8AC3E}">
@@ -13320,6 +13599,3354 @@
 </file>
 
 <file path=ppt/slides/slide10.xml><?xml version="1.0" encoding="utf-8"?>
+<p:sld xmlns:a="http://schemas.openxmlformats.org/drawingml/2006/main" xmlns:r="http://schemas.openxmlformats.org/officeDocument/2006/relationships" xmlns:p="http://schemas.openxmlformats.org/presentationml/2006/main">
+  <p:cSld>
+    <p:spTree>
+      <p:nvGrpSpPr>
+        <p:cNvPr id="1" name=""/>
+        <p:cNvGrpSpPr/>
+        <p:nvPr/>
+      </p:nvGrpSpPr>
+      <p:grpSpPr>
+        <a:xfrm>
+          <a:off x="0" y="0"/>
+          <a:ext cx="0" cy="0"/>
+          <a:chOff x="0" y="0"/>
+          <a:chExt cx="0" cy="0"/>
+        </a:xfrm>
+      </p:grpSpPr>
+      <p:sp>
+        <p:nvSpPr>
+          <p:cNvPr id="5" name="TextBox 4">
+            <a:extLst>
+              <a:ext uri="{FF2B5EF4-FFF2-40B4-BE49-F238E27FC236}">
+                <a16:creationId xmlns:a16="http://schemas.microsoft.com/office/drawing/2014/main" id="{B1B21F74-CB9A-4713-BDC1-068B8B4E8A02}"/>
+              </a:ext>
+            </a:extLst>
+          </p:cNvPr>
+          <p:cNvSpPr txBox="1"/>
+          <p:nvPr/>
+        </p:nvSpPr>
+        <p:spPr>
+          <a:xfrm>
+            <a:off x="266330" y="221942"/>
+            <a:ext cx="11745157" cy="369332"/>
+          </a:xfrm>
+          <a:prstGeom prst="rect">
+            <a:avLst/>
+          </a:prstGeom>
+          <a:noFill/>
+        </p:spPr>
+        <p:txBody>
+          <a:bodyPr wrap="square" rtlCol="0">
+            <a:spAutoFit/>
+          </a:bodyPr>
+          <a:lstStyle/>
+          <a:p>
+            <a:pPr algn="ctr"/>
+            <a:r>
+              <a:rPr lang="en-US" dirty="0"/>
+              <a:t>MANAGE TEACHER INTERFACE</a:t>
+            </a:r>
+            <a:endParaRPr lang="en-MY" dirty="0"/>
+          </a:p>
+        </p:txBody>
+      </p:sp>
+      <p:pic>
+        <p:nvPicPr>
+          <p:cNvPr id="6" name="Picture 5">
+            <a:extLst>
+              <a:ext uri="{FF2B5EF4-FFF2-40B4-BE49-F238E27FC236}">
+                <a16:creationId xmlns:a16="http://schemas.microsoft.com/office/drawing/2014/main" id="{2697772E-8345-4AB6-9FC7-2A959F0B03E7}"/>
+              </a:ext>
+            </a:extLst>
+          </p:cNvPr>
+          <p:cNvPicPr>
+            <a:picLocks noChangeAspect="1"/>
+          </p:cNvPicPr>
+          <p:nvPr/>
+        </p:nvPicPr>
+        <p:blipFill>
+          <a:blip r:embed="rId2"/>
+          <a:stretch>
+            <a:fillRect/>
+          </a:stretch>
+        </p:blipFill>
+        <p:spPr>
+          <a:xfrm>
+            <a:off x="4695825" y="938212"/>
+            <a:ext cx="2800350" cy="4981575"/>
+          </a:xfrm>
+          <a:prstGeom prst="rect">
+            <a:avLst/>
+          </a:prstGeom>
+        </p:spPr>
+      </p:pic>
+      <p:sp>
+        <p:nvSpPr>
+          <p:cNvPr id="2" name="Action Button: Go Forward or Next 1">
+            <a:hlinkClick r:id="" action="ppaction://hlinkshowjump?jump=nextslide" highlightClick="1"/>
+            <a:extLst>
+              <a:ext uri="{FF2B5EF4-FFF2-40B4-BE49-F238E27FC236}">
+                <a16:creationId xmlns:a16="http://schemas.microsoft.com/office/drawing/2014/main" id="{40ADCED9-053E-4CB7-B941-5F1105F68829}"/>
+              </a:ext>
+            </a:extLst>
+          </p:cNvPr>
+          <p:cNvSpPr/>
+          <p:nvPr/>
+        </p:nvSpPr>
+        <p:spPr>
+          <a:xfrm>
+            <a:off x="10814538" y="5910262"/>
+            <a:ext cx="939312" cy="508123"/>
+          </a:xfrm>
+          <a:prstGeom prst="actionButtonForwardNext">
+            <a:avLst/>
+          </a:prstGeom>
+          <a:ln>
+            <a:solidFill>
+              <a:schemeClr val="bg2">
+                <a:lumMod val="75000"/>
+                <a:lumOff val="25000"/>
+              </a:schemeClr>
+            </a:solidFill>
+          </a:ln>
+        </p:spPr>
+        <p:style>
+          <a:lnRef idx="3">
+            <a:schemeClr val="lt1"/>
+          </a:lnRef>
+          <a:fillRef idx="1">
+            <a:schemeClr val="accent3"/>
+          </a:fillRef>
+          <a:effectRef idx="1">
+            <a:schemeClr val="accent3"/>
+          </a:effectRef>
+          <a:fontRef idx="minor">
+            <a:schemeClr val="lt1"/>
+          </a:fontRef>
+        </p:style>
+        <p:txBody>
+          <a:bodyPr rtlCol="0" anchor="ctr"/>
+          <a:lstStyle/>
+          <a:p>
+            <a:pPr algn="ctr"/>
+            <a:endParaRPr lang="en-MY"/>
+          </a:p>
+        </p:txBody>
+      </p:sp>
+      <p:sp>
+        <p:nvSpPr>
+          <p:cNvPr id="3" name="Action Button: Go Back or Previous 2">
+            <a:hlinkClick r:id="" action="ppaction://hlinkshowjump?jump=previousslide" highlightClick="1"/>
+            <a:extLst>
+              <a:ext uri="{FF2B5EF4-FFF2-40B4-BE49-F238E27FC236}">
+                <a16:creationId xmlns:a16="http://schemas.microsoft.com/office/drawing/2014/main" id="{3CB36435-6BDE-4D7C-89E5-BBE807C9A41A}"/>
+              </a:ext>
+            </a:extLst>
+          </p:cNvPr>
+          <p:cNvSpPr/>
+          <p:nvPr/>
+        </p:nvSpPr>
+        <p:spPr>
+          <a:xfrm>
+            <a:off x="876627" y="5910262"/>
+            <a:ext cx="906971" cy="508123"/>
+          </a:xfrm>
+          <a:prstGeom prst="actionButtonBackPrevious">
+            <a:avLst/>
+          </a:prstGeom>
+          <a:ln>
+            <a:solidFill>
+              <a:schemeClr val="tx2">
+                <a:lumMod val="10000"/>
+              </a:schemeClr>
+            </a:solidFill>
+          </a:ln>
+        </p:spPr>
+        <p:style>
+          <a:lnRef idx="2">
+            <a:schemeClr val="accent4">
+              <a:shade val="50000"/>
+            </a:schemeClr>
+          </a:lnRef>
+          <a:fillRef idx="1">
+            <a:schemeClr val="accent4"/>
+          </a:fillRef>
+          <a:effectRef idx="0">
+            <a:schemeClr val="accent4"/>
+          </a:effectRef>
+          <a:fontRef idx="minor">
+            <a:schemeClr val="lt1"/>
+          </a:fontRef>
+        </p:style>
+        <p:txBody>
+          <a:bodyPr rtlCol="0" anchor="ctr"/>
+          <a:lstStyle/>
+          <a:p>
+            <a:pPr algn="ctr"/>
+            <a:endParaRPr lang="en-MY"/>
+          </a:p>
+        </p:txBody>
+      </p:sp>
+      <p:sp>
+        <p:nvSpPr>
+          <p:cNvPr id="4" name="TextBox 3">
+            <a:hlinkClick r:id="rId3" action="ppaction://hlinksldjump"/>
+            <a:extLst>
+              <a:ext uri="{FF2B5EF4-FFF2-40B4-BE49-F238E27FC236}">
+                <a16:creationId xmlns:a16="http://schemas.microsoft.com/office/drawing/2014/main" id="{59866C26-AC1D-4B95-BA4A-129649C6C0E8}"/>
+              </a:ext>
+            </a:extLst>
+          </p:cNvPr>
+          <p:cNvSpPr txBox="1"/>
+          <p:nvPr/>
+        </p:nvSpPr>
+        <p:spPr>
+          <a:xfrm>
+            <a:off x="4923689" y="2989008"/>
+            <a:ext cx="738558" cy="290523"/>
+          </a:xfrm>
+          <a:prstGeom prst="rect">
+            <a:avLst/>
+          </a:prstGeom>
+          <a:noFill/>
+        </p:spPr>
+        <p:txBody>
+          <a:bodyPr wrap="square" rtlCol="0">
+            <a:spAutoFit/>
+          </a:bodyPr>
+          <a:lstStyle/>
+          <a:p>
+            <a:endParaRPr lang="en-MY" dirty="0"/>
+          </a:p>
+        </p:txBody>
+      </p:sp>
+      <p:sp>
+        <p:nvSpPr>
+          <p:cNvPr id="9" name="TextBox 8">
+            <a:hlinkClick r:id="rId4" action="ppaction://hlinksldjump"/>
+            <a:extLst>
+              <a:ext uri="{FF2B5EF4-FFF2-40B4-BE49-F238E27FC236}">
+                <a16:creationId xmlns:a16="http://schemas.microsoft.com/office/drawing/2014/main" id="{32723DCC-4CE4-4F7C-9DA5-D6F26C01B06D}"/>
+              </a:ext>
+            </a:extLst>
+          </p:cNvPr>
+          <p:cNvSpPr txBox="1"/>
+          <p:nvPr/>
+        </p:nvSpPr>
+        <p:spPr>
+          <a:xfrm>
+            <a:off x="6400801" y="2989008"/>
+            <a:ext cx="955436" cy="290523"/>
+          </a:xfrm>
+          <a:prstGeom prst="rect">
+            <a:avLst/>
+          </a:prstGeom>
+          <a:noFill/>
+        </p:spPr>
+        <p:txBody>
+          <a:bodyPr wrap="square" rtlCol="0">
+            <a:spAutoFit/>
+          </a:bodyPr>
+          <a:lstStyle/>
+          <a:p>
+            <a:endParaRPr lang="en-MY" dirty="0"/>
+          </a:p>
+        </p:txBody>
+      </p:sp>
+      <p:sp>
+        <p:nvSpPr>
+          <p:cNvPr id="11" name="TextBox 10">
+            <a:hlinkClick r:id="rId5" action="ppaction://hlinksldjump"/>
+            <a:extLst>
+              <a:ext uri="{FF2B5EF4-FFF2-40B4-BE49-F238E27FC236}">
+                <a16:creationId xmlns:a16="http://schemas.microsoft.com/office/drawing/2014/main" id="{A5796DFC-7BBF-4C8D-BE2F-369FE1C14FF1}"/>
+              </a:ext>
+            </a:extLst>
+          </p:cNvPr>
+          <p:cNvSpPr txBox="1"/>
+          <p:nvPr/>
+        </p:nvSpPr>
+        <p:spPr>
+          <a:xfrm>
+            <a:off x="5662247" y="3688015"/>
+            <a:ext cx="955437" cy="290523"/>
+          </a:xfrm>
+          <a:prstGeom prst="rect">
+            <a:avLst/>
+          </a:prstGeom>
+          <a:noFill/>
+        </p:spPr>
+        <p:txBody>
+          <a:bodyPr wrap="square" rtlCol="0">
+            <a:spAutoFit/>
+          </a:bodyPr>
+          <a:lstStyle/>
+          <a:p>
+            <a:endParaRPr lang="en-MY" dirty="0"/>
+          </a:p>
+        </p:txBody>
+      </p:sp>
+    </p:spTree>
+    <p:extLst>
+      <p:ext uri="{BB962C8B-B14F-4D97-AF65-F5344CB8AC3E}">
+        <p14:creationId xmlns:p14="http://schemas.microsoft.com/office/powerpoint/2010/main" val="3187513679"/>
+      </p:ext>
+    </p:extLst>
+  </p:cSld>
+  <p:clrMapOvr>
+    <a:masterClrMapping/>
+  </p:clrMapOvr>
+</p:sld>
+</file>
+
+<file path=ppt/slides/slide11.xml><?xml version="1.0" encoding="utf-8"?>
+<p:sld xmlns:a="http://schemas.openxmlformats.org/drawingml/2006/main" xmlns:r="http://schemas.openxmlformats.org/officeDocument/2006/relationships" xmlns:p="http://schemas.openxmlformats.org/presentationml/2006/main">
+  <p:cSld>
+    <p:spTree>
+      <p:nvGrpSpPr>
+        <p:cNvPr id="1" name=""/>
+        <p:cNvGrpSpPr/>
+        <p:nvPr/>
+      </p:nvGrpSpPr>
+      <p:grpSpPr>
+        <a:xfrm>
+          <a:off x="0" y="0"/>
+          <a:ext cx="0" cy="0"/>
+          <a:chOff x="0" y="0"/>
+          <a:chExt cx="0" cy="0"/>
+        </a:xfrm>
+      </p:grpSpPr>
+      <p:sp>
+        <p:nvSpPr>
+          <p:cNvPr id="7" name="TextBox 6">
+            <a:extLst>
+              <a:ext uri="{FF2B5EF4-FFF2-40B4-BE49-F238E27FC236}">
+                <a16:creationId xmlns:a16="http://schemas.microsoft.com/office/drawing/2014/main" id="{3677CBF2-C6EF-405D-9B0C-B4DB6567E939}"/>
+              </a:ext>
+            </a:extLst>
+          </p:cNvPr>
+          <p:cNvSpPr txBox="1"/>
+          <p:nvPr/>
+        </p:nvSpPr>
+        <p:spPr>
+          <a:xfrm>
+            <a:off x="115410" y="124287"/>
+            <a:ext cx="11913833" cy="369332"/>
+          </a:xfrm>
+          <a:prstGeom prst="rect">
+            <a:avLst/>
+          </a:prstGeom>
+          <a:noFill/>
+        </p:spPr>
+        <p:txBody>
+          <a:bodyPr wrap="square" rtlCol="0">
+            <a:spAutoFit/>
+          </a:bodyPr>
+          <a:lstStyle/>
+          <a:p>
+            <a:pPr algn="ctr"/>
+            <a:r>
+              <a:rPr lang="en-US" dirty="0"/>
+              <a:t>REGISTER TEACHER INTERFACE</a:t>
+            </a:r>
+            <a:endParaRPr lang="en-MY" dirty="0"/>
+          </a:p>
+        </p:txBody>
+      </p:sp>
+      <p:pic>
+        <p:nvPicPr>
+          <p:cNvPr id="9" name="Picture 8">
+            <a:extLst>
+              <a:ext uri="{FF2B5EF4-FFF2-40B4-BE49-F238E27FC236}">
+                <a16:creationId xmlns:a16="http://schemas.microsoft.com/office/drawing/2014/main" id="{9C4C1693-216D-4A61-9171-9317F499FD7E}"/>
+              </a:ext>
+            </a:extLst>
+          </p:cNvPr>
+          <p:cNvPicPr>
+            <a:picLocks noChangeAspect="1"/>
+          </p:cNvPicPr>
+          <p:nvPr/>
+        </p:nvPicPr>
+        <p:blipFill>
+          <a:blip r:embed="rId2"/>
+          <a:stretch>
+            <a:fillRect/>
+          </a:stretch>
+        </p:blipFill>
+        <p:spPr>
+          <a:xfrm>
+            <a:off x="4669025" y="918351"/>
+            <a:ext cx="2853950" cy="5021297"/>
+          </a:xfrm>
+          <a:prstGeom prst="rect">
+            <a:avLst/>
+          </a:prstGeom>
+        </p:spPr>
+      </p:pic>
+      <p:sp>
+        <p:nvSpPr>
+          <p:cNvPr id="11" name="Action Button: Go Forward or Next 10">
+            <a:hlinkClick r:id="" action="ppaction://hlinkshowjump?jump=nextslide" highlightClick="1"/>
+            <a:extLst>
+              <a:ext uri="{FF2B5EF4-FFF2-40B4-BE49-F238E27FC236}">
+                <a16:creationId xmlns:a16="http://schemas.microsoft.com/office/drawing/2014/main" id="{FC208EED-B2FE-4983-9C1B-DA988E6A6E2C}"/>
+              </a:ext>
+            </a:extLst>
+          </p:cNvPr>
+          <p:cNvSpPr/>
+          <p:nvPr/>
+        </p:nvSpPr>
+        <p:spPr>
+          <a:xfrm>
+            <a:off x="10814538" y="5910262"/>
+            <a:ext cx="939312" cy="508123"/>
+          </a:xfrm>
+          <a:prstGeom prst="actionButtonForwardNext">
+            <a:avLst/>
+          </a:prstGeom>
+          <a:ln>
+            <a:solidFill>
+              <a:schemeClr val="bg2">
+                <a:lumMod val="75000"/>
+                <a:lumOff val="25000"/>
+              </a:schemeClr>
+            </a:solidFill>
+          </a:ln>
+        </p:spPr>
+        <p:style>
+          <a:lnRef idx="3">
+            <a:schemeClr val="lt1"/>
+          </a:lnRef>
+          <a:fillRef idx="1">
+            <a:schemeClr val="accent3"/>
+          </a:fillRef>
+          <a:effectRef idx="1">
+            <a:schemeClr val="accent3"/>
+          </a:effectRef>
+          <a:fontRef idx="minor">
+            <a:schemeClr val="lt1"/>
+          </a:fontRef>
+        </p:style>
+        <p:txBody>
+          <a:bodyPr rtlCol="0" anchor="ctr"/>
+          <a:lstStyle/>
+          <a:p>
+            <a:pPr algn="ctr"/>
+            <a:endParaRPr lang="en-MY"/>
+          </a:p>
+        </p:txBody>
+      </p:sp>
+      <p:sp>
+        <p:nvSpPr>
+          <p:cNvPr id="13" name="Action Button: Go Back or Previous 12">
+            <a:hlinkClick r:id="" action="ppaction://hlinkshowjump?jump=previousslide" highlightClick="1"/>
+            <a:extLst>
+              <a:ext uri="{FF2B5EF4-FFF2-40B4-BE49-F238E27FC236}">
+                <a16:creationId xmlns:a16="http://schemas.microsoft.com/office/drawing/2014/main" id="{B31E4B69-B909-45EC-9C9D-01F4A2FCD3B6}"/>
+              </a:ext>
+            </a:extLst>
+          </p:cNvPr>
+          <p:cNvSpPr/>
+          <p:nvPr/>
+        </p:nvSpPr>
+        <p:spPr>
+          <a:xfrm>
+            <a:off x="876627" y="5910262"/>
+            <a:ext cx="906971" cy="508123"/>
+          </a:xfrm>
+          <a:prstGeom prst="actionButtonBackPrevious">
+            <a:avLst/>
+          </a:prstGeom>
+          <a:ln>
+            <a:solidFill>
+              <a:schemeClr val="tx2">
+                <a:lumMod val="10000"/>
+              </a:schemeClr>
+            </a:solidFill>
+          </a:ln>
+        </p:spPr>
+        <p:style>
+          <a:lnRef idx="2">
+            <a:schemeClr val="accent4">
+              <a:shade val="50000"/>
+            </a:schemeClr>
+          </a:lnRef>
+          <a:fillRef idx="1">
+            <a:schemeClr val="accent4"/>
+          </a:fillRef>
+          <a:effectRef idx="0">
+            <a:schemeClr val="accent4"/>
+          </a:effectRef>
+          <a:fontRef idx="minor">
+            <a:schemeClr val="lt1"/>
+          </a:fontRef>
+        </p:style>
+        <p:txBody>
+          <a:bodyPr rtlCol="0" anchor="ctr"/>
+          <a:lstStyle/>
+          <a:p>
+            <a:pPr algn="ctr"/>
+            <a:endParaRPr lang="en-MY"/>
+          </a:p>
+        </p:txBody>
+      </p:sp>
+      <p:sp>
+        <p:nvSpPr>
+          <p:cNvPr id="18" name="TextBox 17">
+            <a:hlinkClick r:id="rId3" action="ppaction://hlinksldjump"/>
+            <a:extLst>
+              <a:ext uri="{FF2B5EF4-FFF2-40B4-BE49-F238E27FC236}">
+                <a16:creationId xmlns:a16="http://schemas.microsoft.com/office/drawing/2014/main" id="{72957932-4B9F-4A52-816A-569C3731B337}"/>
+              </a:ext>
+            </a:extLst>
+          </p:cNvPr>
+          <p:cNvSpPr txBox="1"/>
+          <p:nvPr/>
+        </p:nvSpPr>
+        <p:spPr>
+          <a:xfrm>
+            <a:off x="5220393" y="3848793"/>
+            <a:ext cx="1712422" cy="365760"/>
+          </a:xfrm>
+          <a:prstGeom prst="rect">
+            <a:avLst/>
+          </a:prstGeom>
+          <a:noFill/>
+        </p:spPr>
+        <p:txBody>
+          <a:bodyPr wrap="square" rtlCol="0">
+            <a:spAutoFit/>
+          </a:bodyPr>
+          <a:lstStyle/>
+          <a:p>
+            <a:endParaRPr lang="en-MY" dirty="0"/>
+          </a:p>
+        </p:txBody>
+      </p:sp>
+    </p:spTree>
+    <p:extLst>
+      <p:ext uri="{BB962C8B-B14F-4D97-AF65-F5344CB8AC3E}">
+        <p14:creationId xmlns:p14="http://schemas.microsoft.com/office/powerpoint/2010/main" val="4122533182"/>
+      </p:ext>
+    </p:extLst>
+  </p:cSld>
+  <p:clrMapOvr>
+    <a:masterClrMapping/>
+  </p:clrMapOvr>
+</p:sld>
+</file>
+
+<file path=ppt/slides/slide12.xml><?xml version="1.0" encoding="utf-8"?>
+<p:sld xmlns:a="http://schemas.openxmlformats.org/drawingml/2006/main" xmlns:r="http://schemas.openxmlformats.org/officeDocument/2006/relationships" xmlns:p="http://schemas.openxmlformats.org/presentationml/2006/main">
+  <p:cSld>
+    <p:spTree>
+      <p:nvGrpSpPr>
+        <p:cNvPr id="1" name=""/>
+        <p:cNvGrpSpPr/>
+        <p:nvPr/>
+      </p:nvGrpSpPr>
+      <p:grpSpPr>
+        <a:xfrm>
+          <a:off x="0" y="0"/>
+          <a:ext cx="0" cy="0"/>
+          <a:chOff x="0" y="0"/>
+          <a:chExt cx="0" cy="0"/>
+        </a:xfrm>
+      </p:grpSpPr>
+      <p:sp>
+        <p:nvSpPr>
+          <p:cNvPr id="5" name="TextBox 4">
+            <a:extLst>
+              <a:ext uri="{FF2B5EF4-FFF2-40B4-BE49-F238E27FC236}">
+                <a16:creationId xmlns:a16="http://schemas.microsoft.com/office/drawing/2014/main" id="{06689D77-19CE-4C63-AD34-F30931A9D378}"/>
+              </a:ext>
+            </a:extLst>
+          </p:cNvPr>
+          <p:cNvSpPr txBox="1"/>
+          <p:nvPr/>
+        </p:nvSpPr>
+        <p:spPr>
+          <a:xfrm>
+            <a:off x="115410" y="124287"/>
+            <a:ext cx="11913833" cy="369332"/>
+          </a:xfrm>
+          <a:prstGeom prst="rect">
+            <a:avLst/>
+          </a:prstGeom>
+          <a:noFill/>
+        </p:spPr>
+        <p:txBody>
+          <a:bodyPr wrap="square" rtlCol="0">
+            <a:spAutoFit/>
+          </a:bodyPr>
+          <a:lstStyle/>
+          <a:p>
+            <a:pPr algn="ctr"/>
+            <a:r>
+              <a:rPr lang="en-US" dirty="0"/>
+              <a:t>UPDATE TEACHER INTERFACE</a:t>
+            </a:r>
+            <a:endParaRPr lang="en-MY" dirty="0"/>
+          </a:p>
+        </p:txBody>
+      </p:sp>
+      <p:sp>
+        <p:nvSpPr>
+          <p:cNvPr id="8" name="Action Button: Go Forward or Next 7">
+            <a:hlinkClick r:id="" action="ppaction://hlinkshowjump?jump=nextslide" highlightClick="1"/>
+            <a:extLst>
+              <a:ext uri="{FF2B5EF4-FFF2-40B4-BE49-F238E27FC236}">
+                <a16:creationId xmlns:a16="http://schemas.microsoft.com/office/drawing/2014/main" id="{32317A10-3091-4EC1-9A62-9AB669BBA7CA}"/>
+              </a:ext>
+            </a:extLst>
+          </p:cNvPr>
+          <p:cNvSpPr/>
+          <p:nvPr/>
+        </p:nvSpPr>
+        <p:spPr>
+          <a:xfrm>
+            <a:off x="10814538" y="5910262"/>
+            <a:ext cx="939312" cy="508123"/>
+          </a:xfrm>
+          <a:prstGeom prst="actionButtonForwardNext">
+            <a:avLst/>
+          </a:prstGeom>
+          <a:ln>
+            <a:solidFill>
+              <a:schemeClr val="bg2">
+                <a:lumMod val="75000"/>
+                <a:lumOff val="25000"/>
+              </a:schemeClr>
+            </a:solidFill>
+          </a:ln>
+        </p:spPr>
+        <p:style>
+          <a:lnRef idx="3">
+            <a:schemeClr val="lt1"/>
+          </a:lnRef>
+          <a:fillRef idx="1">
+            <a:schemeClr val="accent3"/>
+          </a:fillRef>
+          <a:effectRef idx="1">
+            <a:schemeClr val="accent3"/>
+          </a:effectRef>
+          <a:fontRef idx="minor">
+            <a:schemeClr val="lt1"/>
+          </a:fontRef>
+        </p:style>
+        <p:txBody>
+          <a:bodyPr rtlCol="0" anchor="ctr"/>
+          <a:lstStyle/>
+          <a:p>
+            <a:pPr algn="ctr"/>
+            <a:endParaRPr lang="en-MY"/>
+          </a:p>
+        </p:txBody>
+      </p:sp>
+      <p:pic>
+        <p:nvPicPr>
+          <p:cNvPr id="9" name="Picture 8">
+            <a:extLst>
+              <a:ext uri="{FF2B5EF4-FFF2-40B4-BE49-F238E27FC236}">
+                <a16:creationId xmlns:a16="http://schemas.microsoft.com/office/drawing/2014/main" id="{99647A80-7C96-4E82-BA67-E9B5A66DEF0F}"/>
+              </a:ext>
+            </a:extLst>
+          </p:cNvPr>
+          <p:cNvPicPr>
+            <a:picLocks noChangeAspect="1"/>
+          </p:cNvPicPr>
+          <p:nvPr/>
+        </p:nvPicPr>
+        <p:blipFill>
+          <a:blip r:embed="rId2"/>
+          <a:stretch>
+            <a:fillRect/>
+          </a:stretch>
+        </p:blipFill>
+        <p:spPr>
+          <a:xfrm>
+            <a:off x="4738687" y="1000125"/>
+            <a:ext cx="2714625" cy="4857750"/>
+          </a:xfrm>
+          <a:prstGeom prst="rect">
+            <a:avLst/>
+          </a:prstGeom>
+        </p:spPr>
+      </p:pic>
+      <p:sp>
+        <p:nvSpPr>
+          <p:cNvPr id="11" name="Action Button: Go Back or Previous 10">
+            <a:hlinkClick r:id="" action="ppaction://hlinkshowjump?jump=previousslide" highlightClick="1"/>
+            <a:extLst>
+              <a:ext uri="{FF2B5EF4-FFF2-40B4-BE49-F238E27FC236}">
+                <a16:creationId xmlns:a16="http://schemas.microsoft.com/office/drawing/2014/main" id="{0A596ED1-CD78-4CC5-8D17-D122BBFE076D}"/>
+              </a:ext>
+            </a:extLst>
+          </p:cNvPr>
+          <p:cNvSpPr/>
+          <p:nvPr/>
+        </p:nvSpPr>
+        <p:spPr>
+          <a:xfrm>
+            <a:off x="876627" y="5910262"/>
+            <a:ext cx="906971" cy="508123"/>
+          </a:xfrm>
+          <a:prstGeom prst="actionButtonBackPrevious">
+            <a:avLst/>
+          </a:prstGeom>
+          <a:ln>
+            <a:solidFill>
+              <a:schemeClr val="tx2">
+                <a:lumMod val="10000"/>
+              </a:schemeClr>
+            </a:solidFill>
+          </a:ln>
+        </p:spPr>
+        <p:style>
+          <a:lnRef idx="2">
+            <a:schemeClr val="accent4">
+              <a:shade val="50000"/>
+            </a:schemeClr>
+          </a:lnRef>
+          <a:fillRef idx="1">
+            <a:schemeClr val="accent4"/>
+          </a:fillRef>
+          <a:effectRef idx="0">
+            <a:schemeClr val="accent4"/>
+          </a:effectRef>
+          <a:fontRef idx="minor">
+            <a:schemeClr val="lt1"/>
+          </a:fontRef>
+        </p:style>
+        <p:txBody>
+          <a:bodyPr rtlCol="0" anchor="ctr"/>
+          <a:lstStyle/>
+          <a:p>
+            <a:pPr algn="ctr"/>
+            <a:endParaRPr lang="en-MY"/>
+          </a:p>
+        </p:txBody>
+      </p:sp>
+      <p:sp>
+        <p:nvSpPr>
+          <p:cNvPr id="17" name="TextBox 16">
+            <a:hlinkClick r:id="rId3" action="ppaction://hlinksldjump"/>
+            <a:extLst>
+              <a:ext uri="{FF2B5EF4-FFF2-40B4-BE49-F238E27FC236}">
+                <a16:creationId xmlns:a16="http://schemas.microsoft.com/office/drawing/2014/main" id="{0BD63654-586C-4E9E-815C-902E35448D65}"/>
+              </a:ext>
+            </a:extLst>
+          </p:cNvPr>
+          <p:cNvSpPr txBox="1"/>
+          <p:nvPr/>
+        </p:nvSpPr>
+        <p:spPr>
+          <a:xfrm>
+            <a:off x="5216115" y="3807230"/>
+            <a:ext cx="1712422" cy="365760"/>
+          </a:xfrm>
+          <a:prstGeom prst="rect">
+            <a:avLst/>
+          </a:prstGeom>
+          <a:noFill/>
+        </p:spPr>
+        <p:txBody>
+          <a:bodyPr wrap="square" rtlCol="0">
+            <a:spAutoFit/>
+          </a:bodyPr>
+          <a:lstStyle/>
+          <a:p>
+            <a:endParaRPr lang="en-MY" dirty="0"/>
+          </a:p>
+        </p:txBody>
+      </p:sp>
+    </p:spTree>
+    <p:extLst>
+      <p:ext uri="{BB962C8B-B14F-4D97-AF65-F5344CB8AC3E}">
+        <p14:creationId xmlns:p14="http://schemas.microsoft.com/office/powerpoint/2010/main" val="831875213"/>
+      </p:ext>
+    </p:extLst>
+  </p:cSld>
+  <p:clrMapOvr>
+    <a:masterClrMapping/>
+  </p:clrMapOvr>
+</p:sld>
+</file>
+
+<file path=ppt/slides/slide13.xml><?xml version="1.0" encoding="utf-8"?>
+<p:sld xmlns:a="http://schemas.openxmlformats.org/drawingml/2006/main" xmlns:r="http://schemas.openxmlformats.org/officeDocument/2006/relationships" xmlns:p="http://schemas.openxmlformats.org/presentationml/2006/main">
+  <p:cSld>
+    <p:spTree>
+      <p:nvGrpSpPr>
+        <p:cNvPr id="1" name=""/>
+        <p:cNvGrpSpPr/>
+        <p:nvPr/>
+      </p:nvGrpSpPr>
+      <p:grpSpPr>
+        <a:xfrm>
+          <a:off x="0" y="0"/>
+          <a:ext cx="0" cy="0"/>
+          <a:chOff x="0" y="0"/>
+          <a:chExt cx="0" cy="0"/>
+        </a:xfrm>
+      </p:grpSpPr>
+      <p:sp>
+        <p:nvSpPr>
+          <p:cNvPr id="5" name="TextBox 4">
+            <a:extLst>
+              <a:ext uri="{FF2B5EF4-FFF2-40B4-BE49-F238E27FC236}">
+                <a16:creationId xmlns:a16="http://schemas.microsoft.com/office/drawing/2014/main" id="{901BD28B-6443-4CB7-A5FF-0D4E959A072F}"/>
+              </a:ext>
+            </a:extLst>
+          </p:cNvPr>
+          <p:cNvSpPr txBox="1"/>
+          <p:nvPr/>
+        </p:nvSpPr>
+        <p:spPr>
+          <a:xfrm>
+            <a:off x="115410" y="124287"/>
+            <a:ext cx="11913833" cy="369332"/>
+          </a:xfrm>
+          <a:prstGeom prst="rect">
+            <a:avLst/>
+          </a:prstGeom>
+          <a:noFill/>
+        </p:spPr>
+        <p:txBody>
+          <a:bodyPr wrap="square" rtlCol="0">
+            <a:spAutoFit/>
+          </a:bodyPr>
+          <a:lstStyle/>
+          <a:p>
+            <a:pPr algn="ctr"/>
+            <a:r>
+              <a:rPr lang="en-US" dirty="0"/>
+              <a:t>DELETE STUDENT INTERFACE</a:t>
+            </a:r>
+            <a:endParaRPr lang="en-MY" dirty="0"/>
+          </a:p>
+        </p:txBody>
+      </p:sp>
+      <p:pic>
+        <p:nvPicPr>
+          <p:cNvPr id="7" name="Picture 6">
+            <a:extLst>
+              <a:ext uri="{FF2B5EF4-FFF2-40B4-BE49-F238E27FC236}">
+                <a16:creationId xmlns:a16="http://schemas.microsoft.com/office/drawing/2014/main" id="{205FC09A-19FD-4A1C-ACA1-BB5DFE16A62B}"/>
+              </a:ext>
+            </a:extLst>
+          </p:cNvPr>
+          <p:cNvPicPr>
+            <a:picLocks noChangeAspect="1"/>
+          </p:cNvPicPr>
+          <p:nvPr/>
+        </p:nvPicPr>
+        <p:blipFill>
+          <a:blip r:embed="rId2"/>
+          <a:stretch>
+            <a:fillRect/>
+          </a:stretch>
+        </p:blipFill>
+        <p:spPr>
+          <a:xfrm>
+            <a:off x="4693798" y="975147"/>
+            <a:ext cx="2804403" cy="4907705"/>
+          </a:xfrm>
+          <a:prstGeom prst="rect">
+            <a:avLst/>
+          </a:prstGeom>
+        </p:spPr>
+      </p:pic>
+      <p:sp>
+        <p:nvSpPr>
+          <p:cNvPr id="9" name="Action Button: Go Home 8">
+            <a:hlinkClick r:id="" action="ppaction://hlinkshowjump?jump=firstslide" highlightClick="1"/>
+            <a:extLst>
+              <a:ext uri="{FF2B5EF4-FFF2-40B4-BE49-F238E27FC236}">
+                <a16:creationId xmlns:a16="http://schemas.microsoft.com/office/drawing/2014/main" id="{A998C389-5E9E-4D51-A790-ADA44814EC26}"/>
+              </a:ext>
+            </a:extLst>
+          </p:cNvPr>
+          <p:cNvSpPr/>
+          <p:nvPr/>
+        </p:nvSpPr>
+        <p:spPr>
+          <a:xfrm>
+            <a:off x="10744200" y="5924550"/>
+            <a:ext cx="1056443" cy="668216"/>
+          </a:xfrm>
+          <a:prstGeom prst="actionButtonHome">
+            <a:avLst/>
+          </a:prstGeom>
+          <a:ln>
+            <a:solidFill>
+              <a:schemeClr val="accent1">
+                <a:lumMod val="10000"/>
+              </a:schemeClr>
+            </a:solidFill>
+          </a:ln>
+        </p:spPr>
+        <p:style>
+          <a:lnRef idx="2">
+            <a:schemeClr val="accent5">
+              <a:shade val="50000"/>
+            </a:schemeClr>
+          </a:lnRef>
+          <a:fillRef idx="1">
+            <a:schemeClr val="accent5"/>
+          </a:fillRef>
+          <a:effectRef idx="0">
+            <a:schemeClr val="accent5"/>
+          </a:effectRef>
+          <a:fontRef idx="minor">
+            <a:schemeClr val="lt1"/>
+          </a:fontRef>
+        </p:style>
+        <p:txBody>
+          <a:bodyPr rtlCol="0" anchor="ctr"/>
+          <a:lstStyle/>
+          <a:p>
+            <a:pPr algn="ctr"/>
+            <a:endParaRPr lang="en-MY"/>
+          </a:p>
+        </p:txBody>
+      </p:sp>
+      <p:sp>
+        <p:nvSpPr>
+          <p:cNvPr id="11" name="Action Button: Go Back or Previous 10">
+            <a:hlinkClick r:id="" action="ppaction://hlinkshowjump?jump=previousslide" highlightClick="1"/>
+            <a:extLst>
+              <a:ext uri="{FF2B5EF4-FFF2-40B4-BE49-F238E27FC236}">
+                <a16:creationId xmlns:a16="http://schemas.microsoft.com/office/drawing/2014/main" id="{62729E00-4D6C-471B-93F9-F849C7B5AB69}"/>
+              </a:ext>
+            </a:extLst>
+          </p:cNvPr>
+          <p:cNvSpPr/>
+          <p:nvPr/>
+        </p:nvSpPr>
+        <p:spPr>
+          <a:xfrm>
+            <a:off x="876627" y="5910262"/>
+            <a:ext cx="906971" cy="508123"/>
+          </a:xfrm>
+          <a:prstGeom prst="actionButtonBackPrevious">
+            <a:avLst/>
+          </a:prstGeom>
+          <a:ln>
+            <a:solidFill>
+              <a:schemeClr val="tx2">
+                <a:lumMod val="10000"/>
+              </a:schemeClr>
+            </a:solidFill>
+          </a:ln>
+        </p:spPr>
+        <p:style>
+          <a:lnRef idx="2">
+            <a:schemeClr val="accent4">
+              <a:shade val="50000"/>
+            </a:schemeClr>
+          </a:lnRef>
+          <a:fillRef idx="1">
+            <a:schemeClr val="accent4"/>
+          </a:fillRef>
+          <a:effectRef idx="0">
+            <a:schemeClr val="accent4"/>
+          </a:effectRef>
+          <a:fontRef idx="minor">
+            <a:schemeClr val="lt1"/>
+          </a:fontRef>
+        </p:style>
+        <p:txBody>
+          <a:bodyPr rtlCol="0" anchor="ctr"/>
+          <a:lstStyle/>
+          <a:p>
+            <a:pPr algn="ctr"/>
+            <a:endParaRPr lang="en-MY"/>
+          </a:p>
+        </p:txBody>
+      </p:sp>
+      <p:sp>
+        <p:nvSpPr>
+          <p:cNvPr id="17" name="TextBox 16">
+            <a:hlinkClick r:id="rId3" action="ppaction://hlinksldjump"/>
+            <a:extLst>
+              <a:ext uri="{FF2B5EF4-FFF2-40B4-BE49-F238E27FC236}">
+                <a16:creationId xmlns:a16="http://schemas.microsoft.com/office/drawing/2014/main" id="{FA4E1669-5F3A-4963-BBB7-FDE063B19639}"/>
+              </a:ext>
+            </a:extLst>
+          </p:cNvPr>
+          <p:cNvSpPr txBox="1"/>
+          <p:nvPr/>
+        </p:nvSpPr>
+        <p:spPr>
+          <a:xfrm>
+            <a:off x="5216115" y="3807229"/>
+            <a:ext cx="1712422" cy="365760"/>
+          </a:xfrm>
+          <a:prstGeom prst="rect">
+            <a:avLst/>
+          </a:prstGeom>
+          <a:noFill/>
+        </p:spPr>
+        <p:txBody>
+          <a:bodyPr wrap="square" rtlCol="0">
+            <a:spAutoFit/>
+          </a:bodyPr>
+          <a:lstStyle/>
+          <a:p>
+            <a:endParaRPr lang="en-MY" dirty="0"/>
+          </a:p>
+        </p:txBody>
+      </p:sp>
+    </p:spTree>
+    <p:extLst>
+      <p:ext uri="{BB962C8B-B14F-4D97-AF65-F5344CB8AC3E}">
+        <p14:creationId xmlns:p14="http://schemas.microsoft.com/office/powerpoint/2010/main" val="4102972326"/>
+      </p:ext>
+    </p:extLst>
+  </p:cSld>
+  <p:clrMapOvr>
+    <a:masterClrMapping/>
+  </p:clrMapOvr>
+</p:sld>
+</file>
+
+<file path=ppt/slides/slide2.xml><?xml version="1.0" encoding="utf-8"?>
+<p:sld xmlns:a="http://schemas.openxmlformats.org/drawingml/2006/main" xmlns:r="http://schemas.openxmlformats.org/officeDocument/2006/relationships" xmlns:p="http://schemas.openxmlformats.org/presentationml/2006/main">
+  <p:cSld>
+    <p:spTree>
+      <p:nvGrpSpPr>
+        <p:cNvPr id="1" name=""/>
+        <p:cNvGrpSpPr/>
+        <p:nvPr/>
+      </p:nvGrpSpPr>
+      <p:grpSpPr>
+        <a:xfrm>
+          <a:off x="0" y="0"/>
+          <a:ext cx="0" cy="0"/>
+          <a:chOff x="0" y="0"/>
+          <a:chExt cx="0" cy="0"/>
+        </a:xfrm>
+      </p:grpSpPr>
+      <p:sp>
+        <p:nvSpPr>
+          <p:cNvPr id="4" name="TextBox 3">
+            <a:extLst>
+              <a:ext uri="{FF2B5EF4-FFF2-40B4-BE49-F238E27FC236}">
+                <a16:creationId xmlns:a16="http://schemas.microsoft.com/office/drawing/2014/main" id="{FB6F6D85-918A-4B7B-825D-83511722034B}"/>
+              </a:ext>
+            </a:extLst>
+          </p:cNvPr>
+          <p:cNvSpPr txBox="1"/>
+          <p:nvPr/>
+        </p:nvSpPr>
+        <p:spPr>
+          <a:xfrm>
+            <a:off x="409575" y="161925"/>
+            <a:ext cx="11344275" cy="369332"/>
+          </a:xfrm>
+          <a:prstGeom prst="rect">
+            <a:avLst/>
+          </a:prstGeom>
+          <a:noFill/>
+        </p:spPr>
+        <p:txBody>
+          <a:bodyPr wrap="square" rtlCol="0">
+            <a:spAutoFit/>
+          </a:bodyPr>
+          <a:lstStyle/>
+          <a:p>
+            <a:pPr algn="ctr"/>
+            <a:r>
+              <a:rPr lang="en-US" dirty="0"/>
+              <a:t>LOGIN INTERFACE</a:t>
+            </a:r>
+            <a:endParaRPr lang="en-MY" dirty="0"/>
+          </a:p>
+        </p:txBody>
+      </p:sp>
+      <p:pic>
+        <p:nvPicPr>
+          <p:cNvPr id="5" name="Picture 4">
+            <a:extLst>
+              <a:ext uri="{FF2B5EF4-FFF2-40B4-BE49-F238E27FC236}">
+                <a16:creationId xmlns:a16="http://schemas.microsoft.com/office/drawing/2014/main" id="{3250821C-0517-49EA-985D-6D8452D45F31}"/>
+              </a:ext>
+            </a:extLst>
+          </p:cNvPr>
+          <p:cNvPicPr>
+            <a:picLocks noChangeAspect="1"/>
+          </p:cNvPicPr>
+          <p:nvPr/>
+        </p:nvPicPr>
+        <p:blipFill>
+          <a:blip r:embed="rId2"/>
+          <a:stretch>
+            <a:fillRect/>
+          </a:stretch>
+        </p:blipFill>
+        <p:spPr>
+          <a:xfrm>
+            <a:off x="4724399" y="947737"/>
+            <a:ext cx="2714625" cy="4962525"/>
+          </a:xfrm>
+          <a:prstGeom prst="rect">
+            <a:avLst/>
+          </a:prstGeom>
+        </p:spPr>
+      </p:pic>
+      <p:sp>
+        <p:nvSpPr>
+          <p:cNvPr id="2" name="Action Button: Go Forward or Next 1">
+            <a:hlinkClick r:id="" action="ppaction://hlinkshowjump?jump=nextslide" highlightClick="1"/>
+            <a:extLst>
+              <a:ext uri="{FF2B5EF4-FFF2-40B4-BE49-F238E27FC236}">
+                <a16:creationId xmlns:a16="http://schemas.microsoft.com/office/drawing/2014/main" id="{6455D3AC-1ABB-474A-B764-4AF8494C3A2A}"/>
+              </a:ext>
+            </a:extLst>
+          </p:cNvPr>
+          <p:cNvSpPr/>
+          <p:nvPr/>
+        </p:nvSpPr>
+        <p:spPr>
+          <a:xfrm>
+            <a:off x="10814538" y="5910262"/>
+            <a:ext cx="939312" cy="508123"/>
+          </a:xfrm>
+          <a:prstGeom prst="actionButtonForwardNext">
+            <a:avLst/>
+          </a:prstGeom>
+          <a:ln>
+            <a:solidFill>
+              <a:schemeClr val="bg2">
+                <a:lumMod val="75000"/>
+                <a:lumOff val="25000"/>
+              </a:schemeClr>
+            </a:solidFill>
+          </a:ln>
+        </p:spPr>
+        <p:style>
+          <a:lnRef idx="3">
+            <a:schemeClr val="lt1"/>
+          </a:lnRef>
+          <a:fillRef idx="1">
+            <a:schemeClr val="accent3"/>
+          </a:fillRef>
+          <a:effectRef idx="1">
+            <a:schemeClr val="accent3"/>
+          </a:effectRef>
+          <a:fontRef idx="minor">
+            <a:schemeClr val="lt1"/>
+          </a:fontRef>
+        </p:style>
+        <p:txBody>
+          <a:bodyPr rtlCol="0" anchor="ctr"/>
+          <a:lstStyle/>
+          <a:p>
+            <a:pPr algn="ctr"/>
+            <a:endParaRPr lang="en-MY"/>
+          </a:p>
+        </p:txBody>
+      </p:sp>
+      <p:sp>
+        <p:nvSpPr>
+          <p:cNvPr id="3" name="Action Button: Go Back or Previous 2">
+            <a:hlinkClick r:id="" action="ppaction://hlinkshowjump?jump=previousslide" highlightClick="1"/>
+            <a:extLst>
+              <a:ext uri="{FF2B5EF4-FFF2-40B4-BE49-F238E27FC236}">
+                <a16:creationId xmlns:a16="http://schemas.microsoft.com/office/drawing/2014/main" id="{DF200C9C-3FC7-4A23-B0F0-4B9F8706BE03}"/>
+              </a:ext>
+            </a:extLst>
+          </p:cNvPr>
+          <p:cNvSpPr/>
+          <p:nvPr/>
+        </p:nvSpPr>
+        <p:spPr>
+          <a:xfrm>
+            <a:off x="876627" y="5910262"/>
+            <a:ext cx="906971" cy="508123"/>
+          </a:xfrm>
+          <a:prstGeom prst="actionButtonBackPrevious">
+            <a:avLst/>
+          </a:prstGeom>
+          <a:ln>
+            <a:solidFill>
+              <a:schemeClr val="tx2">
+                <a:lumMod val="10000"/>
+              </a:schemeClr>
+            </a:solidFill>
+          </a:ln>
+        </p:spPr>
+        <p:style>
+          <a:lnRef idx="2">
+            <a:schemeClr val="accent4">
+              <a:shade val="50000"/>
+            </a:schemeClr>
+          </a:lnRef>
+          <a:fillRef idx="1">
+            <a:schemeClr val="accent4"/>
+          </a:fillRef>
+          <a:effectRef idx="0">
+            <a:schemeClr val="accent4"/>
+          </a:effectRef>
+          <a:fontRef idx="minor">
+            <a:schemeClr val="lt1"/>
+          </a:fontRef>
+        </p:style>
+        <p:txBody>
+          <a:bodyPr rtlCol="0" anchor="ctr"/>
+          <a:lstStyle/>
+          <a:p>
+            <a:pPr algn="ctr"/>
+            <a:endParaRPr lang="en-MY"/>
+          </a:p>
+        </p:txBody>
+      </p:sp>
+      <p:sp>
+        <p:nvSpPr>
+          <p:cNvPr id="6" name="TextBox 5">
+            <a:hlinkClick r:id="rId3" action="ppaction://hlinksldjump"/>
+            <a:extLst>
+              <a:ext uri="{FF2B5EF4-FFF2-40B4-BE49-F238E27FC236}">
+                <a16:creationId xmlns:a16="http://schemas.microsoft.com/office/drawing/2014/main" id="{B0D135D4-AA62-4A17-8AC2-3B8C7508B024}"/>
+              </a:ext>
+            </a:extLst>
+          </p:cNvPr>
+          <p:cNvSpPr txBox="1"/>
+          <p:nvPr/>
+        </p:nvSpPr>
+        <p:spPr>
+          <a:xfrm>
+            <a:off x="4839799" y="3727938"/>
+            <a:ext cx="2512402" cy="219809"/>
+          </a:xfrm>
+          <a:prstGeom prst="rect">
+            <a:avLst/>
+          </a:prstGeom>
+          <a:noFill/>
+        </p:spPr>
+        <p:txBody>
+          <a:bodyPr wrap="square" rtlCol="0">
+            <a:spAutoFit/>
+          </a:bodyPr>
+          <a:lstStyle/>
+          <a:p>
+            <a:endParaRPr lang="en-MY" dirty="0"/>
+          </a:p>
+        </p:txBody>
+      </p:sp>
+      <p:sp>
+        <p:nvSpPr>
+          <p:cNvPr id="7" name="TextBox 6">
+            <a:hlinkClick r:id="rId4" action="ppaction://hlinksldjump"/>
+            <a:extLst>
+              <a:ext uri="{FF2B5EF4-FFF2-40B4-BE49-F238E27FC236}">
+                <a16:creationId xmlns:a16="http://schemas.microsoft.com/office/drawing/2014/main" id="{A74703C7-A4FD-42B2-9FD0-4999418DD1D2}"/>
+              </a:ext>
+            </a:extLst>
+          </p:cNvPr>
+          <p:cNvSpPr txBox="1"/>
+          <p:nvPr/>
+        </p:nvSpPr>
+        <p:spPr>
+          <a:xfrm>
+            <a:off x="5470645" y="3947747"/>
+            <a:ext cx="1222131" cy="219809"/>
+          </a:xfrm>
+          <a:prstGeom prst="rect">
+            <a:avLst/>
+          </a:prstGeom>
+          <a:noFill/>
+        </p:spPr>
+        <p:txBody>
+          <a:bodyPr wrap="square" rtlCol="0">
+            <a:spAutoFit/>
+          </a:bodyPr>
+          <a:lstStyle/>
+          <a:p>
+            <a:endParaRPr lang="en-MY" dirty="0"/>
+          </a:p>
+        </p:txBody>
+      </p:sp>
+      <p:sp>
+        <p:nvSpPr>
+          <p:cNvPr id="10" name="TextBox 9">
+            <a:extLst>
+              <a:ext uri="{FF2B5EF4-FFF2-40B4-BE49-F238E27FC236}">
+                <a16:creationId xmlns:a16="http://schemas.microsoft.com/office/drawing/2014/main" id="{6074F10B-8A2F-490B-A104-3640AB3956D0}"/>
+              </a:ext>
+            </a:extLst>
+          </p:cNvPr>
+          <p:cNvSpPr txBox="1"/>
+          <p:nvPr/>
+        </p:nvSpPr>
+        <p:spPr>
+          <a:xfrm>
+            <a:off x="2302483" y="3732281"/>
+            <a:ext cx="2180493" cy="369332"/>
+          </a:xfrm>
+          <a:prstGeom prst="rect">
+            <a:avLst/>
+          </a:prstGeom>
+          <a:noFill/>
+        </p:spPr>
+        <p:txBody>
+          <a:bodyPr wrap="square" rtlCol="0">
+            <a:spAutoFit/>
+          </a:bodyPr>
+          <a:lstStyle/>
+          <a:p>
+            <a:endParaRPr lang="en-MY" dirty="0"/>
+          </a:p>
+        </p:txBody>
+      </p:sp>
+      <p:sp>
+        <p:nvSpPr>
+          <p:cNvPr id="12" name="TextBox 11">
+            <a:extLst>
+              <a:ext uri="{FF2B5EF4-FFF2-40B4-BE49-F238E27FC236}">
+                <a16:creationId xmlns:a16="http://schemas.microsoft.com/office/drawing/2014/main" id="{6799A628-455E-42C5-9338-EE7709496E0E}"/>
+              </a:ext>
+            </a:extLst>
+          </p:cNvPr>
+          <p:cNvSpPr txBox="1"/>
+          <p:nvPr/>
+        </p:nvSpPr>
+        <p:spPr>
+          <a:xfrm>
+            <a:off x="7709023" y="3358606"/>
+            <a:ext cx="1725122" cy="369332"/>
+          </a:xfrm>
+          <a:prstGeom prst="rect">
+            <a:avLst/>
+          </a:prstGeom>
+          <a:noFill/>
+        </p:spPr>
+        <p:txBody>
+          <a:bodyPr wrap="square" rtlCol="0">
+            <a:spAutoFit/>
+          </a:bodyPr>
+          <a:lstStyle/>
+          <a:p>
+            <a:pPr algn="ctr"/>
+            <a:r>
+              <a:rPr lang="en-US" dirty="0"/>
+              <a:t>Login as Teacher</a:t>
+            </a:r>
+          </a:p>
+        </p:txBody>
+      </p:sp>
+      <p:sp>
+        <p:nvSpPr>
+          <p:cNvPr id="14" name="TextBox 13">
+            <a:extLst>
+              <a:ext uri="{FF2B5EF4-FFF2-40B4-BE49-F238E27FC236}">
+                <a16:creationId xmlns:a16="http://schemas.microsoft.com/office/drawing/2014/main" id="{2F1CE3F8-468B-479B-B08C-7EB5F5FD1E2E}"/>
+              </a:ext>
+            </a:extLst>
+          </p:cNvPr>
+          <p:cNvSpPr txBox="1"/>
+          <p:nvPr/>
+        </p:nvSpPr>
+        <p:spPr>
+          <a:xfrm>
+            <a:off x="2904387" y="3358606"/>
+            <a:ext cx="1578589" cy="369332"/>
+          </a:xfrm>
+          <a:prstGeom prst="rect">
+            <a:avLst/>
+          </a:prstGeom>
+          <a:noFill/>
+        </p:spPr>
+        <p:txBody>
+          <a:bodyPr wrap="square" rtlCol="0">
+            <a:spAutoFit/>
+          </a:bodyPr>
+          <a:lstStyle/>
+          <a:p>
+            <a:pPr algn="ctr"/>
+            <a:r>
+              <a:rPr lang="en-US" dirty="0"/>
+              <a:t>Login as Admin</a:t>
+            </a:r>
+          </a:p>
+        </p:txBody>
+      </p:sp>
+      <p:sp>
+        <p:nvSpPr>
+          <p:cNvPr id="17" name="Rectangle: Rounded Corners 16">
+            <a:hlinkClick r:id="rId5" action="ppaction://hlinksldjump"/>
+            <a:extLst>
+              <a:ext uri="{FF2B5EF4-FFF2-40B4-BE49-F238E27FC236}">
+                <a16:creationId xmlns:a16="http://schemas.microsoft.com/office/drawing/2014/main" id="{009ADF53-DE78-40CB-A529-169B9D72BA5A}"/>
+              </a:ext>
+            </a:extLst>
+          </p:cNvPr>
+          <p:cNvSpPr/>
+          <p:nvPr/>
+        </p:nvSpPr>
+        <p:spPr>
+          <a:xfrm>
+            <a:off x="8033742" y="3741126"/>
+            <a:ext cx="1075683" cy="351641"/>
+          </a:xfrm>
+          <a:prstGeom prst="roundRect">
+            <a:avLst/>
+          </a:prstGeom>
+        </p:spPr>
+        <p:style>
+          <a:lnRef idx="2">
+            <a:schemeClr val="accent4">
+              <a:shade val="50000"/>
+            </a:schemeClr>
+          </a:lnRef>
+          <a:fillRef idx="1">
+            <a:schemeClr val="accent4"/>
+          </a:fillRef>
+          <a:effectRef idx="0">
+            <a:schemeClr val="accent4"/>
+          </a:effectRef>
+          <a:fontRef idx="minor">
+            <a:schemeClr val="lt1"/>
+          </a:fontRef>
+        </p:style>
+        <p:txBody>
+          <a:bodyPr rtlCol="0" anchor="ctr"/>
+          <a:lstStyle/>
+          <a:p>
+            <a:pPr algn="ctr"/>
+            <a:r>
+              <a:rPr lang="en-US" sz="1200" dirty="0"/>
+              <a:t>CLICK HERE</a:t>
+            </a:r>
+            <a:endParaRPr lang="en-MY" sz="1200" dirty="0"/>
+          </a:p>
+        </p:txBody>
+      </p:sp>
+      <p:sp>
+        <p:nvSpPr>
+          <p:cNvPr id="19" name="Rectangle: Rounded Corners 18">
+            <a:hlinkClick r:id="rId3" action="ppaction://hlinksldjump"/>
+            <a:extLst>
+              <a:ext uri="{FF2B5EF4-FFF2-40B4-BE49-F238E27FC236}">
+                <a16:creationId xmlns:a16="http://schemas.microsoft.com/office/drawing/2014/main" id="{626AAC78-BAA1-461C-96FE-35C35B010EF3}"/>
+              </a:ext>
+            </a:extLst>
+          </p:cNvPr>
+          <p:cNvSpPr/>
+          <p:nvPr/>
+        </p:nvSpPr>
+        <p:spPr>
+          <a:xfrm>
+            <a:off x="3155839" y="3741126"/>
+            <a:ext cx="1075683" cy="351641"/>
+          </a:xfrm>
+          <a:prstGeom prst="roundRect">
+            <a:avLst/>
+          </a:prstGeom>
+        </p:spPr>
+        <p:style>
+          <a:lnRef idx="2">
+            <a:schemeClr val="accent4">
+              <a:shade val="50000"/>
+            </a:schemeClr>
+          </a:lnRef>
+          <a:fillRef idx="1">
+            <a:schemeClr val="accent4"/>
+          </a:fillRef>
+          <a:effectRef idx="0">
+            <a:schemeClr val="accent4"/>
+          </a:effectRef>
+          <a:fontRef idx="minor">
+            <a:schemeClr val="lt1"/>
+          </a:fontRef>
+        </p:style>
+        <p:txBody>
+          <a:bodyPr rtlCol="0" anchor="ctr"/>
+          <a:lstStyle/>
+          <a:p>
+            <a:pPr algn="ctr"/>
+            <a:r>
+              <a:rPr lang="en-US" sz="1200" dirty="0"/>
+              <a:t>CLICK HERE</a:t>
+            </a:r>
+            <a:endParaRPr lang="en-MY" sz="1200" dirty="0"/>
+          </a:p>
+        </p:txBody>
+      </p:sp>
+    </p:spTree>
+    <p:extLst>
+      <p:ext uri="{BB962C8B-B14F-4D97-AF65-F5344CB8AC3E}">
+        <p14:creationId xmlns:p14="http://schemas.microsoft.com/office/powerpoint/2010/main" val="1987474841"/>
+      </p:ext>
+    </p:extLst>
+  </p:cSld>
+  <p:clrMapOvr>
+    <a:masterClrMapping/>
+  </p:clrMapOvr>
+</p:sld>
+</file>
+
+<file path=ppt/slides/slide3.xml><?xml version="1.0" encoding="utf-8"?>
+<p:sld xmlns:a="http://schemas.openxmlformats.org/drawingml/2006/main" xmlns:r="http://schemas.openxmlformats.org/officeDocument/2006/relationships" xmlns:p="http://schemas.openxmlformats.org/presentationml/2006/main">
+  <p:cSld>
+    <p:spTree>
+      <p:nvGrpSpPr>
+        <p:cNvPr id="1" name=""/>
+        <p:cNvGrpSpPr/>
+        <p:nvPr/>
+      </p:nvGrpSpPr>
+      <p:grpSpPr>
+        <a:xfrm>
+          <a:off x="0" y="0"/>
+          <a:ext cx="0" cy="0"/>
+          <a:chOff x="0" y="0"/>
+          <a:chExt cx="0" cy="0"/>
+        </a:xfrm>
+      </p:grpSpPr>
+      <p:sp>
+        <p:nvSpPr>
+          <p:cNvPr id="4" name="TextBox 3">
+            <a:extLst>
+              <a:ext uri="{FF2B5EF4-FFF2-40B4-BE49-F238E27FC236}">
+                <a16:creationId xmlns:a16="http://schemas.microsoft.com/office/drawing/2014/main" id="{EC5C8E7A-9165-4538-B872-42B0DAA1E62A}"/>
+              </a:ext>
+            </a:extLst>
+          </p:cNvPr>
+          <p:cNvSpPr txBox="1"/>
+          <p:nvPr/>
+        </p:nvSpPr>
+        <p:spPr>
+          <a:xfrm>
+            <a:off x="498628" y="195309"/>
+            <a:ext cx="11194742" cy="369332"/>
+          </a:xfrm>
+          <a:prstGeom prst="rect">
+            <a:avLst/>
+          </a:prstGeom>
+          <a:noFill/>
+        </p:spPr>
+        <p:txBody>
+          <a:bodyPr wrap="square" rtlCol="0">
+            <a:spAutoFit/>
+          </a:bodyPr>
+          <a:lstStyle/>
+          <a:p>
+            <a:pPr algn="ctr"/>
+            <a:r>
+              <a:rPr lang="en-US" dirty="0"/>
+              <a:t>REGISTER INTERFACE</a:t>
+            </a:r>
+            <a:endParaRPr lang="en-MY" dirty="0"/>
+          </a:p>
+        </p:txBody>
+      </p:sp>
+      <p:pic>
+        <p:nvPicPr>
+          <p:cNvPr id="6" name="Picture 5">
+            <a:extLst>
+              <a:ext uri="{FF2B5EF4-FFF2-40B4-BE49-F238E27FC236}">
+                <a16:creationId xmlns:a16="http://schemas.microsoft.com/office/drawing/2014/main" id="{03970180-11C7-4970-B45E-7E5D608B3C55}"/>
+              </a:ext>
+            </a:extLst>
+          </p:cNvPr>
+          <p:cNvPicPr>
+            <a:picLocks noChangeAspect="1"/>
+          </p:cNvPicPr>
+          <p:nvPr/>
+        </p:nvPicPr>
+        <p:blipFill>
+          <a:blip r:embed="rId2"/>
+          <a:stretch>
+            <a:fillRect/>
+          </a:stretch>
+        </p:blipFill>
+        <p:spPr>
+          <a:xfrm>
+            <a:off x="4700587" y="962025"/>
+            <a:ext cx="2790825" cy="4933950"/>
+          </a:xfrm>
+          <a:prstGeom prst="rect">
+            <a:avLst/>
+          </a:prstGeom>
+        </p:spPr>
+      </p:pic>
+      <p:sp>
+        <p:nvSpPr>
+          <p:cNvPr id="2" name="Action Button: Go Forward or Next 1">
+            <a:hlinkClick r:id="" action="ppaction://hlinkshowjump?jump=nextslide" highlightClick="1"/>
+            <a:extLst>
+              <a:ext uri="{FF2B5EF4-FFF2-40B4-BE49-F238E27FC236}">
+                <a16:creationId xmlns:a16="http://schemas.microsoft.com/office/drawing/2014/main" id="{AC606708-B245-4A48-A339-1D5474395159}"/>
+              </a:ext>
+            </a:extLst>
+          </p:cNvPr>
+          <p:cNvSpPr/>
+          <p:nvPr/>
+        </p:nvSpPr>
+        <p:spPr>
+          <a:xfrm>
+            <a:off x="10814538" y="5910262"/>
+            <a:ext cx="939312" cy="508123"/>
+          </a:xfrm>
+          <a:prstGeom prst="actionButtonForwardNext">
+            <a:avLst/>
+          </a:prstGeom>
+          <a:ln>
+            <a:solidFill>
+              <a:schemeClr val="bg2">
+                <a:lumMod val="75000"/>
+                <a:lumOff val="25000"/>
+              </a:schemeClr>
+            </a:solidFill>
+          </a:ln>
+        </p:spPr>
+        <p:style>
+          <a:lnRef idx="3">
+            <a:schemeClr val="lt1"/>
+          </a:lnRef>
+          <a:fillRef idx="1">
+            <a:schemeClr val="accent3"/>
+          </a:fillRef>
+          <a:effectRef idx="1">
+            <a:schemeClr val="accent3"/>
+          </a:effectRef>
+          <a:fontRef idx="minor">
+            <a:schemeClr val="lt1"/>
+          </a:fontRef>
+        </p:style>
+        <p:txBody>
+          <a:bodyPr rtlCol="0" anchor="ctr"/>
+          <a:lstStyle/>
+          <a:p>
+            <a:pPr algn="ctr"/>
+            <a:endParaRPr lang="en-MY"/>
+          </a:p>
+        </p:txBody>
+      </p:sp>
+      <p:sp>
+        <p:nvSpPr>
+          <p:cNvPr id="3" name="Action Button: Go Back or Previous 2">
+            <a:hlinkClick r:id="" action="ppaction://hlinkshowjump?jump=previousslide" highlightClick="1"/>
+            <a:extLst>
+              <a:ext uri="{FF2B5EF4-FFF2-40B4-BE49-F238E27FC236}">
+                <a16:creationId xmlns:a16="http://schemas.microsoft.com/office/drawing/2014/main" id="{386F95ED-0583-4EA0-9DFF-3FC9E7FE2036}"/>
+              </a:ext>
+            </a:extLst>
+          </p:cNvPr>
+          <p:cNvSpPr/>
+          <p:nvPr/>
+        </p:nvSpPr>
+        <p:spPr>
+          <a:xfrm>
+            <a:off x="876627" y="5910262"/>
+            <a:ext cx="906971" cy="508123"/>
+          </a:xfrm>
+          <a:prstGeom prst="actionButtonBackPrevious">
+            <a:avLst/>
+          </a:prstGeom>
+          <a:ln>
+            <a:solidFill>
+              <a:schemeClr val="tx2">
+                <a:lumMod val="10000"/>
+              </a:schemeClr>
+            </a:solidFill>
+          </a:ln>
+        </p:spPr>
+        <p:style>
+          <a:lnRef idx="2">
+            <a:schemeClr val="accent4">
+              <a:shade val="50000"/>
+            </a:schemeClr>
+          </a:lnRef>
+          <a:fillRef idx="1">
+            <a:schemeClr val="accent4"/>
+          </a:fillRef>
+          <a:effectRef idx="0">
+            <a:schemeClr val="accent4"/>
+          </a:effectRef>
+          <a:fontRef idx="minor">
+            <a:schemeClr val="lt1"/>
+          </a:fontRef>
+        </p:style>
+        <p:txBody>
+          <a:bodyPr rtlCol="0" anchor="ctr"/>
+          <a:lstStyle/>
+          <a:p>
+            <a:pPr algn="ctr"/>
+            <a:endParaRPr lang="en-MY"/>
+          </a:p>
+        </p:txBody>
+      </p:sp>
+      <p:sp>
+        <p:nvSpPr>
+          <p:cNvPr id="9" name="TextBox 8">
+            <a:hlinkClick r:id="rId3" action="ppaction://hlinksldjump"/>
+            <a:extLst>
+              <a:ext uri="{FF2B5EF4-FFF2-40B4-BE49-F238E27FC236}">
+                <a16:creationId xmlns:a16="http://schemas.microsoft.com/office/drawing/2014/main" id="{34679284-F88A-419A-BC6A-86ECCE60AD3F}"/>
+              </a:ext>
+            </a:extLst>
+          </p:cNvPr>
+          <p:cNvSpPr txBox="1"/>
+          <p:nvPr/>
+        </p:nvSpPr>
+        <p:spPr>
+          <a:xfrm>
+            <a:off x="5794131" y="4360984"/>
+            <a:ext cx="580292" cy="369332"/>
+          </a:xfrm>
+          <a:prstGeom prst="rect">
+            <a:avLst/>
+          </a:prstGeom>
+          <a:noFill/>
+        </p:spPr>
+        <p:txBody>
+          <a:bodyPr wrap="square" rtlCol="0">
+            <a:spAutoFit/>
+          </a:bodyPr>
+          <a:lstStyle/>
+          <a:p>
+            <a:endParaRPr lang="en-MY" dirty="0"/>
+          </a:p>
+        </p:txBody>
+      </p:sp>
+      <p:sp>
+        <p:nvSpPr>
+          <p:cNvPr id="10" name="TextBox 9">
+            <a:extLst>
+              <a:ext uri="{FF2B5EF4-FFF2-40B4-BE49-F238E27FC236}">
+                <a16:creationId xmlns:a16="http://schemas.microsoft.com/office/drawing/2014/main" id="{A17DC650-857A-479D-A844-2A0025AC8B9D}"/>
+              </a:ext>
+            </a:extLst>
+          </p:cNvPr>
+          <p:cNvSpPr txBox="1"/>
+          <p:nvPr/>
+        </p:nvSpPr>
+        <p:spPr>
+          <a:xfrm>
+            <a:off x="5811715" y="5152292"/>
+            <a:ext cx="184731" cy="369332"/>
+          </a:xfrm>
+          <a:prstGeom prst="rect">
+            <a:avLst/>
+          </a:prstGeom>
+          <a:noFill/>
+        </p:spPr>
+        <p:txBody>
+          <a:bodyPr wrap="none" rtlCol="0">
+            <a:spAutoFit/>
+          </a:bodyPr>
+          <a:lstStyle/>
+          <a:p>
+            <a:endParaRPr lang="en-MY" dirty="0"/>
+          </a:p>
+        </p:txBody>
+      </p:sp>
+      <p:sp>
+        <p:nvSpPr>
+          <p:cNvPr id="11" name="TextBox 10">
+            <a:hlinkClick r:id="rId3" action="ppaction://hlinksldjump"/>
+            <a:extLst>
+              <a:ext uri="{FF2B5EF4-FFF2-40B4-BE49-F238E27FC236}">
+                <a16:creationId xmlns:a16="http://schemas.microsoft.com/office/drawing/2014/main" id="{A103E17E-793A-4D7A-AC43-0B67BFA4C3FB}"/>
+              </a:ext>
+            </a:extLst>
+          </p:cNvPr>
+          <p:cNvSpPr txBox="1"/>
+          <p:nvPr/>
+        </p:nvSpPr>
+        <p:spPr>
+          <a:xfrm>
+            <a:off x="5454162" y="4698837"/>
+            <a:ext cx="1283676" cy="158207"/>
+          </a:xfrm>
+          <a:prstGeom prst="rect">
+            <a:avLst/>
+          </a:prstGeom>
+          <a:noFill/>
+        </p:spPr>
+        <p:txBody>
+          <a:bodyPr wrap="square" rtlCol="0">
+            <a:spAutoFit/>
+          </a:bodyPr>
+          <a:lstStyle/>
+          <a:p>
+            <a:endParaRPr lang="en-MY" dirty="0"/>
+          </a:p>
+        </p:txBody>
+      </p:sp>
+    </p:spTree>
+    <p:extLst>
+      <p:ext uri="{BB962C8B-B14F-4D97-AF65-F5344CB8AC3E}">
+        <p14:creationId xmlns:p14="http://schemas.microsoft.com/office/powerpoint/2010/main" val="3454661769"/>
+      </p:ext>
+    </p:extLst>
+  </p:cSld>
+  <p:clrMapOvr>
+    <a:masterClrMapping/>
+  </p:clrMapOvr>
+</p:sld>
+</file>
+
+<file path=ppt/slides/slide4.xml><?xml version="1.0" encoding="utf-8"?>
+<p:sld xmlns:a="http://schemas.openxmlformats.org/drawingml/2006/main" xmlns:r="http://schemas.openxmlformats.org/officeDocument/2006/relationships" xmlns:p="http://schemas.openxmlformats.org/presentationml/2006/main">
+  <p:cSld>
+    <p:spTree>
+      <p:nvGrpSpPr>
+        <p:cNvPr id="1" name=""/>
+        <p:cNvGrpSpPr/>
+        <p:nvPr/>
+      </p:nvGrpSpPr>
+      <p:grpSpPr>
+        <a:xfrm>
+          <a:off x="0" y="0"/>
+          <a:ext cx="0" cy="0"/>
+          <a:chOff x="0" y="0"/>
+          <a:chExt cx="0" cy="0"/>
+        </a:xfrm>
+      </p:grpSpPr>
+      <p:sp>
+        <p:nvSpPr>
+          <p:cNvPr id="4" name="TextBox 3">
+            <a:extLst>
+              <a:ext uri="{FF2B5EF4-FFF2-40B4-BE49-F238E27FC236}">
+                <a16:creationId xmlns:a16="http://schemas.microsoft.com/office/drawing/2014/main" id="{0BB597E4-D779-46AD-AB55-E26EDA0C87B4}"/>
+              </a:ext>
+            </a:extLst>
+          </p:cNvPr>
+          <p:cNvSpPr txBox="1"/>
+          <p:nvPr/>
+        </p:nvSpPr>
+        <p:spPr>
+          <a:xfrm>
+            <a:off x="346229" y="204186"/>
+            <a:ext cx="11718524" cy="369332"/>
+          </a:xfrm>
+          <a:prstGeom prst="rect">
+            <a:avLst/>
+          </a:prstGeom>
+          <a:noFill/>
+        </p:spPr>
+        <p:txBody>
+          <a:bodyPr wrap="square" rtlCol="0">
+            <a:spAutoFit/>
+          </a:bodyPr>
+          <a:lstStyle/>
+          <a:p>
+            <a:pPr algn="ctr"/>
+            <a:r>
+              <a:rPr lang="en-US" dirty="0"/>
+              <a:t>ADMIN MENU INTERFACE</a:t>
+            </a:r>
+            <a:endParaRPr lang="en-MY" dirty="0"/>
+          </a:p>
+        </p:txBody>
+      </p:sp>
+      <p:pic>
+        <p:nvPicPr>
+          <p:cNvPr id="5" name="Picture 4">
+            <a:extLst>
+              <a:ext uri="{FF2B5EF4-FFF2-40B4-BE49-F238E27FC236}">
+                <a16:creationId xmlns:a16="http://schemas.microsoft.com/office/drawing/2014/main" id="{E811003C-EB93-45F4-AABC-00161F30BC02}"/>
+              </a:ext>
+            </a:extLst>
+          </p:cNvPr>
+          <p:cNvPicPr>
+            <a:picLocks noChangeAspect="1"/>
+          </p:cNvPicPr>
+          <p:nvPr/>
+        </p:nvPicPr>
+        <p:blipFill>
+          <a:blip r:embed="rId2"/>
+          <a:stretch>
+            <a:fillRect/>
+          </a:stretch>
+        </p:blipFill>
+        <p:spPr>
+          <a:xfrm>
+            <a:off x="4686300" y="909637"/>
+            <a:ext cx="2819400" cy="5038725"/>
+          </a:xfrm>
+          <a:prstGeom prst="rect">
+            <a:avLst/>
+          </a:prstGeom>
+        </p:spPr>
+      </p:pic>
+      <p:sp>
+        <p:nvSpPr>
+          <p:cNvPr id="2" name="Action Button: Go Forward or Next 1">
+            <a:hlinkClick r:id="" action="ppaction://hlinkshowjump?jump=nextslide" highlightClick="1"/>
+            <a:extLst>
+              <a:ext uri="{FF2B5EF4-FFF2-40B4-BE49-F238E27FC236}">
+                <a16:creationId xmlns:a16="http://schemas.microsoft.com/office/drawing/2014/main" id="{1C751CC7-7597-4EC3-A316-BCE7BAE953F1}"/>
+              </a:ext>
+            </a:extLst>
+          </p:cNvPr>
+          <p:cNvSpPr/>
+          <p:nvPr/>
+        </p:nvSpPr>
+        <p:spPr>
+          <a:xfrm>
+            <a:off x="10814538" y="5910262"/>
+            <a:ext cx="939312" cy="508123"/>
+          </a:xfrm>
+          <a:prstGeom prst="actionButtonForwardNext">
+            <a:avLst/>
+          </a:prstGeom>
+          <a:ln>
+            <a:solidFill>
+              <a:schemeClr val="bg2">
+                <a:lumMod val="75000"/>
+                <a:lumOff val="25000"/>
+              </a:schemeClr>
+            </a:solidFill>
+          </a:ln>
+        </p:spPr>
+        <p:style>
+          <a:lnRef idx="3">
+            <a:schemeClr val="lt1"/>
+          </a:lnRef>
+          <a:fillRef idx="1">
+            <a:schemeClr val="accent3"/>
+          </a:fillRef>
+          <a:effectRef idx="1">
+            <a:schemeClr val="accent3"/>
+          </a:effectRef>
+          <a:fontRef idx="minor">
+            <a:schemeClr val="lt1"/>
+          </a:fontRef>
+        </p:style>
+        <p:txBody>
+          <a:bodyPr rtlCol="0" anchor="ctr"/>
+          <a:lstStyle/>
+          <a:p>
+            <a:pPr algn="ctr"/>
+            <a:endParaRPr lang="en-MY"/>
+          </a:p>
+        </p:txBody>
+      </p:sp>
+      <p:sp>
+        <p:nvSpPr>
+          <p:cNvPr id="3" name="Action Button: Go Back or Previous 2">
+            <a:hlinkClick r:id="" action="ppaction://hlinkshowjump?jump=previousslide" highlightClick="1"/>
+            <a:extLst>
+              <a:ext uri="{FF2B5EF4-FFF2-40B4-BE49-F238E27FC236}">
+                <a16:creationId xmlns:a16="http://schemas.microsoft.com/office/drawing/2014/main" id="{44B6054E-7777-4C56-9F98-E48DE063AC43}"/>
+              </a:ext>
+            </a:extLst>
+          </p:cNvPr>
+          <p:cNvSpPr/>
+          <p:nvPr/>
+        </p:nvSpPr>
+        <p:spPr>
+          <a:xfrm>
+            <a:off x="876627" y="5910262"/>
+            <a:ext cx="906971" cy="508123"/>
+          </a:xfrm>
+          <a:prstGeom prst="actionButtonBackPrevious">
+            <a:avLst/>
+          </a:prstGeom>
+          <a:ln>
+            <a:solidFill>
+              <a:schemeClr val="tx2">
+                <a:lumMod val="10000"/>
+              </a:schemeClr>
+            </a:solidFill>
+          </a:ln>
+        </p:spPr>
+        <p:style>
+          <a:lnRef idx="2">
+            <a:schemeClr val="accent4">
+              <a:shade val="50000"/>
+            </a:schemeClr>
+          </a:lnRef>
+          <a:fillRef idx="1">
+            <a:schemeClr val="accent4"/>
+          </a:fillRef>
+          <a:effectRef idx="0">
+            <a:schemeClr val="accent4"/>
+          </a:effectRef>
+          <a:fontRef idx="minor">
+            <a:schemeClr val="lt1"/>
+          </a:fontRef>
+        </p:style>
+        <p:txBody>
+          <a:bodyPr rtlCol="0" anchor="ctr"/>
+          <a:lstStyle/>
+          <a:p>
+            <a:pPr algn="ctr"/>
+            <a:endParaRPr lang="en-MY"/>
+          </a:p>
+        </p:txBody>
+      </p:sp>
+      <p:sp>
+        <p:nvSpPr>
+          <p:cNvPr id="6" name="TextBox 5">
+            <a:hlinkClick r:id="rId3" action="ppaction://hlinksldjump"/>
+            <a:extLst>
+              <a:ext uri="{FF2B5EF4-FFF2-40B4-BE49-F238E27FC236}">
+                <a16:creationId xmlns:a16="http://schemas.microsoft.com/office/drawing/2014/main" id="{30ED8DA8-69BB-4A8D-926B-B6A1572E30AC}"/>
+              </a:ext>
+            </a:extLst>
+          </p:cNvPr>
+          <p:cNvSpPr txBox="1"/>
+          <p:nvPr/>
+        </p:nvSpPr>
+        <p:spPr>
+          <a:xfrm>
+            <a:off x="4923692" y="3015761"/>
+            <a:ext cx="993531" cy="228601"/>
+          </a:xfrm>
+          <a:prstGeom prst="rect">
+            <a:avLst/>
+          </a:prstGeom>
+          <a:noFill/>
+        </p:spPr>
+        <p:txBody>
+          <a:bodyPr wrap="square" rtlCol="0">
+            <a:spAutoFit/>
+          </a:bodyPr>
+          <a:lstStyle/>
+          <a:p>
+            <a:endParaRPr lang="en-MY" dirty="0"/>
+          </a:p>
+        </p:txBody>
+      </p:sp>
+      <p:sp>
+        <p:nvSpPr>
+          <p:cNvPr id="9" name="TextBox 8">
+            <a:extLst>
+              <a:ext uri="{FF2B5EF4-FFF2-40B4-BE49-F238E27FC236}">
+                <a16:creationId xmlns:a16="http://schemas.microsoft.com/office/drawing/2014/main" id="{7317FD75-BD84-4483-B52E-C3AFB16F58BC}"/>
+              </a:ext>
+            </a:extLst>
+          </p:cNvPr>
+          <p:cNvSpPr txBox="1"/>
+          <p:nvPr/>
+        </p:nvSpPr>
+        <p:spPr>
+          <a:xfrm>
+            <a:off x="4923692" y="3499338"/>
+            <a:ext cx="993531" cy="228601"/>
+          </a:xfrm>
+          <a:prstGeom prst="rect">
+            <a:avLst/>
+          </a:prstGeom>
+          <a:noFill/>
+        </p:spPr>
+        <p:txBody>
+          <a:bodyPr wrap="square" rtlCol="0">
+            <a:spAutoFit/>
+          </a:bodyPr>
+          <a:lstStyle/>
+          <a:p>
+            <a:endParaRPr lang="en-MY" dirty="0"/>
+          </a:p>
+        </p:txBody>
+      </p:sp>
+      <p:sp>
+        <p:nvSpPr>
+          <p:cNvPr id="11" name="TextBox 10">
+            <a:extLst>
+              <a:ext uri="{FF2B5EF4-FFF2-40B4-BE49-F238E27FC236}">
+                <a16:creationId xmlns:a16="http://schemas.microsoft.com/office/drawing/2014/main" id="{6474A924-562D-41D5-9469-B97F4A3EEE96}"/>
+              </a:ext>
+            </a:extLst>
+          </p:cNvPr>
+          <p:cNvSpPr txBox="1"/>
+          <p:nvPr/>
+        </p:nvSpPr>
+        <p:spPr>
+          <a:xfrm>
+            <a:off x="6409588" y="3466180"/>
+            <a:ext cx="826481" cy="261759"/>
+          </a:xfrm>
+          <a:prstGeom prst="rect">
+            <a:avLst/>
+          </a:prstGeom>
+          <a:noFill/>
+        </p:spPr>
+        <p:txBody>
+          <a:bodyPr wrap="square" rtlCol="0">
+            <a:spAutoFit/>
+          </a:bodyPr>
+          <a:lstStyle/>
+          <a:p>
+            <a:endParaRPr lang="en-MY" dirty="0"/>
+          </a:p>
+        </p:txBody>
+      </p:sp>
+      <p:sp>
+        <p:nvSpPr>
+          <p:cNvPr id="13" name="TextBox 12">
+            <a:hlinkClick r:id="rId4" action="ppaction://hlinksldjump"/>
+            <a:extLst>
+              <a:ext uri="{FF2B5EF4-FFF2-40B4-BE49-F238E27FC236}">
+                <a16:creationId xmlns:a16="http://schemas.microsoft.com/office/drawing/2014/main" id="{A5BD515E-A770-404C-A6A1-311AA3F42BBF}"/>
+              </a:ext>
+            </a:extLst>
+          </p:cNvPr>
+          <p:cNvSpPr txBox="1"/>
+          <p:nvPr/>
+        </p:nvSpPr>
+        <p:spPr>
+          <a:xfrm>
+            <a:off x="5917223" y="4290011"/>
+            <a:ext cx="580292" cy="261759"/>
+          </a:xfrm>
+          <a:prstGeom prst="rect">
+            <a:avLst/>
+          </a:prstGeom>
+          <a:noFill/>
+        </p:spPr>
+        <p:txBody>
+          <a:bodyPr wrap="square" rtlCol="0">
+            <a:spAutoFit/>
+          </a:bodyPr>
+          <a:lstStyle/>
+          <a:p>
+            <a:endParaRPr lang="en-MY" dirty="0"/>
+          </a:p>
+        </p:txBody>
+      </p:sp>
+      <p:sp>
+        <p:nvSpPr>
+          <p:cNvPr id="15" name="TextBox 14">
+            <a:hlinkClick r:id="rId5" action="ppaction://hlinksldjump"/>
+            <a:extLst>
+              <a:ext uri="{FF2B5EF4-FFF2-40B4-BE49-F238E27FC236}">
+                <a16:creationId xmlns:a16="http://schemas.microsoft.com/office/drawing/2014/main" id="{BB510E72-A3F5-4E68-9A7C-233D6BF81C17}"/>
+              </a:ext>
+            </a:extLst>
+          </p:cNvPr>
+          <p:cNvSpPr txBox="1"/>
+          <p:nvPr/>
+        </p:nvSpPr>
+        <p:spPr>
+          <a:xfrm>
+            <a:off x="6409587" y="3000189"/>
+            <a:ext cx="993531" cy="244174"/>
+          </a:xfrm>
+          <a:prstGeom prst="rect">
+            <a:avLst/>
+          </a:prstGeom>
+          <a:noFill/>
+        </p:spPr>
+        <p:txBody>
+          <a:bodyPr wrap="square" rtlCol="0">
+            <a:spAutoFit/>
+          </a:bodyPr>
+          <a:lstStyle/>
+          <a:p>
+            <a:endParaRPr lang="en-MY" dirty="0"/>
+          </a:p>
+        </p:txBody>
+      </p:sp>
+    </p:spTree>
+    <p:extLst>
+      <p:ext uri="{BB962C8B-B14F-4D97-AF65-F5344CB8AC3E}">
+        <p14:creationId xmlns:p14="http://schemas.microsoft.com/office/powerpoint/2010/main" val="2460229919"/>
+      </p:ext>
+    </p:extLst>
+  </p:cSld>
+  <p:clrMapOvr>
+    <a:masterClrMapping/>
+  </p:clrMapOvr>
+</p:sld>
+</file>
+
+<file path=ppt/slides/slide5.xml><?xml version="1.0" encoding="utf-8"?>
+<p:sld xmlns:a="http://schemas.openxmlformats.org/drawingml/2006/main" xmlns:r="http://schemas.openxmlformats.org/officeDocument/2006/relationships" xmlns:p="http://schemas.openxmlformats.org/presentationml/2006/main">
+  <p:cSld>
+    <p:spTree>
+      <p:nvGrpSpPr>
+        <p:cNvPr id="1" name=""/>
+        <p:cNvGrpSpPr/>
+        <p:nvPr/>
+      </p:nvGrpSpPr>
+      <p:grpSpPr>
+        <a:xfrm>
+          <a:off x="0" y="0"/>
+          <a:ext cx="0" cy="0"/>
+          <a:chOff x="0" y="0"/>
+          <a:chExt cx="0" cy="0"/>
+        </a:xfrm>
+      </p:grpSpPr>
+      <p:sp>
+        <p:nvSpPr>
+          <p:cNvPr id="4" name="TextBox 3">
+            <a:extLst>
+              <a:ext uri="{FF2B5EF4-FFF2-40B4-BE49-F238E27FC236}">
+                <a16:creationId xmlns:a16="http://schemas.microsoft.com/office/drawing/2014/main" id="{3BB1162C-43A9-4396-9440-1DA2602E024B}"/>
+              </a:ext>
+            </a:extLst>
+          </p:cNvPr>
+          <p:cNvSpPr txBox="1"/>
+          <p:nvPr/>
+        </p:nvSpPr>
+        <p:spPr>
+          <a:xfrm>
+            <a:off x="363984" y="159798"/>
+            <a:ext cx="11700769" cy="369332"/>
+          </a:xfrm>
+          <a:prstGeom prst="rect">
+            <a:avLst/>
+          </a:prstGeom>
+          <a:noFill/>
+        </p:spPr>
+        <p:txBody>
+          <a:bodyPr wrap="square" rtlCol="0">
+            <a:spAutoFit/>
+          </a:bodyPr>
+          <a:lstStyle/>
+          <a:p>
+            <a:pPr algn="ctr"/>
+            <a:r>
+              <a:rPr lang="en-US" dirty="0"/>
+              <a:t>TEACHER MENU INTERFACE</a:t>
+            </a:r>
+            <a:endParaRPr lang="en-MY" dirty="0"/>
+          </a:p>
+        </p:txBody>
+      </p:sp>
+      <p:pic>
+        <p:nvPicPr>
+          <p:cNvPr id="5" name="Picture 4">
+            <a:extLst>
+              <a:ext uri="{FF2B5EF4-FFF2-40B4-BE49-F238E27FC236}">
+                <a16:creationId xmlns:a16="http://schemas.microsoft.com/office/drawing/2014/main" id="{AEC38FE5-7F6B-4807-BD30-573C0ED28F15}"/>
+              </a:ext>
+            </a:extLst>
+          </p:cNvPr>
+          <p:cNvPicPr>
+            <a:picLocks noChangeAspect="1"/>
+          </p:cNvPicPr>
+          <p:nvPr/>
+        </p:nvPicPr>
+        <p:blipFill>
+          <a:blip r:embed="rId2"/>
+          <a:stretch>
+            <a:fillRect/>
+          </a:stretch>
+        </p:blipFill>
+        <p:spPr>
+          <a:xfrm>
+            <a:off x="4976812" y="1447800"/>
+            <a:ext cx="2238375" cy="3962400"/>
+          </a:xfrm>
+          <a:prstGeom prst="rect">
+            <a:avLst/>
+          </a:prstGeom>
+        </p:spPr>
+      </p:pic>
+      <p:sp>
+        <p:nvSpPr>
+          <p:cNvPr id="2" name="Action Button: Go Forward or Next 1">
+            <a:hlinkClick r:id="" action="ppaction://hlinkshowjump?jump=nextslide" highlightClick="1"/>
+            <a:extLst>
+              <a:ext uri="{FF2B5EF4-FFF2-40B4-BE49-F238E27FC236}">
+                <a16:creationId xmlns:a16="http://schemas.microsoft.com/office/drawing/2014/main" id="{3DD7BF99-5471-4AE9-82EA-62BEAEC55A3B}"/>
+              </a:ext>
+            </a:extLst>
+          </p:cNvPr>
+          <p:cNvSpPr/>
+          <p:nvPr/>
+        </p:nvSpPr>
+        <p:spPr>
+          <a:xfrm>
+            <a:off x="10814538" y="5910262"/>
+            <a:ext cx="939312" cy="508123"/>
+          </a:xfrm>
+          <a:prstGeom prst="actionButtonForwardNext">
+            <a:avLst/>
+          </a:prstGeom>
+          <a:ln>
+            <a:solidFill>
+              <a:schemeClr val="bg2">
+                <a:lumMod val="75000"/>
+                <a:lumOff val="25000"/>
+              </a:schemeClr>
+            </a:solidFill>
+          </a:ln>
+        </p:spPr>
+        <p:style>
+          <a:lnRef idx="3">
+            <a:schemeClr val="lt1"/>
+          </a:lnRef>
+          <a:fillRef idx="1">
+            <a:schemeClr val="accent3"/>
+          </a:fillRef>
+          <a:effectRef idx="1">
+            <a:schemeClr val="accent3"/>
+          </a:effectRef>
+          <a:fontRef idx="minor">
+            <a:schemeClr val="lt1"/>
+          </a:fontRef>
+        </p:style>
+        <p:txBody>
+          <a:bodyPr rtlCol="0" anchor="ctr"/>
+          <a:lstStyle/>
+          <a:p>
+            <a:pPr algn="ctr"/>
+            <a:endParaRPr lang="en-MY"/>
+          </a:p>
+        </p:txBody>
+      </p:sp>
+      <p:sp>
+        <p:nvSpPr>
+          <p:cNvPr id="3" name="Action Button: Go Back or Previous 2">
+            <a:hlinkClick r:id="" action="ppaction://hlinkshowjump?jump=previousslide" highlightClick="1"/>
+            <a:extLst>
+              <a:ext uri="{FF2B5EF4-FFF2-40B4-BE49-F238E27FC236}">
+                <a16:creationId xmlns:a16="http://schemas.microsoft.com/office/drawing/2014/main" id="{5E0D7EB5-B29D-4F75-BC75-7A639F5D1C96}"/>
+              </a:ext>
+            </a:extLst>
+          </p:cNvPr>
+          <p:cNvSpPr/>
+          <p:nvPr/>
+        </p:nvSpPr>
+        <p:spPr>
+          <a:xfrm>
+            <a:off x="876627" y="5910262"/>
+            <a:ext cx="906971" cy="508123"/>
+          </a:xfrm>
+          <a:prstGeom prst="actionButtonBackPrevious">
+            <a:avLst/>
+          </a:prstGeom>
+          <a:ln>
+            <a:solidFill>
+              <a:schemeClr val="tx2">
+                <a:lumMod val="10000"/>
+              </a:schemeClr>
+            </a:solidFill>
+          </a:ln>
+        </p:spPr>
+        <p:style>
+          <a:lnRef idx="2">
+            <a:schemeClr val="accent4">
+              <a:shade val="50000"/>
+            </a:schemeClr>
+          </a:lnRef>
+          <a:fillRef idx="1">
+            <a:schemeClr val="accent4"/>
+          </a:fillRef>
+          <a:effectRef idx="0">
+            <a:schemeClr val="accent4"/>
+          </a:effectRef>
+          <a:fontRef idx="minor">
+            <a:schemeClr val="lt1"/>
+          </a:fontRef>
+        </p:style>
+        <p:txBody>
+          <a:bodyPr rtlCol="0" anchor="ctr"/>
+          <a:lstStyle/>
+          <a:p>
+            <a:pPr algn="ctr"/>
+            <a:endParaRPr lang="en-MY"/>
+          </a:p>
+        </p:txBody>
+      </p:sp>
+      <p:sp>
+        <p:nvSpPr>
+          <p:cNvPr id="7" name="TextBox 6">
+            <a:hlinkClick r:id="rId3" action="ppaction://hlinksldjump"/>
+            <a:extLst>
+              <a:ext uri="{FF2B5EF4-FFF2-40B4-BE49-F238E27FC236}">
+                <a16:creationId xmlns:a16="http://schemas.microsoft.com/office/drawing/2014/main" id="{87AE1098-EEAB-4071-B790-1E08BA39FA3A}"/>
+              </a:ext>
+            </a:extLst>
+          </p:cNvPr>
+          <p:cNvSpPr txBox="1"/>
+          <p:nvPr/>
+        </p:nvSpPr>
+        <p:spPr>
+          <a:xfrm>
+            <a:off x="5284177" y="3113482"/>
+            <a:ext cx="562708" cy="834264"/>
+          </a:xfrm>
+          <a:prstGeom prst="rect">
+            <a:avLst/>
+          </a:prstGeom>
+          <a:noFill/>
+        </p:spPr>
+        <p:txBody>
+          <a:bodyPr wrap="square" rtlCol="0">
+            <a:spAutoFit/>
+          </a:bodyPr>
+          <a:lstStyle/>
+          <a:p>
+            <a:endParaRPr lang="en-MY" dirty="0"/>
+          </a:p>
+        </p:txBody>
+      </p:sp>
+      <p:sp>
+        <p:nvSpPr>
+          <p:cNvPr id="9" name="TextBox 8">
+            <a:extLst>
+              <a:ext uri="{FF2B5EF4-FFF2-40B4-BE49-F238E27FC236}">
+                <a16:creationId xmlns:a16="http://schemas.microsoft.com/office/drawing/2014/main" id="{81605849-221B-41E0-BF60-E3E5D354EE84}"/>
+              </a:ext>
+            </a:extLst>
+          </p:cNvPr>
+          <p:cNvSpPr txBox="1"/>
+          <p:nvPr/>
+        </p:nvSpPr>
+        <p:spPr>
+          <a:xfrm>
+            <a:off x="5284177" y="2052544"/>
+            <a:ext cx="562708" cy="834264"/>
+          </a:xfrm>
+          <a:prstGeom prst="rect">
+            <a:avLst/>
+          </a:prstGeom>
+          <a:noFill/>
+        </p:spPr>
+        <p:txBody>
+          <a:bodyPr wrap="square" rtlCol="0">
+            <a:spAutoFit/>
+          </a:bodyPr>
+          <a:lstStyle/>
+          <a:p>
+            <a:endParaRPr lang="en-MY" dirty="0"/>
+          </a:p>
+        </p:txBody>
+      </p:sp>
+      <p:sp>
+        <p:nvSpPr>
+          <p:cNvPr id="11" name="TextBox 10">
+            <a:extLst>
+              <a:ext uri="{FF2B5EF4-FFF2-40B4-BE49-F238E27FC236}">
+                <a16:creationId xmlns:a16="http://schemas.microsoft.com/office/drawing/2014/main" id="{0BA285A2-D6F2-4F68-80E5-AAA4C6246621}"/>
+              </a:ext>
+            </a:extLst>
+          </p:cNvPr>
+          <p:cNvSpPr txBox="1"/>
+          <p:nvPr/>
+        </p:nvSpPr>
+        <p:spPr>
+          <a:xfrm>
+            <a:off x="6345117" y="2035965"/>
+            <a:ext cx="562708" cy="834264"/>
+          </a:xfrm>
+          <a:prstGeom prst="rect">
+            <a:avLst/>
+          </a:prstGeom>
+          <a:noFill/>
+        </p:spPr>
+        <p:txBody>
+          <a:bodyPr wrap="square" rtlCol="0">
+            <a:spAutoFit/>
+          </a:bodyPr>
+          <a:lstStyle/>
+          <a:p>
+            <a:endParaRPr lang="en-MY" dirty="0"/>
+          </a:p>
+        </p:txBody>
+      </p:sp>
+      <p:sp>
+        <p:nvSpPr>
+          <p:cNvPr id="13" name="TextBox 12">
+            <a:extLst>
+              <a:ext uri="{FF2B5EF4-FFF2-40B4-BE49-F238E27FC236}">
+                <a16:creationId xmlns:a16="http://schemas.microsoft.com/office/drawing/2014/main" id="{4F20C8E8-46B5-4608-8A0A-35E6D46163C9}"/>
+              </a:ext>
+            </a:extLst>
+          </p:cNvPr>
+          <p:cNvSpPr txBox="1"/>
+          <p:nvPr/>
+        </p:nvSpPr>
+        <p:spPr>
+          <a:xfrm>
+            <a:off x="6345117" y="3113482"/>
+            <a:ext cx="562708" cy="834264"/>
+          </a:xfrm>
+          <a:prstGeom prst="rect">
+            <a:avLst/>
+          </a:prstGeom>
+          <a:noFill/>
+        </p:spPr>
+        <p:txBody>
+          <a:bodyPr wrap="square" rtlCol="0">
+            <a:spAutoFit/>
+          </a:bodyPr>
+          <a:lstStyle/>
+          <a:p>
+            <a:endParaRPr lang="en-MY" dirty="0"/>
+          </a:p>
+        </p:txBody>
+      </p:sp>
+    </p:spTree>
+    <p:extLst>
+      <p:ext uri="{BB962C8B-B14F-4D97-AF65-F5344CB8AC3E}">
+        <p14:creationId xmlns:p14="http://schemas.microsoft.com/office/powerpoint/2010/main" val="3777454521"/>
+      </p:ext>
+    </p:extLst>
+  </p:cSld>
+  <p:clrMapOvr>
+    <a:masterClrMapping/>
+  </p:clrMapOvr>
+</p:sld>
+</file>
+
+<file path=ppt/slides/slide6.xml><?xml version="1.0" encoding="utf-8"?>
+<p:sld xmlns:a="http://schemas.openxmlformats.org/drawingml/2006/main" xmlns:r="http://schemas.openxmlformats.org/officeDocument/2006/relationships" xmlns:p="http://schemas.openxmlformats.org/presentationml/2006/main">
+  <p:cSld>
+    <p:spTree>
+      <p:nvGrpSpPr>
+        <p:cNvPr id="1" name=""/>
+        <p:cNvGrpSpPr/>
+        <p:nvPr/>
+      </p:nvGrpSpPr>
+      <p:grpSpPr>
+        <a:xfrm>
+          <a:off x="0" y="0"/>
+          <a:ext cx="0" cy="0"/>
+          <a:chOff x="0" y="0"/>
+          <a:chExt cx="0" cy="0"/>
+        </a:xfrm>
+      </p:grpSpPr>
+      <p:sp>
+        <p:nvSpPr>
+          <p:cNvPr id="5" name="TextBox 4">
+            <a:extLst>
+              <a:ext uri="{FF2B5EF4-FFF2-40B4-BE49-F238E27FC236}">
+                <a16:creationId xmlns:a16="http://schemas.microsoft.com/office/drawing/2014/main" id="{5E7C3BDC-8B06-48E7-86C6-FCE5B3C5D7CF}"/>
+              </a:ext>
+            </a:extLst>
+          </p:cNvPr>
+          <p:cNvSpPr txBox="1"/>
+          <p:nvPr/>
+        </p:nvSpPr>
+        <p:spPr>
+          <a:xfrm>
+            <a:off x="230819" y="204186"/>
+            <a:ext cx="11842812" cy="369332"/>
+          </a:xfrm>
+          <a:prstGeom prst="rect">
+            <a:avLst/>
+          </a:prstGeom>
+          <a:noFill/>
+        </p:spPr>
+        <p:txBody>
+          <a:bodyPr wrap="square" rtlCol="0">
+            <a:spAutoFit/>
+          </a:bodyPr>
+          <a:lstStyle/>
+          <a:p>
+            <a:pPr algn="ctr"/>
+            <a:r>
+              <a:rPr lang="en-US" dirty="0"/>
+              <a:t>MANAGE STUDENT INTERFACE</a:t>
+            </a:r>
+            <a:endParaRPr lang="en-MY" dirty="0"/>
+          </a:p>
+        </p:txBody>
+      </p:sp>
+      <p:pic>
+        <p:nvPicPr>
+          <p:cNvPr id="3" name="Picture 2">
+            <a:extLst>
+              <a:ext uri="{FF2B5EF4-FFF2-40B4-BE49-F238E27FC236}">
+                <a16:creationId xmlns:a16="http://schemas.microsoft.com/office/drawing/2014/main" id="{E59D1A50-C45A-4077-AB9B-BE9F73822D59}"/>
+              </a:ext>
+            </a:extLst>
+          </p:cNvPr>
+          <p:cNvPicPr>
+            <a:picLocks noChangeAspect="1"/>
+          </p:cNvPicPr>
+          <p:nvPr/>
+        </p:nvPicPr>
+        <p:blipFill>
+          <a:blip r:embed="rId2">
+            <a:extLst>
+              <a:ext uri="{28A0092B-C50C-407E-A947-70E740481C1C}">
+                <a14:useLocalDpi xmlns:a14="http://schemas.microsoft.com/office/drawing/2010/main" val="0"/>
+              </a:ext>
+            </a:extLst>
+          </a:blip>
+          <a:stretch>
+            <a:fillRect/>
+          </a:stretch>
+        </p:blipFill>
+        <p:spPr>
+          <a:xfrm>
+            <a:off x="4698934" y="876554"/>
+            <a:ext cx="2794132" cy="5104891"/>
+          </a:xfrm>
+          <a:prstGeom prst="rect">
+            <a:avLst/>
+          </a:prstGeom>
+        </p:spPr>
+      </p:pic>
+      <p:sp>
+        <p:nvSpPr>
+          <p:cNvPr id="2" name="Action Button: Go Forward or Next 1">
+            <a:hlinkClick r:id="" action="ppaction://hlinkshowjump?jump=nextslide" highlightClick="1"/>
+            <a:extLst>
+              <a:ext uri="{FF2B5EF4-FFF2-40B4-BE49-F238E27FC236}">
+                <a16:creationId xmlns:a16="http://schemas.microsoft.com/office/drawing/2014/main" id="{69A6E81E-622B-4DB9-AB43-3590D226936F}"/>
+              </a:ext>
+            </a:extLst>
+          </p:cNvPr>
+          <p:cNvSpPr/>
+          <p:nvPr/>
+        </p:nvSpPr>
+        <p:spPr>
+          <a:xfrm>
+            <a:off x="10814538" y="5910262"/>
+            <a:ext cx="939312" cy="508123"/>
+          </a:xfrm>
+          <a:prstGeom prst="actionButtonForwardNext">
+            <a:avLst/>
+          </a:prstGeom>
+          <a:ln>
+            <a:solidFill>
+              <a:schemeClr val="bg2">
+                <a:lumMod val="75000"/>
+                <a:lumOff val="25000"/>
+              </a:schemeClr>
+            </a:solidFill>
+          </a:ln>
+        </p:spPr>
+        <p:style>
+          <a:lnRef idx="3">
+            <a:schemeClr val="lt1"/>
+          </a:lnRef>
+          <a:fillRef idx="1">
+            <a:schemeClr val="accent3"/>
+          </a:fillRef>
+          <a:effectRef idx="1">
+            <a:schemeClr val="accent3"/>
+          </a:effectRef>
+          <a:fontRef idx="minor">
+            <a:schemeClr val="lt1"/>
+          </a:fontRef>
+        </p:style>
+        <p:txBody>
+          <a:bodyPr rtlCol="0" anchor="ctr"/>
+          <a:lstStyle/>
+          <a:p>
+            <a:pPr algn="ctr"/>
+            <a:endParaRPr lang="en-MY"/>
+          </a:p>
+        </p:txBody>
+      </p:sp>
+      <p:sp>
+        <p:nvSpPr>
+          <p:cNvPr id="7" name="Action Button: Go Back or Previous 6">
+            <a:hlinkClick r:id="" action="ppaction://hlinkshowjump?jump=previousslide" highlightClick="1"/>
+            <a:extLst>
+              <a:ext uri="{FF2B5EF4-FFF2-40B4-BE49-F238E27FC236}">
+                <a16:creationId xmlns:a16="http://schemas.microsoft.com/office/drawing/2014/main" id="{75401FDE-0730-493B-A077-629EE2EFC1D1}"/>
+              </a:ext>
+            </a:extLst>
+          </p:cNvPr>
+          <p:cNvSpPr/>
+          <p:nvPr/>
+        </p:nvSpPr>
+        <p:spPr>
+          <a:xfrm>
+            <a:off x="876627" y="5910262"/>
+            <a:ext cx="906971" cy="508123"/>
+          </a:xfrm>
+          <a:prstGeom prst="actionButtonBackPrevious">
+            <a:avLst/>
+          </a:prstGeom>
+          <a:ln>
+            <a:solidFill>
+              <a:schemeClr val="tx2">
+                <a:lumMod val="10000"/>
+              </a:schemeClr>
+            </a:solidFill>
+          </a:ln>
+        </p:spPr>
+        <p:style>
+          <a:lnRef idx="2">
+            <a:schemeClr val="accent4">
+              <a:shade val="50000"/>
+            </a:schemeClr>
+          </a:lnRef>
+          <a:fillRef idx="1">
+            <a:schemeClr val="accent4"/>
+          </a:fillRef>
+          <a:effectRef idx="0">
+            <a:schemeClr val="accent4"/>
+          </a:effectRef>
+          <a:fontRef idx="minor">
+            <a:schemeClr val="lt1"/>
+          </a:fontRef>
+        </p:style>
+        <p:txBody>
+          <a:bodyPr rtlCol="0" anchor="ctr"/>
+          <a:lstStyle/>
+          <a:p>
+            <a:pPr algn="ctr"/>
+            <a:endParaRPr lang="en-MY"/>
+          </a:p>
+        </p:txBody>
+      </p:sp>
+      <p:sp>
+        <p:nvSpPr>
+          <p:cNvPr id="4" name="TextBox 3">
+            <a:hlinkClick r:id="rId3" action="ppaction://hlinksldjump"/>
+            <a:extLst>
+              <a:ext uri="{FF2B5EF4-FFF2-40B4-BE49-F238E27FC236}">
+                <a16:creationId xmlns:a16="http://schemas.microsoft.com/office/drawing/2014/main" id="{BD4AD869-A2D7-4C12-BD6D-AA81AA1BC461}"/>
+              </a:ext>
+            </a:extLst>
+          </p:cNvPr>
+          <p:cNvSpPr txBox="1"/>
+          <p:nvPr/>
+        </p:nvSpPr>
+        <p:spPr>
+          <a:xfrm>
+            <a:off x="4879727" y="3044149"/>
+            <a:ext cx="826481" cy="261759"/>
+          </a:xfrm>
+          <a:prstGeom prst="rect">
+            <a:avLst/>
+          </a:prstGeom>
+          <a:noFill/>
+        </p:spPr>
+        <p:txBody>
+          <a:bodyPr wrap="square" rtlCol="0">
+            <a:spAutoFit/>
+          </a:bodyPr>
+          <a:lstStyle/>
+          <a:p>
+            <a:endParaRPr lang="en-MY" dirty="0"/>
+          </a:p>
+        </p:txBody>
+      </p:sp>
+      <p:sp>
+        <p:nvSpPr>
+          <p:cNvPr id="9" name="TextBox 8">
+            <a:hlinkClick r:id="rId4" action="ppaction://hlinksldjump"/>
+            <a:extLst>
+              <a:ext uri="{FF2B5EF4-FFF2-40B4-BE49-F238E27FC236}">
+                <a16:creationId xmlns:a16="http://schemas.microsoft.com/office/drawing/2014/main" id="{A2A97FA5-CD27-45D3-BEB8-CEB96ECB5931}"/>
+              </a:ext>
+            </a:extLst>
+          </p:cNvPr>
+          <p:cNvSpPr txBox="1"/>
+          <p:nvPr/>
+        </p:nvSpPr>
+        <p:spPr>
+          <a:xfrm>
+            <a:off x="6418385" y="3044149"/>
+            <a:ext cx="974935" cy="261759"/>
+          </a:xfrm>
+          <a:prstGeom prst="rect">
+            <a:avLst/>
+          </a:prstGeom>
+          <a:noFill/>
+        </p:spPr>
+        <p:txBody>
+          <a:bodyPr wrap="square" rtlCol="0">
+            <a:spAutoFit/>
+          </a:bodyPr>
+          <a:lstStyle/>
+          <a:p>
+            <a:endParaRPr lang="en-MY" dirty="0"/>
+          </a:p>
+        </p:txBody>
+      </p:sp>
+      <p:sp>
+        <p:nvSpPr>
+          <p:cNvPr id="11" name="TextBox 10">
+            <a:hlinkClick r:id="rId5" action="ppaction://hlinksldjump"/>
+            <a:extLst>
+              <a:ext uri="{FF2B5EF4-FFF2-40B4-BE49-F238E27FC236}">
+                <a16:creationId xmlns:a16="http://schemas.microsoft.com/office/drawing/2014/main" id="{3DDA1E1C-1317-4A5F-A4C3-BFC802D75F94}"/>
+              </a:ext>
+            </a:extLst>
+          </p:cNvPr>
+          <p:cNvSpPr txBox="1"/>
+          <p:nvPr/>
+        </p:nvSpPr>
+        <p:spPr>
+          <a:xfrm>
+            <a:off x="5591904" y="3543301"/>
+            <a:ext cx="974935" cy="261759"/>
+          </a:xfrm>
+          <a:prstGeom prst="rect">
+            <a:avLst/>
+          </a:prstGeom>
+          <a:noFill/>
+        </p:spPr>
+        <p:txBody>
+          <a:bodyPr wrap="square" rtlCol="0">
+            <a:spAutoFit/>
+          </a:bodyPr>
+          <a:lstStyle/>
+          <a:p>
+            <a:endParaRPr lang="en-MY" dirty="0"/>
+          </a:p>
+        </p:txBody>
+      </p:sp>
+    </p:spTree>
+    <p:extLst>
+      <p:ext uri="{BB962C8B-B14F-4D97-AF65-F5344CB8AC3E}">
+        <p14:creationId xmlns:p14="http://schemas.microsoft.com/office/powerpoint/2010/main" val="557457809"/>
+      </p:ext>
+    </p:extLst>
+  </p:cSld>
+  <p:clrMapOvr>
+    <a:masterClrMapping/>
+  </p:clrMapOvr>
+</p:sld>
+</file>
+
+<file path=ppt/slides/slide7.xml><?xml version="1.0" encoding="utf-8"?>
+<p:sld xmlns:a="http://schemas.openxmlformats.org/drawingml/2006/main" xmlns:r="http://schemas.openxmlformats.org/officeDocument/2006/relationships" xmlns:p="http://schemas.openxmlformats.org/presentationml/2006/main">
+  <p:cSld>
+    <p:spTree>
+      <p:nvGrpSpPr>
+        <p:cNvPr id="1" name=""/>
+        <p:cNvGrpSpPr/>
+        <p:nvPr/>
+      </p:nvGrpSpPr>
+      <p:grpSpPr>
+        <a:xfrm>
+          <a:off x="0" y="0"/>
+          <a:ext cx="0" cy="0"/>
+          <a:chOff x="0" y="0"/>
+          <a:chExt cx="0" cy="0"/>
+        </a:xfrm>
+      </p:grpSpPr>
+      <p:sp>
+        <p:nvSpPr>
+          <p:cNvPr id="2" name="TextBox 1">
+            <a:extLst>
+              <a:ext uri="{FF2B5EF4-FFF2-40B4-BE49-F238E27FC236}">
+                <a16:creationId xmlns:a16="http://schemas.microsoft.com/office/drawing/2014/main" id="{537D5AB4-B93F-41E5-ABDB-48CB9324BA39}"/>
+              </a:ext>
+            </a:extLst>
+          </p:cNvPr>
+          <p:cNvSpPr txBox="1"/>
+          <p:nvPr/>
+        </p:nvSpPr>
+        <p:spPr>
+          <a:xfrm>
+            <a:off x="115410" y="124287"/>
+            <a:ext cx="11913833" cy="369332"/>
+          </a:xfrm>
+          <a:prstGeom prst="rect">
+            <a:avLst/>
+          </a:prstGeom>
+          <a:noFill/>
+        </p:spPr>
+        <p:txBody>
+          <a:bodyPr wrap="square" rtlCol="0">
+            <a:spAutoFit/>
+          </a:bodyPr>
+          <a:lstStyle/>
+          <a:p>
+            <a:pPr algn="ctr"/>
+            <a:r>
+              <a:rPr lang="en-US" dirty="0"/>
+              <a:t>REGISTER STUDENT INTERFACE</a:t>
+            </a:r>
+            <a:endParaRPr lang="en-MY" dirty="0"/>
+          </a:p>
+        </p:txBody>
+      </p:sp>
+      <p:pic>
+        <p:nvPicPr>
+          <p:cNvPr id="3" name="Picture 2">
+            <a:extLst>
+              <a:ext uri="{FF2B5EF4-FFF2-40B4-BE49-F238E27FC236}">
+                <a16:creationId xmlns:a16="http://schemas.microsoft.com/office/drawing/2014/main" id="{2DE06B7F-1410-440F-8414-9BE27CD5CDD2}"/>
+              </a:ext>
+            </a:extLst>
+          </p:cNvPr>
+          <p:cNvPicPr>
+            <a:picLocks noChangeAspect="1"/>
+          </p:cNvPicPr>
+          <p:nvPr/>
+        </p:nvPicPr>
+        <p:blipFill>
+          <a:blip r:embed="rId2"/>
+          <a:stretch>
+            <a:fillRect/>
+          </a:stretch>
+        </p:blipFill>
+        <p:spPr>
+          <a:xfrm>
+            <a:off x="4895988" y="1562100"/>
+            <a:ext cx="2352675" cy="3733800"/>
+          </a:xfrm>
+          <a:prstGeom prst="rect">
+            <a:avLst/>
+          </a:prstGeom>
+        </p:spPr>
+      </p:pic>
+      <p:sp>
+        <p:nvSpPr>
+          <p:cNvPr id="5" name="Action Button: Go Forward or Next 4">
+            <a:hlinkClick r:id="" action="ppaction://hlinkshowjump?jump=nextslide" highlightClick="1"/>
+            <a:extLst>
+              <a:ext uri="{FF2B5EF4-FFF2-40B4-BE49-F238E27FC236}">
+                <a16:creationId xmlns:a16="http://schemas.microsoft.com/office/drawing/2014/main" id="{F34DC1AD-513E-4441-9F8E-915A35E684D0}"/>
+              </a:ext>
+            </a:extLst>
+          </p:cNvPr>
+          <p:cNvSpPr/>
+          <p:nvPr/>
+        </p:nvSpPr>
+        <p:spPr>
+          <a:xfrm>
+            <a:off x="10814538" y="5910262"/>
+            <a:ext cx="939312" cy="508123"/>
+          </a:xfrm>
+          <a:prstGeom prst="actionButtonForwardNext">
+            <a:avLst/>
+          </a:prstGeom>
+          <a:ln>
+            <a:solidFill>
+              <a:schemeClr val="bg2">
+                <a:lumMod val="75000"/>
+                <a:lumOff val="25000"/>
+              </a:schemeClr>
+            </a:solidFill>
+          </a:ln>
+        </p:spPr>
+        <p:style>
+          <a:lnRef idx="3">
+            <a:schemeClr val="lt1"/>
+          </a:lnRef>
+          <a:fillRef idx="1">
+            <a:schemeClr val="accent3"/>
+          </a:fillRef>
+          <a:effectRef idx="1">
+            <a:schemeClr val="accent3"/>
+          </a:effectRef>
+          <a:fontRef idx="minor">
+            <a:schemeClr val="lt1"/>
+          </a:fontRef>
+        </p:style>
+        <p:txBody>
+          <a:bodyPr rtlCol="0" anchor="ctr"/>
+          <a:lstStyle/>
+          <a:p>
+            <a:pPr algn="ctr"/>
+            <a:endParaRPr lang="en-MY"/>
+          </a:p>
+        </p:txBody>
+      </p:sp>
+      <p:sp>
+        <p:nvSpPr>
+          <p:cNvPr id="7" name="Action Button: Go Back or Previous 6">
+            <a:hlinkClick r:id="" action="ppaction://hlinkshowjump?jump=previousslide" highlightClick="1"/>
+            <a:extLst>
+              <a:ext uri="{FF2B5EF4-FFF2-40B4-BE49-F238E27FC236}">
+                <a16:creationId xmlns:a16="http://schemas.microsoft.com/office/drawing/2014/main" id="{6CA0ADC7-F7F6-4158-95A9-A7FE1EF53BB4}"/>
+              </a:ext>
+            </a:extLst>
+          </p:cNvPr>
+          <p:cNvSpPr/>
+          <p:nvPr/>
+        </p:nvSpPr>
+        <p:spPr>
+          <a:xfrm>
+            <a:off x="876627" y="5910262"/>
+            <a:ext cx="906971" cy="508123"/>
+          </a:xfrm>
+          <a:prstGeom prst="actionButtonBackPrevious">
+            <a:avLst/>
+          </a:prstGeom>
+          <a:ln>
+            <a:solidFill>
+              <a:schemeClr val="tx2">
+                <a:lumMod val="10000"/>
+              </a:schemeClr>
+            </a:solidFill>
+          </a:ln>
+        </p:spPr>
+        <p:style>
+          <a:lnRef idx="2">
+            <a:schemeClr val="accent4">
+              <a:shade val="50000"/>
+            </a:schemeClr>
+          </a:lnRef>
+          <a:fillRef idx="1">
+            <a:schemeClr val="accent4"/>
+          </a:fillRef>
+          <a:effectRef idx="0">
+            <a:schemeClr val="accent4"/>
+          </a:effectRef>
+          <a:fontRef idx="minor">
+            <a:schemeClr val="lt1"/>
+          </a:fontRef>
+        </p:style>
+        <p:txBody>
+          <a:bodyPr rtlCol="0" anchor="ctr"/>
+          <a:lstStyle/>
+          <a:p>
+            <a:pPr algn="ctr"/>
+            <a:endParaRPr lang="en-MY"/>
+          </a:p>
+        </p:txBody>
+      </p:sp>
+      <p:sp>
+        <p:nvSpPr>
+          <p:cNvPr id="4" name="TextBox 3">
+            <a:hlinkClick r:id="rId3" action="ppaction://hlinksldjump"/>
+            <a:extLst>
+              <a:ext uri="{FF2B5EF4-FFF2-40B4-BE49-F238E27FC236}">
+                <a16:creationId xmlns:a16="http://schemas.microsoft.com/office/drawing/2014/main" id="{2C6CDB0A-D26A-4915-B48C-568D5F97D33D}"/>
+              </a:ext>
+            </a:extLst>
+          </p:cNvPr>
+          <p:cNvSpPr txBox="1"/>
+          <p:nvPr/>
+        </p:nvSpPr>
+        <p:spPr>
+          <a:xfrm>
+            <a:off x="5339861" y="3719145"/>
+            <a:ext cx="480647" cy="298939"/>
+          </a:xfrm>
+          <a:prstGeom prst="rect">
+            <a:avLst/>
+          </a:prstGeom>
+          <a:noFill/>
+        </p:spPr>
+        <p:txBody>
+          <a:bodyPr wrap="square" rtlCol="0">
+            <a:spAutoFit/>
+          </a:bodyPr>
+          <a:lstStyle/>
+          <a:p>
+            <a:endParaRPr lang="en-MY" dirty="0"/>
+          </a:p>
+        </p:txBody>
+      </p:sp>
+      <p:sp>
+        <p:nvSpPr>
+          <p:cNvPr id="9" name="TextBox 8">
+            <a:hlinkClick r:id="rId3" action="ppaction://hlinksldjump"/>
+            <a:extLst>
+              <a:ext uri="{FF2B5EF4-FFF2-40B4-BE49-F238E27FC236}">
+                <a16:creationId xmlns:a16="http://schemas.microsoft.com/office/drawing/2014/main" id="{33BB271C-F8CB-42E2-B007-C8941A1DB4CA}"/>
+              </a:ext>
+            </a:extLst>
+          </p:cNvPr>
+          <p:cNvSpPr txBox="1"/>
+          <p:nvPr/>
+        </p:nvSpPr>
+        <p:spPr>
+          <a:xfrm>
+            <a:off x="6096000" y="3719145"/>
+            <a:ext cx="559776" cy="298939"/>
+          </a:xfrm>
+          <a:prstGeom prst="rect">
+            <a:avLst/>
+          </a:prstGeom>
+          <a:noFill/>
+        </p:spPr>
+        <p:txBody>
+          <a:bodyPr wrap="square" rtlCol="0">
+            <a:spAutoFit/>
+          </a:bodyPr>
+          <a:lstStyle/>
+          <a:p>
+            <a:endParaRPr lang="en-MY" dirty="0"/>
+          </a:p>
+        </p:txBody>
+      </p:sp>
+    </p:spTree>
+    <p:extLst>
+      <p:ext uri="{BB962C8B-B14F-4D97-AF65-F5344CB8AC3E}">
+        <p14:creationId xmlns:p14="http://schemas.microsoft.com/office/powerpoint/2010/main" val="3174458281"/>
+      </p:ext>
+    </p:extLst>
+  </p:cSld>
+  <p:clrMapOvr>
+    <a:masterClrMapping/>
+  </p:clrMapOvr>
+</p:sld>
+</file>
+
+<file path=ppt/slides/slide8.xml><?xml version="1.0" encoding="utf-8"?>
+<p:sld xmlns:a="http://schemas.openxmlformats.org/drawingml/2006/main" xmlns:r="http://schemas.openxmlformats.org/officeDocument/2006/relationships" xmlns:p="http://schemas.openxmlformats.org/presentationml/2006/main">
+  <p:cSld>
+    <p:spTree>
+      <p:nvGrpSpPr>
+        <p:cNvPr id="1" name=""/>
+        <p:cNvGrpSpPr/>
+        <p:nvPr/>
+      </p:nvGrpSpPr>
+      <p:grpSpPr>
+        <a:xfrm>
+          <a:off x="0" y="0"/>
+          <a:ext cx="0" cy="0"/>
+          <a:chOff x="0" y="0"/>
+          <a:chExt cx="0" cy="0"/>
+        </a:xfrm>
+      </p:grpSpPr>
+      <p:pic>
+        <p:nvPicPr>
+          <p:cNvPr id="3" name="Picture 2">
+            <a:extLst>
+              <a:ext uri="{FF2B5EF4-FFF2-40B4-BE49-F238E27FC236}">
+                <a16:creationId xmlns:a16="http://schemas.microsoft.com/office/drawing/2014/main" id="{BB159AB4-D011-446A-B22F-D07FCD5ADBD7}"/>
+              </a:ext>
+            </a:extLst>
+          </p:cNvPr>
+          <p:cNvPicPr>
+            <a:picLocks noChangeAspect="1"/>
+          </p:cNvPicPr>
+          <p:nvPr/>
+        </p:nvPicPr>
+        <p:blipFill>
+          <a:blip r:embed="rId2">
+            <a:extLst>
+              <a:ext uri="{28A0092B-C50C-407E-A947-70E740481C1C}">
+                <a14:useLocalDpi xmlns:a14="http://schemas.microsoft.com/office/drawing/2010/main" val="0"/>
+              </a:ext>
+            </a:extLst>
+          </a:blip>
+          <a:stretch>
+            <a:fillRect/>
+          </a:stretch>
+        </p:blipFill>
+        <p:spPr>
+          <a:xfrm>
+            <a:off x="4667388" y="909637"/>
+            <a:ext cx="2809875" cy="5038725"/>
+          </a:xfrm>
+          <a:prstGeom prst="rect">
+            <a:avLst/>
+          </a:prstGeom>
+        </p:spPr>
+      </p:pic>
+      <p:sp>
+        <p:nvSpPr>
+          <p:cNvPr id="5" name="TextBox 4">
+            <a:extLst>
+              <a:ext uri="{FF2B5EF4-FFF2-40B4-BE49-F238E27FC236}">
+                <a16:creationId xmlns:a16="http://schemas.microsoft.com/office/drawing/2014/main" id="{5F2FF756-5938-4881-888C-DE0C1DA7BE1A}"/>
+              </a:ext>
+            </a:extLst>
+          </p:cNvPr>
+          <p:cNvSpPr txBox="1"/>
+          <p:nvPr/>
+        </p:nvSpPr>
+        <p:spPr>
+          <a:xfrm>
+            <a:off x="115410" y="124287"/>
+            <a:ext cx="11913833" cy="369332"/>
+          </a:xfrm>
+          <a:prstGeom prst="rect">
+            <a:avLst/>
+          </a:prstGeom>
+          <a:noFill/>
+        </p:spPr>
+        <p:txBody>
+          <a:bodyPr wrap="square" rtlCol="0">
+            <a:spAutoFit/>
+          </a:bodyPr>
+          <a:lstStyle/>
+          <a:p>
+            <a:pPr algn="ctr"/>
+            <a:r>
+              <a:rPr lang="en-US" dirty="0"/>
+              <a:t>UPDATE STUDENT INTERFACE</a:t>
+            </a:r>
+            <a:endParaRPr lang="en-MY" dirty="0"/>
+          </a:p>
+        </p:txBody>
+      </p:sp>
+      <p:sp>
+        <p:nvSpPr>
+          <p:cNvPr id="2" name="Action Button: Go Forward or Next 1">
+            <a:hlinkClick r:id="" action="ppaction://hlinkshowjump?jump=nextslide" highlightClick="1"/>
+            <a:extLst>
+              <a:ext uri="{FF2B5EF4-FFF2-40B4-BE49-F238E27FC236}">
+                <a16:creationId xmlns:a16="http://schemas.microsoft.com/office/drawing/2014/main" id="{4ABB173D-52AB-46F7-837D-DFA1983AB94D}"/>
+              </a:ext>
+            </a:extLst>
+          </p:cNvPr>
+          <p:cNvSpPr/>
+          <p:nvPr/>
+        </p:nvSpPr>
+        <p:spPr>
+          <a:xfrm>
+            <a:off x="10814538" y="5910262"/>
+            <a:ext cx="939312" cy="508123"/>
+          </a:xfrm>
+          <a:prstGeom prst="actionButtonForwardNext">
+            <a:avLst/>
+          </a:prstGeom>
+          <a:ln>
+            <a:solidFill>
+              <a:schemeClr val="bg2">
+                <a:lumMod val="75000"/>
+                <a:lumOff val="25000"/>
+              </a:schemeClr>
+            </a:solidFill>
+          </a:ln>
+        </p:spPr>
+        <p:style>
+          <a:lnRef idx="3">
+            <a:schemeClr val="lt1"/>
+          </a:lnRef>
+          <a:fillRef idx="1">
+            <a:schemeClr val="accent3"/>
+          </a:fillRef>
+          <a:effectRef idx="1">
+            <a:schemeClr val="accent3"/>
+          </a:effectRef>
+          <a:fontRef idx="minor">
+            <a:schemeClr val="lt1"/>
+          </a:fontRef>
+        </p:style>
+        <p:txBody>
+          <a:bodyPr rtlCol="0" anchor="ctr"/>
+          <a:lstStyle/>
+          <a:p>
+            <a:pPr algn="ctr"/>
+            <a:endParaRPr lang="en-MY"/>
+          </a:p>
+        </p:txBody>
+      </p:sp>
+      <p:sp>
+        <p:nvSpPr>
+          <p:cNvPr id="7" name="Action Button: Go Back or Previous 6">
+            <a:hlinkClick r:id="" action="ppaction://hlinkshowjump?jump=previousslide" highlightClick="1"/>
+            <a:extLst>
+              <a:ext uri="{FF2B5EF4-FFF2-40B4-BE49-F238E27FC236}">
+                <a16:creationId xmlns:a16="http://schemas.microsoft.com/office/drawing/2014/main" id="{3BB6AB79-9DCD-438D-B110-3840F9592B69}"/>
+              </a:ext>
+            </a:extLst>
+          </p:cNvPr>
+          <p:cNvSpPr/>
+          <p:nvPr/>
+        </p:nvSpPr>
+        <p:spPr>
+          <a:xfrm>
+            <a:off x="876627" y="5910262"/>
+            <a:ext cx="906971" cy="508123"/>
+          </a:xfrm>
+          <a:prstGeom prst="actionButtonBackPrevious">
+            <a:avLst/>
+          </a:prstGeom>
+          <a:ln>
+            <a:solidFill>
+              <a:schemeClr val="tx2">
+                <a:lumMod val="10000"/>
+              </a:schemeClr>
+            </a:solidFill>
+          </a:ln>
+        </p:spPr>
+        <p:style>
+          <a:lnRef idx="2">
+            <a:schemeClr val="accent4">
+              <a:shade val="50000"/>
+            </a:schemeClr>
+          </a:lnRef>
+          <a:fillRef idx="1">
+            <a:schemeClr val="accent4"/>
+          </a:fillRef>
+          <a:effectRef idx="0">
+            <a:schemeClr val="accent4"/>
+          </a:effectRef>
+          <a:fontRef idx="minor">
+            <a:schemeClr val="lt1"/>
+          </a:fontRef>
+        </p:style>
+        <p:txBody>
+          <a:bodyPr rtlCol="0" anchor="ctr"/>
+          <a:lstStyle/>
+          <a:p>
+            <a:pPr algn="ctr"/>
+            <a:endParaRPr lang="en-MY"/>
+          </a:p>
+        </p:txBody>
+      </p:sp>
+      <p:sp>
+        <p:nvSpPr>
+          <p:cNvPr id="4" name="TextBox 3">
+            <a:hlinkClick r:id="rId3" action="ppaction://hlinksldjump"/>
+            <a:extLst>
+              <a:ext uri="{FF2B5EF4-FFF2-40B4-BE49-F238E27FC236}">
+                <a16:creationId xmlns:a16="http://schemas.microsoft.com/office/drawing/2014/main" id="{EF994854-E770-4221-AB60-0234ED84BFD1}"/>
+              </a:ext>
+            </a:extLst>
+          </p:cNvPr>
+          <p:cNvSpPr txBox="1"/>
+          <p:nvPr/>
+        </p:nvSpPr>
+        <p:spPr>
+          <a:xfrm>
+            <a:off x="5196254" y="3868615"/>
+            <a:ext cx="615461" cy="386861"/>
+          </a:xfrm>
+          <a:prstGeom prst="rect">
+            <a:avLst/>
+          </a:prstGeom>
+          <a:noFill/>
+        </p:spPr>
+        <p:txBody>
+          <a:bodyPr wrap="square" rtlCol="0">
+            <a:spAutoFit/>
+          </a:bodyPr>
+          <a:lstStyle/>
+          <a:p>
+            <a:endParaRPr lang="en-MY" dirty="0"/>
+          </a:p>
+        </p:txBody>
+      </p:sp>
+      <p:sp>
+        <p:nvSpPr>
+          <p:cNvPr id="9" name="TextBox 8">
+            <a:hlinkClick r:id="rId3" action="ppaction://hlinksldjump"/>
+            <a:extLst>
+              <a:ext uri="{FF2B5EF4-FFF2-40B4-BE49-F238E27FC236}">
+                <a16:creationId xmlns:a16="http://schemas.microsoft.com/office/drawing/2014/main" id="{D599BCAC-90B1-43C8-A734-ABBB23659FDC}"/>
+              </a:ext>
+            </a:extLst>
+          </p:cNvPr>
+          <p:cNvSpPr txBox="1"/>
+          <p:nvPr/>
+        </p:nvSpPr>
+        <p:spPr>
+          <a:xfrm>
+            <a:off x="6227885" y="3868614"/>
+            <a:ext cx="615461" cy="386861"/>
+          </a:xfrm>
+          <a:prstGeom prst="rect">
+            <a:avLst/>
+          </a:prstGeom>
+          <a:noFill/>
+        </p:spPr>
+        <p:txBody>
+          <a:bodyPr wrap="square" rtlCol="0">
+            <a:spAutoFit/>
+          </a:bodyPr>
+          <a:lstStyle/>
+          <a:p>
+            <a:endParaRPr lang="en-MY" dirty="0"/>
+          </a:p>
+        </p:txBody>
+      </p:sp>
+    </p:spTree>
+    <p:extLst>
+      <p:ext uri="{BB962C8B-B14F-4D97-AF65-F5344CB8AC3E}">
+        <p14:creationId xmlns:p14="http://schemas.microsoft.com/office/powerpoint/2010/main" val="4198453593"/>
+      </p:ext>
+    </p:extLst>
+  </p:cSld>
+  <p:clrMapOvr>
+    <a:masterClrMapping/>
+  </p:clrMapOvr>
+</p:sld>
+</file>
+
+<file path=ppt/slides/slide9.xml><?xml version="1.0" encoding="utf-8"?>
 <p:sld xmlns:a="http://schemas.openxmlformats.org/drawingml/2006/main" xmlns:r="http://schemas.openxmlformats.org/officeDocument/2006/relationships" xmlns:p="http://schemas.openxmlformats.org/presentationml/2006/main">
   <p:cSld>
     <p:spTree>
@@ -13411,60 +17038,6 @@
       </p:sp>
       <p:sp>
         <p:nvSpPr>
-          <p:cNvPr id="3" name="Action Button: Go Home 2">
-            <a:hlinkClick r:id="" action="ppaction://hlinkshowjump?jump=firstslide" highlightClick="1"/>
-            <a:extLst>
-              <a:ext uri="{FF2B5EF4-FFF2-40B4-BE49-F238E27FC236}">
-                <a16:creationId xmlns:a16="http://schemas.microsoft.com/office/drawing/2014/main" id="{30E43788-074F-46CF-BC78-BD3FDC7EAFBF}"/>
-              </a:ext>
-            </a:extLst>
-          </p:cNvPr>
-          <p:cNvSpPr/>
-          <p:nvPr/>
-        </p:nvSpPr>
-        <p:spPr>
-          <a:xfrm>
-            <a:off x="10744200" y="5924550"/>
-            <a:ext cx="1056443" cy="668216"/>
-          </a:xfrm>
-          <a:prstGeom prst="actionButtonHome">
-            <a:avLst/>
-          </a:prstGeom>
-          <a:ln>
-            <a:solidFill>
-              <a:schemeClr val="accent1">
-                <a:lumMod val="10000"/>
-              </a:schemeClr>
-            </a:solidFill>
-          </a:ln>
-        </p:spPr>
-        <p:style>
-          <a:lnRef idx="2">
-            <a:schemeClr val="accent5">
-              <a:shade val="50000"/>
-            </a:schemeClr>
-          </a:lnRef>
-          <a:fillRef idx="1">
-            <a:schemeClr val="accent5"/>
-          </a:fillRef>
-          <a:effectRef idx="0">
-            <a:schemeClr val="accent5"/>
-          </a:effectRef>
-          <a:fontRef idx="minor">
-            <a:schemeClr val="lt1"/>
-          </a:fontRef>
-        </p:style>
-        <p:txBody>
-          <a:bodyPr rtlCol="0" anchor="ctr"/>
-          <a:lstStyle/>
-          <a:p>
-            <a:pPr algn="ctr"/>
-            <a:endParaRPr lang="en-MY"/>
-          </a:p>
-        </p:txBody>
-      </p:sp>
-      <p:sp>
-        <p:nvSpPr>
           <p:cNvPr id="11" name="Action Button: Go Back or Previous 10">
             <a:hlinkClick r:id="" action="ppaction://hlinkshowjump?jump=previousslide" highlightClick="1"/>
             <a:extLst>
@@ -13517,42 +17090,13 @@
           </a:p>
         </p:txBody>
       </p:sp>
-    </p:spTree>
-    <p:extLst>
-      <p:ext uri="{BB962C8B-B14F-4D97-AF65-F5344CB8AC3E}">
-        <p14:creationId xmlns:p14="http://schemas.microsoft.com/office/powerpoint/2010/main" val="280896266"/>
-      </p:ext>
-    </p:extLst>
-  </p:cSld>
-  <p:clrMapOvr>
-    <a:masterClrMapping/>
-  </p:clrMapOvr>
-</p:sld>
-</file>
-
-<file path=ppt/slides/slide2.xml><?xml version="1.0" encoding="utf-8"?>
-<p:sld xmlns:a="http://schemas.openxmlformats.org/drawingml/2006/main" xmlns:r="http://schemas.openxmlformats.org/officeDocument/2006/relationships" xmlns:p="http://schemas.openxmlformats.org/presentationml/2006/main">
-  <p:cSld>
-    <p:spTree>
-      <p:nvGrpSpPr>
-        <p:cNvPr id="1" name=""/>
-        <p:cNvGrpSpPr/>
-        <p:nvPr/>
-      </p:nvGrpSpPr>
-      <p:grpSpPr>
-        <a:xfrm>
-          <a:off x="0" y="0"/>
-          <a:ext cx="0" cy="0"/>
-          <a:chOff x="0" y="0"/>
-          <a:chExt cx="0" cy="0"/>
-        </a:xfrm>
-      </p:grpSpPr>
-      <p:sp>
-        <p:nvSpPr>
-          <p:cNvPr id="4" name="TextBox 3">
+      <p:sp>
+        <p:nvSpPr>
+          <p:cNvPr id="2" name="TextBox 1">
+            <a:hlinkClick r:id="rId3" action="ppaction://hlinksldjump"/>
             <a:extLst>
               <a:ext uri="{FF2B5EF4-FFF2-40B4-BE49-F238E27FC236}">
-                <a16:creationId xmlns:a16="http://schemas.microsoft.com/office/drawing/2014/main" id="{FB6F6D85-918A-4B7B-825D-83511722034B}"/>
+                <a16:creationId xmlns:a16="http://schemas.microsoft.com/office/drawing/2014/main" id="{C90B8450-4AD2-4F45-89F3-FEF39D95803C}"/>
               </a:ext>
             </a:extLst>
           </p:cNvPr>
@@ -13561,8 +17105,8 @@
         </p:nvSpPr>
         <p:spPr>
           <a:xfrm>
-            <a:off x="409575" y="161925"/>
-            <a:ext cx="11344275" cy="369332"/>
+            <a:off x="5205046" y="3921369"/>
+            <a:ext cx="615461" cy="386861"/>
           </a:xfrm>
           <a:prstGeom prst="rect">
             <a:avLst/>
@@ -13575,52 +17119,50 @@
           </a:bodyPr>
           <a:lstStyle/>
           <a:p>
-            <a:pPr algn="ctr"/>
-            <a:r>
-              <a:rPr lang="en-US" dirty="0"/>
-              <a:t>LOGIN INTERFACE</a:t>
-            </a:r>
             <a:endParaRPr lang="en-MY" dirty="0"/>
           </a:p>
         </p:txBody>
       </p:sp>
-      <p:pic>
-        <p:nvPicPr>
-          <p:cNvPr id="5" name="Picture 4">
+      <p:sp>
+        <p:nvSpPr>
+          <p:cNvPr id="4" name="TextBox 3">
+            <a:hlinkClick r:id="rId3" action="ppaction://hlinksldjump"/>
             <a:extLst>
               <a:ext uri="{FF2B5EF4-FFF2-40B4-BE49-F238E27FC236}">
-                <a16:creationId xmlns:a16="http://schemas.microsoft.com/office/drawing/2014/main" id="{3250821C-0517-49EA-985D-6D8452D45F31}"/>
+                <a16:creationId xmlns:a16="http://schemas.microsoft.com/office/drawing/2014/main" id="{BA458082-BE0F-4C40-8588-2B5CC9371157}"/>
               </a:ext>
             </a:extLst>
           </p:cNvPr>
-          <p:cNvPicPr>
-            <a:picLocks noChangeAspect="1"/>
-          </p:cNvPicPr>
+          <p:cNvSpPr txBox="1"/>
           <p:nvPr/>
-        </p:nvPicPr>
-        <p:blipFill>
-          <a:blip r:embed="rId2"/>
-          <a:stretch>
-            <a:fillRect/>
-          </a:stretch>
-        </p:blipFill>
+        </p:nvSpPr>
         <p:spPr>
           <a:xfrm>
-            <a:off x="4724399" y="947737"/>
-            <a:ext cx="2714625" cy="4962525"/>
+            <a:off x="6224954" y="3921369"/>
+            <a:ext cx="615461" cy="386861"/>
           </a:xfrm>
           <a:prstGeom prst="rect">
             <a:avLst/>
           </a:prstGeom>
+          <a:noFill/>
         </p:spPr>
-      </p:pic>
-      <p:sp>
-        <p:nvSpPr>
-          <p:cNvPr id="2" name="Action Button: Go Forward or Next 1">
+        <p:txBody>
+          <a:bodyPr wrap="square" rtlCol="0">
+            <a:spAutoFit/>
+          </a:bodyPr>
+          <a:lstStyle/>
+          <a:p>
+            <a:endParaRPr lang="en-MY" dirty="0"/>
+          </a:p>
+        </p:txBody>
+      </p:sp>
+      <p:sp>
+        <p:nvSpPr>
+          <p:cNvPr id="6" name="Action Button: Go Forward or Next 5">
             <a:hlinkClick r:id="" action="ppaction://hlinkshowjump?jump=nextslide" highlightClick="1"/>
             <a:extLst>
               <a:ext uri="{FF2B5EF4-FFF2-40B4-BE49-F238E27FC236}">
-                <a16:creationId xmlns:a16="http://schemas.microsoft.com/office/drawing/2014/main" id="{6455D3AC-1ABB-474A-B764-4AF8494C3A2A}"/>
+                <a16:creationId xmlns:a16="http://schemas.microsoft.com/office/drawing/2014/main" id="{CEB15960-BD12-456B-A4AC-7C90CB1208ED}"/>
               </a:ext>
             </a:extLst>
           </p:cNvPr>
@@ -13667,1504 +17209,10 @@
           </a:p>
         </p:txBody>
       </p:sp>
-      <p:sp>
-        <p:nvSpPr>
-          <p:cNvPr id="3" name="Action Button: Go Back or Previous 2">
-            <a:hlinkClick r:id="" action="ppaction://hlinkshowjump?jump=previousslide" highlightClick="1"/>
-            <a:extLst>
-              <a:ext uri="{FF2B5EF4-FFF2-40B4-BE49-F238E27FC236}">
-                <a16:creationId xmlns:a16="http://schemas.microsoft.com/office/drawing/2014/main" id="{DF200C9C-3FC7-4A23-B0F0-4B9F8706BE03}"/>
-              </a:ext>
-            </a:extLst>
-          </p:cNvPr>
-          <p:cNvSpPr/>
-          <p:nvPr/>
-        </p:nvSpPr>
-        <p:spPr>
-          <a:xfrm>
-            <a:off x="876627" y="5910262"/>
-            <a:ext cx="906971" cy="508123"/>
-          </a:xfrm>
-          <a:prstGeom prst="actionButtonBackPrevious">
-            <a:avLst/>
-          </a:prstGeom>
-          <a:ln>
-            <a:solidFill>
-              <a:schemeClr val="tx2">
-                <a:lumMod val="10000"/>
-              </a:schemeClr>
-            </a:solidFill>
-          </a:ln>
-        </p:spPr>
-        <p:style>
-          <a:lnRef idx="2">
-            <a:schemeClr val="accent4">
-              <a:shade val="50000"/>
-            </a:schemeClr>
-          </a:lnRef>
-          <a:fillRef idx="1">
-            <a:schemeClr val="accent4"/>
-          </a:fillRef>
-          <a:effectRef idx="0">
-            <a:schemeClr val="accent4"/>
-          </a:effectRef>
-          <a:fontRef idx="minor">
-            <a:schemeClr val="lt1"/>
-          </a:fontRef>
-        </p:style>
-        <p:txBody>
-          <a:bodyPr rtlCol="0" anchor="ctr"/>
-          <a:lstStyle/>
-          <a:p>
-            <a:pPr algn="ctr"/>
-            <a:endParaRPr lang="en-MY"/>
-          </a:p>
-        </p:txBody>
-      </p:sp>
     </p:spTree>
     <p:extLst>
       <p:ext uri="{BB962C8B-B14F-4D97-AF65-F5344CB8AC3E}">
-        <p14:creationId xmlns:p14="http://schemas.microsoft.com/office/powerpoint/2010/main" val="1987474841"/>
-      </p:ext>
-    </p:extLst>
-  </p:cSld>
-  <p:clrMapOvr>
-    <a:masterClrMapping/>
-  </p:clrMapOvr>
-</p:sld>
-</file>
-
-<file path=ppt/slides/slide3.xml><?xml version="1.0" encoding="utf-8"?>
-<p:sld xmlns:a="http://schemas.openxmlformats.org/drawingml/2006/main" xmlns:r="http://schemas.openxmlformats.org/officeDocument/2006/relationships" xmlns:p="http://schemas.openxmlformats.org/presentationml/2006/main">
-  <p:cSld>
-    <p:spTree>
-      <p:nvGrpSpPr>
-        <p:cNvPr id="1" name=""/>
-        <p:cNvGrpSpPr/>
-        <p:nvPr/>
-      </p:nvGrpSpPr>
-      <p:grpSpPr>
-        <a:xfrm>
-          <a:off x="0" y="0"/>
-          <a:ext cx="0" cy="0"/>
-          <a:chOff x="0" y="0"/>
-          <a:chExt cx="0" cy="0"/>
-        </a:xfrm>
-      </p:grpSpPr>
-      <p:sp>
-        <p:nvSpPr>
-          <p:cNvPr id="4" name="TextBox 3">
-            <a:extLst>
-              <a:ext uri="{FF2B5EF4-FFF2-40B4-BE49-F238E27FC236}">
-                <a16:creationId xmlns:a16="http://schemas.microsoft.com/office/drawing/2014/main" id="{EC5C8E7A-9165-4538-B872-42B0DAA1E62A}"/>
-              </a:ext>
-            </a:extLst>
-          </p:cNvPr>
-          <p:cNvSpPr txBox="1"/>
-          <p:nvPr/>
-        </p:nvSpPr>
-        <p:spPr>
-          <a:xfrm>
-            <a:off x="498628" y="195309"/>
-            <a:ext cx="11194742" cy="369332"/>
-          </a:xfrm>
-          <a:prstGeom prst="rect">
-            <a:avLst/>
-          </a:prstGeom>
-          <a:noFill/>
-        </p:spPr>
-        <p:txBody>
-          <a:bodyPr wrap="square" rtlCol="0">
-            <a:spAutoFit/>
-          </a:bodyPr>
-          <a:lstStyle/>
-          <a:p>
-            <a:pPr algn="ctr"/>
-            <a:r>
-              <a:rPr lang="en-US" dirty="0"/>
-              <a:t>REGISTER INTERFACE</a:t>
-            </a:r>
-            <a:endParaRPr lang="en-MY" dirty="0"/>
-          </a:p>
-        </p:txBody>
-      </p:sp>
-      <p:pic>
-        <p:nvPicPr>
-          <p:cNvPr id="6" name="Picture 5">
-            <a:extLst>
-              <a:ext uri="{FF2B5EF4-FFF2-40B4-BE49-F238E27FC236}">
-                <a16:creationId xmlns:a16="http://schemas.microsoft.com/office/drawing/2014/main" id="{03970180-11C7-4970-B45E-7E5D608B3C55}"/>
-              </a:ext>
-            </a:extLst>
-          </p:cNvPr>
-          <p:cNvPicPr>
-            <a:picLocks noChangeAspect="1"/>
-          </p:cNvPicPr>
-          <p:nvPr/>
-        </p:nvPicPr>
-        <p:blipFill>
-          <a:blip r:embed="rId2"/>
-          <a:stretch>
-            <a:fillRect/>
-          </a:stretch>
-        </p:blipFill>
-        <p:spPr>
-          <a:xfrm>
-            <a:off x="4700587" y="962025"/>
-            <a:ext cx="2790825" cy="4933950"/>
-          </a:xfrm>
-          <a:prstGeom prst="rect">
-            <a:avLst/>
-          </a:prstGeom>
-        </p:spPr>
-      </p:pic>
-      <p:sp>
-        <p:nvSpPr>
-          <p:cNvPr id="2" name="Action Button: Go Forward or Next 1">
-            <a:hlinkClick r:id="" action="ppaction://hlinkshowjump?jump=nextslide" highlightClick="1"/>
-            <a:extLst>
-              <a:ext uri="{FF2B5EF4-FFF2-40B4-BE49-F238E27FC236}">
-                <a16:creationId xmlns:a16="http://schemas.microsoft.com/office/drawing/2014/main" id="{AC606708-B245-4A48-A339-1D5474395159}"/>
-              </a:ext>
-            </a:extLst>
-          </p:cNvPr>
-          <p:cNvSpPr/>
-          <p:nvPr/>
-        </p:nvSpPr>
-        <p:spPr>
-          <a:xfrm>
-            <a:off x="10814538" y="5910262"/>
-            <a:ext cx="939312" cy="508123"/>
-          </a:xfrm>
-          <a:prstGeom prst="actionButtonForwardNext">
-            <a:avLst/>
-          </a:prstGeom>
-          <a:ln>
-            <a:solidFill>
-              <a:schemeClr val="bg2">
-                <a:lumMod val="75000"/>
-                <a:lumOff val="25000"/>
-              </a:schemeClr>
-            </a:solidFill>
-          </a:ln>
-        </p:spPr>
-        <p:style>
-          <a:lnRef idx="3">
-            <a:schemeClr val="lt1"/>
-          </a:lnRef>
-          <a:fillRef idx="1">
-            <a:schemeClr val="accent3"/>
-          </a:fillRef>
-          <a:effectRef idx="1">
-            <a:schemeClr val="accent3"/>
-          </a:effectRef>
-          <a:fontRef idx="minor">
-            <a:schemeClr val="lt1"/>
-          </a:fontRef>
-        </p:style>
-        <p:txBody>
-          <a:bodyPr rtlCol="0" anchor="ctr"/>
-          <a:lstStyle/>
-          <a:p>
-            <a:pPr algn="ctr"/>
-            <a:endParaRPr lang="en-MY"/>
-          </a:p>
-        </p:txBody>
-      </p:sp>
-      <p:sp>
-        <p:nvSpPr>
-          <p:cNvPr id="3" name="Action Button: Go Back or Previous 2">
-            <a:hlinkClick r:id="" action="ppaction://hlinkshowjump?jump=previousslide" highlightClick="1"/>
-            <a:extLst>
-              <a:ext uri="{FF2B5EF4-FFF2-40B4-BE49-F238E27FC236}">
-                <a16:creationId xmlns:a16="http://schemas.microsoft.com/office/drawing/2014/main" id="{386F95ED-0583-4EA0-9DFF-3FC9E7FE2036}"/>
-              </a:ext>
-            </a:extLst>
-          </p:cNvPr>
-          <p:cNvSpPr/>
-          <p:nvPr/>
-        </p:nvSpPr>
-        <p:spPr>
-          <a:xfrm>
-            <a:off x="876627" y="5910262"/>
-            <a:ext cx="906971" cy="508123"/>
-          </a:xfrm>
-          <a:prstGeom prst="actionButtonBackPrevious">
-            <a:avLst/>
-          </a:prstGeom>
-          <a:ln>
-            <a:solidFill>
-              <a:schemeClr val="tx2">
-                <a:lumMod val="10000"/>
-              </a:schemeClr>
-            </a:solidFill>
-          </a:ln>
-        </p:spPr>
-        <p:style>
-          <a:lnRef idx="2">
-            <a:schemeClr val="accent4">
-              <a:shade val="50000"/>
-            </a:schemeClr>
-          </a:lnRef>
-          <a:fillRef idx="1">
-            <a:schemeClr val="accent4"/>
-          </a:fillRef>
-          <a:effectRef idx="0">
-            <a:schemeClr val="accent4"/>
-          </a:effectRef>
-          <a:fontRef idx="minor">
-            <a:schemeClr val="lt1"/>
-          </a:fontRef>
-        </p:style>
-        <p:txBody>
-          <a:bodyPr rtlCol="0" anchor="ctr"/>
-          <a:lstStyle/>
-          <a:p>
-            <a:pPr algn="ctr"/>
-            <a:endParaRPr lang="en-MY"/>
-          </a:p>
-        </p:txBody>
-      </p:sp>
-    </p:spTree>
-    <p:extLst>
-      <p:ext uri="{BB962C8B-B14F-4D97-AF65-F5344CB8AC3E}">
-        <p14:creationId xmlns:p14="http://schemas.microsoft.com/office/powerpoint/2010/main" val="3454661769"/>
-      </p:ext>
-    </p:extLst>
-  </p:cSld>
-  <p:clrMapOvr>
-    <a:masterClrMapping/>
-  </p:clrMapOvr>
-</p:sld>
-</file>
-
-<file path=ppt/slides/slide4.xml><?xml version="1.0" encoding="utf-8"?>
-<p:sld xmlns:a="http://schemas.openxmlformats.org/drawingml/2006/main" xmlns:r="http://schemas.openxmlformats.org/officeDocument/2006/relationships" xmlns:p="http://schemas.openxmlformats.org/presentationml/2006/main">
-  <p:cSld>
-    <p:spTree>
-      <p:nvGrpSpPr>
-        <p:cNvPr id="1" name=""/>
-        <p:cNvGrpSpPr/>
-        <p:nvPr/>
-      </p:nvGrpSpPr>
-      <p:grpSpPr>
-        <a:xfrm>
-          <a:off x="0" y="0"/>
-          <a:ext cx="0" cy="0"/>
-          <a:chOff x="0" y="0"/>
-          <a:chExt cx="0" cy="0"/>
-        </a:xfrm>
-      </p:grpSpPr>
-      <p:sp>
-        <p:nvSpPr>
-          <p:cNvPr id="4" name="TextBox 3">
-            <a:extLst>
-              <a:ext uri="{FF2B5EF4-FFF2-40B4-BE49-F238E27FC236}">
-                <a16:creationId xmlns:a16="http://schemas.microsoft.com/office/drawing/2014/main" id="{0BB597E4-D779-46AD-AB55-E26EDA0C87B4}"/>
-              </a:ext>
-            </a:extLst>
-          </p:cNvPr>
-          <p:cNvSpPr txBox="1"/>
-          <p:nvPr/>
-        </p:nvSpPr>
-        <p:spPr>
-          <a:xfrm>
-            <a:off x="346229" y="204186"/>
-            <a:ext cx="11718524" cy="369332"/>
-          </a:xfrm>
-          <a:prstGeom prst="rect">
-            <a:avLst/>
-          </a:prstGeom>
-          <a:noFill/>
-        </p:spPr>
-        <p:txBody>
-          <a:bodyPr wrap="square" rtlCol="0">
-            <a:spAutoFit/>
-          </a:bodyPr>
-          <a:lstStyle/>
-          <a:p>
-            <a:pPr algn="ctr"/>
-            <a:r>
-              <a:rPr lang="en-US" dirty="0"/>
-              <a:t>ADMIN MENU INTERFACE</a:t>
-            </a:r>
-            <a:endParaRPr lang="en-MY" dirty="0"/>
-          </a:p>
-        </p:txBody>
-      </p:sp>
-      <p:pic>
-        <p:nvPicPr>
-          <p:cNvPr id="5" name="Picture 4">
-            <a:extLst>
-              <a:ext uri="{FF2B5EF4-FFF2-40B4-BE49-F238E27FC236}">
-                <a16:creationId xmlns:a16="http://schemas.microsoft.com/office/drawing/2014/main" id="{E811003C-EB93-45F4-AABC-00161F30BC02}"/>
-              </a:ext>
-            </a:extLst>
-          </p:cNvPr>
-          <p:cNvPicPr>
-            <a:picLocks noChangeAspect="1"/>
-          </p:cNvPicPr>
-          <p:nvPr/>
-        </p:nvPicPr>
-        <p:blipFill>
-          <a:blip r:embed="rId2"/>
-          <a:stretch>
-            <a:fillRect/>
-          </a:stretch>
-        </p:blipFill>
-        <p:spPr>
-          <a:xfrm>
-            <a:off x="4686300" y="909637"/>
-            <a:ext cx="2819400" cy="5038725"/>
-          </a:xfrm>
-          <a:prstGeom prst="rect">
-            <a:avLst/>
-          </a:prstGeom>
-        </p:spPr>
-      </p:pic>
-      <p:sp>
-        <p:nvSpPr>
-          <p:cNvPr id="2" name="Action Button: Go Forward or Next 1">
-            <a:hlinkClick r:id="" action="ppaction://hlinkshowjump?jump=nextslide" highlightClick="1"/>
-            <a:extLst>
-              <a:ext uri="{FF2B5EF4-FFF2-40B4-BE49-F238E27FC236}">
-                <a16:creationId xmlns:a16="http://schemas.microsoft.com/office/drawing/2014/main" id="{1C751CC7-7597-4EC3-A316-BCE7BAE953F1}"/>
-              </a:ext>
-            </a:extLst>
-          </p:cNvPr>
-          <p:cNvSpPr/>
-          <p:nvPr/>
-        </p:nvSpPr>
-        <p:spPr>
-          <a:xfrm>
-            <a:off x="10814538" y="5910262"/>
-            <a:ext cx="939312" cy="508123"/>
-          </a:xfrm>
-          <a:prstGeom prst="actionButtonForwardNext">
-            <a:avLst/>
-          </a:prstGeom>
-          <a:ln>
-            <a:solidFill>
-              <a:schemeClr val="bg2">
-                <a:lumMod val="75000"/>
-                <a:lumOff val="25000"/>
-              </a:schemeClr>
-            </a:solidFill>
-          </a:ln>
-        </p:spPr>
-        <p:style>
-          <a:lnRef idx="3">
-            <a:schemeClr val="lt1"/>
-          </a:lnRef>
-          <a:fillRef idx="1">
-            <a:schemeClr val="accent3"/>
-          </a:fillRef>
-          <a:effectRef idx="1">
-            <a:schemeClr val="accent3"/>
-          </a:effectRef>
-          <a:fontRef idx="minor">
-            <a:schemeClr val="lt1"/>
-          </a:fontRef>
-        </p:style>
-        <p:txBody>
-          <a:bodyPr rtlCol="0" anchor="ctr"/>
-          <a:lstStyle/>
-          <a:p>
-            <a:pPr algn="ctr"/>
-            <a:endParaRPr lang="en-MY"/>
-          </a:p>
-        </p:txBody>
-      </p:sp>
-      <p:sp>
-        <p:nvSpPr>
-          <p:cNvPr id="3" name="Action Button: Go Back or Previous 2">
-            <a:hlinkClick r:id="" action="ppaction://hlinkshowjump?jump=previousslide" highlightClick="1"/>
-            <a:extLst>
-              <a:ext uri="{FF2B5EF4-FFF2-40B4-BE49-F238E27FC236}">
-                <a16:creationId xmlns:a16="http://schemas.microsoft.com/office/drawing/2014/main" id="{44B6054E-7777-4C56-9F98-E48DE063AC43}"/>
-              </a:ext>
-            </a:extLst>
-          </p:cNvPr>
-          <p:cNvSpPr/>
-          <p:nvPr/>
-        </p:nvSpPr>
-        <p:spPr>
-          <a:xfrm>
-            <a:off x="876627" y="5910262"/>
-            <a:ext cx="906971" cy="508123"/>
-          </a:xfrm>
-          <a:prstGeom prst="actionButtonBackPrevious">
-            <a:avLst/>
-          </a:prstGeom>
-          <a:ln>
-            <a:solidFill>
-              <a:schemeClr val="tx2">
-                <a:lumMod val="10000"/>
-              </a:schemeClr>
-            </a:solidFill>
-          </a:ln>
-        </p:spPr>
-        <p:style>
-          <a:lnRef idx="2">
-            <a:schemeClr val="accent4">
-              <a:shade val="50000"/>
-            </a:schemeClr>
-          </a:lnRef>
-          <a:fillRef idx="1">
-            <a:schemeClr val="accent4"/>
-          </a:fillRef>
-          <a:effectRef idx="0">
-            <a:schemeClr val="accent4"/>
-          </a:effectRef>
-          <a:fontRef idx="minor">
-            <a:schemeClr val="lt1"/>
-          </a:fontRef>
-        </p:style>
-        <p:txBody>
-          <a:bodyPr rtlCol="0" anchor="ctr"/>
-          <a:lstStyle/>
-          <a:p>
-            <a:pPr algn="ctr"/>
-            <a:endParaRPr lang="en-MY"/>
-          </a:p>
-        </p:txBody>
-      </p:sp>
-    </p:spTree>
-    <p:extLst>
-      <p:ext uri="{BB962C8B-B14F-4D97-AF65-F5344CB8AC3E}">
-        <p14:creationId xmlns:p14="http://schemas.microsoft.com/office/powerpoint/2010/main" val="2460229919"/>
-      </p:ext>
-    </p:extLst>
-  </p:cSld>
-  <p:clrMapOvr>
-    <a:masterClrMapping/>
-  </p:clrMapOvr>
-</p:sld>
-</file>
-
-<file path=ppt/slides/slide5.xml><?xml version="1.0" encoding="utf-8"?>
-<p:sld xmlns:a="http://schemas.openxmlformats.org/drawingml/2006/main" xmlns:r="http://schemas.openxmlformats.org/officeDocument/2006/relationships" xmlns:p="http://schemas.openxmlformats.org/presentationml/2006/main">
-  <p:cSld>
-    <p:spTree>
-      <p:nvGrpSpPr>
-        <p:cNvPr id="1" name=""/>
-        <p:cNvGrpSpPr/>
-        <p:nvPr/>
-      </p:nvGrpSpPr>
-      <p:grpSpPr>
-        <a:xfrm>
-          <a:off x="0" y="0"/>
-          <a:ext cx="0" cy="0"/>
-          <a:chOff x="0" y="0"/>
-          <a:chExt cx="0" cy="0"/>
-        </a:xfrm>
-      </p:grpSpPr>
-      <p:sp>
-        <p:nvSpPr>
-          <p:cNvPr id="4" name="TextBox 3">
-            <a:extLst>
-              <a:ext uri="{FF2B5EF4-FFF2-40B4-BE49-F238E27FC236}">
-                <a16:creationId xmlns:a16="http://schemas.microsoft.com/office/drawing/2014/main" id="{3BB1162C-43A9-4396-9440-1DA2602E024B}"/>
-              </a:ext>
-            </a:extLst>
-          </p:cNvPr>
-          <p:cNvSpPr txBox="1"/>
-          <p:nvPr/>
-        </p:nvSpPr>
-        <p:spPr>
-          <a:xfrm>
-            <a:off x="363984" y="159798"/>
-            <a:ext cx="11700769" cy="369332"/>
-          </a:xfrm>
-          <a:prstGeom prst="rect">
-            <a:avLst/>
-          </a:prstGeom>
-          <a:noFill/>
-        </p:spPr>
-        <p:txBody>
-          <a:bodyPr wrap="square" rtlCol="0">
-            <a:spAutoFit/>
-          </a:bodyPr>
-          <a:lstStyle/>
-          <a:p>
-            <a:pPr algn="ctr"/>
-            <a:r>
-              <a:rPr lang="en-US" dirty="0"/>
-              <a:t>TEACHER MENU INTERFACE</a:t>
-            </a:r>
-            <a:endParaRPr lang="en-MY" dirty="0"/>
-          </a:p>
-        </p:txBody>
-      </p:sp>
-      <p:pic>
-        <p:nvPicPr>
-          <p:cNvPr id="5" name="Picture 4">
-            <a:extLst>
-              <a:ext uri="{FF2B5EF4-FFF2-40B4-BE49-F238E27FC236}">
-                <a16:creationId xmlns:a16="http://schemas.microsoft.com/office/drawing/2014/main" id="{AEC38FE5-7F6B-4807-BD30-573C0ED28F15}"/>
-              </a:ext>
-            </a:extLst>
-          </p:cNvPr>
-          <p:cNvPicPr>
-            <a:picLocks noChangeAspect="1"/>
-          </p:cNvPicPr>
-          <p:nvPr/>
-        </p:nvPicPr>
-        <p:blipFill>
-          <a:blip r:embed="rId2"/>
-          <a:stretch>
-            <a:fillRect/>
-          </a:stretch>
-        </p:blipFill>
-        <p:spPr>
-          <a:xfrm>
-            <a:off x="4976812" y="1447800"/>
-            <a:ext cx="2238375" cy="3962400"/>
-          </a:xfrm>
-          <a:prstGeom prst="rect">
-            <a:avLst/>
-          </a:prstGeom>
-        </p:spPr>
-      </p:pic>
-      <p:sp>
-        <p:nvSpPr>
-          <p:cNvPr id="2" name="Action Button: Go Forward or Next 1">
-            <a:hlinkClick r:id="" action="ppaction://hlinkshowjump?jump=nextslide" highlightClick="1"/>
-            <a:extLst>
-              <a:ext uri="{FF2B5EF4-FFF2-40B4-BE49-F238E27FC236}">
-                <a16:creationId xmlns:a16="http://schemas.microsoft.com/office/drawing/2014/main" id="{3DD7BF99-5471-4AE9-82EA-62BEAEC55A3B}"/>
-              </a:ext>
-            </a:extLst>
-          </p:cNvPr>
-          <p:cNvSpPr/>
-          <p:nvPr/>
-        </p:nvSpPr>
-        <p:spPr>
-          <a:xfrm>
-            <a:off x="10814538" y="5910262"/>
-            <a:ext cx="939312" cy="508123"/>
-          </a:xfrm>
-          <a:prstGeom prst="actionButtonForwardNext">
-            <a:avLst/>
-          </a:prstGeom>
-          <a:ln>
-            <a:solidFill>
-              <a:schemeClr val="bg2">
-                <a:lumMod val="75000"/>
-                <a:lumOff val="25000"/>
-              </a:schemeClr>
-            </a:solidFill>
-          </a:ln>
-        </p:spPr>
-        <p:style>
-          <a:lnRef idx="3">
-            <a:schemeClr val="lt1"/>
-          </a:lnRef>
-          <a:fillRef idx="1">
-            <a:schemeClr val="accent3"/>
-          </a:fillRef>
-          <a:effectRef idx="1">
-            <a:schemeClr val="accent3"/>
-          </a:effectRef>
-          <a:fontRef idx="minor">
-            <a:schemeClr val="lt1"/>
-          </a:fontRef>
-        </p:style>
-        <p:txBody>
-          <a:bodyPr rtlCol="0" anchor="ctr"/>
-          <a:lstStyle/>
-          <a:p>
-            <a:pPr algn="ctr"/>
-            <a:endParaRPr lang="en-MY"/>
-          </a:p>
-        </p:txBody>
-      </p:sp>
-      <p:sp>
-        <p:nvSpPr>
-          <p:cNvPr id="3" name="Action Button: Go Back or Previous 2">
-            <a:hlinkClick r:id="" action="ppaction://hlinkshowjump?jump=previousslide" highlightClick="1"/>
-            <a:extLst>
-              <a:ext uri="{FF2B5EF4-FFF2-40B4-BE49-F238E27FC236}">
-                <a16:creationId xmlns:a16="http://schemas.microsoft.com/office/drawing/2014/main" id="{5E0D7EB5-B29D-4F75-BC75-7A639F5D1C96}"/>
-              </a:ext>
-            </a:extLst>
-          </p:cNvPr>
-          <p:cNvSpPr/>
-          <p:nvPr/>
-        </p:nvSpPr>
-        <p:spPr>
-          <a:xfrm>
-            <a:off x="876627" y="5910262"/>
-            <a:ext cx="906971" cy="508123"/>
-          </a:xfrm>
-          <a:prstGeom prst="actionButtonBackPrevious">
-            <a:avLst/>
-          </a:prstGeom>
-          <a:ln>
-            <a:solidFill>
-              <a:schemeClr val="tx2">
-                <a:lumMod val="10000"/>
-              </a:schemeClr>
-            </a:solidFill>
-          </a:ln>
-        </p:spPr>
-        <p:style>
-          <a:lnRef idx="2">
-            <a:schemeClr val="accent4">
-              <a:shade val="50000"/>
-            </a:schemeClr>
-          </a:lnRef>
-          <a:fillRef idx="1">
-            <a:schemeClr val="accent4"/>
-          </a:fillRef>
-          <a:effectRef idx="0">
-            <a:schemeClr val="accent4"/>
-          </a:effectRef>
-          <a:fontRef idx="minor">
-            <a:schemeClr val="lt1"/>
-          </a:fontRef>
-        </p:style>
-        <p:txBody>
-          <a:bodyPr rtlCol="0" anchor="ctr"/>
-          <a:lstStyle/>
-          <a:p>
-            <a:pPr algn="ctr"/>
-            <a:endParaRPr lang="en-MY"/>
-          </a:p>
-        </p:txBody>
-      </p:sp>
-    </p:spTree>
-    <p:extLst>
-      <p:ext uri="{BB962C8B-B14F-4D97-AF65-F5344CB8AC3E}">
-        <p14:creationId xmlns:p14="http://schemas.microsoft.com/office/powerpoint/2010/main" val="3777454521"/>
-      </p:ext>
-    </p:extLst>
-  </p:cSld>
-  <p:clrMapOvr>
-    <a:masterClrMapping/>
-  </p:clrMapOvr>
-</p:sld>
-</file>
-
-<file path=ppt/slides/slide6.xml><?xml version="1.0" encoding="utf-8"?>
-<p:sld xmlns:a="http://schemas.openxmlformats.org/drawingml/2006/main" xmlns:r="http://schemas.openxmlformats.org/officeDocument/2006/relationships" xmlns:p="http://schemas.openxmlformats.org/presentationml/2006/main">
-  <p:cSld>
-    <p:spTree>
-      <p:nvGrpSpPr>
-        <p:cNvPr id="1" name=""/>
-        <p:cNvGrpSpPr/>
-        <p:nvPr/>
-      </p:nvGrpSpPr>
-      <p:grpSpPr>
-        <a:xfrm>
-          <a:off x="0" y="0"/>
-          <a:ext cx="0" cy="0"/>
-          <a:chOff x="0" y="0"/>
-          <a:chExt cx="0" cy="0"/>
-        </a:xfrm>
-      </p:grpSpPr>
-      <p:sp>
-        <p:nvSpPr>
-          <p:cNvPr id="5" name="TextBox 4">
-            <a:extLst>
-              <a:ext uri="{FF2B5EF4-FFF2-40B4-BE49-F238E27FC236}">
-                <a16:creationId xmlns:a16="http://schemas.microsoft.com/office/drawing/2014/main" id="{B1B21F74-CB9A-4713-BDC1-068B8B4E8A02}"/>
-              </a:ext>
-            </a:extLst>
-          </p:cNvPr>
-          <p:cNvSpPr txBox="1"/>
-          <p:nvPr/>
-        </p:nvSpPr>
-        <p:spPr>
-          <a:xfrm>
-            <a:off x="266330" y="221942"/>
-            <a:ext cx="11745157" cy="369332"/>
-          </a:xfrm>
-          <a:prstGeom prst="rect">
-            <a:avLst/>
-          </a:prstGeom>
-          <a:noFill/>
-        </p:spPr>
-        <p:txBody>
-          <a:bodyPr wrap="square" rtlCol="0">
-            <a:spAutoFit/>
-          </a:bodyPr>
-          <a:lstStyle/>
-          <a:p>
-            <a:pPr algn="ctr"/>
-            <a:r>
-              <a:rPr lang="en-US" dirty="0"/>
-              <a:t>MANAGE TEACHER INTERFACE</a:t>
-            </a:r>
-            <a:endParaRPr lang="en-MY" dirty="0"/>
-          </a:p>
-        </p:txBody>
-      </p:sp>
-      <p:pic>
-        <p:nvPicPr>
-          <p:cNvPr id="6" name="Picture 5">
-            <a:extLst>
-              <a:ext uri="{FF2B5EF4-FFF2-40B4-BE49-F238E27FC236}">
-                <a16:creationId xmlns:a16="http://schemas.microsoft.com/office/drawing/2014/main" id="{2697772E-8345-4AB6-9FC7-2A959F0B03E7}"/>
-              </a:ext>
-            </a:extLst>
-          </p:cNvPr>
-          <p:cNvPicPr>
-            <a:picLocks noChangeAspect="1"/>
-          </p:cNvPicPr>
-          <p:nvPr/>
-        </p:nvPicPr>
-        <p:blipFill>
-          <a:blip r:embed="rId2"/>
-          <a:stretch>
-            <a:fillRect/>
-          </a:stretch>
-        </p:blipFill>
-        <p:spPr>
-          <a:xfrm>
-            <a:off x="4695825" y="938212"/>
-            <a:ext cx="2800350" cy="4981575"/>
-          </a:xfrm>
-          <a:prstGeom prst="rect">
-            <a:avLst/>
-          </a:prstGeom>
-        </p:spPr>
-      </p:pic>
-      <p:sp>
-        <p:nvSpPr>
-          <p:cNvPr id="2" name="Action Button: Go Forward or Next 1">
-            <a:hlinkClick r:id="" action="ppaction://hlinkshowjump?jump=nextslide" highlightClick="1"/>
-            <a:extLst>
-              <a:ext uri="{FF2B5EF4-FFF2-40B4-BE49-F238E27FC236}">
-                <a16:creationId xmlns:a16="http://schemas.microsoft.com/office/drawing/2014/main" id="{40ADCED9-053E-4CB7-B941-5F1105F68829}"/>
-              </a:ext>
-            </a:extLst>
-          </p:cNvPr>
-          <p:cNvSpPr/>
-          <p:nvPr/>
-        </p:nvSpPr>
-        <p:spPr>
-          <a:xfrm>
-            <a:off x="10814538" y="5910262"/>
-            <a:ext cx="939312" cy="508123"/>
-          </a:xfrm>
-          <a:prstGeom prst="actionButtonForwardNext">
-            <a:avLst/>
-          </a:prstGeom>
-          <a:ln>
-            <a:solidFill>
-              <a:schemeClr val="bg2">
-                <a:lumMod val="75000"/>
-                <a:lumOff val="25000"/>
-              </a:schemeClr>
-            </a:solidFill>
-          </a:ln>
-        </p:spPr>
-        <p:style>
-          <a:lnRef idx="3">
-            <a:schemeClr val="lt1"/>
-          </a:lnRef>
-          <a:fillRef idx="1">
-            <a:schemeClr val="accent3"/>
-          </a:fillRef>
-          <a:effectRef idx="1">
-            <a:schemeClr val="accent3"/>
-          </a:effectRef>
-          <a:fontRef idx="minor">
-            <a:schemeClr val="lt1"/>
-          </a:fontRef>
-        </p:style>
-        <p:txBody>
-          <a:bodyPr rtlCol="0" anchor="ctr"/>
-          <a:lstStyle/>
-          <a:p>
-            <a:pPr algn="ctr"/>
-            <a:endParaRPr lang="en-MY"/>
-          </a:p>
-        </p:txBody>
-      </p:sp>
-      <p:sp>
-        <p:nvSpPr>
-          <p:cNvPr id="3" name="Action Button: Go Back or Previous 2">
-            <a:hlinkClick r:id="" action="ppaction://hlinkshowjump?jump=previousslide" highlightClick="1"/>
-            <a:extLst>
-              <a:ext uri="{FF2B5EF4-FFF2-40B4-BE49-F238E27FC236}">
-                <a16:creationId xmlns:a16="http://schemas.microsoft.com/office/drawing/2014/main" id="{3CB36435-6BDE-4D7C-89E5-BBE807C9A41A}"/>
-              </a:ext>
-            </a:extLst>
-          </p:cNvPr>
-          <p:cNvSpPr/>
-          <p:nvPr/>
-        </p:nvSpPr>
-        <p:spPr>
-          <a:xfrm>
-            <a:off x="876627" y="5910262"/>
-            <a:ext cx="906971" cy="508123"/>
-          </a:xfrm>
-          <a:prstGeom prst="actionButtonBackPrevious">
-            <a:avLst/>
-          </a:prstGeom>
-          <a:ln>
-            <a:solidFill>
-              <a:schemeClr val="tx2">
-                <a:lumMod val="10000"/>
-              </a:schemeClr>
-            </a:solidFill>
-          </a:ln>
-        </p:spPr>
-        <p:style>
-          <a:lnRef idx="2">
-            <a:schemeClr val="accent4">
-              <a:shade val="50000"/>
-            </a:schemeClr>
-          </a:lnRef>
-          <a:fillRef idx="1">
-            <a:schemeClr val="accent4"/>
-          </a:fillRef>
-          <a:effectRef idx="0">
-            <a:schemeClr val="accent4"/>
-          </a:effectRef>
-          <a:fontRef idx="minor">
-            <a:schemeClr val="lt1"/>
-          </a:fontRef>
-        </p:style>
-        <p:txBody>
-          <a:bodyPr rtlCol="0" anchor="ctr"/>
-          <a:lstStyle/>
-          <a:p>
-            <a:pPr algn="ctr"/>
-            <a:endParaRPr lang="en-MY"/>
-          </a:p>
-        </p:txBody>
-      </p:sp>
-    </p:spTree>
-    <p:extLst>
-      <p:ext uri="{BB962C8B-B14F-4D97-AF65-F5344CB8AC3E}">
-        <p14:creationId xmlns:p14="http://schemas.microsoft.com/office/powerpoint/2010/main" val="3187513679"/>
-      </p:ext>
-    </p:extLst>
-  </p:cSld>
-  <p:clrMapOvr>
-    <a:masterClrMapping/>
-  </p:clrMapOvr>
-</p:sld>
-</file>
-
-<file path=ppt/slides/slide7.xml><?xml version="1.0" encoding="utf-8"?>
-<p:sld xmlns:a="http://schemas.openxmlformats.org/drawingml/2006/main" xmlns:r="http://schemas.openxmlformats.org/officeDocument/2006/relationships" xmlns:p="http://schemas.openxmlformats.org/presentationml/2006/main">
-  <p:cSld>
-    <p:spTree>
-      <p:nvGrpSpPr>
-        <p:cNvPr id="1" name=""/>
-        <p:cNvGrpSpPr/>
-        <p:nvPr/>
-      </p:nvGrpSpPr>
-      <p:grpSpPr>
-        <a:xfrm>
-          <a:off x="0" y="0"/>
-          <a:ext cx="0" cy="0"/>
-          <a:chOff x="0" y="0"/>
-          <a:chExt cx="0" cy="0"/>
-        </a:xfrm>
-      </p:grpSpPr>
-      <p:sp>
-        <p:nvSpPr>
-          <p:cNvPr id="5" name="TextBox 4">
-            <a:extLst>
-              <a:ext uri="{FF2B5EF4-FFF2-40B4-BE49-F238E27FC236}">
-                <a16:creationId xmlns:a16="http://schemas.microsoft.com/office/drawing/2014/main" id="{5E7C3BDC-8B06-48E7-86C6-FCE5B3C5D7CF}"/>
-              </a:ext>
-            </a:extLst>
-          </p:cNvPr>
-          <p:cNvSpPr txBox="1"/>
-          <p:nvPr/>
-        </p:nvSpPr>
-        <p:spPr>
-          <a:xfrm>
-            <a:off x="230819" y="204186"/>
-            <a:ext cx="11842812" cy="369332"/>
-          </a:xfrm>
-          <a:prstGeom prst="rect">
-            <a:avLst/>
-          </a:prstGeom>
-          <a:noFill/>
-        </p:spPr>
-        <p:txBody>
-          <a:bodyPr wrap="square" rtlCol="0">
-            <a:spAutoFit/>
-          </a:bodyPr>
-          <a:lstStyle/>
-          <a:p>
-            <a:pPr algn="ctr"/>
-            <a:r>
-              <a:rPr lang="en-US" dirty="0"/>
-              <a:t>MANAGE STUDENT INTERFACE</a:t>
-            </a:r>
-            <a:endParaRPr lang="en-MY" dirty="0"/>
-          </a:p>
-        </p:txBody>
-      </p:sp>
-      <p:pic>
-        <p:nvPicPr>
-          <p:cNvPr id="3" name="Picture 2">
-            <a:extLst>
-              <a:ext uri="{FF2B5EF4-FFF2-40B4-BE49-F238E27FC236}">
-                <a16:creationId xmlns:a16="http://schemas.microsoft.com/office/drawing/2014/main" id="{E59D1A50-C45A-4077-AB9B-BE9F73822D59}"/>
-              </a:ext>
-            </a:extLst>
-          </p:cNvPr>
-          <p:cNvPicPr>
-            <a:picLocks noChangeAspect="1"/>
-          </p:cNvPicPr>
-          <p:nvPr/>
-        </p:nvPicPr>
-        <p:blipFill>
-          <a:blip r:embed="rId2">
-            <a:extLst>
-              <a:ext uri="{28A0092B-C50C-407E-A947-70E740481C1C}">
-                <a14:useLocalDpi xmlns:a14="http://schemas.microsoft.com/office/drawing/2010/main" val="0"/>
-              </a:ext>
-            </a:extLst>
-          </a:blip>
-          <a:stretch>
-            <a:fillRect/>
-          </a:stretch>
-        </p:blipFill>
-        <p:spPr>
-          <a:xfrm>
-            <a:off x="4698934" y="876554"/>
-            <a:ext cx="2794132" cy="5104891"/>
-          </a:xfrm>
-          <a:prstGeom prst="rect">
-            <a:avLst/>
-          </a:prstGeom>
-        </p:spPr>
-      </p:pic>
-      <p:sp>
-        <p:nvSpPr>
-          <p:cNvPr id="2" name="Action Button: Go Forward or Next 1">
-            <a:hlinkClick r:id="" action="ppaction://hlinkshowjump?jump=nextslide" highlightClick="1"/>
-            <a:extLst>
-              <a:ext uri="{FF2B5EF4-FFF2-40B4-BE49-F238E27FC236}">
-                <a16:creationId xmlns:a16="http://schemas.microsoft.com/office/drawing/2014/main" id="{69A6E81E-622B-4DB9-AB43-3590D226936F}"/>
-              </a:ext>
-            </a:extLst>
-          </p:cNvPr>
-          <p:cNvSpPr/>
-          <p:nvPr/>
-        </p:nvSpPr>
-        <p:spPr>
-          <a:xfrm>
-            <a:off x="10814538" y="5910262"/>
-            <a:ext cx="939312" cy="508123"/>
-          </a:xfrm>
-          <a:prstGeom prst="actionButtonForwardNext">
-            <a:avLst/>
-          </a:prstGeom>
-          <a:ln>
-            <a:solidFill>
-              <a:schemeClr val="bg2">
-                <a:lumMod val="75000"/>
-                <a:lumOff val="25000"/>
-              </a:schemeClr>
-            </a:solidFill>
-          </a:ln>
-        </p:spPr>
-        <p:style>
-          <a:lnRef idx="3">
-            <a:schemeClr val="lt1"/>
-          </a:lnRef>
-          <a:fillRef idx="1">
-            <a:schemeClr val="accent3"/>
-          </a:fillRef>
-          <a:effectRef idx="1">
-            <a:schemeClr val="accent3"/>
-          </a:effectRef>
-          <a:fontRef idx="minor">
-            <a:schemeClr val="lt1"/>
-          </a:fontRef>
-        </p:style>
-        <p:txBody>
-          <a:bodyPr rtlCol="0" anchor="ctr"/>
-          <a:lstStyle/>
-          <a:p>
-            <a:pPr algn="ctr"/>
-            <a:endParaRPr lang="en-MY"/>
-          </a:p>
-        </p:txBody>
-      </p:sp>
-      <p:sp>
-        <p:nvSpPr>
-          <p:cNvPr id="7" name="Action Button: Go Back or Previous 6">
-            <a:hlinkClick r:id="" action="ppaction://hlinkshowjump?jump=previousslide" highlightClick="1"/>
-            <a:extLst>
-              <a:ext uri="{FF2B5EF4-FFF2-40B4-BE49-F238E27FC236}">
-                <a16:creationId xmlns:a16="http://schemas.microsoft.com/office/drawing/2014/main" id="{75401FDE-0730-493B-A077-629EE2EFC1D1}"/>
-              </a:ext>
-            </a:extLst>
-          </p:cNvPr>
-          <p:cNvSpPr/>
-          <p:nvPr/>
-        </p:nvSpPr>
-        <p:spPr>
-          <a:xfrm>
-            <a:off x="876627" y="5910262"/>
-            <a:ext cx="906971" cy="508123"/>
-          </a:xfrm>
-          <a:prstGeom prst="actionButtonBackPrevious">
-            <a:avLst/>
-          </a:prstGeom>
-          <a:ln>
-            <a:solidFill>
-              <a:schemeClr val="tx2">
-                <a:lumMod val="10000"/>
-              </a:schemeClr>
-            </a:solidFill>
-          </a:ln>
-        </p:spPr>
-        <p:style>
-          <a:lnRef idx="2">
-            <a:schemeClr val="accent4">
-              <a:shade val="50000"/>
-            </a:schemeClr>
-          </a:lnRef>
-          <a:fillRef idx="1">
-            <a:schemeClr val="accent4"/>
-          </a:fillRef>
-          <a:effectRef idx="0">
-            <a:schemeClr val="accent4"/>
-          </a:effectRef>
-          <a:fontRef idx="minor">
-            <a:schemeClr val="lt1"/>
-          </a:fontRef>
-        </p:style>
-        <p:txBody>
-          <a:bodyPr rtlCol="0" anchor="ctr"/>
-          <a:lstStyle/>
-          <a:p>
-            <a:pPr algn="ctr"/>
-            <a:endParaRPr lang="en-MY"/>
-          </a:p>
-        </p:txBody>
-      </p:sp>
-    </p:spTree>
-    <p:extLst>
-      <p:ext uri="{BB962C8B-B14F-4D97-AF65-F5344CB8AC3E}">
-        <p14:creationId xmlns:p14="http://schemas.microsoft.com/office/powerpoint/2010/main" val="557457809"/>
-      </p:ext>
-    </p:extLst>
-  </p:cSld>
-  <p:clrMapOvr>
-    <a:masterClrMapping/>
-  </p:clrMapOvr>
-</p:sld>
-</file>
-
-<file path=ppt/slides/slide8.xml><?xml version="1.0" encoding="utf-8"?>
-<p:sld xmlns:a="http://schemas.openxmlformats.org/drawingml/2006/main" xmlns:r="http://schemas.openxmlformats.org/officeDocument/2006/relationships" xmlns:p="http://schemas.openxmlformats.org/presentationml/2006/main">
-  <p:cSld>
-    <p:spTree>
-      <p:nvGrpSpPr>
-        <p:cNvPr id="1" name=""/>
-        <p:cNvGrpSpPr/>
-        <p:nvPr/>
-      </p:nvGrpSpPr>
-      <p:grpSpPr>
-        <a:xfrm>
-          <a:off x="0" y="0"/>
-          <a:ext cx="0" cy="0"/>
-          <a:chOff x="0" y="0"/>
-          <a:chExt cx="0" cy="0"/>
-        </a:xfrm>
-      </p:grpSpPr>
-      <p:sp>
-        <p:nvSpPr>
-          <p:cNvPr id="2" name="TextBox 1">
-            <a:extLst>
-              <a:ext uri="{FF2B5EF4-FFF2-40B4-BE49-F238E27FC236}">
-                <a16:creationId xmlns:a16="http://schemas.microsoft.com/office/drawing/2014/main" id="{537D5AB4-B93F-41E5-ABDB-48CB9324BA39}"/>
-              </a:ext>
-            </a:extLst>
-          </p:cNvPr>
-          <p:cNvSpPr txBox="1"/>
-          <p:nvPr/>
-        </p:nvSpPr>
-        <p:spPr>
-          <a:xfrm>
-            <a:off x="115410" y="124287"/>
-            <a:ext cx="11913833" cy="369332"/>
-          </a:xfrm>
-          <a:prstGeom prst="rect">
-            <a:avLst/>
-          </a:prstGeom>
-          <a:noFill/>
-        </p:spPr>
-        <p:txBody>
-          <a:bodyPr wrap="square" rtlCol="0">
-            <a:spAutoFit/>
-          </a:bodyPr>
-          <a:lstStyle/>
-          <a:p>
-            <a:pPr algn="ctr"/>
-            <a:r>
-              <a:rPr lang="en-US" dirty="0"/>
-              <a:t>REGISTER STUDENT INTERFACE</a:t>
-            </a:r>
-            <a:endParaRPr lang="en-MY" dirty="0"/>
-          </a:p>
-        </p:txBody>
-      </p:sp>
-      <p:pic>
-        <p:nvPicPr>
-          <p:cNvPr id="3" name="Picture 2">
-            <a:extLst>
-              <a:ext uri="{FF2B5EF4-FFF2-40B4-BE49-F238E27FC236}">
-                <a16:creationId xmlns:a16="http://schemas.microsoft.com/office/drawing/2014/main" id="{2DE06B7F-1410-440F-8414-9BE27CD5CDD2}"/>
-              </a:ext>
-            </a:extLst>
-          </p:cNvPr>
-          <p:cNvPicPr>
-            <a:picLocks noChangeAspect="1"/>
-          </p:cNvPicPr>
-          <p:nvPr/>
-        </p:nvPicPr>
-        <p:blipFill>
-          <a:blip r:embed="rId2"/>
-          <a:stretch>
-            <a:fillRect/>
-          </a:stretch>
-        </p:blipFill>
-        <p:spPr>
-          <a:xfrm>
-            <a:off x="4895988" y="1402302"/>
-            <a:ext cx="2352675" cy="3733800"/>
-          </a:xfrm>
-          <a:prstGeom prst="rect">
-            <a:avLst/>
-          </a:prstGeom>
-        </p:spPr>
-      </p:pic>
-      <p:sp>
-        <p:nvSpPr>
-          <p:cNvPr id="5" name="Action Button: Go Forward or Next 4">
-            <a:hlinkClick r:id="" action="ppaction://hlinkshowjump?jump=nextslide" highlightClick="1"/>
-            <a:extLst>
-              <a:ext uri="{FF2B5EF4-FFF2-40B4-BE49-F238E27FC236}">
-                <a16:creationId xmlns:a16="http://schemas.microsoft.com/office/drawing/2014/main" id="{F34DC1AD-513E-4441-9F8E-915A35E684D0}"/>
-              </a:ext>
-            </a:extLst>
-          </p:cNvPr>
-          <p:cNvSpPr/>
-          <p:nvPr/>
-        </p:nvSpPr>
-        <p:spPr>
-          <a:xfrm>
-            <a:off x="10814538" y="5910262"/>
-            <a:ext cx="939312" cy="508123"/>
-          </a:xfrm>
-          <a:prstGeom prst="actionButtonForwardNext">
-            <a:avLst/>
-          </a:prstGeom>
-          <a:ln>
-            <a:solidFill>
-              <a:schemeClr val="bg2">
-                <a:lumMod val="75000"/>
-                <a:lumOff val="25000"/>
-              </a:schemeClr>
-            </a:solidFill>
-          </a:ln>
-        </p:spPr>
-        <p:style>
-          <a:lnRef idx="3">
-            <a:schemeClr val="lt1"/>
-          </a:lnRef>
-          <a:fillRef idx="1">
-            <a:schemeClr val="accent3"/>
-          </a:fillRef>
-          <a:effectRef idx="1">
-            <a:schemeClr val="accent3"/>
-          </a:effectRef>
-          <a:fontRef idx="minor">
-            <a:schemeClr val="lt1"/>
-          </a:fontRef>
-        </p:style>
-        <p:txBody>
-          <a:bodyPr rtlCol="0" anchor="ctr"/>
-          <a:lstStyle/>
-          <a:p>
-            <a:pPr algn="ctr"/>
-            <a:endParaRPr lang="en-MY"/>
-          </a:p>
-        </p:txBody>
-      </p:sp>
-      <p:sp>
-        <p:nvSpPr>
-          <p:cNvPr id="7" name="Action Button: Go Back or Previous 6">
-            <a:hlinkClick r:id="" action="ppaction://hlinkshowjump?jump=previousslide" highlightClick="1"/>
-            <a:extLst>
-              <a:ext uri="{FF2B5EF4-FFF2-40B4-BE49-F238E27FC236}">
-                <a16:creationId xmlns:a16="http://schemas.microsoft.com/office/drawing/2014/main" id="{6CA0ADC7-F7F6-4158-95A9-A7FE1EF53BB4}"/>
-              </a:ext>
-            </a:extLst>
-          </p:cNvPr>
-          <p:cNvSpPr/>
-          <p:nvPr/>
-        </p:nvSpPr>
-        <p:spPr>
-          <a:xfrm>
-            <a:off x="876627" y="5910262"/>
-            <a:ext cx="906971" cy="508123"/>
-          </a:xfrm>
-          <a:prstGeom prst="actionButtonBackPrevious">
-            <a:avLst/>
-          </a:prstGeom>
-          <a:ln>
-            <a:solidFill>
-              <a:schemeClr val="tx2">
-                <a:lumMod val="10000"/>
-              </a:schemeClr>
-            </a:solidFill>
-          </a:ln>
-        </p:spPr>
-        <p:style>
-          <a:lnRef idx="2">
-            <a:schemeClr val="accent4">
-              <a:shade val="50000"/>
-            </a:schemeClr>
-          </a:lnRef>
-          <a:fillRef idx="1">
-            <a:schemeClr val="accent4"/>
-          </a:fillRef>
-          <a:effectRef idx="0">
-            <a:schemeClr val="accent4"/>
-          </a:effectRef>
-          <a:fontRef idx="minor">
-            <a:schemeClr val="lt1"/>
-          </a:fontRef>
-        </p:style>
-        <p:txBody>
-          <a:bodyPr rtlCol="0" anchor="ctr"/>
-          <a:lstStyle/>
-          <a:p>
-            <a:pPr algn="ctr"/>
-            <a:endParaRPr lang="en-MY"/>
-          </a:p>
-        </p:txBody>
-      </p:sp>
-    </p:spTree>
-    <p:extLst>
-      <p:ext uri="{BB962C8B-B14F-4D97-AF65-F5344CB8AC3E}">
-        <p14:creationId xmlns:p14="http://schemas.microsoft.com/office/powerpoint/2010/main" val="3174458281"/>
-      </p:ext>
-    </p:extLst>
-  </p:cSld>
-  <p:clrMapOvr>
-    <a:masterClrMapping/>
-  </p:clrMapOvr>
-</p:sld>
-</file>
-
-<file path=ppt/slides/slide9.xml><?xml version="1.0" encoding="utf-8"?>
-<p:sld xmlns:a="http://schemas.openxmlformats.org/drawingml/2006/main" xmlns:r="http://schemas.openxmlformats.org/officeDocument/2006/relationships" xmlns:p="http://schemas.openxmlformats.org/presentationml/2006/main">
-  <p:cSld>
-    <p:spTree>
-      <p:nvGrpSpPr>
-        <p:cNvPr id="1" name=""/>
-        <p:cNvGrpSpPr/>
-        <p:nvPr/>
-      </p:nvGrpSpPr>
-      <p:grpSpPr>
-        <a:xfrm>
-          <a:off x="0" y="0"/>
-          <a:ext cx="0" cy="0"/>
-          <a:chOff x="0" y="0"/>
-          <a:chExt cx="0" cy="0"/>
-        </a:xfrm>
-      </p:grpSpPr>
-      <p:pic>
-        <p:nvPicPr>
-          <p:cNvPr id="3" name="Picture 2">
-            <a:extLst>
-              <a:ext uri="{FF2B5EF4-FFF2-40B4-BE49-F238E27FC236}">
-                <a16:creationId xmlns:a16="http://schemas.microsoft.com/office/drawing/2014/main" id="{BB159AB4-D011-446A-B22F-D07FCD5ADBD7}"/>
-              </a:ext>
-            </a:extLst>
-          </p:cNvPr>
-          <p:cNvPicPr>
-            <a:picLocks noChangeAspect="1"/>
-          </p:cNvPicPr>
-          <p:nvPr/>
-        </p:nvPicPr>
-        <p:blipFill>
-          <a:blip r:embed="rId2">
-            <a:extLst>
-              <a:ext uri="{28A0092B-C50C-407E-A947-70E740481C1C}">
-                <a14:useLocalDpi xmlns:a14="http://schemas.microsoft.com/office/drawing/2010/main" val="0"/>
-              </a:ext>
-            </a:extLst>
-          </a:blip>
-          <a:stretch>
-            <a:fillRect/>
-          </a:stretch>
-        </p:blipFill>
-        <p:spPr>
-          <a:xfrm>
-            <a:off x="4667388" y="909637"/>
-            <a:ext cx="2809875" cy="5038725"/>
-          </a:xfrm>
-          <a:prstGeom prst="rect">
-            <a:avLst/>
-          </a:prstGeom>
-        </p:spPr>
-      </p:pic>
-      <p:sp>
-        <p:nvSpPr>
-          <p:cNvPr id="5" name="TextBox 4">
-            <a:extLst>
-              <a:ext uri="{FF2B5EF4-FFF2-40B4-BE49-F238E27FC236}">
-                <a16:creationId xmlns:a16="http://schemas.microsoft.com/office/drawing/2014/main" id="{5F2FF756-5938-4881-888C-DE0C1DA7BE1A}"/>
-              </a:ext>
-            </a:extLst>
-          </p:cNvPr>
-          <p:cNvSpPr txBox="1"/>
-          <p:nvPr/>
-        </p:nvSpPr>
-        <p:spPr>
-          <a:xfrm>
-            <a:off x="115410" y="124287"/>
-            <a:ext cx="11913833" cy="369332"/>
-          </a:xfrm>
-          <a:prstGeom prst="rect">
-            <a:avLst/>
-          </a:prstGeom>
-          <a:noFill/>
-        </p:spPr>
-        <p:txBody>
-          <a:bodyPr wrap="square" rtlCol="0">
-            <a:spAutoFit/>
-          </a:bodyPr>
-          <a:lstStyle/>
-          <a:p>
-            <a:pPr algn="ctr"/>
-            <a:r>
-              <a:rPr lang="en-US" dirty="0"/>
-              <a:t>UPDATE STUDENT INTERFACE</a:t>
-            </a:r>
-            <a:endParaRPr lang="en-MY" dirty="0"/>
-          </a:p>
-        </p:txBody>
-      </p:sp>
-      <p:sp>
-        <p:nvSpPr>
-          <p:cNvPr id="2" name="Action Button: Go Forward or Next 1">
-            <a:hlinkClick r:id="" action="ppaction://hlinkshowjump?jump=nextslide" highlightClick="1"/>
-            <a:extLst>
-              <a:ext uri="{FF2B5EF4-FFF2-40B4-BE49-F238E27FC236}">
-                <a16:creationId xmlns:a16="http://schemas.microsoft.com/office/drawing/2014/main" id="{4ABB173D-52AB-46F7-837D-DFA1983AB94D}"/>
-              </a:ext>
-            </a:extLst>
-          </p:cNvPr>
-          <p:cNvSpPr/>
-          <p:nvPr/>
-        </p:nvSpPr>
-        <p:spPr>
-          <a:xfrm>
-            <a:off x="10814538" y="5910262"/>
-            <a:ext cx="939312" cy="508123"/>
-          </a:xfrm>
-          <a:prstGeom prst="actionButtonForwardNext">
-            <a:avLst/>
-          </a:prstGeom>
-          <a:ln>
-            <a:solidFill>
-              <a:schemeClr val="bg2">
-                <a:lumMod val="75000"/>
-                <a:lumOff val="25000"/>
-              </a:schemeClr>
-            </a:solidFill>
-          </a:ln>
-        </p:spPr>
-        <p:style>
-          <a:lnRef idx="3">
-            <a:schemeClr val="lt1"/>
-          </a:lnRef>
-          <a:fillRef idx="1">
-            <a:schemeClr val="accent3"/>
-          </a:fillRef>
-          <a:effectRef idx="1">
-            <a:schemeClr val="accent3"/>
-          </a:effectRef>
-          <a:fontRef idx="minor">
-            <a:schemeClr val="lt1"/>
-          </a:fontRef>
-        </p:style>
-        <p:txBody>
-          <a:bodyPr rtlCol="0" anchor="ctr"/>
-          <a:lstStyle/>
-          <a:p>
-            <a:pPr algn="ctr"/>
-            <a:endParaRPr lang="en-MY"/>
-          </a:p>
-        </p:txBody>
-      </p:sp>
-      <p:sp>
-        <p:nvSpPr>
-          <p:cNvPr id="7" name="Action Button: Go Back or Previous 6">
-            <a:hlinkClick r:id="" action="ppaction://hlinkshowjump?jump=previousslide" highlightClick="1"/>
-            <a:extLst>
-              <a:ext uri="{FF2B5EF4-FFF2-40B4-BE49-F238E27FC236}">
-                <a16:creationId xmlns:a16="http://schemas.microsoft.com/office/drawing/2014/main" id="{3BB6AB79-9DCD-438D-B110-3840F9592B69}"/>
-              </a:ext>
-            </a:extLst>
-          </p:cNvPr>
-          <p:cNvSpPr/>
-          <p:nvPr/>
-        </p:nvSpPr>
-        <p:spPr>
-          <a:xfrm>
-            <a:off x="876627" y="5910262"/>
-            <a:ext cx="906971" cy="508123"/>
-          </a:xfrm>
-          <a:prstGeom prst="actionButtonBackPrevious">
-            <a:avLst/>
-          </a:prstGeom>
-          <a:ln>
-            <a:solidFill>
-              <a:schemeClr val="tx2">
-                <a:lumMod val="10000"/>
-              </a:schemeClr>
-            </a:solidFill>
-          </a:ln>
-        </p:spPr>
-        <p:style>
-          <a:lnRef idx="2">
-            <a:schemeClr val="accent4">
-              <a:shade val="50000"/>
-            </a:schemeClr>
-          </a:lnRef>
-          <a:fillRef idx="1">
-            <a:schemeClr val="accent4"/>
-          </a:fillRef>
-          <a:effectRef idx="0">
-            <a:schemeClr val="accent4"/>
-          </a:effectRef>
-          <a:fontRef idx="minor">
-            <a:schemeClr val="lt1"/>
-          </a:fontRef>
-        </p:style>
-        <p:txBody>
-          <a:bodyPr rtlCol="0" anchor="ctr"/>
-          <a:lstStyle/>
-          <a:p>
-            <a:pPr algn="ctr"/>
-            <a:endParaRPr lang="en-MY"/>
-          </a:p>
-        </p:txBody>
-      </p:sp>
-    </p:spTree>
-    <p:extLst>
-      <p:ext uri="{BB962C8B-B14F-4D97-AF65-F5344CB8AC3E}">
-        <p14:creationId xmlns:p14="http://schemas.microsoft.com/office/powerpoint/2010/main" val="4198453593"/>
+        <p14:creationId xmlns:p14="http://schemas.microsoft.com/office/powerpoint/2010/main" val="280896266"/>
       </p:ext>
     </p:extLst>
   </p:cSld>

--- a/Interface/INTERFACE.pptx
+++ b/Interface/INTERFACE.pptx
@@ -181,7 +181,7 @@
           <a:noFill/>
           <a:extLst>
             <a:ext uri="{909E8E84-426E-40dd-AFC4-6F175D3DCCD1}">
-              <a14:hiddenFill xmlns:a14="http://schemas.microsoft.com/office/drawing/2010/main" xmlns="">
+              <a14:hiddenFill xmlns="" xmlns:a14="http://schemas.microsoft.com/office/drawing/2010/main">
                 <a:solidFill>
                   <a:srgbClr val="FFFFFF"/>
                 </a:solidFill>
@@ -240,7 +240,7 @@
             </a:ln>
             <a:extLst>
               <a:ext uri="{91240B29-F687-4f45-9708-019B960494DF}">
-                <a14:hiddenLine xmlns:a14="http://schemas.microsoft.com/office/drawing/2010/main" xmlns="" w="9525">
+                <a14:hiddenLine xmlns="" xmlns:a14="http://schemas.microsoft.com/office/drawing/2010/main" w="9525">
                   <a:solidFill>
                     <a:srgbClr val="000000"/>
                   </a:solidFill>
@@ -330,7 +330,7 @@
             </a:ln>
             <a:extLst>
               <a:ext uri="{91240B29-F687-4f45-9708-019B960494DF}">
-                <a14:hiddenLine xmlns:a14="http://schemas.microsoft.com/office/drawing/2010/main" xmlns="" w="9525">
+                <a14:hiddenLine xmlns="" xmlns:a14="http://schemas.microsoft.com/office/drawing/2010/main" w="9525">
                   <a:solidFill>
                     <a:srgbClr val="000000"/>
                   </a:solidFill>
@@ -420,7 +420,7 @@
             </a:ln>
             <a:extLst>
               <a:ext uri="{91240B29-F687-4f45-9708-019B960494DF}">
-                <a14:hiddenLine xmlns:a14="http://schemas.microsoft.com/office/drawing/2010/main" xmlns="" w="9525">
+                <a14:hiddenLine xmlns="" xmlns:a14="http://schemas.microsoft.com/office/drawing/2010/main" w="9525">
                   <a:solidFill>
                     <a:srgbClr val="000000"/>
                   </a:solidFill>
@@ -454,7 +454,7 @@
             </a:ln>
             <a:extLst>
               <a:ext uri="{91240B29-F687-4f45-9708-019B960494DF}">
-                <a14:hiddenLine xmlns:a14="http://schemas.microsoft.com/office/drawing/2010/main" xmlns="" w="9525">
+                <a14:hiddenLine xmlns="" xmlns:a14="http://schemas.microsoft.com/office/drawing/2010/main" w="9525">
                   <a:solidFill>
                     <a:srgbClr val="000000"/>
                   </a:solidFill>
@@ -544,7 +544,7 @@
             </a:ln>
             <a:extLst>
               <a:ext uri="{91240B29-F687-4f45-9708-019B960494DF}">
-                <a14:hiddenLine xmlns:a14="http://schemas.microsoft.com/office/drawing/2010/main" xmlns="" w="9525">
+                <a14:hiddenLine xmlns="" xmlns:a14="http://schemas.microsoft.com/office/drawing/2010/main" w="9525">
                   <a:solidFill>
                     <a:srgbClr val="000000"/>
                   </a:solidFill>
@@ -606,7 +606,7 @@
             </a:ln>
             <a:extLst>
               <a:ext uri="{91240B29-F687-4f45-9708-019B960494DF}">
-                <a14:hiddenLine xmlns:a14="http://schemas.microsoft.com/office/drawing/2010/main" xmlns="" w="9525">
+                <a14:hiddenLine xmlns="" xmlns:a14="http://schemas.microsoft.com/office/drawing/2010/main" w="9525">
                   <a:solidFill>
                     <a:srgbClr val="000000"/>
                   </a:solidFill>
@@ -668,7 +668,7 @@
             </a:ln>
             <a:extLst>
               <a:ext uri="{91240B29-F687-4f45-9708-019B960494DF}">
-                <a14:hiddenLine xmlns:a14="http://schemas.microsoft.com/office/drawing/2010/main" xmlns="" w="9525">
+                <a14:hiddenLine xmlns="" xmlns:a14="http://schemas.microsoft.com/office/drawing/2010/main" w="9525">
                   <a:solidFill>
                     <a:srgbClr val="000000"/>
                   </a:solidFill>
@@ -758,7 +758,7 @@
             </a:ln>
             <a:extLst>
               <a:ext uri="{91240B29-F687-4f45-9708-019B960494DF}">
-                <a14:hiddenLine xmlns:a14="http://schemas.microsoft.com/office/drawing/2010/main" xmlns="" w="9525">
+                <a14:hiddenLine xmlns="" xmlns:a14="http://schemas.microsoft.com/office/drawing/2010/main" w="9525">
                   <a:solidFill>
                     <a:srgbClr val="000000"/>
                   </a:solidFill>
@@ -820,7 +820,7 @@
             </a:ln>
             <a:extLst>
               <a:ext uri="{91240B29-F687-4f45-9708-019B960494DF}">
-                <a14:hiddenLine xmlns:a14="http://schemas.microsoft.com/office/drawing/2010/main" xmlns="" w="9525">
+                <a14:hiddenLine xmlns="" xmlns:a14="http://schemas.microsoft.com/office/drawing/2010/main" w="9525">
                   <a:solidFill>
                     <a:srgbClr val="000000"/>
                   </a:solidFill>
@@ -882,7 +882,7 @@
             </a:ln>
             <a:extLst>
               <a:ext uri="{91240B29-F687-4f45-9708-019B960494DF}">
-                <a14:hiddenLine xmlns:a14="http://schemas.microsoft.com/office/drawing/2010/main" xmlns="" w="9525">
+                <a14:hiddenLine xmlns="" xmlns:a14="http://schemas.microsoft.com/office/drawing/2010/main" w="9525">
                   <a:solidFill>
                     <a:srgbClr val="000000"/>
                   </a:solidFill>
@@ -972,7 +972,7 @@
             </a:ln>
             <a:extLst>
               <a:ext uri="{91240B29-F687-4f45-9708-019B960494DF}">
-                <a14:hiddenLine xmlns:a14="http://schemas.microsoft.com/office/drawing/2010/main" xmlns="" w="9525">
+                <a14:hiddenLine xmlns="" xmlns:a14="http://schemas.microsoft.com/office/drawing/2010/main" w="9525">
                   <a:solidFill>
                     <a:srgbClr val="000000"/>
                   </a:solidFill>
@@ -1062,7 +1062,7 @@
             </a:ln>
             <a:extLst>
               <a:ext uri="{91240B29-F687-4f45-9708-019B960494DF}">
-                <a14:hiddenLine xmlns:a14="http://schemas.microsoft.com/office/drawing/2010/main" xmlns="" w="9525">
+                <a14:hiddenLine xmlns="" xmlns:a14="http://schemas.microsoft.com/office/drawing/2010/main" w="9525">
                   <a:solidFill>
                     <a:srgbClr val="000000"/>
                   </a:solidFill>
@@ -1124,7 +1124,7 @@
             </a:ln>
             <a:extLst>
               <a:ext uri="{91240B29-F687-4f45-9708-019B960494DF}">
-                <a14:hiddenLine xmlns:a14="http://schemas.microsoft.com/office/drawing/2010/main" xmlns="" w="9525">
+                <a14:hiddenLine xmlns="" xmlns:a14="http://schemas.microsoft.com/office/drawing/2010/main" w="9525">
                   <a:solidFill>
                     <a:srgbClr val="000000"/>
                   </a:solidFill>
@@ -1234,7 +1234,7 @@
             </a:ln>
             <a:extLst>
               <a:ext uri="{91240B29-F687-4f45-9708-019B960494DF}">
-                <a14:hiddenLine xmlns:a14="http://schemas.microsoft.com/office/drawing/2010/main" xmlns="" w="9525">
+                <a14:hiddenLine xmlns="" xmlns:a14="http://schemas.microsoft.com/office/drawing/2010/main" w="9525">
                   <a:solidFill>
                     <a:srgbClr val="000000"/>
                   </a:solidFill>
@@ -1296,7 +1296,7 @@
             </a:ln>
             <a:extLst>
               <a:ext uri="{91240B29-F687-4f45-9708-019B960494DF}">
-                <a14:hiddenLine xmlns:a14="http://schemas.microsoft.com/office/drawing/2010/main" xmlns="" w="9525">
+                <a14:hiddenLine xmlns="" xmlns:a14="http://schemas.microsoft.com/office/drawing/2010/main" w="9525">
                   <a:solidFill>
                     <a:srgbClr val="000000"/>
                   </a:solidFill>
@@ -1386,7 +1386,7 @@
             </a:ln>
             <a:extLst>
               <a:ext uri="{91240B29-F687-4f45-9708-019B960494DF}">
-                <a14:hiddenLine xmlns:a14="http://schemas.microsoft.com/office/drawing/2010/main" xmlns="" w="9525">
+                <a14:hiddenLine xmlns="" xmlns:a14="http://schemas.microsoft.com/office/drawing/2010/main" w="9525">
                   <a:solidFill>
                     <a:srgbClr val="000000"/>
                   </a:solidFill>
@@ -1476,7 +1476,7 @@
             </a:ln>
             <a:extLst>
               <a:ext uri="{91240B29-F687-4f45-9708-019B960494DF}">
-                <a14:hiddenLine xmlns:a14="http://schemas.microsoft.com/office/drawing/2010/main" xmlns="" w="9525">
+                <a14:hiddenLine xmlns="" xmlns:a14="http://schemas.microsoft.com/office/drawing/2010/main" w="9525">
                   <a:solidFill>
                     <a:srgbClr val="000000"/>
                   </a:solidFill>
@@ -1538,7 +1538,7 @@
             </a:ln>
             <a:extLst>
               <a:ext uri="{91240B29-F687-4f45-9708-019B960494DF}">
-                <a14:hiddenLine xmlns:a14="http://schemas.microsoft.com/office/drawing/2010/main" xmlns="" w="9525">
+                <a14:hiddenLine xmlns="" xmlns:a14="http://schemas.microsoft.com/office/drawing/2010/main" w="9525">
                   <a:solidFill>
                     <a:srgbClr val="000000"/>
                   </a:solidFill>
@@ -1628,7 +1628,7 @@
             </a:ln>
             <a:extLst>
               <a:ext uri="{91240B29-F687-4f45-9708-019B960494DF}">
-                <a14:hiddenLine xmlns:a14="http://schemas.microsoft.com/office/drawing/2010/main" xmlns="" w="9525">
+                <a14:hiddenLine xmlns="" xmlns:a14="http://schemas.microsoft.com/office/drawing/2010/main" w="9525">
                   <a:solidFill>
                     <a:srgbClr val="000000"/>
                   </a:solidFill>
@@ -1718,7 +1718,7 @@
             </a:ln>
             <a:extLst>
               <a:ext uri="{91240B29-F687-4f45-9708-019B960494DF}">
-                <a14:hiddenLine xmlns:a14="http://schemas.microsoft.com/office/drawing/2010/main" xmlns="" w="9525">
+                <a14:hiddenLine xmlns="" xmlns:a14="http://schemas.microsoft.com/office/drawing/2010/main" w="9525">
                   <a:solidFill>
                     <a:srgbClr val="000000"/>
                   </a:solidFill>
@@ -1774,7 +1774,7 @@
             </a:ln>
             <a:extLst>
               <a:ext uri="{91240B29-F687-4f45-9708-019B960494DF}">
-                <a14:hiddenLine xmlns:a14="http://schemas.microsoft.com/office/drawing/2010/main" xmlns="" w="9525">
+                <a14:hiddenLine xmlns="" xmlns:a14="http://schemas.microsoft.com/office/drawing/2010/main" w="9525">
                   <a:solidFill>
                     <a:srgbClr val="000000"/>
                   </a:solidFill>
@@ -1864,7 +1864,7 @@
             </a:ln>
             <a:extLst>
               <a:ext uri="{91240B29-F687-4f45-9708-019B960494DF}">
-                <a14:hiddenLine xmlns:a14="http://schemas.microsoft.com/office/drawing/2010/main" xmlns="" w="9525">
+                <a14:hiddenLine xmlns="" xmlns:a14="http://schemas.microsoft.com/office/drawing/2010/main" w="9525">
                   <a:solidFill>
                     <a:srgbClr val="000000"/>
                   </a:solidFill>
@@ -1920,7 +1920,7 @@
             </a:ln>
             <a:extLst>
               <a:ext uri="{91240B29-F687-4f45-9708-019B960494DF}">
-                <a14:hiddenLine xmlns:a14="http://schemas.microsoft.com/office/drawing/2010/main" xmlns="" w="9525">
+                <a14:hiddenLine xmlns="" xmlns:a14="http://schemas.microsoft.com/office/drawing/2010/main" w="9525">
                   <a:solidFill>
                     <a:srgbClr val="000000"/>
                   </a:solidFill>
@@ -2010,7 +2010,7 @@
             </a:ln>
             <a:extLst>
               <a:ext uri="{91240B29-F687-4f45-9708-019B960494DF}">
-                <a14:hiddenLine xmlns:a14="http://schemas.microsoft.com/office/drawing/2010/main" xmlns="" w="9525">
+                <a14:hiddenLine xmlns="" xmlns:a14="http://schemas.microsoft.com/office/drawing/2010/main" w="9525">
                   <a:solidFill>
                     <a:srgbClr val="000000"/>
                   </a:solidFill>
@@ -2078,7 +2078,7 @@
             </a:ln>
             <a:extLst>
               <a:ext uri="{91240B29-F687-4f45-9708-019B960494DF}">
-                <a14:hiddenLine xmlns:a14="http://schemas.microsoft.com/office/drawing/2010/main" xmlns="" w="9525">
+                <a14:hiddenLine xmlns="" xmlns:a14="http://schemas.microsoft.com/office/drawing/2010/main" w="9525">
                   <a:solidFill>
                     <a:srgbClr val="000000"/>
                   </a:solidFill>
@@ -2168,7 +2168,7 @@
             </a:ln>
             <a:extLst>
               <a:ext uri="{91240B29-F687-4f45-9708-019B960494DF}">
-                <a14:hiddenLine xmlns:a14="http://schemas.microsoft.com/office/drawing/2010/main" xmlns="" w="9525">
+                <a14:hiddenLine xmlns="" xmlns:a14="http://schemas.microsoft.com/office/drawing/2010/main" w="9525">
                   <a:solidFill>
                     <a:srgbClr val="000000"/>
                   </a:solidFill>
@@ -2236,7 +2236,7 @@
             </a:ln>
             <a:extLst>
               <a:ext uri="{91240B29-F687-4f45-9708-019B960494DF}">
-                <a14:hiddenLine xmlns:a14="http://schemas.microsoft.com/office/drawing/2010/main" xmlns="" w="9525">
+                <a14:hiddenLine xmlns="" xmlns:a14="http://schemas.microsoft.com/office/drawing/2010/main" w="9525">
                   <a:solidFill>
                     <a:srgbClr val="000000"/>
                   </a:solidFill>
@@ -2326,7 +2326,7 @@
             </a:ln>
             <a:extLst>
               <a:ext uri="{91240B29-F687-4f45-9708-019B960494DF}">
-                <a14:hiddenLine xmlns:a14="http://schemas.microsoft.com/office/drawing/2010/main" xmlns="" w="9525">
+                <a14:hiddenLine xmlns="" xmlns:a14="http://schemas.microsoft.com/office/drawing/2010/main" w="9525">
                   <a:solidFill>
                     <a:srgbClr val="000000"/>
                   </a:solidFill>
@@ -2360,7 +2360,7 @@
             </a:ln>
             <a:extLst>
               <a:ext uri="{91240B29-F687-4f45-9708-019B960494DF}">
-                <a14:hiddenLine xmlns:a14="http://schemas.microsoft.com/office/drawing/2010/main" xmlns="" w="9525">
+                <a14:hiddenLine xmlns="" xmlns:a14="http://schemas.microsoft.com/office/drawing/2010/main" w="9525">
                   <a:solidFill>
                     <a:srgbClr val="000000"/>
                   </a:solidFill>
@@ -2450,7 +2450,7 @@
             </a:ln>
             <a:extLst>
               <a:ext uri="{91240B29-F687-4f45-9708-019B960494DF}">
-                <a14:hiddenLine xmlns:a14="http://schemas.microsoft.com/office/drawing/2010/main" xmlns="" w="9525">
+                <a14:hiddenLine xmlns="" xmlns:a14="http://schemas.microsoft.com/office/drawing/2010/main" w="9525">
                   <a:solidFill>
                     <a:srgbClr val="000000"/>
                   </a:solidFill>
@@ -2512,7 +2512,7 @@
             </a:ln>
             <a:extLst>
               <a:ext uri="{91240B29-F687-4f45-9708-019B960494DF}">
-                <a14:hiddenLine xmlns:a14="http://schemas.microsoft.com/office/drawing/2010/main" xmlns="" w="9525">
+                <a14:hiddenLine xmlns="" xmlns:a14="http://schemas.microsoft.com/office/drawing/2010/main" w="9525">
                   <a:solidFill>
                     <a:srgbClr val="000000"/>
                   </a:solidFill>
@@ -2574,7 +2574,7 @@
             </a:ln>
             <a:extLst>
               <a:ext uri="{91240B29-F687-4f45-9708-019B960494DF}">
-                <a14:hiddenLine xmlns:a14="http://schemas.microsoft.com/office/drawing/2010/main" xmlns="" w="9525">
+                <a14:hiddenLine xmlns="" xmlns:a14="http://schemas.microsoft.com/office/drawing/2010/main" w="9525">
                   <a:solidFill>
                     <a:srgbClr val="000000"/>
                   </a:solidFill>
@@ -2664,7 +2664,7 @@
             </a:ln>
             <a:extLst>
               <a:ext uri="{91240B29-F687-4f45-9708-019B960494DF}">
-                <a14:hiddenLine xmlns:a14="http://schemas.microsoft.com/office/drawing/2010/main" xmlns="" w="9525">
+                <a14:hiddenLine xmlns="" xmlns:a14="http://schemas.microsoft.com/office/drawing/2010/main" w="9525">
                   <a:solidFill>
                     <a:srgbClr val="000000"/>
                   </a:solidFill>
@@ -2732,7 +2732,7 @@
             </a:ln>
             <a:extLst>
               <a:ext uri="{91240B29-F687-4f45-9708-019B960494DF}">
-                <a14:hiddenLine xmlns:a14="http://schemas.microsoft.com/office/drawing/2010/main" xmlns="" w="9525">
+                <a14:hiddenLine xmlns="" xmlns:a14="http://schemas.microsoft.com/office/drawing/2010/main" w="9525">
                   <a:solidFill>
                     <a:srgbClr val="000000"/>
                   </a:solidFill>
@@ -2794,7 +2794,7 @@
             </a:ln>
             <a:extLst>
               <a:ext uri="{91240B29-F687-4f45-9708-019B960494DF}">
-                <a14:hiddenLine xmlns:a14="http://schemas.microsoft.com/office/drawing/2010/main" xmlns="" w="9525">
+                <a14:hiddenLine xmlns="" xmlns:a14="http://schemas.microsoft.com/office/drawing/2010/main" w="9525">
                   <a:solidFill>
                     <a:srgbClr val="000000"/>
                   </a:solidFill>
@@ -2884,7 +2884,7 @@
             </a:ln>
             <a:extLst>
               <a:ext uri="{91240B29-F687-4f45-9708-019B960494DF}">
-                <a14:hiddenLine xmlns:a14="http://schemas.microsoft.com/office/drawing/2010/main" xmlns="" w="9525">
+                <a14:hiddenLine xmlns="" xmlns:a14="http://schemas.microsoft.com/office/drawing/2010/main" w="9525">
                   <a:solidFill>
                     <a:srgbClr val="000000"/>
                   </a:solidFill>
@@ -2946,7 +2946,7 @@
             </a:ln>
             <a:extLst>
               <a:ext uri="{91240B29-F687-4f45-9708-019B960494DF}">
-                <a14:hiddenLine xmlns:a14="http://schemas.microsoft.com/office/drawing/2010/main" xmlns="" w="9525">
+                <a14:hiddenLine xmlns="" xmlns:a14="http://schemas.microsoft.com/office/drawing/2010/main" w="9525">
                   <a:solidFill>
                     <a:srgbClr val="000000"/>
                   </a:solidFill>
@@ -3036,7 +3036,7 @@
             </a:ln>
             <a:extLst>
               <a:ext uri="{91240B29-F687-4f45-9708-019B960494DF}">
-                <a14:hiddenLine xmlns:a14="http://schemas.microsoft.com/office/drawing/2010/main" xmlns="" w="9525">
+                <a14:hiddenLine xmlns="" xmlns:a14="http://schemas.microsoft.com/office/drawing/2010/main" w="9525">
                   <a:solidFill>
                     <a:srgbClr val="000000"/>
                   </a:solidFill>
@@ -3098,7 +3098,7 @@
             </a:ln>
             <a:extLst>
               <a:ext uri="{91240B29-F687-4f45-9708-019B960494DF}">
-                <a14:hiddenLine xmlns:a14="http://schemas.microsoft.com/office/drawing/2010/main" xmlns="" w="9525">
+                <a14:hiddenLine xmlns="" xmlns:a14="http://schemas.microsoft.com/office/drawing/2010/main" w="9525">
                   <a:solidFill>
                     <a:srgbClr val="000000"/>
                   </a:solidFill>
@@ -3188,7 +3188,7 @@
             </a:ln>
             <a:extLst>
               <a:ext uri="{91240B29-F687-4f45-9708-019B960494DF}">
-                <a14:hiddenLine xmlns:a14="http://schemas.microsoft.com/office/drawing/2010/main" xmlns="" w="9525">
+                <a14:hiddenLine xmlns="" xmlns:a14="http://schemas.microsoft.com/office/drawing/2010/main" w="9525">
                   <a:solidFill>
                     <a:srgbClr val="000000"/>
                   </a:solidFill>
@@ -3222,7 +3222,7 @@
             </a:ln>
             <a:extLst>
               <a:ext uri="{91240B29-F687-4f45-9708-019B960494DF}">
-                <a14:hiddenLine xmlns:a14="http://schemas.microsoft.com/office/drawing/2010/main" xmlns="" w="9525">
+                <a14:hiddenLine xmlns="" xmlns:a14="http://schemas.microsoft.com/office/drawing/2010/main" w="9525">
                   <a:solidFill>
                     <a:srgbClr val="000000"/>
                   </a:solidFill>
@@ -3287,7 +3287,7 @@
             </a:ln>
             <a:extLst>
               <a:ext uri="{91240B29-F687-4f45-9708-019B960494DF}">
-                <a14:hiddenLine xmlns:a14="http://schemas.microsoft.com/office/drawing/2010/main" xmlns="" w="9525">
+                <a14:hiddenLine xmlns="" xmlns:a14="http://schemas.microsoft.com/office/drawing/2010/main" w="9525">
                   <a:solidFill>
                     <a:srgbClr val="000000"/>
                   </a:solidFill>
@@ -3377,7 +3377,7 @@
             </a:ln>
             <a:extLst>
               <a:ext uri="{91240B29-F687-4f45-9708-019B960494DF}">
-                <a14:hiddenLine xmlns:a14="http://schemas.microsoft.com/office/drawing/2010/main" xmlns="" w="9525">
+                <a14:hiddenLine xmlns="" xmlns:a14="http://schemas.microsoft.com/office/drawing/2010/main" w="9525">
                   <a:solidFill>
                     <a:srgbClr val="000000"/>
                   </a:solidFill>
@@ -3439,7 +3439,7 @@
             </a:ln>
             <a:extLst>
               <a:ext uri="{91240B29-F687-4f45-9708-019B960494DF}">
-                <a14:hiddenLine xmlns:a14="http://schemas.microsoft.com/office/drawing/2010/main" xmlns="" w="9525">
+                <a14:hiddenLine xmlns="" xmlns:a14="http://schemas.microsoft.com/office/drawing/2010/main" w="9525">
                   <a:solidFill>
                     <a:srgbClr val="000000"/>
                   </a:solidFill>
@@ -3529,7 +3529,7 @@
             </a:ln>
             <a:extLst>
               <a:ext uri="{91240B29-F687-4f45-9708-019B960494DF}">
-                <a14:hiddenLine xmlns:a14="http://schemas.microsoft.com/office/drawing/2010/main" xmlns="" w="9525">
+                <a14:hiddenLine xmlns="" xmlns:a14="http://schemas.microsoft.com/office/drawing/2010/main" w="9525">
                   <a:solidFill>
                     <a:srgbClr val="000000"/>
                   </a:solidFill>
@@ -3619,7 +3619,7 @@
             </a:ln>
             <a:extLst>
               <a:ext uri="{91240B29-F687-4f45-9708-019B960494DF}">
-                <a14:hiddenLine xmlns:a14="http://schemas.microsoft.com/office/drawing/2010/main" xmlns="" w="9525">
+                <a14:hiddenLine xmlns="" xmlns:a14="http://schemas.microsoft.com/office/drawing/2010/main" w="9525">
                   <a:solidFill>
                     <a:srgbClr val="000000"/>
                   </a:solidFill>
@@ -3684,7 +3684,7 @@
             </a:ln>
             <a:extLst>
               <a:ext uri="{91240B29-F687-4f45-9708-019B960494DF}">
-                <a14:hiddenLine xmlns:a14="http://schemas.microsoft.com/office/drawing/2010/main" xmlns="" w="9525">
+                <a14:hiddenLine xmlns="" xmlns:a14="http://schemas.microsoft.com/office/drawing/2010/main" w="9525">
                   <a:solidFill>
                     <a:srgbClr val="000000"/>
                   </a:solidFill>
@@ -3746,7 +3746,7 @@
             </a:ln>
             <a:extLst>
               <a:ext uri="{91240B29-F687-4f45-9708-019B960494DF}">
-                <a14:hiddenLine xmlns:a14="http://schemas.microsoft.com/office/drawing/2010/main" xmlns="" w="9525">
+                <a14:hiddenLine xmlns="" xmlns:a14="http://schemas.microsoft.com/office/drawing/2010/main" w="9525">
                   <a:solidFill>
                     <a:srgbClr val="000000"/>
                   </a:solidFill>
@@ -3836,7 +3836,7 @@
             </a:ln>
             <a:extLst>
               <a:ext uri="{91240B29-F687-4f45-9708-019B960494DF}">
-                <a14:hiddenLine xmlns:a14="http://schemas.microsoft.com/office/drawing/2010/main" xmlns="" w="9525">
+                <a14:hiddenLine xmlns="" xmlns:a14="http://schemas.microsoft.com/office/drawing/2010/main" w="9525">
                   <a:solidFill>
                     <a:srgbClr val="000000"/>
                   </a:solidFill>
@@ -3926,7 +3926,7 @@
             </a:ln>
             <a:extLst>
               <a:ext uri="{91240B29-F687-4f45-9708-019B960494DF}">
-                <a14:hiddenLine xmlns:a14="http://schemas.microsoft.com/office/drawing/2010/main" xmlns="" w="9525">
+                <a14:hiddenLine xmlns="" xmlns:a14="http://schemas.microsoft.com/office/drawing/2010/main" w="9525">
                   <a:solidFill>
                     <a:srgbClr val="000000"/>
                   </a:solidFill>
@@ -3988,7 +3988,7 @@
             </a:ln>
             <a:extLst>
               <a:ext uri="{91240B29-F687-4f45-9708-019B960494DF}">
-                <a14:hiddenLine xmlns:a14="http://schemas.microsoft.com/office/drawing/2010/main" xmlns="" w="9525">
+                <a14:hiddenLine xmlns="" xmlns:a14="http://schemas.microsoft.com/office/drawing/2010/main" w="9525">
                   <a:solidFill>
                     <a:srgbClr val="000000"/>
                   </a:solidFill>
@@ -4108,7 +4108,7 @@
             </a:ln>
             <a:extLst>
               <a:ext uri="{91240B29-F687-4f45-9708-019B960494DF}">
-                <a14:hiddenLine xmlns:a14="http://schemas.microsoft.com/office/drawing/2010/main" xmlns="" w="9525">
+                <a14:hiddenLine xmlns="" xmlns:a14="http://schemas.microsoft.com/office/drawing/2010/main" w="9525">
                   <a:solidFill>
                     <a:srgbClr val="000000"/>
                   </a:solidFill>
@@ -4176,7 +4176,7 @@
             </a:ln>
             <a:extLst>
               <a:ext uri="{91240B29-F687-4f45-9708-019B960494DF}">
-                <a14:hiddenLine xmlns:a14="http://schemas.microsoft.com/office/drawing/2010/main" xmlns="" w="9525">
+                <a14:hiddenLine xmlns="" xmlns:a14="http://schemas.microsoft.com/office/drawing/2010/main" w="9525">
                   <a:solidFill>
                     <a:srgbClr val="000000"/>
                   </a:solidFill>
@@ -4266,7 +4266,7 @@
             </a:ln>
             <a:extLst>
               <a:ext uri="{91240B29-F687-4f45-9708-019B960494DF}">
-                <a14:hiddenLine xmlns:a14="http://schemas.microsoft.com/office/drawing/2010/main" xmlns="" w="9525">
+                <a14:hiddenLine xmlns="" xmlns:a14="http://schemas.microsoft.com/office/drawing/2010/main" w="9525">
                   <a:solidFill>
                     <a:srgbClr val="000000"/>
                   </a:solidFill>
@@ -4406,7 +4406,7 @@
           <a:p>
             <a:fld id="{EB7344F3-385B-4416-9BA2-CA4571DF68C9}" type="datetimeFigureOut">
               <a:rPr lang="en-MY" smtClean="0"/>
-              <a:t>9/9/2020</a:t>
+              <a:t>11/9/2020</a:t>
             </a:fld>
             <a:endParaRPr lang="en-MY"/>
           </a:p>
@@ -4673,7 +4673,7 @@
           <a:p>
             <a:fld id="{EB7344F3-385B-4416-9BA2-CA4571DF68C9}" type="datetimeFigureOut">
               <a:rPr lang="en-MY" smtClean="0"/>
-              <a:t>9/9/2020</a:t>
+              <a:t>11/9/2020</a:t>
             </a:fld>
             <a:endParaRPr lang="en-MY"/>
           </a:p>
@@ -4869,7 +4869,7 @@
           <a:p>
             <a:fld id="{EB7344F3-385B-4416-9BA2-CA4571DF68C9}" type="datetimeFigureOut">
               <a:rPr lang="en-MY" smtClean="0"/>
-              <a:t>9/9/2020</a:t>
+              <a:t>11/9/2020</a:t>
             </a:fld>
             <a:endParaRPr lang="en-MY"/>
           </a:p>
@@ -5132,7 +5132,7 @@
           <a:p>
             <a:fld id="{EB7344F3-385B-4416-9BA2-CA4571DF68C9}" type="datetimeFigureOut">
               <a:rPr lang="en-MY" smtClean="0"/>
-              <a:t>9/9/2020</a:t>
+              <a:t>11/9/2020</a:t>
             </a:fld>
             <a:endParaRPr lang="en-MY"/>
           </a:p>
@@ -5566,7 +5566,7 @@
           <a:p>
             <a:fld id="{EB7344F3-385B-4416-9BA2-CA4571DF68C9}" type="datetimeFigureOut">
               <a:rPr lang="en-MY" smtClean="0"/>
-              <a:t>9/9/2020</a:t>
+              <a:t>11/9/2020</a:t>
             </a:fld>
             <a:endParaRPr lang="en-MY"/>
           </a:p>
@@ -6112,7 +6112,7 @@
           <a:p>
             <a:fld id="{EB7344F3-385B-4416-9BA2-CA4571DF68C9}" type="datetimeFigureOut">
               <a:rPr lang="en-MY" smtClean="0"/>
-              <a:t>9/9/2020</a:t>
+              <a:t>11/9/2020</a:t>
             </a:fld>
             <a:endParaRPr lang="en-MY"/>
           </a:p>
@@ -6832,7 +6832,7 @@
           <a:p>
             <a:fld id="{EB7344F3-385B-4416-9BA2-CA4571DF68C9}" type="datetimeFigureOut">
               <a:rPr lang="en-MY" smtClean="0"/>
-              <a:t>9/9/2020</a:t>
+              <a:t>11/9/2020</a:t>
             </a:fld>
             <a:endParaRPr lang="en-MY"/>
           </a:p>
@@ -7002,7 +7002,7 @@
           <a:p>
             <a:fld id="{EB7344F3-385B-4416-9BA2-CA4571DF68C9}" type="datetimeFigureOut">
               <a:rPr lang="en-MY" smtClean="0"/>
-              <a:t>9/9/2020</a:t>
+              <a:t>11/9/2020</a:t>
             </a:fld>
             <a:endParaRPr lang="en-MY"/>
           </a:p>
@@ -7182,7 +7182,7 @@
           <a:p>
             <a:fld id="{EB7344F3-385B-4416-9BA2-CA4571DF68C9}" type="datetimeFigureOut">
               <a:rPr lang="en-MY" smtClean="0"/>
-              <a:t>9/9/2020</a:t>
+              <a:t>11/9/2020</a:t>
             </a:fld>
             <a:endParaRPr lang="en-MY"/>
           </a:p>
@@ -7352,7 +7352,7 @@
           <a:p>
             <a:fld id="{EB7344F3-385B-4416-9BA2-CA4571DF68C9}" type="datetimeFigureOut">
               <a:rPr lang="en-MY" smtClean="0"/>
-              <a:t>9/9/2020</a:t>
+              <a:t>11/9/2020</a:t>
             </a:fld>
             <a:endParaRPr lang="en-MY"/>
           </a:p>
@@ -7602,7 +7602,7 @@
           <a:p>
             <a:fld id="{EB7344F3-385B-4416-9BA2-CA4571DF68C9}" type="datetimeFigureOut">
               <a:rPr lang="en-MY" smtClean="0"/>
-              <a:t>9/9/2020</a:t>
+              <a:t>11/9/2020</a:t>
             </a:fld>
             <a:endParaRPr lang="en-MY"/>
           </a:p>
@@ -7834,7 +7834,7 @@
           <a:p>
             <a:fld id="{EB7344F3-385B-4416-9BA2-CA4571DF68C9}" type="datetimeFigureOut">
               <a:rPr lang="en-MY" smtClean="0"/>
-              <a:t>9/9/2020</a:t>
+              <a:t>11/9/2020</a:t>
             </a:fld>
             <a:endParaRPr lang="en-MY"/>
           </a:p>
@@ -8215,7 +8215,7 @@
           <a:p>
             <a:fld id="{EB7344F3-385B-4416-9BA2-CA4571DF68C9}" type="datetimeFigureOut">
               <a:rPr lang="en-MY" smtClean="0"/>
-              <a:t>9/9/2020</a:t>
+              <a:t>11/9/2020</a:t>
             </a:fld>
             <a:endParaRPr lang="en-MY"/>
           </a:p>
@@ -8333,7 +8333,7 @@
           <a:p>
             <a:fld id="{EB7344F3-385B-4416-9BA2-CA4571DF68C9}" type="datetimeFigureOut">
               <a:rPr lang="en-MY" smtClean="0"/>
-              <a:t>9/9/2020</a:t>
+              <a:t>11/9/2020</a:t>
             </a:fld>
             <a:endParaRPr lang="en-MY"/>
           </a:p>
@@ -8428,7 +8428,7 @@
           <a:p>
             <a:fld id="{EB7344F3-385B-4416-9BA2-CA4571DF68C9}" type="datetimeFigureOut">
               <a:rPr lang="en-MY" smtClean="0"/>
-              <a:t>9/9/2020</a:t>
+              <a:t>11/9/2020</a:t>
             </a:fld>
             <a:endParaRPr lang="en-MY"/>
           </a:p>
@@ -8677,7 +8677,7 @@
           <a:p>
             <a:fld id="{EB7344F3-385B-4416-9BA2-CA4571DF68C9}" type="datetimeFigureOut">
               <a:rPr lang="en-MY" smtClean="0"/>
-              <a:t>9/9/2020</a:t>
+              <a:t>11/9/2020</a:t>
             </a:fld>
             <a:endParaRPr lang="en-MY"/>
           </a:p>
@@ -8957,7 +8957,7 @@
           <a:p>
             <a:fld id="{EB7344F3-385B-4416-9BA2-CA4571DF68C9}" type="datetimeFigureOut">
               <a:rPr lang="en-MY" smtClean="0"/>
-              <a:t>9/9/2020</a:t>
+              <a:t>11/9/2020</a:t>
             </a:fld>
             <a:endParaRPr lang="en-MY"/>
           </a:p>
@@ -9080,7 +9080,7 @@
           <a:noFill/>
           <a:extLst>
             <a:ext uri="{909E8E84-426E-40dd-AFC4-6F175D3DCCD1}">
-              <a14:hiddenFill xmlns:a14="http://schemas.microsoft.com/office/drawing/2010/main" xmlns="">
+              <a14:hiddenFill xmlns="" xmlns:a14="http://schemas.microsoft.com/office/drawing/2010/main">
                 <a:solidFill>
                   <a:srgbClr val="FFFFFF"/>
                 </a:solidFill>
@@ -9154,7 +9154,7 @@
               </a:ln>
               <a:extLst>
                 <a:ext uri="{91240B29-F687-4f45-9708-019B960494DF}">
-                  <a14:hiddenLine xmlns:a14="http://schemas.microsoft.com/office/drawing/2010/main" xmlns="" w="9525">
+                  <a14:hiddenLine xmlns="" xmlns:a14="http://schemas.microsoft.com/office/drawing/2010/main" w="9525">
                     <a:solidFill>
                       <a:srgbClr val="000000"/>
                     </a:solidFill>
@@ -9244,7 +9244,7 @@
               </a:ln>
               <a:extLst>
                 <a:ext uri="{91240B29-F687-4f45-9708-019B960494DF}">
-                  <a14:hiddenLine xmlns:a14="http://schemas.microsoft.com/office/drawing/2010/main" xmlns="" w="9525">
+                  <a14:hiddenLine xmlns="" xmlns:a14="http://schemas.microsoft.com/office/drawing/2010/main" w="9525">
                     <a:solidFill>
                       <a:srgbClr val="000000"/>
                     </a:solidFill>
@@ -9334,7 +9334,7 @@
               </a:ln>
               <a:extLst>
                 <a:ext uri="{91240B29-F687-4f45-9708-019B960494DF}">
-                  <a14:hiddenLine xmlns:a14="http://schemas.microsoft.com/office/drawing/2010/main" xmlns="" w="9525">
+                  <a14:hiddenLine xmlns="" xmlns:a14="http://schemas.microsoft.com/office/drawing/2010/main" w="9525">
                     <a:solidFill>
                       <a:srgbClr val="000000"/>
                     </a:solidFill>
@@ -9396,7 +9396,7 @@
               </a:ln>
               <a:extLst>
                 <a:ext uri="{91240B29-F687-4f45-9708-019B960494DF}">
-                  <a14:hiddenLine xmlns:a14="http://schemas.microsoft.com/office/drawing/2010/main" xmlns="" w="9525">
+                  <a14:hiddenLine xmlns="" xmlns:a14="http://schemas.microsoft.com/office/drawing/2010/main" w="9525">
                     <a:solidFill>
                       <a:srgbClr val="000000"/>
                     </a:solidFill>
@@ -9486,7 +9486,7 @@
               </a:ln>
               <a:extLst>
                 <a:ext uri="{91240B29-F687-4f45-9708-019B960494DF}">
-                  <a14:hiddenLine xmlns:a14="http://schemas.microsoft.com/office/drawing/2010/main" xmlns="" w="9525">
+                  <a14:hiddenLine xmlns="" xmlns:a14="http://schemas.microsoft.com/office/drawing/2010/main" w="9525">
                     <a:solidFill>
                       <a:srgbClr val="000000"/>
                     </a:solidFill>
@@ -9548,7 +9548,7 @@
               </a:ln>
               <a:extLst>
                 <a:ext uri="{91240B29-F687-4f45-9708-019B960494DF}">
-                  <a14:hiddenLine xmlns:a14="http://schemas.microsoft.com/office/drawing/2010/main" xmlns="" w="9525">
+                  <a14:hiddenLine xmlns="" xmlns:a14="http://schemas.microsoft.com/office/drawing/2010/main" w="9525">
                     <a:solidFill>
                       <a:srgbClr val="000000"/>
                     </a:solidFill>
@@ -9610,7 +9610,7 @@
               </a:ln>
               <a:extLst>
                 <a:ext uri="{91240B29-F687-4f45-9708-019B960494DF}">
-                  <a14:hiddenLine xmlns:a14="http://schemas.microsoft.com/office/drawing/2010/main" xmlns="" w="9525">
+                  <a14:hiddenLine xmlns="" xmlns:a14="http://schemas.microsoft.com/office/drawing/2010/main" w="9525">
                     <a:solidFill>
                       <a:srgbClr val="000000"/>
                     </a:solidFill>
@@ -9700,7 +9700,7 @@
               </a:ln>
               <a:extLst>
                 <a:ext uri="{91240B29-F687-4f45-9708-019B960494DF}">
-                  <a14:hiddenLine xmlns:a14="http://schemas.microsoft.com/office/drawing/2010/main" xmlns="" w="9525">
+                  <a14:hiddenLine xmlns="" xmlns:a14="http://schemas.microsoft.com/office/drawing/2010/main" w="9525">
                     <a:solidFill>
                       <a:srgbClr val="000000"/>
                     </a:solidFill>
@@ -9790,7 +9790,7 @@
               </a:ln>
               <a:extLst>
                 <a:ext uri="{91240B29-F687-4f45-9708-019B960494DF}">
-                  <a14:hiddenLine xmlns:a14="http://schemas.microsoft.com/office/drawing/2010/main" xmlns="" w="9525">
+                  <a14:hiddenLine xmlns="" xmlns:a14="http://schemas.microsoft.com/office/drawing/2010/main" w="9525">
                     <a:solidFill>
                       <a:srgbClr val="000000"/>
                     </a:solidFill>
@@ -9852,7 +9852,7 @@
               </a:ln>
               <a:extLst>
                 <a:ext uri="{91240B29-F687-4f45-9708-019B960494DF}">
-                  <a14:hiddenLine xmlns:a14="http://schemas.microsoft.com/office/drawing/2010/main" xmlns="" w="9525">
+                  <a14:hiddenLine xmlns="" xmlns:a14="http://schemas.microsoft.com/office/drawing/2010/main" w="9525">
                     <a:solidFill>
                       <a:srgbClr val="000000"/>
                     </a:solidFill>
@@ -9962,7 +9962,7 @@
               </a:ln>
               <a:extLst>
                 <a:ext uri="{91240B29-F687-4f45-9708-019B960494DF}">
-                  <a14:hiddenLine xmlns:a14="http://schemas.microsoft.com/office/drawing/2010/main" xmlns="" w="9525">
+                  <a14:hiddenLine xmlns="" xmlns:a14="http://schemas.microsoft.com/office/drawing/2010/main" w="9525">
                     <a:solidFill>
                       <a:srgbClr val="000000"/>
                     </a:solidFill>
@@ -10046,7 +10046,7 @@
               </a:ln>
               <a:extLst>
                 <a:ext uri="{91240B29-F687-4f45-9708-019B960494DF}">
-                  <a14:hiddenLine xmlns:a14="http://schemas.microsoft.com/office/drawing/2010/main" xmlns="" w="9525">
+                  <a14:hiddenLine xmlns="" xmlns:a14="http://schemas.microsoft.com/office/drawing/2010/main" w="9525">
                     <a:solidFill>
                       <a:srgbClr val="000000"/>
                     </a:solidFill>
@@ -10108,7 +10108,7 @@
               </a:ln>
               <a:extLst>
                 <a:ext uri="{91240B29-F687-4f45-9708-019B960494DF}">
-                  <a14:hiddenLine xmlns:a14="http://schemas.microsoft.com/office/drawing/2010/main" xmlns="" w="9525">
+                  <a14:hiddenLine xmlns="" xmlns:a14="http://schemas.microsoft.com/office/drawing/2010/main" w="9525">
                     <a:solidFill>
                       <a:srgbClr val="000000"/>
                     </a:solidFill>
@@ -10170,7 +10170,7 @@
               </a:ln>
               <a:extLst>
                 <a:ext uri="{91240B29-F687-4f45-9708-019B960494DF}">
-                  <a14:hiddenLine xmlns:a14="http://schemas.microsoft.com/office/drawing/2010/main" xmlns="" w="9525">
+                  <a14:hiddenLine xmlns="" xmlns:a14="http://schemas.microsoft.com/office/drawing/2010/main" w="9525">
                     <a:solidFill>
                       <a:srgbClr val="000000"/>
                     </a:solidFill>
@@ -10260,7 +10260,7 @@
               </a:ln>
               <a:extLst>
                 <a:ext uri="{91240B29-F687-4f45-9708-019B960494DF}">
-                  <a14:hiddenLine xmlns:a14="http://schemas.microsoft.com/office/drawing/2010/main" xmlns="" w="9525">
+                  <a14:hiddenLine xmlns="" xmlns:a14="http://schemas.microsoft.com/office/drawing/2010/main" w="9525">
                     <a:solidFill>
                       <a:srgbClr val="000000"/>
                     </a:solidFill>
@@ -10294,7 +10294,7 @@
               </a:ln>
               <a:extLst>
                 <a:ext uri="{91240B29-F687-4f45-9708-019B960494DF}">
-                  <a14:hiddenLine xmlns:a14="http://schemas.microsoft.com/office/drawing/2010/main" xmlns="" w="9525">
+                  <a14:hiddenLine xmlns="" xmlns:a14="http://schemas.microsoft.com/office/drawing/2010/main" w="9525">
                     <a:solidFill>
                       <a:srgbClr val="000000"/>
                     </a:solidFill>
@@ -10359,7 +10359,7 @@
               </a:ln>
               <a:extLst>
                 <a:ext uri="{91240B29-F687-4f45-9708-019B960494DF}">
-                  <a14:hiddenLine xmlns:a14="http://schemas.microsoft.com/office/drawing/2010/main" xmlns="" w="9525">
+                  <a14:hiddenLine xmlns="" xmlns:a14="http://schemas.microsoft.com/office/drawing/2010/main" w="9525">
                     <a:solidFill>
                       <a:srgbClr val="000000"/>
                     </a:solidFill>
@@ -10449,7 +10449,7 @@
               </a:ln>
               <a:extLst>
                 <a:ext uri="{91240B29-F687-4f45-9708-019B960494DF}">
-                  <a14:hiddenLine xmlns:a14="http://schemas.microsoft.com/office/drawing/2010/main" xmlns="" w="9525">
+                  <a14:hiddenLine xmlns="" xmlns:a14="http://schemas.microsoft.com/office/drawing/2010/main" w="9525">
                     <a:solidFill>
                       <a:srgbClr val="000000"/>
                     </a:solidFill>
@@ -10511,7 +10511,7 @@
               </a:ln>
               <a:extLst>
                 <a:ext uri="{91240B29-F687-4f45-9708-019B960494DF}">
-                  <a14:hiddenLine xmlns:a14="http://schemas.microsoft.com/office/drawing/2010/main" xmlns="" w="9525">
+                  <a14:hiddenLine xmlns="" xmlns:a14="http://schemas.microsoft.com/office/drawing/2010/main" w="9525">
                     <a:solidFill>
                       <a:srgbClr val="000000"/>
                     </a:solidFill>
@@ -10601,7 +10601,7 @@
               </a:ln>
               <a:extLst>
                 <a:ext uri="{91240B29-F687-4f45-9708-019B960494DF}">
-                  <a14:hiddenLine xmlns:a14="http://schemas.microsoft.com/office/drawing/2010/main" xmlns="" w="9525">
+                  <a14:hiddenLine xmlns="" xmlns:a14="http://schemas.microsoft.com/office/drawing/2010/main" w="9525">
                     <a:solidFill>
                       <a:srgbClr val="000000"/>
                     </a:solidFill>
@@ -10666,7 +10666,7 @@
               </a:ln>
               <a:extLst>
                 <a:ext uri="{91240B29-F687-4f45-9708-019B960494DF}">
-                  <a14:hiddenLine xmlns:a14="http://schemas.microsoft.com/office/drawing/2010/main" xmlns="" w="9525">
+                  <a14:hiddenLine xmlns="" xmlns:a14="http://schemas.microsoft.com/office/drawing/2010/main" w="9525">
                     <a:solidFill>
                       <a:srgbClr val="000000"/>
                     </a:solidFill>
@@ -10728,7 +10728,7 @@
               </a:ln>
               <a:extLst>
                 <a:ext uri="{91240B29-F687-4f45-9708-019B960494DF}">
-                  <a14:hiddenLine xmlns:a14="http://schemas.microsoft.com/office/drawing/2010/main" xmlns="" w="9525">
+                  <a14:hiddenLine xmlns="" xmlns:a14="http://schemas.microsoft.com/office/drawing/2010/main" w="9525">
                     <a:solidFill>
                       <a:srgbClr val="000000"/>
                     </a:solidFill>
@@ -10818,7 +10818,7 @@
               </a:ln>
               <a:extLst>
                 <a:ext uri="{91240B29-F687-4f45-9708-019B960494DF}">
-                  <a14:hiddenLine xmlns:a14="http://schemas.microsoft.com/office/drawing/2010/main" xmlns="" w="9525">
+                  <a14:hiddenLine xmlns="" xmlns:a14="http://schemas.microsoft.com/office/drawing/2010/main" w="9525">
                     <a:solidFill>
                       <a:srgbClr val="000000"/>
                     </a:solidFill>
@@ -10908,7 +10908,7 @@
               </a:ln>
               <a:extLst>
                 <a:ext uri="{91240B29-F687-4f45-9708-019B960494DF}">
-                  <a14:hiddenLine xmlns:a14="http://schemas.microsoft.com/office/drawing/2010/main" xmlns="" w="9525">
+                  <a14:hiddenLine xmlns="" xmlns:a14="http://schemas.microsoft.com/office/drawing/2010/main" w="9525">
                     <a:solidFill>
                       <a:srgbClr val="000000"/>
                     </a:solidFill>
@@ -10973,7 +10973,7 @@
               </a:ln>
               <a:extLst>
                 <a:ext uri="{91240B29-F687-4f45-9708-019B960494DF}">
-                  <a14:hiddenLine xmlns:a14="http://schemas.microsoft.com/office/drawing/2010/main" xmlns="" w="9525">
+                  <a14:hiddenLine xmlns="" xmlns:a14="http://schemas.microsoft.com/office/drawing/2010/main" w="9525">
                     <a:solidFill>
                       <a:srgbClr val="000000"/>
                     </a:solidFill>
@@ -11093,7 +11093,7 @@
               </a:ln>
               <a:extLst>
                 <a:ext uri="{91240B29-F687-4f45-9708-019B960494DF}">
-                  <a14:hiddenLine xmlns:a14="http://schemas.microsoft.com/office/drawing/2010/main" xmlns="" w="9525">
+                  <a14:hiddenLine xmlns="" xmlns:a14="http://schemas.microsoft.com/office/drawing/2010/main" w="9525">
                     <a:solidFill>
                       <a:srgbClr val="000000"/>
                     </a:solidFill>
@@ -11174,7 +11174,7 @@
               </a:ln>
               <a:extLst>
                 <a:ext uri="{91240B29-F687-4f45-9708-019B960494DF}">
-                  <a14:hiddenLine xmlns:a14="http://schemas.microsoft.com/office/drawing/2010/main" xmlns="" w="9525">
+                  <a14:hiddenLine xmlns="" xmlns:a14="http://schemas.microsoft.com/office/drawing/2010/main" w="9525">
                     <a:solidFill>
                       <a:srgbClr val="000000"/>
                     </a:solidFill>
@@ -11289,7 +11289,7 @@
               </a:ln>
               <a:extLst>
                 <a:ext uri="{91240B29-F687-4f45-9708-019B960494DF}">
-                  <a14:hiddenLine xmlns:a14="http://schemas.microsoft.com/office/drawing/2010/main" xmlns="" w="9525">
+                  <a14:hiddenLine xmlns="" xmlns:a14="http://schemas.microsoft.com/office/drawing/2010/main" w="9525">
                     <a:solidFill>
                       <a:srgbClr val="000000"/>
                     </a:solidFill>
@@ -11379,7 +11379,7 @@
               </a:ln>
               <a:extLst>
                 <a:ext uri="{91240B29-F687-4f45-9708-019B960494DF}">
-                  <a14:hiddenLine xmlns:a14="http://schemas.microsoft.com/office/drawing/2010/main" xmlns="" w="9525">
+                  <a14:hiddenLine xmlns="" xmlns:a14="http://schemas.microsoft.com/office/drawing/2010/main" w="9525">
                     <a:solidFill>
                       <a:srgbClr val="000000"/>
                     </a:solidFill>
@@ -11444,7 +11444,7 @@
               </a:ln>
               <a:extLst>
                 <a:ext uri="{91240B29-F687-4f45-9708-019B960494DF}">
-                  <a14:hiddenLine xmlns:a14="http://schemas.microsoft.com/office/drawing/2010/main" xmlns="" w="9525">
+                  <a14:hiddenLine xmlns="" xmlns:a14="http://schemas.microsoft.com/office/drawing/2010/main" w="9525">
                     <a:solidFill>
                       <a:srgbClr val="000000"/>
                     </a:solidFill>
@@ -11534,7 +11534,7 @@
               </a:ln>
               <a:extLst>
                 <a:ext uri="{91240B29-F687-4f45-9708-019B960494DF}">
-                  <a14:hiddenLine xmlns:a14="http://schemas.microsoft.com/office/drawing/2010/main" xmlns="" w="9525">
+                  <a14:hiddenLine xmlns="" xmlns:a14="http://schemas.microsoft.com/office/drawing/2010/main" w="9525">
                     <a:solidFill>
                       <a:srgbClr val="000000"/>
                     </a:solidFill>
@@ -11602,7 +11602,7 @@
               </a:ln>
               <a:extLst>
                 <a:ext uri="{91240B29-F687-4f45-9708-019B960494DF}">
-                  <a14:hiddenLine xmlns:a14="http://schemas.microsoft.com/office/drawing/2010/main" xmlns="" w="9525">
+                  <a14:hiddenLine xmlns="" xmlns:a14="http://schemas.microsoft.com/office/drawing/2010/main" w="9525">
                     <a:solidFill>
                       <a:srgbClr val="000000"/>
                     </a:solidFill>
@@ -11692,7 +11692,7 @@
               </a:ln>
               <a:extLst>
                 <a:ext uri="{91240B29-F687-4f45-9708-019B960494DF}">
-                  <a14:hiddenLine xmlns:a14="http://schemas.microsoft.com/office/drawing/2010/main" xmlns="" w="9525">
+                  <a14:hiddenLine xmlns="" xmlns:a14="http://schemas.microsoft.com/office/drawing/2010/main" w="9525">
                     <a:solidFill>
                       <a:srgbClr val="000000"/>
                     </a:solidFill>
@@ -11760,7 +11760,7 @@
               </a:ln>
               <a:extLst>
                 <a:ext uri="{91240B29-F687-4f45-9708-019B960494DF}">
-                  <a14:hiddenLine xmlns:a14="http://schemas.microsoft.com/office/drawing/2010/main" xmlns="" w="9525">
+                  <a14:hiddenLine xmlns="" xmlns:a14="http://schemas.microsoft.com/office/drawing/2010/main" w="9525">
                     <a:solidFill>
                       <a:srgbClr val="000000"/>
                     </a:solidFill>
@@ -11850,7 +11850,7 @@
               </a:ln>
               <a:extLst>
                 <a:ext uri="{91240B29-F687-4f45-9708-019B960494DF}">
-                  <a14:hiddenLine xmlns:a14="http://schemas.microsoft.com/office/drawing/2010/main" xmlns="" w="9525">
+                  <a14:hiddenLine xmlns="" xmlns:a14="http://schemas.microsoft.com/office/drawing/2010/main" w="9525">
                     <a:solidFill>
                       <a:srgbClr val="000000"/>
                     </a:solidFill>
@@ -11884,7 +11884,7 @@
               </a:ln>
               <a:extLst>
                 <a:ext uri="{91240B29-F687-4f45-9708-019B960494DF}">
-                  <a14:hiddenLine xmlns:a14="http://schemas.microsoft.com/office/drawing/2010/main" xmlns="" w="9525">
+                  <a14:hiddenLine xmlns="" xmlns:a14="http://schemas.microsoft.com/office/drawing/2010/main" w="9525">
                     <a:solidFill>
                       <a:srgbClr val="000000"/>
                     </a:solidFill>
@@ -12024,7 +12024,7 @@
           <a:p>
             <a:fld id="{EB7344F3-385B-4416-9BA2-CA4571DF68C9}" type="datetimeFigureOut">
               <a:rPr lang="en-MY" smtClean="0"/>
-              <a:t>9/9/2020</a:t>
+              <a:t>11/9/2020</a:t>
             </a:fld>
             <a:endParaRPr lang="en-MY"/>
           </a:p>
@@ -13595,6 +13595,14 @@
   <p:clrMapOvr>
     <a:masterClrMapping/>
   </p:clrMapOvr>
+  <mc:AlternateContent xmlns:mc="http://schemas.openxmlformats.org/markup-compatibility/2006">
+    <mc:Choice xmlns:p14="http://schemas.microsoft.com/office/powerpoint/2010/main" Requires="p14">
+      <p:transition spd="slow" p14:dur="2000" advClick="0"/>
+    </mc:Choice>
+    <mc:Fallback>
+      <p:transition spd="slow" advClick="0"/>
+    </mc:Fallback>
+  </mc:AlternateContent>
 </p:sld>
 </file>
 
@@ -13898,6 +13906,14 @@
   <p:clrMapOvr>
     <a:masterClrMapping/>
   </p:clrMapOvr>
+  <mc:AlternateContent xmlns:mc="http://schemas.openxmlformats.org/markup-compatibility/2006">
+    <mc:Choice xmlns:p14="http://schemas.microsoft.com/office/powerpoint/2010/main" Requires="p14">
+      <p:transition spd="slow" p14:dur="2000" advClick="0"/>
+    </mc:Choice>
+    <mc:Fallback>
+      <p:transition spd="slow" advClick="0"/>
+    </mc:Fallback>
+  </mc:AlternateContent>
 </p:sld>
 </file>
 
@@ -14135,6 +14151,14 @@
   <p:clrMapOvr>
     <a:masterClrMapping/>
   </p:clrMapOvr>
+  <mc:AlternateContent xmlns:mc="http://schemas.openxmlformats.org/markup-compatibility/2006">
+    <mc:Choice xmlns:p14="http://schemas.microsoft.com/office/powerpoint/2010/main" Requires="p14">
+      <p:transition spd="slow" p14:dur="2000" advClick="0"/>
+    </mc:Choice>
+    <mc:Fallback>
+      <p:transition spd="slow" advClick="0"/>
+    </mc:Fallback>
+  </mc:AlternateContent>
 </p:sld>
 </file>
 
@@ -14372,6 +14396,14 @@
   <p:clrMapOvr>
     <a:masterClrMapping/>
   </p:clrMapOvr>
+  <mc:AlternateContent xmlns:mc="http://schemas.openxmlformats.org/markup-compatibility/2006">
+    <mc:Choice xmlns:p14="http://schemas.microsoft.com/office/powerpoint/2010/main" Requires="p14">
+      <p:transition spd="slow" p14:dur="2000" advClick="0"/>
+    </mc:Choice>
+    <mc:Fallback>
+      <p:transition spd="slow" advClick="0"/>
+    </mc:Fallback>
+  </mc:AlternateContent>
 </p:sld>
 </file>
 
@@ -14610,6 +14642,14 @@
   <p:clrMapOvr>
     <a:masterClrMapping/>
   </p:clrMapOvr>
+  <mc:AlternateContent xmlns:mc="http://schemas.openxmlformats.org/markup-compatibility/2006">
+    <mc:Choice xmlns:p14="http://schemas.microsoft.com/office/powerpoint/2010/main" Requires="p14">
+      <p:transition spd="slow" p14:dur="2000" advClick="0"/>
+    </mc:Choice>
+    <mc:Fallback>
+      <p:transition spd="slow" advClick="0"/>
+    </mc:Fallback>
+  </mc:AlternateContent>
 </p:sld>
 </file>
 
@@ -15086,6 +15126,14 @@
   <p:clrMapOvr>
     <a:masterClrMapping/>
   </p:clrMapOvr>
+  <mc:AlternateContent xmlns:mc="http://schemas.openxmlformats.org/markup-compatibility/2006">
+    <mc:Choice xmlns:p14="http://schemas.microsoft.com/office/powerpoint/2010/main" Requires="p14">
+      <p:transition spd="slow" p14:dur="2000" advClick="0"/>
+    </mc:Choice>
+    <mc:Fallback>
+      <p:transition spd="slow" advClick="0"/>
+    </mc:Fallback>
+  </mc:AlternateContent>
 </p:sld>
 </file>
 
@@ -15388,6 +15436,14 @@
   <p:clrMapOvr>
     <a:masterClrMapping/>
   </p:clrMapOvr>
+  <mc:AlternateContent xmlns:mc="http://schemas.openxmlformats.org/markup-compatibility/2006">
+    <mc:Choice xmlns:p14="http://schemas.microsoft.com/office/powerpoint/2010/main" Requires="p14">
+      <p:transition spd="slow" p14:dur="2000" advClick="0"/>
+    </mc:Choice>
+    <mc:Fallback>
+      <p:transition spd="slow" advClick="0"/>
+    </mc:Fallback>
+  </mc:AlternateContent>
 </p:sld>
 </file>
 
@@ -15755,6 +15811,14 @@
   <p:clrMapOvr>
     <a:masterClrMapping/>
   </p:clrMapOvr>
+  <mc:AlternateContent xmlns:mc="http://schemas.openxmlformats.org/markup-compatibility/2006">
+    <mc:Choice xmlns:p14="http://schemas.microsoft.com/office/powerpoint/2010/main" Requires="p14">
+      <p:transition spd="slow" p14:dur="2000" advClick="0"/>
+    </mc:Choice>
+    <mc:Fallback>
+      <p:transition spd="slow" advClick="0"/>
+    </mc:Fallback>
+  </mc:AlternateContent>
 </p:sld>
 </file>
 
@@ -16088,6 +16152,14 @@
   <p:clrMapOvr>
     <a:masterClrMapping/>
   </p:clrMapOvr>
+  <mc:AlternateContent xmlns:mc="http://schemas.openxmlformats.org/markup-compatibility/2006">
+    <mc:Choice xmlns:p14="http://schemas.microsoft.com/office/powerpoint/2010/main" Requires="p14">
+      <p:transition spd="slow" p14:dur="2000" advClick="0"/>
+    </mc:Choice>
+    <mc:Fallback>
+      <p:transition spd="slow" advClick="0"/>
+    </mc:Fallback>
+  </mc:AlternateContent>
 </p:sld>
 </file>
 
@@ -16397,6 +16469,14 @@
   <p:clrMapOvr>
     <a:masterClrMapping/>
   </p:clrMapOvr>
+  <mc:AlternateContent xmlns:mc="http://schemas.openxmlformats.org/markup-compatibility/2006">
+    <mc:Choice xmlns:p14="http://schemas.microsoft.com/office/powerpoint/2010/main" Requires="p14">
+      <p:transition spd="slow" p14:dur="2000" advClick="0"/>
+    </mc:Choice>
+    <mc:Fallback>
+      <p:transition spd="slow" advClick="0"/>
+    </mc:Fallback>
+  </mc:AlternateContent>
 </p:sld>
 </file>
 
@@ -16667,6 +16747,14 @@
   <p:clrMapOvr>
     <a:masterClrMapping/>
   </p:clrMapOvr>
+  <mc:AlternateContent xmlns:mc="http://schemas.openxmlformats.org/markup-compatibility/2006">
+    <mc:Choice xmlns:p14="http://schemas.microsoft.com/office/powerpoint/2010/main" Requires="p14">
+      <p:transition spd="slow" p14:dur="2000" advClick="0"/>
+    </mc:Choice>
+    <mc:Fallback>
+      <p:transition spd="slow" advClick="0"/>
+    </mc:Fallback>
+  </mc:AlternateContent>
 </p:sld>
 </file>
 
@@ -16943,6 +17031,14 @@
   <p:clrMapOvr>
     <a:masterClrMapping/>
   </p:clrMapOvr>
+  <mc:AlternateContent xmlns:mc="http://schemas.openxmlformats.org/markup-compatibility/2006">
+    <mc:Choice xmlns:p14="http://schemas.microsoft.com/office/powerpoint/2010/main" Requires="p14">
+      <p:transition spd="slow" p14:dur="2000" advClick="0"/>
+    </mc:Choice>
+    <mc:Fallback>
+      <p:transition spd="slow" advClick="0"/>
+    </mc:Fallback>
+  </mc:AlternateContent>
 </p:sld>
 </file>
 
@@ -17219,6 +17315,14 @@
   <p:clrMapOvr>
     <a:masterClrMapping/>
   </p:clrMapOvr>
+  <mc:AlternateContent xmlns:mc="http://schemas.openxmlformats.org/markup-compatibility/2006">
+    <mc:Choice xmlns:p14="http://schemas.microsoft.com/office/powerpoint/2010/main" Requires="p14">
+      <p:transition spd="slow" p14:dur="2000" advClick="0"/>
+    </mc:Choice>
+    <mc:Fallback>
+      <p:transition spd="slow" advClick="0"/>
+    </mc:Fallback>
+  </mc:AlternateContent>
 </p:sld>
 </file>
 

--- a/Interface/INTERFACE.pptx
+++ b/Interface/INTERFACE.pptx
@@ -2,14 +2,14 @@
 <file path=ppt/presentation.xml><?xml version="1.0" encoding="utf-8"?>
 <p:presentation xmlns:a="http://schemas.openxmlformats.org/drawingml/2006/main" xmlns:r="http://schemas.openxmlformats.org/officeDocument/2006/relationships" xmlns:p="http://schemas.openxmlformats.org/presentationml/2006/main" saveSubsetFonts="1">
   <p:sldMasterIdLst>
-    <p:sldMasterId id="2147483826" r:id="rId1"/>
+    <p:sldMasterId id="2147483898" r:id="rId1"/>
   </p:sldMasterIdLst>
   <p:sldIdLst>
-    <p:sldId id="265" r:id="rId2"/>
-    <p:sldId id="256" r:id="rId3"/>
-    <p:sldId id="257" r:id="rId4"/>
-    <p:sldId id="258" r:id="rId5"/>
-    <p:sldId id="260" r:id="rId6"/>
+    <p:sldId id="256" r:id="rId2"/>
+    <p:sldId id="257" r:id="rId3"/>
+    <p:sldId id="258" r:id="rId4"/>
+    <p:sldId id="260" r:id="rId5"/>
+    <p:sldId id="270" r:id="rId6"/>
     <p:sldId id="261" r:id="rId7"/>
     <p:sldId id="263" r:id="rId8"/>
     <p:sldId id="262" r:id="rId9"/>
@@ -181,7 +181,7 @@
           <a:noFill/>
           <a:extLst>
             <a:ext uri="{909E8E84-426E-40dd-AFC4-6F175D3DCCD1}">
-              <a14:hiddenFill xmlns="" xmlns:a14="http://schemas.microsoft.com/office/drawing/2010/main">
+              <a14:hiddenFill xmlns:a14="http://schemas.microsoft.com/office/drawing/2010/main" xmlns="">
                 <a:solidFill>
                   <a:srgbClr val="FFFFFF"/>
                 </a:solidFill>
@@ -240,7 +240,7 @@
             </a:ln>
             <a:extLst>
               <a:ext uri="{91240B29-F687-4f45-9708-019B960494DF}">
-                <a14:hiddenLine xmlns="" xmlns:a14="http://schemas.microsoft.com/office/drawing/2010/main" w="9525">
+                <a14:hiddenLine xmlns:a14="http://schemas.microsoft.com/office/drawing/2010/main" xmlns="" w="9525">
                   <a:solidFill>
                     <a:srgbClr val="000000"/>
                   </a:solidFill>
@@ -330,7 +330,7 @@
             </a:ln>
             <a:extLst>
               <a:ext uri="{91240B29-F687-4f45-9708-019B960494DF}">
-                <a14:hiddenLine xmlns="" xmlns:a14="http://schemas.microsoft.com/office/drawing/2010/main" w="9525">
+                <a14:hiddenLine xmlns:a14="http://schemas.microsoft.com/office/drawing/2010/main" xmlns="" w="9525">
                   <a:solidFill>
                     <a:srgbClr val="000000"/>
                   </a:solidFill>
@@ -420,7 +420,7 @@
             </a:ln>
             <a:extLst>
               <a:ext uri="{91240B29-F687-4f45-9708-019B960494DF}">
-                <a14:hiddenLine xmlns="" xmlns:a14="http://schemas.microsoft.com/office/drawing/2010/main" w="9525">
+                <a14:hiddenLine xmlns:a14="http://schemas.microsoft.com/office/drawing/2010/main" xmlns="" w="9525">
                   <a:solidFill>
                     <a:srgbClr val="000000"/>
                   </a:solidFill>
@@ -454,7 +454,7 @@
             </a:ln>
             <a:extLst>
               <a:ext uri="{91240B29-F687-4f45-9708-019B960494DF}">
-                <a14:hiddenLine xmlns="" xmlns:a14="http://schemas.microsoft.com/office/drawing/2010/main" w="9525">
+                <a14:hiddenLine xmlns:a14="http://schemas.microsoft.com/office/drawing/2010/main" xmlns="" w="9525">
                   <a:solidFill>
                     <a:srgbClr val="000000"/>
                   </a:solidFill>
@@ -544,7 +544,7 @@
             </a:ln>
             <a:extLst>
               <a:ext uri="{91240B29-F687-4f45-9708-019B960494DF}">
-                <a14:hiddenLine xmlns="" xmlns:a14="http://schemas.microsoft.com/office/drawing/2010/main" w="9525">
+                <a14:hiddenLine xmlns:a14="http://schemas.microsoft.com/office/drawing/2010/main" xmlns="" w="9525">
                   <a:solidFill>
                     <a:srgbClr val="000000"/>
                   </a:solidFill>
@@ -606,7 +606,7 @@
             </a:ln>
             <a:extLst>
               <a:ext uri="{91240B29-F687-4f45-9708-019B960494DF}">
-                <a14:hiddenLine xmlns="" xmlns:a14="http://schemas.microsoft.com/office/drawing/2010/main" w="9525">
+                <a14:hiddenLine xmlns:a14="http://schemas.microsoft.com/office/drawing/2010/main" xmlns="" w="9525">
                   <a:solidFill>
                     <a:srgbClr val="000000"/>
                   </a:solidFill>
@@ -668,7 +668,7 @@
             </a:ln>
             <a:extLst>
               <a:ext uri="{91240B29-F687-4f45-9708-019B960494DF}">
-                <a14:hiddenLine xmlns="" xmlns:a14="http://schemas.microsoft.com/office/drawing/2010/main" w="9525">
+                <a14:hiddenLine xmlns:a14="http://schemas.microsoft.com/office/drawing/2010/main" xmlns="" w="9525">
                   <a:solidFill>
                     <a:srgbClr val="000000"/>
                   </a:solidFill>
@@ -758,7 +758,7 @@
             </a:ln>
             <a:extLst>
               <a:ext uri="{91240B29-F687-4f45-9708-019B960494DF}">
-                <a14:hiddenLine xmlns="" xmlns:a14="http://schemas.microsoft.com/office/drawing/2010/main" w="9525">
+                <a14:hiddenLine xmlns:a14="http://schemas.microsoft.com/office/drawing/2010/main" xmlns="" w="9525">
                   <a:solidFill>
                     <a:srgbClr val="000000"/>
                   </a:solidFill>
@@ -820,7 +820,7 @@
             </a:ln>
             <a:extLst>
               <a:ext uri="{91240B29-F687-4f45-9708-019B960494DF}">
-                <a14:hiddenLine xmlns="" xmlns:a14="http://schemas.microsoft.com/office/drawing/2010/main" w="9525">
+                <a14:hiddenLine xmlns:a14="http://schemas.microsoft.com/office/drawing/2010/main" xmlns="" w="9525">
                   <a:solidFill>
                     <a:srgbClr val="000000"/>
                   </a:solidFill>
@@ -882,7 +882,7 @@
             </a:ln>
             <a:extLst>
               <a:ext uri="{91240B29-F687-4f45-9708-019B960494DF}">
-                <a14:hiddenLine xmlns="" xmlns:a14="http://schemas.microsoft.com/office/drawing/2010/main" w="9525">
+                <a14:hiddenLine xmlns:a14="http://schemas.microsoft.com/office/drawing/2010/main" xmlns="" w="9525">
                   <a:solidFill>
                     <a:srgbClr val="000000"/>
                   </a:solidFill>
@@ -972,7 +972,7 @@
             </a:ln>
             <a:extLst>
               <a:ext uri="{91240B29-F687-4f45-9708-019B960494DF}">
-                <a14:hiddenLine xmlns="" xmlns:a14="http://schemas.microsoft.com/office/drawing/2010/main" w="9525">
+                <a14:hiddenLine xmlns:a14="http://schemas.microsoft.com/office/drawing/2010/main" xmlns="" w="9525">
                   <a:solidFill>
                     <a:srgbClr val="000000"/>
                   </a:solidFill>
@@ -1062,7 +1062,7 @@
             </a:ln>
             <a:extLst>
               <a:ext uri="{91240B29-F687-4f45-9708-019B960494DF}">
-                <a14:hiddenLine xmlns="" xmlns:a14="http://schemas.microsoft.com/office/drawing/2010/main" w="9525">
+                <a14:hiddenLine xmlns:a14="http://schemas.microsoft.com/office/drawing/2010/main" xmlns="" w="9525">
                   <a:solidFill>
                     <a:srgbClr val="000000"/>
                   </a:solidFill>
@@ -1124,7 +1124,7 @@
             </a:ln>
             <a:extLst>
               <a:ext uri="{91240B29-F687-4f45-9708-019B960494DF}">
-                <a14:hiddenLine xmlns="" xmlns:a14="http://schemas.microsoft.com/office/drawing/2010/main" w="9525">
+                <a14:hiddenLine xmlns:a14="http://schemas.microsoft.com/office/drawing/2010/main" xmlns="" w="9525">
                   <a:solidFill>
                     <a:srgbClr val="000000"/>
                   </a:solidFill>
@@ -1234,7 +1234,7 @@
             </a:ln>
             <a:extLst>
               <a:ext uri="{91240B29-F687-4f45-9708-019B960494DF}">
-                <a14:hiddenLine xmlns="" xmlns:a14="http://schemas.microsoft.com/office/drawing/2010/main" w="9525">
+                <a14:hiddenLine xmlns:a14="http://schemas.microsoft.com/office/drawing/2010/main" xmlns="" w="9525">
                   <a:solidFill>
                     <a:srgbClr val="000000"/>
                   </a:solidFill>
@@ -1296,7 +1296,7 @@
             </a:ln>
             <a:extLst>
               <a:ext uri="{91240B29-F687-4f45-9708-019B960494DF}">
-                <a14:hiddenLine xmlns="" xmlns:a14="http://schemas.microsoft.com/office/drawing/2010/main" w="9525">
+                <a14:hiddenLine xmlns:a14="http://schemas.microsoft.com/office/drawing/2010/main" xmlns="" w="9525">
                   <a:solidFill>
                     <a:srgbClr val="000000"/>
                   </a:solidFill>
@@ -1386,7 +1386,7 @@
             </a:ln>
             <a:extLst>
               <a:ext uri="{91240B29-F687-4f45-9708-019B960494DF}">
-                <a14:hiddenLine xmlns="" xmlns:a14="http://schemas.microsoft.com/office/drawing/2010/main" w="9525">
+                <a14:hiddenLine xmlns:a14="http://schemas.microsoft.com/office/drawing/2010/main" xmlns="" w="9525">
                   <a:solidFill>
                     <a:srgbClr val="000000"/>
                   </a:solidFill>
@@ -1476,7 +1476,7 @@
             </a:ln>
             <a:extLst>
               <a:ext uri="{91240B29-F687-4f45-9708-019B960494DF}">
-                <a14:hiddenLine xmlns="" xmlns:a14="http://schemas.microsoft.com/office/drawing/2010/main" w="9525">
+                <a14:hiddenLine xmlns:a14="http://schemas.microsoft.com/office/drawing/2010/main" xmlns="" w="9525">
                   <a:solidFill>
                     <a:srgbClr val="000000"/>
                   </a:solidFill>
@@ -1538,7 +1538,7 @@
             </a:ln>
             <a:extLst>
               <a:ext uri="{91240B29-F687-4f45-9708-019B960494DF}">
-                <a14:hiddenLine xmlns="" xmlns:a14="http://schemas.microsoft.com/office/drawing/2010/main" w="9525">
+                <a14:hiddenLine xmlns:a14="http://schemas.microsoft.com/office/drawing/2010/main" xmlns="" w="9525">
                   <a:solidFill>
                     <a:srgbClr val="000000"/>
                   </a:solidFill>
@@ -1628,7 +1628,7 @@
             </a:ln>
             <a:extLst>
               <a:ext uri="{91240B29-F687-4f45-9708-019B960494DF}">
-                <a14:hiddenLine xmlns="" xmlns:a14="http://schemas.microsoft.com/office/drawing/2010/main" w="9525">
+                <a14:hiddenLine xmlns:a14="http://schemas.microsoft.com/office/drawing/2010/main" xmlns="" w="9525">
                   <a:solidFill>
                     <a:srgbClr val="000000"/>
                   </a:solidFill>
@@ -1718,7 +1718,7 @@
             </a:ln>
             <a:extLst>
               <a:ext uri="{91240B29-F687-4f45-9708-019B960494DF}">
-                <a14:hiddenLine xmlns="" xmlns:a14="http://schemas.microsoft.com/office/drawing/2010/main" w="9525">
+                <a14:hiddenLine xmlns:a14="http://schemas.microsoft.com/office/drawing/2010/main" xmlns="" w="9525">
                   <a:solidFill>
                     <a:srgbClr val="000000"/>
                   </a:solidFill>
@@ -1774,7 +1774,7 @@
             </a:ln>
             <a:extLst>
               <a:ext uri="{91240B29-F687-4f45-9708-019B960494DF}">
-                <a14:hiddenLine xmlns="" xmlns:a14="http://schemas.microsoft.com/office/drawing/2010/main" w="9525">
+                <a14:hiddenLine xmlns:a14="http://schemas.microsoft.com/office/drawing/2010/main" xmlns="" w="9525">
                   <a:solidFill>
                     <a:srgbClr val="000000"/>
                   </a:solidFill>
@@ -1864,7 +1864,7 @@
             </a:ln>
             <a:extLst>
               <a:ext uri="{91240B29-F687-4f45-9708-019B960494DF}">
-                <a14:hiddenLine xmlns="" xmlns:a14="http://schemas.microsoft.com/office/drawing/2010/main" w="9525">
+                <a14:hiddenLine xmlns:a14="http://schemas.microsoft.com/office/drawing/2010/main" xmlns="" w="9525">
                   <a:solidFill>
                     <a:srgbClr val="000000"/>
                   </a:solidFill>
@@ -1920,7 +1920,7 @@
             </a:ln>
             <a:extLst>
               <a:ext uri="{91240B29-F687-4f45-9708-019B960494DF}">
-                <a14:hiddenLine xmlns="" xmlns:a14="http://schemas.microsoft.com/office/drawing/2010/main" w="9525">
+                <a14:hiddenLine xmlns:a14="http://schemas.microsoft.com/office/drawing/2010/main" xmlns="" w="9525">
                   <a:solidFill>
                     <a:srgbClr val="000000"/>
                   </a:solidFill>
@@ -2010,7 +2010,7 @@
             </a:ln>
             <a:extLst>
               <a:ext uri="{91240B29-F687-4f45-9708-019B960494DF}">
-                <a14:hiddenLine xmlns="" xmlns:a14="http://schemas.microsoft.com/office/drawing/2010/main" w="9525">
+                <a14:hiddenLine xmlns:a14="http://schemas.microsoft.com/office/drawing/2010/main" xmlns="" w="9525">
                   <a:solidFill>
                     <a:srgbClr val="000000"/>
                   </a:solidFill>
@@ -2078,7 +2078,7 @@
             </a:ln>
             <a:extLst>
               <a:ext uri="{91240B29-F687-4f45-9708-019B960494DF}">
-                <a14:hiddenLine xmlns="" xmlns:a14="http://schemas.microsoft.com/office/drawing/2010/main" w="9525">
+                <a14:hiddenLine xmlns:a14="http://schemas.microsoft.com/office/drawing/2010/main" xmlns="" w="9525">
                   <a:solidFill>
                     <a:srgbClr val="000000"/>
                   </a:solidFill>
@@ -2168,7 +2168,7 @@
             </a:ln>
             <a:extLst>
               <a:ext uri="{91240B29-F687-4f45-9708-019B960494DF}">
-                <a14:hiddenLine xmlns="" xmlns:a14="http://schemas.microsoft.com/office/drawing/2010/main" w="9525">
+                <a14:hiddenLine xmlns:a14="http://schemas.microsoft.com/office/drawing/2010/main" xmlns="" w="9525">
                   <a:solidFill>
                     <a:srgbClr val="000000"/>
                   </a:solidFill>
@@ -2236,7 +2236,7 @@
             </a:ln>
             <a:extLst>
               <a:ext uri="{91240B29-F687-4f45-9708-019B960494DF}">
-                <a14:hiddenLine xmlns="" xmlns:a14="http://schemas.microsoft.com/office/drawing/2010/main" w="9525">
+                <a14:hiddenLine xmlns:a14="http://schemas.microsoft.com/office/drawing/2010/main" xmlns="" w="9525">
                   <a:solidFill>
                     <a:srgbClr val="000000"/>
                   </a:solidFill>
@@ -2326,7 +2326,7 @@
             </a:ln>
             <a:extLst>
               <a:ext uri="{91240B29-F687-4f45-9708-019B960494DF}">
-                <a14:hiddenLine xmlns="" xmlns:a14="http://schemas.microsoft.com/office/drawing/2010/main" w="9525">
+                <a14:hiddenLine xmlns:a14="http://schemas.microsoft.com/office/drawing/2010/main" xmlns="" w="9525">
                   <a:solidFill>
                     <a:srgbClr val="000000"/>
                   </a:solidFill>
@@ -2360,7 +2360,7 @@
             </a:ln>
             <a:extLst>
               <a:ext uri="{91240B29-F687-4f45-9708-019B960494DF}">
-                <a14:hiddenLine xmlns="" xmlns:a14="http://schemas.microsoft.com/office/drawing/2010/main" w="9525">
+                <a14:hiddenLine xmlns:a14="http://schemas.microsoft.com/office/drawing/2010/main" xmlns="" w="9525">
                   <a:solidFill>
                     <a:srgbClr val="000000"/>
                   </a:solidFill>
@@ -2450,7 +2450,7 @@
             </a:ln>
             <a:extLst>
               <a:ext uri="{91240B29-F687-4f45-9708-019B960494DF}">
-                <a14:hiddenLine xmlns="" xmlns:a14="http://schemas.microsoft.com/office/drawing/2010/main" w="9525">
+                <a14:hiddenLine xmlns:a14="http://schemas.microsoft.com/office/drawing/2010/main" xmlns="" w="9525">
                   <a:solidFill>
                     <a:srgbClr val="000000"/>
                   </a:solidFill>
@@ -2512,7 +2512,7 @@
             </a:ln>
             <a:extLst>
               <a:ext uri="{91240B29-F687-4f45-9708-019B960494DF}">
-                <a14:hiddenLine xmlns="" xmlns:a14="http://schemas.microsoft.com/office/drawing/2010/main" w="9525">
+                <a14:hiddenLine xmlns:a14="http://schemas.microsoft.com/office/drawing/2010/main" xmlns="" w="9525">
                   <a:solidFill>
                     <a:srgbClr val="000000"/>
                   </a:solidFill>
@@ -2574,7 +2574,7 @@
             </a:ln>
             <a:extLst>
               <a:ext uri="{91240B29-F687-4f45-9708-019B960494DF}">
-                <a14:hiddenLine xmlns="" xmlns:a14="http://schemas.microsoft.com/office/drawing/2010/main" w="9525">
+                <a14:hiddenLine xmlns:a14="http://schemas.microsoft.com/office/drawing/2010/main" xmlns="" w="9525">
                   <a:solidFill>
                     <a:srgbClr val="000000"/>
                   </a:solidFill>
@@ -2664,7 +2664,7 @@
             </a:ln>
             <a:extLst>
               <a:ext uri="{91240B29-F687-4f45-9708-019B960494DF}">
-                <a14:hiddenLine xmlns="" xmlns:a14="http://schemas.microsoft.com/office/drawing/2010/main" w="9525">
+                <a14:hiddenLine xmlns:a14="http://schemas.microsoft.com/office/drawing/2010/main" xmlns="" w="9525">
                   <a:solidFill>
                     <a:srgbClr val="000000"/>
                   </a:solidFill>
@@ -2732,7 +2732,7 @@
             </a:ln>
             <a:extLst>
               <a:ext uri="{91240B29-F687-4f45-9708-019B960494DF}">
-                <a14:hiddenLine xmlns="" xmlns:a14="http://schemas.microsoft.com/office/drawing/2010/main" w="9525">
+                <a14:hiddenLine xmlns:a14="http://schemas.microsoft.com/office/drawing/2010/main" xmlns="" w="9525">
                   <a:solidFill>
                     <a:srgbClr val="000000"/>
                   </a:solidFill>
@@ -2794,7 +2794,7 @@
             </a:ln>
             <a:extLst>
               <a:ext uri="{91240B29-F687-4f45-9708-019B960494DF}">
-                <a14:hiddenLine xmlns="" xmlns:a14="http://schemas.microsoft.com/office/drawing/2010/main" w="9525">
+                <a14:hiddenLine xmlns:a14="http://schemas.microsoft.com/office/drawing/2010/main" xmlns="" w="9525">
                   <a:solidFill>
                     <a:srgbClr val="000000"/>
                   </a:solidFill>
@@ -2884,7 +2884,7 @@
             </a:ln>
             <a:extLst>
               <a:ext uri="{91240B29-F687-4f45-9708-019B960494DF}">
-                <a14:hiddenLine xmlns="" xmlns:a14="http://schemas.microsoft.com/office/drawing/2010/main" w="9525">
+                <a14:hiddenLine xmlns:a14="http://schemas.microsoft.com/office/drawing/2010/main" xmlns="" w="9525">
                   <a:solidFill>
                     <a:srgbClr val="000000"/>
                   </a:solidFill>
@@ -2946,7 +2946,7 @@
             </a:ln>
             <a:extLst>
               <a:ext uri="{91240B29-F687-4f45-9708-019B960494DF}">
-                <a14:hiddenLine xmlns="" xmlns:a14="http://schemas.microsoft.com/office/drawing/2010/main" w="9525">
+                <a14:hiddenLine xmlns:a14="http://schemas.microsoft.com/office/drawing/2010/main" xmlns="" w="9525">
                   <a:solidFill>
                     <a:srgbClr val="000000"/>
                   </a:solidFill>
@@ -3036,7 +3036,7 @@
             </a:ln>
             <a:extLst>
               <a:ext uri="{91240B29-F687-4f45-9708-019B960494DF}">
-                <a14:hiddenLine xmlns="" xmlns:a14="http://schemas.microsoft.com/office/drawing/2010/main" w="9525">
+                <a14:hiddenLine xmlns:a14="http://schemas.microsoft.com/office/drawing/2010/main" xmlns="" w="9525">
                   <a:solidFill>
                     <a:srgbClr val="000000"/>
                   </a:solidFill>
@@ -3098,7 +3098,7 @@
             </a:ln>
             <a:extLst>
               <a:ext uri="{91240B29-F687-4f45-9708-019B960494DF}">
-                <a14:hiddenLine xmlns="" xmlns:a14="http://schemas.microsoft.com/office/drawing/2010/main" w="9525">
+                <a14:hiddenLine xmlns:a14="http://schemas.microsoft.com/office/drawing/2010/main" xmlns="" w="9525">
                   <a:solidFill>
                     <a:srgbClr val="000000"/>
                   </a:solidFill>
@@ -3188,7 +3188,7 @@
             </a:ln>
             <a:extLst>
               <a:ext uri="{91240B29-F687-4f45-9708-019B960494DF}">
-                <a14:hiddenLine xmlns="" xmlns:a14="http://schemas.microsoft.com/office/drawing/2010/main" w="9525">
+                <a14:hiddenLine xmlns:a14="http://schemas.microsoft.com/office/drawing/2010/main" xmlns="" w="9525">
                   <a:solidFill>
                     <a:srgbClr val="000000"/>
                   </a:solidFill>
@@ -3222,7 +3222,7 @@
             </a:ln>
             <a:extLst>
               <a:ext uri="{91240B29-F687-4f45-9708-019B960494DF}">
-                <a14:hiddenLine xmlns="" xmlns:a14="http://schemas.microsoft.com/office/drawing/2010/main" w="9525">
+                <a14:hiddenLine xmlns:a14="http://schemas.microsoft.com/office/drawing/2010/main" xmlns="" w="9525">
                   <a:solidFill>
                     <a:srgbClr val="000000"/>
                   </a:solidFill>
@@ -3287,7 +3287,7 @@
             </a:ln>
             <a:extLst>
               <a:ext uri="{91240B29-F687-4f45-9708-019B960494DF}">
-                <a14:hiddenLine xmlns="" xmlns:a14="http://schemas.microsoft.com/office/drawing/2010/main" w="9525">
+                <a14:hiddenLine xmlns:a14="http://schemas.microsoft.com/office/drawing/2010/main" xmlns="" w="9525">
                   <a:solidFill>
                     <a:srgbClr val="000000"/>
                   </a:solidFill>
@@ -3377,7 +3377,7 @@
             </a:ln>
             <a:extLst>
               <a:ext uri="{91240B29-F687-4f45-9708-019B960494DF}">
-                <a14:hiddenLine xmlns="" xmlns:a14="http://schemas.microsoft.com/office/drawing/2010/main" w="9525">
+                <a14:hiddenLine xmlns:a14="http://schemas.microsoft.com/office/drawing/2010/main" xmlns="" w="9525">
                   <a:solidFill>
                     <a:srgbClr val="000000"/>
                   </a:solidFill>
@@ -3439,7 +3439,7 @@
             </a:ln>
             <a:extLst>
               <a:ext uri="{91240B29-F687-4f45-9708-019B960494DF}">
-                <a14:hiddenLine xmlns="" xmlns:a14="http://schemas.microsoft.com/office/drawing/2010/main" w="9525">
+                <a14:hiddenLine xmlns:a14="http://schemas.microsoft.com/office/drawing/2010/main" xmlns="" w="9525">
                   <a:solidFill>
                     <a:srgbClr val="000000"/>
                   </a:solidFill>
@@ -3529,7 +3529,7 @@
             </a:ln>
             <a:extLst>
               <a:ext uri="{91240B29-F687-4f45-9708-019B960494DF}">
-                <a14:hiddenLine xmlns="" xmlns:a14="http://schemas.microsoft.com/office/drawing/2010/main" w="9525">
+                <a14:hiddenLine xmlns:a14="http://schemas.microsoft.com/office/drawing/2010/main" xmlns="" w="9525">
                   <a:solidFill>
                     <a:srgbClr val="000000"/>
                   </a:solidFill>
@@ -3619,7 +3619,7 @@
             </a:ln>
             <a:extLst>
               <a:ext uri="{91240B29-F687-4f45-9708-019B960494DF}">
-                <a14:hiddenLine xmlns="" xmlns:a14="http://schemas.microsoft.com/office/drawing/2010/main" w="9525">
+                <a14:hiddenLine xmlns:a14="http://schemas.microsoft.com/office/drawing/2010/main" xmlns="" w="9525">
                   <a:solidFill>
                     <a:srgbClr val="000000"/>
                   </a:solidFill>
@@ -3684,7 +3684,7 @@
             </a:ln>
             <a:extLst>
               <a:ext uri="{91240B29-F687-4f45-9708-019B960494DF}">
-                <a14:hiddenLine xmlns="" xmlns:a14="http://schemas.microsoft.com/office/drawing/2010/main" w="9525">
+                <a14:hiddenLine xmlns:a14="http://schemas.microsoft.com/office/drawing/2010/main" xmlns="" w="9525">
                   <a:solidFill>
                     <a:srgbClr val="000000"/>
                   </a:solidFill>
@@ -3746,7 +3746,7 @@
             </a:ln>
             <a:extLst>
               <a:ext uri="{91240B29-F687-4f45-9708-019B960494DF}">
-                <a14:hiddenLine xmlns="" xmlns:a14="http://schemas.microsoft.com/office/drawing/2010/main" w="9525">
+                <a14:hiddenLine xmlns:a14="http://schemas.microsoft.com/office/drawing/2010/main" xmlns="" w="9525">
                   <a:solidFill>
                     <a:srgbClr val="000000"/>
                   </a:solidFill>
@@ -3836,7 +3836,7 @@
             </a:ln>
             <a:extLst>
               <a:ext uri="{91240B29-F687-4f45-9708-019B960494DF}">
-                <a14:hiddenLine xmlns="" xmlns:a14="http://schemas.microsoft.com/office/drawing/2010/main" w="9525">
+                <a14:hiddenLine xmlns:a14="http://schemas.microsoft.com/office/drawing/2010/main" xmlns="" w="9525">
                   <a:solidFill>
                     <a:srgbClr val="000000"/>
                   </a:solidFill>
@@ -3926,7 +3926,7 @@
             </a:ln>
             <a:extLst>
               <a:ext uri="{91240B29-F687-4f45-9708-019B960494DF}">
-                <a14:hiddenLine xmlns="" xmlns:a14="http://schemas.microsoft.com/office/drawing/2010/main" w="9525">
+                <a14:hiddenLine xmlns:a14="http://schemas.microsoft.com/office/drawing/2010/main" xmlns="" w="9525">
                   <a:solidFill>
                     <a:srgbClr val="000000"/>
                   </a:solidFill>
@@ -3988,7 +3988,7 @@
             </a:ln>
             <a:extLst>
               <a:ext uri="{91240B29-F687-4f45-9708-019B960494DF}">
-                <a14:hiddenLine xmlns="" xmlns:a14="http://schemas.microsoft.com/office/drawing/2010/main" w="9525">
+                <a14:hiddenLine xmlns:a14="http://schemas.microsoft.com/office/drawing/2010/main" xmlns="" w="9525">
                   <a:solidFill>
                     <a:srgbClr val="000000"/>
                   </a:solidFill>
@@ -4108,7 +4108,7 @@
             </a:ln>
             <a:extLst>
               <a:ext uri="{91240B29-F687-4f45-9708-019B960494DF}">
-                <a14:hiddenLine xmlns="" xmlns:a14="http://schemas.microsoft.com/office/drawing/2010/main" w="9525">
+                <a14:hiddenLine xmlns:a14="http://schemas.microsoft.com/office/drawing/2010/main" xmlns="" w="9525">
                   <a:solidFill>
                     <a:srgbClr val="000000"/>
                   </a:solidFill>
@@ -4176,7 +4176,7 @@
             </a:ln>
             <a:extLst>
               <a:ext uri="{91240B29-F687-4f45-9708-019B960494DF}">
-                <a14:hiddenLine xmlns="" xmlns:a14="http://schemas.microsoft.com/office/drawing/2010/main" w="9525">
+                <a14:hiddenLine xmlns:a14="http://schemas.microsoft.com/office/drawing/2010/main" xmlns="" w="9525">
                   <a:solidFill>
                     <a:srgbClr val="000000"/>
                   </a:solidFill>
@@ -4266,7 +4266,7 @@
             </a:ln>
             <a:extLst>
               <a:ext uri="{91240B29-F687-4f45-9708-019B960494DF}">
-                <a14:hiddenLine xmlns="" xmlns:a14="http://schemas.microsoft.com/office/drawing/2010/main" w="9525">
+                <a14:hiddenLine xmlns:a14="http://schemas.microsoft.com/office/drawing/2010/main" xmlns="" w="9525">
                   <a:solidFill>
                     <a:srgbClr val="000000"/>
                   </a:solidFill>
@@ -4467,7 +4467,7 @@
     </p:spTree>
     <p:extLst>
       <p:ext uri="{BB962C8B-B14F-4D97-AF65-F5344CB8AC3E}">
-        <p14:creationId xmlns:p14="http://schemas.microsoft.com/office/powerpoint/2010/main" val="134089395"/>
+        <p14:creationId xmlns:p14="http://schemas.microsoft.com/office/powerpoint/2010/main" val="3300571077"/>
       </p:ext>
     </p:extLst>
   </p:cSld>
@@ -4724,7 +4724,7 @@
     </p:spTree>
     <p:extLst>
       <p:ext uri="{BB962C8B-B14F-4D97-AF65-F5344CB8AC3E}">
-        <p14:creationId xmlns:p14="http://schemas.microsoft.com/office/powerpoint/2010/main" val="3696817232"/>
+        <p14:creationId xmlns:p14="http://schemas.microsoft.com/office/powerpoint/2010/main" val="3050114260"/>
       </p:ext>
     </p:extLst>
   </p:cSld>
@@ -4920,7 +4920,7 @@
     </p:spTree>
     <p:extLst>
       <p:ext uri="{BB962C8B-B14F-4D97-AF65-F5344CB8AC3E}">
-        <p14:creationId xmlns:p14="http://schemas.microsoft.com/office/powerpoint/2010/main" val="3624730961"/>
+        <p14:creationId xmlns:p14="http://schemas.microsoft.com/office/powerpoint/2010/main" val="4239203631"/>
       </p:ext>
     </p:extLst>
   </p:cSld>
@@ -5421,7 +5421,7 @@
     </p:spTree>
     <p:extLst>
       <p:ext uri="{BB962C8B-B14F-4D97-AF65-F5344CB8AC3E}">
-        <p14:creationId xmlns:p14="http://schemas.microsoft.com/office/powerpoint/2010/main" val="3160602227"/>
+        <p14:creationId xmlns:p14="http://schemas.microsoft.com/office/powerpoint/2010/main" val="48731009"/>
       </p:ext>
     </p:extLst>
   </p:cSld>
@@ -5617,7 +5617,7 @@
     </p:spTree>
     <p:extLst>
       <p:ext uri="{BB962C8B-B14F-4D97-AF65-F5344CB8AC3E}">
-        <p14:creationId xmlns:p14="http://schemas.microsoft.com/office/powerpoint/2010/main" val="367131452"/>
+        <p14:creationId xmlns:p14="http://schemas.microsoft.com/office/powerpoint/2010/main" val="79851612"/>
       </p:ext>
     </p:extLst>
   </p:cSld>
@@ -6163,7 +6163,7 @@
     </p:spTree>
     <p:extLst>
       <p:ext uri="{BB962C8B-B14F-4D97-AF65-F5344CB8AC3E}">
-        <p14:creationId xmlns:p14="http://schemas.microsoft.com/office/powerpoint/2010/main" val="3280932097"/>
+        <p14:creationId xmlns:p14="http://schemas.microsoft.com/office/powerpoint/2010/main" val="21641309"/>
       </p:ext>
     </p:extLst>
   </p:cSld>
@@ -6883,7 +6883,7 @@
     </p:spTree>
     <p:extLst>
       <p:ext uri="{BB962C8B-B14F-4D97-AF65-F5344CB8AC3E}">
-        <p14:creationId xmlns:p14="http://schemas.microsoft.com/office/powerpoint/2010/main" val="3144655325"/>
+        <p14:creationId xmlns:p14="http://schemas.microsoft.com/office/powerpoint/2010/main" val="3820091777"/>
       </p:ext>
     </p:extLst>
   </p:cSld>
@@ -7053,7 +7053,7 @@
     </p:spTree>
     <p:extLst>
       <p:ext uri="{BB962C8B-B14F-4D97-AF65-F5344CB8AC3E}">
-        <p14:creationId xmlns:p14="http://schemas.microsoft.com/office/powerpoint/2010/main" val="1153994544"/>
+        <p14:creationId xmlns:p14="http://schemas.microsoft.com/office/powerpoint/2010/main" val="2907997816"/>
       </p:ext>
     </p:extLst>
   </p:cSld>
@@ -7233,7 +7233,7 @@
     </p:spTree>
     <p:extLst>
       <p:ext uri="{BB962C8B-B14F-4D97-AF65-F5344CB8AC3E}">
-        <p14:creationId xmlns:p14="http://schemas.microsoft.com/office/powerpoint/2010/main" val="4279243446"/>
+        <p14:creationId xmlns:p14="http://schemas.microsoft.com/office/powerpoint/2010/main" val="1050324593"/>
       </p:ext>
     </p:extLst>
   </p:cSld>
@@ -7403,7 +7403,7 @@
     </p:spTree>
     <p:extLst>
       <p:ext uri="{BB962C8B-B14F-4D97-AF65-F5344CB8AC3E}">
-        <p14:creationId xmlns:p14="http://schemas.microsoft.com/office/powerpoint/2010/main" val="968597032"/>
+        <p14:creationId xmlns:p14="http://schemas.microsoft.com/office/powerpoint/2010/main" val="3854927523"/>
       </p:ext>
     </p:extLst>
   </p:cSld>
@@ -7653,7 +7653,7 @@
     </p:spTree>
     <p:extLst>
       <p:ext uri="{BB962C8B-B14F-4D97-AF65-F5344CB8AC3E}">
-        <p14:creationId xmlns:p14="http://schemas.microsoft.com/office/powerpoint/2010/main" val="3148265071"/>
+        <p14:creationId xmlns:p14="http://schemas.microsoft.com/office/powerpoint/2010/main" val="394165066"/>
       </p:ext>
     </p:extLst>
   </p:cSld>
@@ -7885,7 +7885,7 @@
     </p:spTree>
     <p:extLst>
       <p:ext uri="{BB962C8B-B14F-4D97-AF65-F5344CB8AC3E}">
-        <p14:creationId xmlns:p14="http://schemas.microsoft.com/office/powerpoint/2010/main" val="282897295"/>
+        <p14:creationId xmlns:p14="http://schemas.microsoft.com/office/powerpoint/2010/main" val="1998707358"/>
       </p:ext>
     </p:extLst>
   </p:cSld>
@@ -8266,7 +8266,7 @@
     </p:spTree>
     <p:extLst>
       <p:ext uri="{BB962C8B-B14F-4D97-AF65-F5344CB8AC3E}">
-        <p14:creationId xmlns:p14="http://schemas.microsoft.com/office/powerpoint/2010/main" val="751907628"/>
+        <p14:creationId xmlns:p14="http://schemas.microsoft.com/office/powerpoint/2010/main" val="4098973026"/>
       </p:ext>
     </p:extLst>
   </p:cSld>
@@ -8384,7 +8384,7 @@
     </p:spTree>
     <p:extLst>
       <p:ext uri="{BB962C8B-B14F-4D97-AF65-F5344CB8AC3E}">
-        <p14:creationId xmlns:p14="http://schemas.microsoft.com/office/powerpoint/2010/main" val="1272958006"/>
+        <p14:creationId xmlns:p14="http://schemas.microsoft.com/office/powerpoint/2010/main" val="1206273959"/>
       </p:ext>
     </p:extLst>
   </p:cSld>
@@ -8479,7 +8479,7 @@
     </p:spTree>
     <p:extLst>
       <p:ext uri="{BB962C8B-B14F-4D97-AF65-F5344CB8AC3E}">
-        <p14:creationId xmlns:p14="http://schemas.microsoft.com/office/powerpoint/2010/main" val="3327371648"/>
+        <p14:creationId xmlns:p14="http://schemas.microsoft.com/office/powerpoint/2010/main" val="1227641817"/>
       </p:ext>
     </p:extLst>
   </p:cSld>
@@ -8728,7 +8728,7 @@
     </p:spTree>
     <p:extLst>
       <p:ext uri="{BB962C8B-B14F-4D97-AF65-F5344CB8AC3E}">
-        <p14:creationId xmlns:p14="http://schemas.microsoft.com/office/powerpoint/2010/main" val="2446534327"/>
+        <p14:creationId xmlns:p14="http://schemas.microsoft.com/office/powerpoint/2010/main" val="3271791594"/>
       </p:ext>
     </p:extLst>
   </p:cSld>
@@ -9008,7 +9008,7 @@
     </p:spTree>
     <p:extLst>
       <p:ext uri="{BB962C8B-B14F-4D97-AF65-F5344CB8AC3E}">
-        <p14:creationId xmlns:p14="http://schemas.microsoft.com/office/powerpoint/2010/main" val="2839757868"/>
+        <p14:creationId xmlns:p14="http://schemas.microsoft.com/office/powerpoint/2010/main" val="2771853809"/>
       </p:ext>
     </p:extLst>
   </p:cSld>
@@ -9080,7 +9080,7 @@
           <a:noFill/>
           <a:extLst>
             <a:ext uri="{909E8E84-426E-40dd-AFC4-6F175D3DCCD1}">
-              <a14:hiddenFill xmlns="" xmlns:a14="http://schemas.microsoft.com/office/drawing/2010/main">
+              <a14:hiddenFill xmlns:a14="http://schemas.microsoft.com/office/drawing/2010/main" xmlns="">
                 <a:solidFill>
                   <a:srgbClr val="FFFFFF"/>
                 </a:solidFill>
@@ -9154,7 +9154,7 @@
               </a:ln>
               <a:extLst>
                 <a:ext uri="{91240B29-F687-4f45-9708-019B960494DF}">
-                  <a14:hiddenLine xmlns="" xmlns:a14="http://schemas.microsoft.com/office/drawing/2010/main" w="9525">
+                  <a14:hiddenLine xmlns:a14="http://schemas.microsoft.com/office/drawing/2010/main" xmlns="" w="9525">
                     <a:solidFill>
                       <a:srgbClr val="000000"/>
                     </a:solidFill>
@@ -9244,7 +9244,7 @@
               </a:ln>
               <a:extLst>
                 <a:ext uri="{91240B29-F687-4f45-9708-019B960494DF}">
-                  <a14:hiddenLine xmlns="" xmlns:a14="http://schemas.microsoft.com/office/drawing/2010/main" w="9525">
+                  <a14:hiddenLine xmlns:a14="http://schemas.microsoft.com/office/drawing/2010/main" xmlns="" w="9525">
                     <a:solidFill>
                       <a:srgbClr val="000000"/>
                     </a:solidFill>
@@ -9334,7 +9334,7 @@
               </a:ln>
               <a:extLst>
                 <a:ext uri="{91240B29-F687-4f45-9708-019B960494DF}">
-                  <a14:hiddenLine xmlns="" xmlns:a14="http://schemas.microsoft.com/office/drawing/2010/main" w="9525">
+                  <a14:hiddenLine xmlns:a14="http://schemas.microsoft.com/office/drawing/2010/main" xmlns="" w="9525">
                     <a:solidFill>
                       <a:srgbClr val="000000"/>
                     </a:solidFill>
@@ -9396,7 +9396,7 @@
               </a:ln>
               <a:extLst>
                 <a:ext uri="{91240B29-F687-4f45-9708-019B960494DF}">
-                  <a14:hiddenLine xmlns="" xmlns:a14="http://schemas.microsoft.com/office/drawing/2010/main" w="9525">
+                  <a14:hiddenLine xmlns:a14="http://schemas.microsoft.com/office/drawing/2010/main" xmlns="" w="9525">
                     <a:solidFill>
                       <a:srgbClr val="000000"/>
                     </a:solidFill>
@@ -9486,7 +9486,7 @@
               </a:ln>
               <a:extLst>
                 <a:ext uri="{91240B29-F687-4f45-9708-019B960494DF}">
-                  <a14:hiddenLine xmlns="" xmlns:a14="http://schemas.microsoft.com/office/drawing/2010/main" w="9525">
+                  <a14:hiddenLine xmlns:a14="http://schemas.microsoft.com/office/drawing/2010/main" xmlns="" w="9525">
                     <a:solidFill>
                       <a:srgbClr val="000000"/>
                     </a:solidFill>
@@ -9548,7 +9548,7 @@
               </a:ln>
               <a:extLst>
                 <a:ext uri="{91240B29-F687-4f45-9708-019B960494DF}">
-                  <a14:hiddenLine xmlns="" xmlns:a14="http://schemas.microsoft.com/office/drawing/2010/main" w="9525">
+                  <a14:hiddenLine xmlns:a14="http://schemas.microsoft.com/office/drawing/2010/main" xmlns="" w="9525">
                     <a:solidFill>
                       <a:srgbClr val="000000"/>
                     </a:solidFill>
@@ -9610,7 +9610,7 @@
               </a:ln>
               <a:extLst>
                 <a:ext uri="{91240B29-F687-4f45-9708-019B960494DF}">
-                  <a14:hiddenLine xmlns="" xmlns:a14="http://schemas.microsoft.com/office/drawing/2010/main" w="9525">
+                  <a14:hiddenLine xmlns:a14="http://schemas.microsoft.com/office/drawing/2010/main" xmlns="" w="9525">
                     <a:solidFill>
                       <a:srgbClr val="000000"/>
                     </a:solidFill>
@@ -9700,7 +9700,7 @@
               </a:ln>
               <a:extLst>
                 <a:ext uri="{91240B29-F687-4f45-9708-019B960494DF}">
-                  <a14:hiddenLine xmlns="" xmlns:a14="http://schemas.microsoft.com/office/drawing/2010/main" w="9525">
+                  <a14:hiddenLine xmlns:a14="http://schemas.microsoft.com/office/drawing/2010/main" xmlns="" w="9525">
                     <a:solidFill>
                       <a:srgbClr val="000000"/>
                     </a:solidFill>
@@ -9790,7 +9790,7 @@
               </a:ln>
               <a:extLst>
                 <a:ext uri="{91240B29-F687-4f45-9708-019B960494DF}">
-                  <a14:hiddenLine xmlns="" xmlns:a14="http://schemas.microsoft.com/office/drawing/2010/main" w="9525">
+                  <a14:hiddenLine xmlns:a14="http://schemas.microsoft.com/office/drawing/2010/main" xmlns="" w="9525">
                     <a:solidFill>
                       <a:srgbClr val="000000"/>
                     </a:solidFill>
@@ -9852,7 +9852,7 @@
               </a:ln>
               <a:extLst>
                 <a:ext uri="{91240B29-F687-4f45-9708-019B960494DF}">
-                  <a14:hiddenLine xmlns="" xmlns:a14="http://schemas.microsoft.com/office/drawing/2010/main" w="9525">
+                  <a14:hiddenLine xmlns:a14="http://schemas.microsoft.com/office/drawing/2010/main" xmlns="" w="9525">
                     <a:solidFill>
                       <a:srgbClr val="000000"/>
                     </a:solidFill>
@@ -9962,7 +9962,7 @@
               </a:ln>
               <a:extLst>
                 <a:ext uri="{91240B29-F687-4f45-9708-019B960494DF}">
-                  <a14:hiddenLine xmlns="" xmlns:a14="http://schemas.microsoft.com/office/drawing/2010/main" w="9525">
+                  <a14:hiddenLine xmlns:a14="http://schemas.microsoft.com/office/drawing/2010/main" xmlns="" w="9525">
                     <a:solidFill>
                       <a:srgbClr val="000000"/>
                     </a:solidFill>
@@ -10046,7 +10046,7 @@
               </a:ln>
               <a:extLst>
                 <a:ext uri="{91240B29-F687-4f45-9708-019B960494DF}">
-                  <a14:hiddenLine xmlns="" xmlns:a14="http://schemas.microsoft.com/office/drawing/2010/main" w="9525">
+                  <a14:hiddenLine xmlns:a14="http://schemas.microsoft.com/office/drawing/2010/main" xmlns="" w="9525">
                     <a:solidFill>
                       <a:srgbClr val="000000"/>
                     </a:solidFill>
@@ -10108,7 +10108,7 @@
               </a:ln>
               <a:extLst>
                 <a:ext uri="{91240B29-F687-4f45-9708-019B960494DF}">
-                  <a14:hiddenLine xmlns="" xmlns:a14="http://schemas.microsoft.com/office/drawing/2010/main" w="9525">
+                  <a14:hiddenLine xmlns:a14="http://schemas.microsoft.com/office/drawing/2010/main" xmlns="" w="9525">
                     <a:solidFill>
                       <a:srgbClr val="000000"/>
                     </a:solidFill>
@@ -10170,7 +10170,7 @@
               </a:ln>
               <a:extLst>
                 <a:ext uri="{91240B29-F687-4f45-9708-019B960494DF}">
-                  <a14:hiddenLine xmlns="" xmlns:a14="http://schemas.microsoft.com/office/drawing/2010/main" w="9525">
+                  <a14:hiddenLine xmlns:a14="http://schemas.microsoft.com/office/drawing/2010/main" xmlns="" w="9525">
                     <a:solidFill>
                       <a:srgbClr val="000000"/>
                     </a:solidFill>
@@ -10260,7 +10260,7 @@
               </a:ln>
               <a:extLst>
                 <a:ext uri="{91240B29-F687-4f45-9708-019B960494DF}">
-                  <a14:hiddenLine xmlns="" xmlns:a14="http://schemas.microsoft.com/office/drawing/2010/main" w="9525">
+                  <a14:hiddenLine xmlns:a14="http://schemas.microsoft.com/office/drawing/2010/main" xmlns="" w="9525">
                     <a:solidFill>
                       <a:srgbClr val="000000"/>
                     </a:solidFill>
@@ -10294,7 +10294,7 @@
               </a:ln>
               <a:extLst>
                 <a:ext uri="{91240B29-F687-4f45-9708-019B960494DF}">
-                  <a14:hiddenLine xmlns="" xmlns:a14="http://schemas.microsoft.com/office/drawing/2010/main" w="9525">
+                  <a14:hiddenLine xmlns:a14="http://schemas.microsoft.com/office/drawing/2010/main" xmlns="" w="9525">
                     <a:solidFill>
                       <a:srgbClr val="000000"/>
                     </a:solidFill>
@@ -10359,7 +10359,7 @@
               </a:ln>
               <a:extLst>
                 <a:ext uri="{91240B29-F687-4f45-9708-019B960494DF}">
-                  <a14:hiddenLine xmlns="" xmlns:a14="http://schemas.microsoft.com/office/drawing/2010/main" w="9525">
+                  <a14:hiddenLine xmlns:a14="http://schemas.microsoft.com/office/drawing/2010/main" xmlns="" w="9525">
                     <a:solidFill>
                       <a:srgbClr val="000000"/>
                     </a:solidFill>
@@ -10449,7 +10449,7 @@
               </a:ln>
               <a:extLst>
                 <a:ext uri="{91240B29-F687-4f45-9708-019B960494DF}">
-                  <a14:hiddenLine xmlns="" xmlns:a14="http://schemas.microsoft.com/office/drawing/2010/main" w="9525">
+                  <a14:hiddenLine xmlns:a14="http://schemas.microsoft.com/office/drawing/2010/main" xmlns="" w="9525">
                     <a:solidFill>
                       <a:srgbClr val="000000"/>
                     </a:solidFill>
@@ -10511,7 +10511,7 @@
               </a:ln>
               <a:extLst>
                 <a:ext uri="{91240B29-F687-4f45-9708-019B960494DF}">
-                  <a14:hiddenLine xmlns="" xmlns:a14="http://schemas.microsoft.com/office/drawing/2010/main" w="9525">
+                  <a14:hiddenLine xmlns:a14="http://schemas.microsoft.com/office/drawing/2010/main" xmlns="" w="9525">
                     <a:solidFill>
                       <a:srgbClr val="000000"/>
                     </a:solidFill>
@@ -10601,7 +10601,7 @@
               </a:ln>
               <a:extLst>
                 <a:ext uri="{91240B29-F687-4f45-9708-019B960494DF}">
-                  <a14:hiddenLine xmlns="" xmlns:a14="http://schemas.microsoft.com/office/drawing/2010/main" w="9525">
+                  <a14:hiddenLine xmlns:a14="http://schemas.microsoft.com/office/drawing/2010/main" xmlns="" w="9525">
                     <a:solidFill>
                       <a:srgbClr val="000000"/>
                     </a:solidFill>
@@ -10666,7 +10666,7 @@
               </a:ln>
               <a:extLst>
                 <a:ext uri="{91240B29-F687-4f45-9708-019B960494DF}">
-                  <a14:hiddenLine xmlns="" xmlns:a14="http://schemas.microsoft.com/office/drawing/2010/main" w="9525">
+                  <a14:hiddenLine xmlns:a14="http://schemas.microsoft.com/office/drawing/2010/main" xmlns="" w="9525">
                     <a:solidFill>
                       <a:srgbClr val="000000"/>
                     </a:solidFill>
@@ -10728,7 +10728,7 @@
               </a:ln>
               <a:extLst>
                 <a:ext uri="{91240B29-F687-4f45-9708-019B960494DF}">
-                  <a14:hiddenLine xmlns="" xmlns:a14="http://schemas.microsoft.com/office/drawing/2010/main" w="9525">
+                  <a14:hiddenLine xmlns:a14="http://schemas.microsoft.com/office/drawing/2010/main" xmlns="" w="9525">
                     <a:solidFill>
                       <a:srgbClr val="000000"/>
                     </a:solidFill>
@@ -10818,7 +10818,7 @@
               </a:ln>
               <a:extLst>
                 <a:ext uri="{91240B29-F687-4f45-9708-019B960494DF}">
-                  <a14:hiddenLine xmlns="" xmlns:a14="http://schemas.microsoft.com/office/drawing/2010/main" w="9525">
+                  <a14:hiddenLine xmlns:a14="http://schemas.microsoft.com/office/drawing/2010/main" xmlns="" w="9525">
                     <a:solidFill>
                       <a:srgbClr val="000000"/>
                     </a:solidFill>
@@ -10908,7 +10908,7 @@
               </a:ln>
               <a:extLst>
                 <a:ext uri="{91240B29-F687-4f45-9708-019B960494DF}">
-                  <a14:hiddenLine xmlns="" xmlns:a14="http://schemas.microsoft.com/office/drawing/2010/main" w="9525">
+                  <a14:hiddenLine xmlns:a14="http://schemas.microsoft.com/office/drawing/2010/main" xmlns="" w="9525">
                     <a:solidFill>
                       <a:srgbClr val="000000"/>
                     </a:solidFill>
@@ -10973,7 +10973,7 @@
               </a:ln>
               <a:extLst>
                 <a:ext uri="{91240B29-F687-4f45-9708-019B960494DF}">
-                  <a14:hiddenLine xmlns="" xmlns:a14="http://schemas.microsoft.com/office/drawing/2010/main" w="9525">
+                  <a14:hiddenLine xmlns:a14="http://schemas.microsoft.com/office/drawing/2010/main" xmlns="" w="9525">
                     <a:solidFill>
                       <a:srgbClr val="000000"/>
                     </a:solidFill>
@@ -11093,7 +11093,7 @@
               </a:ln>
               <a:extLst>
                 <a:ext uri="{91240B29-F687-4f45-9708-019B960494DF}">
-                  <a14:hiddenLine xmlns="" xmlns:a14="http://schemas.microsoft.com/office/drawing/2010/main" w="9525">
+                  <a14:hiddenLine xmlns:a14="http://schemas.microsoft.com/office/drawing/2010/main" xmlns="" w="9525">
                     <a:solidFill>
                       <a:srgbClr val="000000"/>
                     </a:solidFill>
@@ -11174,7 +11174,7 @@
               </a:ln>
               <a:extLst>
                 <a:ext uri="{91240B29-F687-4f45-9708-019B960494DF}">
-                  <a14:hiddenLine xmlns="" xmlns:a14="http://schemas.microsoft.com/office/drawing/2010/main" w="9525">
+                  <a14:hiddenLine xmlns:a14="http://schemas.microsoft.com/office/drawing/2010/main" xmlns="" w="9525">
                     <a:solidFill>
                       <a:srgbClr val="000000"/>
                     </a:solidFill>
@@ -11289,7 +11289,7 @@
               </a:ln>
               <a:extLst>
                 <a:ext uri="{91240B29-F687-4f45-9708-019B960494DF}">
-                  <a14:hiddenLine xmlns="" xmlns:a14="http://schemas.microsoft.com/office/drawing/2010/main" w="9525">
+                  <a14:hiddenLine xmlns:a14="http://schemas.microsoft.com/office/drawing/2010/main" xmlns="" w="9525">
                     <a:solidFill>
                       <a:srgbClr val="000000"/>
                     </a:solidFill>
@@ -11379,7 +11379,7 @@
               </a:ln>
               <a:extLst>
                 <a:ext uri="{91240B29-F687-4f45-9708-019B960494DF}">
-                  <a14:hiddenLine xmlns="" xmlns:a14="http://schemas.microsoft.com/office/drawing/2010/main" w="9525">
+                  <a14:hiddenLine xmlns:a14="http://schemas.microsoft.com/office/drawing/2010/main" xmlns="" w="9525">
                     <a:solidFill>
                       <a:srgbClr val="000000"/>
                     </a:solidFill>
@@ -11444,7 +11444,7 @@
               </a:ln>
               <a:extLst>
                 <a:ext uri="{91240B29-F687-4f45-9708-019B960494DF}">
-                  <a14:hiddenLine xmlns="" xmlns:a14="http://schemas.microsoft.com/office/drawing/2010/main" w="9525">
+                  <a14:hiddenLine xmlns:a14="http://schemas.microsoft.com/office/drawing/2010/main" xmlns="" w="9525">
                     <a:solidFill>
                       <a:srgbClr val="000000"/>
                     </a:solidFill>
@@ -11534,7 +11534,7 @@
               </a:ln>
               <a:extLst>
                 <a:ext uri="{91240B29-F687-4f45-9708-019B960494DF}">
-                  <a14:hiddenLine xmlns="" xmlns:a14="http://schemas.microsoft.com/office/drawing/2010/main" w="9525">
+                  <a14:hiddenLine xmlns:a14="http://schemas.microsoft.com/office/drawing/2010/main" xmlns="" w="9525">
                     <a:solidFill>
                       <a:srgbClr val="000000"/>
                     </a:solidFill>
@@ -11602,7 +11602,7 @@
               </a:ln>
               <a:extLst>
                 <a:ext uri="{91240B29-F687-4f45-9708-019B960494DF}">
-                  <a14:hiddenLine xmlns="" xmlns:a14="http://schemas.microsoft.com/office/drawing/2010/main" w="9525">
+                  <a14:hiddenLine xmlns:a14="http://schemas.microsoft.com/office/drawing/2010/main" xmlns="" w="9525">
                     <a:solidFill>
                       <a:srgbClr val="000000"/>
                     </a:solidFill>
@@ -11692,7 +11692,7 @@
               </a:ln>
               <a:extLst>
                 <a:ext uri="{91240B29-F687-4f45-9708-019B960494DF}">
-                  <a14:hiddenLine xmlns="" xmlns:a14="http://schemas.microsoft.com/office/drawing/2010/main" w="9525">
+                  <a14:hiddenLine xmlns:a14="http://schemas.microsoft.com/office/drawing/2010/main" xmlns="" w="9525">
                     <a:solidFill>
                       <a:srgbClr val="000000"/>
                     </a:solidFill>
@@ -11760,7 +11760,7 @@
               </a:ln>
               <a:extLst>
                 <a:ext uri="{91240B29-F687-4f45-9708-019B960494DF}">
-                  <a14:hiddenLine xmlns="" xmlns:a14="http://schemas.microsoft.com/office/drawing/2010/main" w="9525">
+                  <a14:hiddenLine xmlns:a14="http://schemas.microsoft.com/office/drawing/2010/main" xmlns="" w="9525">
                     <a:solidFill>
                       <a:srgbClr val="000000"/>
                     </a:solidFill>
@@ -11850,7 +11850,7 @@
               </a:ln>
               <a:extLst>
                 <a:ext uri="{91240B29-F687-4f45-9708-019B960494DF}">
-                  <a14:hiddenLine xmlns="" xmlns:a14="http://schemas.microsoft.com/office/drawing/2010/main" w="9525">
+                  <a14:hiddenLine xmlns:a14="http://schemas.microsoft.com/office/drawing/2010/main" xmlns="" w="9525">
                     <a:solidFill>
                       <a:srgbClr val="000000"/>
                     </a:solidFill>
@@ -11884,7 +11884,7 @@
               </a:ln>
               <a:extLst>
                 <a:ext uri="{91240B29-F687-4f45-9708-019B960494DF}">
-                  <a14:hiddenLine xmlns="" xmlns:a14="http://schemas.microsoft.com/office/drawing/2010/main" w="9525">
+                  <a14:hiddenLine xmlns:a14="http://schemas.microsoft.com/office/drawing/2010/main" xmlns="" w="9525">
                     <a:solidFill>
                       <a:srgbClr val="000000"/>
                     </a:solidFill>
@@ -12111,29 +12111,29 @@
     </p:spTree>
     <p:extLst>
       <p:ext uri="{BB962C8B-B14F-4D97-AF65-F5344CB8AC3E}">
-        <p14:creationId xmlns:p14="http://schemas.microsoft.com/office/powerpoint/2010/main" val="4016211847"/>
+        <p14:creationId xmlns:p14="http://schemas.microsoft.com/office/powerpoint/2010/main" val="2475553001"/>
       </p:ext>
     </p:extLst>
   </p:cSld>
   <p:clrMap bg1="dk1" tx1="lt1" bg2="dk2" tx2="lt2" accent1="accent1" accent2="accent2" accent3="accent3" accent4="accent4" accent5="accent5" accent6="accent6" hlink="hlink" folHlink="folHlink"/>
   <p:sldLayoutIdLst>
-    <p:sldLayoutId id="2147483827" r:id="rId1"/>
-    <p:sldLayoutId id="2147483828" r:id="rId2"/>
-    <p:sldLayoutId id="2147483829" r:id="rId3"/>
-    <p:sldLayoutId id="2147483830" r:id="rId4"/>
-    <p:sldLayoutId id="2147483831" r:id="rId5"/>
-    <p:sldLayoutId id="2147483832" r:id="rId6"/>
-    <p:sldLayoutId id="2147483833" r:id="rId7"/>
-    <p:sldLayoutId id="2147483834" r:id="rId8"/>
-    <p:sldLayoutId id="2147483835" r:id="rId9"/>
-    <p:sldLayoutId id="2147483836" r:id="rId10"/>
-    <p:sldLayoutId id="2147483837" r:id="rId11"/>
-    <p:sldLayoutId id="2147483838" r:id="rId12"/>
-    <p:sldLayoutId id="2147483839" r:id="rId13"/>
-    <p:sldLayoutId id="2147483840" r:id="rId14"/>
-    <p:sldLayoutId id="2147483841" r:id="rId15"/>
-    <p:sldLayoutId id="2147483842" r:id="rId16"/>
-    <p:sldLayoutId id="2147483843" r:id="rId17"/>
+    <p:sldLayoutId id="2147483899" r:id="rId1"/>
+    <p:sldLayoutId id="2147483900" r:id="rId2"/>
+    <p:sldLayoutId id="2147483901" r:id="rId3"/>
+    <p:sldLayoutId id="2147483902" r:id="rId4"/>
+    <p:sldLayoutId id="2147483903" r:id="rId5"/>
+    <p:sldLayoutId id="2147483904" r:id="rId6"/>
+    <p:sldLayoutId id="2147483905" r:id="rId7"/>
+    <p:sldLayoutId id="2147483906" r:id="rId8"/>
+    <p:sldLayoutId id="2147483907" r:id="rId9"/>
+    <p:sldLayoutId id="2147483908" r:id="rId10"/>
+    <p:sldLayoutId id="2147483909" r:id="rId11"/>
+    <p:sldLayoutId id="2147483910" r:id="rId12"/>
+    <p:sldLayoutId id="2147483911" r:id="rId13"/>
+    <p:sldLayoutId id="2147483912" r:id="rId14"/>
+    <p:sldLayoutId id="2147483913" r:id="rId15"/>
+    <p:sldLayoutId id="2147483914" r:id="rId16"/>
+    <p:sldLayoutId id="2147483915" r:id="rId17"/>
   </p:sldLayoutIdLst>
   <p:txStyles>
     <p:titleStyle>
@@ -12449,7 +12449,7 @@
           <p:cNvPr id="4" name="TextBox 3">
             <a:extLst>
               <a:ext uri="{FF2B5EF4-FFF2-40B4-BE49-F238E27FC236}">
-                <a16:creationId xmlns:a16="http://schemas.microsoft.com/office/drawing/2014/main" id="{B402DE28-1073-42A2-9D05-3FDAECED9A25}"/>
+                <a16:creationId xmlns:a16="http://schemas.microsoft.com/office/drawing/2014/main" id="{FB6F6D85-918A-4B7B-825D-83511722034B}"/>
               </a:ext>
             </a:extLst>
           </p:cNvPr>
@@ -12458,8 +12458,8 @@
         </p:nvSpPr>
         <p:spPr>
           <a:xfrm>
-            <a:off x="3578471" y="3247142"/>
-            <a:ext cx="4879731" cy="830997"/>
+            <a:off x="409575" y="161925"/>
+            <a:ext cx="11389702" cy="523220"/>
           </a:xfrm>
           <a:prstGeom prst="rect">
             <a:avLst/>
@@ -12474,389 +12474,206 @@
           <a:p>
             <a:pPr algn="ctr"/>
             <a:r>
-              <a:rPr lang="en-US" sz="2400" dirty="0"/>
-              <a:t>SCHOOL RFID ATTENDANCE SYSTEM INTERFACE</a:t>
+              <a:rPr lang="en-US" sz="2800" dirty="0">
+                <a:solidFill>
+                  <a:srgbClr val="FFFF00"/>
+                </a:solidFill>
+              </a:rPr>
+              <a:t>LOGIN INTERFACE</a:t>
             </a:r>
-            <a:endParaRPr lang="en-MY" sz="2400" dirty="0"/>
-          </a:p>
-        </p:txBody>
-      </p:sp>
-      <p:cxnSp>
-        <p:nvCxnSpPr>
-          <p:cNvPr id="6" name="Straight Arrow Connector 5">
+            <a:endParaRPr lang="en-MY" sz="2800" dirty="0">
+              <a:solidFill>
+                <a:srgbClr val="FFFF00"/>
+              </a:solidFill>
+            </a:endParaRPr>
+          </a:p>
+        </p:txBody>
+      </p:sp>
+      <p:sp>
+        <p:nvSpPr>
+          <p:cNvPr id="6" name="TextBox 5">
+            <a:hlinkClick r:id="rId2" action="ppaction://hlinksldjump"/>
             <a:extLst>
               <a:ext uri="{FF2B5EF4-FFF2-40B4-BE49-F238E27FC236}">
-                <a16:creationId xmlns:a16="http://schemas.microsoft.com/office/drawing/2014/main" id="{53DC9D33-20E0-42C9-BE62-0A41EB046A6E}"/>
+                <a16:creationId xmlns:a16="http://schemas.microsoft.com/office/drawing/2014/main" id="{B0D135D4-AA62-4A17-8AC2-3B8C7508B024}"/>
               </a:ext>
             </a:extLst>
           </p:cNvPr>
-          <p:cNvCxnSpPr>
-            <a:cxnSpLocks/>
-          </p:cNvCxnSpPr>
+          <p:cNvSpPr txBox="1"/>
           <p:nvPr/>
-        </p:nvCxnSpPr>
+        </p:nvSpPr>
         <p:spPr>
-          <a:xfrm flipV="1">
-            <a:off x="7894025" y="2488223"/>
-            <a:ext cx="341437" cy="587969"/>
+          <a:xfrm>
+            <a:off x="4839799" y="3727938"/>
+            <a:ext cx="2512402" cy="219809"/>
           </a:xfrm>
-          <a:prstGeom prst="straightConnector1">
+          <a:prstGeom prst="rect">
             <a:avLst/>
           </a:prstGeom>
-          <a:ln>
-            <a:tailEnd type="triangle"/>
-          </a:ln>
+          <a:noFill/>
         </p:spPr>
-        <p:style>
-          <a:lnRef idx="1">
-            <a:schemeClr val="accent1"/>
-          </a:lnRef>
-          <a:fillRef idx="0">
-            <a:schemeClr val="accent1"/>
-          </a:fillRef>
-          <a:effectRef idx="0">
-            <a:schemeClr val="accent1"/>
-          </a:effectRef>
-          <a:fontRef idx="minor">
-            <a:schemeClr val="tx1"/>
-          </a:fontRef>
-        </p:style>
-      </p:cxnSp>
-      <p:cxnSp>
-        <p:nvCxnSpPr>
-          <p:cNvPr id="8" name="Straight Arrow Connector 7">
+        <p:txBody>
+          <a:bodyPr wrap="square" rtlCol="0">
+            <a:spAutoFit/>
+          </a:bodyPr>
+          <a:lstStyle/>
+          <a:p>
+            <a:endParaRPr lang="en-MY" dirty="0"/>
+          </a:p>
+        </p:txBody>
+      </p:sp>
+      <p:sp>
+        <p:nvSpPr>
+          <p:cNvPr id="7" name="TextBox 6">
+            <a:hlinkClick r:id="rId3" action="ppaction://hlinksldjump"/>
             <a:extLst>
               <a:ext uri="{FF2B5EF4-FFF2-40B4-BE49-F238E27FC236}">
-                <a16:creationId xmlns:a16="http://schemas.microsoft.com/office/drawing/2014/main" id="{6C58661A-E4F6-4F62-9F45-9AA21A0884EF}"/>
+                <a16:creationId xmlns:a16="http://schemas.microsoft.com/office/drawing/2014/main" id="{A74703C7-A4FD-42B2-9FD0-4999418DD1D2}"/>
               </a:ext>
             </a:extLst>
           </p:cNvPr>
-          <p:cNvCxnSpPr>
-            <a:cxnSpLocks/>
-          </p:cNvCxnSpPr>
+          <p:cNvSpPr txBox="1"/>
           <p:nvPr/>
-        </p:nvCxnSpPr>
+        </p:nvSpPr>
         <p:spPr>
           <a:xfrm>
-            <a:off x="8524902" y="3842112"/>
-            <a:ext cx="705139" cy="351782"/>
+            <a:off x="5470645" y="3947747"/>
+            <a:ext cx="1222131" cy="219809"/>
           </a:xfrm>
-          <a:prstGeom prst="straightConnector1">
+          <a:prstGeom prst="rect">
             <a:avLst/>
           </a:prstGeom>
-          <a:ln>
-            <a:tailEnd type="triangle"/>
-          </a:ln>
+          <a:noFill/>
         </p:spPr>
-        <p:style>
-          <a:lnRef idx="1">
-            <a:schemeClr val="accent1"/>
-          </a:lnRef>
-          <a:fillRef idx="0">
-            <a:schemeClr val="accent1"/>
-          </a:fillRef>
-          <a:effectRef idx="0">
-            <a:schemeClr val="accent1"/>
-          </a:effectRef>
-          <a:fontRef idx="minor">
-            <a:schemeClr val="tx1"/>
-          </a:fontRef>
-        </p:style>
-      </p:cxnSp>
-      <p:cxnSp>
-        <p:nvCxnSpPr>
-          <p:cNvPr id="11" name="Straight Arrow Connector 10">
+        <p:txBody>
+          <a:bodyPr wrap="square" rtlCol="0">
+            <a:spAutoFit/>
+          </a:bodyPr>
+          <a:lstStyle/>
+          <a:p>
+            <a:endParaRPr lang="en-MY" dirty="0"/>
+          </a:p>
+        </p:txBody>
+      </p:sp>
+      <p:sp>
+        <p:nvSpPr>
+          <p:cNvPr id="10" name="TextBox 9">
             <a:extLst>
               <a:ext uri="{FF2B5EF4-FFF2-40B4-BE49-F238E27FC236}">
-                <a16:creationId xmlns:a16="http://schemas.microsoft.com/office/drawing/2014/main" id="{C1BC96AF-866E-4492-9201-38937749FA7A}"/>
+                <a16:creationId xmlns:a16="http://schemas.microsoft.com/office/drawing/2014/main" id="{6074F10B-8A2F-490B-A104-3640AB3956D0}"/>
               </a:ext>
             </a:extLst>
           </p:cNvPr>
-          <p:cNvCxnSpPr>
-            <a:cxnSpLocks/>
-          </p:cNvCxnSpPr>
+          <p:cNvSpPr txBox="1"/>
           <p:nvPr/>
-        </p:nvCxnSpPr>
+        </p:nvSpPr>
         <p:spPr>
-          <a:xfrm flipV="1">
-            <a:off x="6881440" y="2368410"/>
-            <a:ext cx="0" cy="738555"/>
+          <a:xfrm>
+            <a:off x="2302483" y="3732281"/>
+            <a:ext cx="2180493" cy="369332"/>
           </a:xfrm>
-          <a:prstGeom prst="straightConnector1">
+          <a:prstGeom prst="rect">
             <a:avLst/>
           </a:prstGeom>
-          <a:ln>
-            <a:tailEnd type="triangle"/>
-          </a:ln>
+          <a:noFill/>
         </p:spPr>
-        <p:style>
-          <a:lnRef idx="1">
-            <a:schemeClr val="accent1"/>
-          </a:lnRef>
-          <a:fillRef idx="0">
-            <a:schemeClr val="accent1"/>
-          </a:fillRef>
-          <a:effectRef idx="0">
-            <a:schemeClr val="accent1"/>
-          </a:effectRef>
-          <a:fontRef idx="minor">
-            <a:schemeClr val="tx1"/>
-          </a:fontRef>
-        </p:style>
-      </p:cxnSp>
-      <p:cxnSp>
-        <p:nvCxnSpPr>
-          <p:cNvPr id="18" name="Straight Arrow Connector 17">
+        <p:txBody>
+          <a:bodyPr wrap="square" rtlCol="0">
+            <a:spAutoFit/>
+          </a:bodyPr>
+          <a:lstStyle/>
+          <a:p>
+            <a:endParaRPr lang="en-MY" dirty="0"/>
+          </a:p>
+        </p:txBody>
+      </p:sp>
+      <p:sp>
+        <p:nvSpPr>
+          <p:cNvPr id="12" name="TextBox 11">
             <a:extLst>
               <a:ext uri="{FF2B5EF4-FFF2-40B4-BE49-F238E27FC236}">
-                <a16:creationId xmlns:a16="http://schemas.microsoft.com/office/drawing/2014/main" id="{1AE19CE4-D1AB-4E43-B0FE-EF4F5DBDE002}"/>
+                <a16:creationId xmlns:a16="http://schemas.microsoft.com/office/drawing/2014/main" id="{6799A628-455E-42C5-9338-EE7709496E0E}"/>
               </a:ext>
             </a:extLst>
           </p:cNvPr>
-          <p:cNvCxnSpPr>
-            <a:cxnSpLocks/>
-          </p:cNvCxnSpPr>
+          <p:cNvSpPr txBox="1"/>
           <p:nvPr/>
-        </p:nvCxnSpPr>
+        </p:nvSpPr>
         <p:spPr>
-          <a:xfrm flipH="1" flipV="1">
-            <a:off x="3862750" y="2495898"/>
-            <a:ext cx="348765" cy="580294"/>
+          <a:xfrm>
+            <a:off x="7709023" y="3358606"/>
+            <a:ext cx="1725122" cy="369332"/>
           </a:xfrm>
-          <a:prstGeom prst="straightConnector1">
+          <a:prstGeom prst="rect">
             <a:avLst/>
           </a:prstGeom>
-          <a:ln>
-            <a:tailEnd type="triangle"/>
-          </a:ln>
+          <a:noFill/>
         </p:spPr>
-        <p:style>
-          <a:lnRef idx="1">
-            <a:schemeClr val="accent1"/>
-          </a:lnRef>
-          <a:fillRef idx="0">
-            <a:schemeClr val="accent1"/>
-          </a:fillRef>
-          <a:effectRef idx="0">
-            <a:schemeClr val="accent1"/>
-          </a:effectRef>
-          <a:fontRef idx="minor">
-            <a:schemeClr val="tx1"/>
-          </a:fontRef>
-        </p:style>
-      </p:cxnSp>
-      <p:cxnSp>
-        <p:nvCxnSpPr>
-          <p:cNvPr id="21" name="Straight Arrow Connector 20">
+        <p:txBody>
+          <a:bodyPr wrap="square" rtlCol="0">
+            <a:spAutoFit/>
+          </a:bodyPr>
+          <a:lstStyle/>
+          <a:p>
+            <a:pPr algn="ctr"/>
+            <a:r>
+              <a:rPr lang="en-US" dirty="0">
+                <a:solidFill>
+                  <a:srgbClr val="FFFF00"/>
+                </a:solidFill>
+              </a:rPr>
+              <a:t>Login as Teacher</a:t>
+            </a:r>
+          </a:p>
+        </p:txBody>
+      </p:sp>
+      <p:sp>
+        <p:nvSpPr>
+          <p:cNvPr id="14" name="TextBox 13">
             <a:extLst>
               <a:ext uri="{FF2B5EF4-FFF2-40B4-BE49-F238E27FC236}">
-                <a16:creationId xmlns:a16="http://schemas.microsoft.com/office/drawing/2014/main" id="{ADBE6EA0-9595-40A9-AF0A-14137ECD8F6B}"/>
+                <a16:creationId xmlns:a16="http://schemas.microsoft.com/office/drawing/2014/main" id="{2F1CE3F8-468B-479B-B08C-7EB5F5FD1E2E}"/>
               </a:ext>
             </a:extLst>
           </p:cNvPr>
-          <p:cNvCxnSpPr>
-            <a:cxnSpLocks/>
-          </p:cNvCxnSpPr>
+          <p:cNvSpPr txBox="1"/>
           <p:nvPr/>
-        </p:nvCxnSpPr>
+        </p:nvSpPr>
         <p:spPr>
           <a:xfrm>
-            <a:off x="4605902" y="4135570"/>
-            <a:ext cx="0" cy="563304"/>
+            <a:off x="2904387" y="3358606"/>
+            <a:ext cx="1578589" cy="369332"/>
           </a:xfrm>
-          <a:prstGeom prst="straightConnector1">
+          <a:prstGeom prst="rect">
             <a:avLst/>
           </a:prstGeom>
-          <a:ln>
-            <a:tailEnd type="triangle"/>
-          </a:ln>
+          <a:noFill/>
         </p:spPr>
-        <p:style>
-          <a:lnRef idx="1">
-            <a:schemeClr val="accent1"/>
-          </a:lnRef>
-          <a:fillRef idx="0">
-            <a:schemeClr val="accent1"/>
-          </a:fillRef>
-          <a:effectRef idx="0">
-            <a:schemeClr val="accent1"/>
-          </a:effectRef>
-          <a:fontRef idx="minor">
-            <a:schemeClr val="tx1"/>
-          </a:fontRef>
-        </p:style>
-      </p:cxnSp>
-      <p:cxnSp>
-        <p:nvCxnSpPr>
-          <p:cNvPr id="22" name="Straight Arrow Connector 21">
+        <p:txBody>
+          <a:bodyPr wrap="square" rtlCol="0">
+            <a:spAutoFit/>
+          </a:bodyPr>
+          <a:lstStyle/>
+          <a:p>
+            <a:pPr algn="ctr"/>
+            <a:r>
+              <a:rPr lang="en-US" dirty="0">
+                <a:solidFill>
+                  <a:srgbClr val="FFFF00"/>
+                </a:solidFill>
+              </a:rPr>
+              <a:t>Login as Admin</a:t>
+            </a:r>
+          </a:p>
+        </p:txBody>
+      </p:sp>
+      <p:sp>
+        <p:nvSpPr>
+          <p:cNvPr id="17" name="Rectangle: Rounded Corners 16">
+            <a:hlinkClick r:id="rId4" action="ppaction://hlinksldjump"/>
             <a:extLst>
               <a:ext uri="{FF2B5EF4-FFF2-40B4-BE49-F238E27FC236}">
-                <a16:creationId xmlns:a16="http://schemas.microsoft.com/office/drawing/2014/main" id="{09B183DF-EC6A-400A-8B5D-B157074548FF}"/>
-              </a:ext>
-            </a:extLst>
-          </p:cNvPr>
-          <p:cNvCxnSpPr>
-            <a:cxnSpLocks/>
-          </p:cNvCxnSpPr>
-          <p:nvPr/>
-        </p:nvCxnSpPr>
-        <p:spPr>
-          <a:xfrm flipH="1">
-            <a:off x="2994195" y="3842112"/>
-            <a:ext cx="617973" cy="293458"/>
-          </a:xfrm>
-          <a:prstGeom prst="straightConnector1">
-            <a:avLst/>
-          </a:prstGeom>
-          <a:ln>
-            <a:tailEnd type="triangle"/>
-          </a:ln>
-        </p:spPr>
-        <p:style>
-          <a:lnRef idx="1">
-            <a:schemeClr val="accent1"/>
-          </a:lnRef>
-          <a:fillRef idx="0">
-            <a:schemeClr val="accent1"/>
-          </a:fillRef>
-          <a:effectRef idx="0">
-            <a:schemeClr val="accent1"/>
-          </a:effectRef>
-          <a:fontRef idx="minor">
-            <a:schemeClr val="tx1"/>
-          </a:fontRef>
-        </p:style>
-      </p:cxnSp>
-      <p:cxnSp>
-        <p:nvCxnSpPr>
-          <p:cNvPr id="25" name="Straight Arrow Connector 24">
-            <a:extLst>
-              <a:ext uri="{FF2B5EF4-FFF2-40B4-BE49-F238E27FC236}">
-                <a16:creationId xmlns:a16="http://schemas.microsoft.com/office/drawing/2014/main" id="{B1A2B0CF-0EF2-4339-9049-B9F0657B185E}"/>
-              </a:ext>
-            </a:extLst>
-          </p:cNvPr>
-          <p:cNvCxnSpPr>
-            <a:cxnSpLocks/>
-          </p:cNvCxnSpPr>
-          <p:nvPr/>
-        </p:nvCxnSpPr>
-        <p:spPr>
-          <a:xfrm flipV="1">
-            <a:off x="5037985" y="2407976"/>
-            <a:ext cx="0" cy="738555"/>
-          </a:xfrm>
-          <a:prstGeom prst="straightConnector1">
-            <a:avLst/>
-          </a:prstGeom>
-          <a:ln>
-            <a:tailEnd type="triangle"/>
-          </a:ln>
-        </p:spPr>
-        <p:style>
-          <a:lnRef idx="1">
-            <a:schemeClr val="accent1"/>
-          </a:lnRef>
-          <a:fillRef idx="0">
-            <a:schemeClr val="accent1"/>
-          </a:fillRef>
-          <a:effectRef idx="0">
-            <a:schemeClr val="accent1"/>
-          </a:effectRef>
-          <a:fontRef idx="minor">
-            <a:schemeClr val="tx1"/>
-          </a:fontRef>
-        </p:style>
-      </p:cxnSp>
-      <p:cxnSp>
-        <p:nvCxnSpPr>
-          <p:cNvPr id="26" name="Straight Arrow Connector 25">
-            <a:extLst>
-              <a:ext uri="{FF2B5EF4-FFF2-40B4-BE49-F238E27FC236}">
-                <a16:creationId xmlns:a16="http://schemas.microsoft.com/office/drawing/2014/main" id="{43D09053-EBFF-4C35-AB9A-ADA4FD0F083C}"/>
-              </a:ext>
-            </a:extLst>
-          </p:cNvPr>
-          <p:cNvCxnSpPr>
-            <a:cxnSpLocks/>
-          </p:cNvCxnSpPr>
-          <p:nvPr/>
-        </p:nvCxnSpPr>
-        <p:spPr>
-          <a:xfrm>
-            <a:off x="8613528" y="3449569"/>
-            <a:ext cx="732695" cy="0"/>
-          </a:xfrm>
-          <a:prstGeom prst="straightConnector1">
-            <a:avLst/>
-          </a:prstGeom>
-          <a:ln>
-            <a:tailEnd type="triangle"/>
-          </a:ln>
-        </p:spPr>
-        <p:style>
-          <a:lnRef idx="1">
-            <a:schemeClr val="accent1"/>
-          </a:lnRef>
-          <a:fillRef idx="0">
-            <a:schemeClr val="accent1"/>
-          </a:fillRef>
-          <a:effectRef idx="0">
-            <a:schemeClr val="accent1"/>
-          </a:effectRef>
-          <a:fontRef idx="minor">
-            <a:schemeClr val="tx1"/>
-          </a:fontRef>
-        </p:style>
-      </p:cxnSp>
-      <p:cxnSp>
-        <p:nvCxnSpPr>
-          <p:cNvPr id="28" name="Straight Arrow Connector 27">
-            <a:extLst>
-              <a:ext uri="{FF2B5EF4-FFF2-40B4-BE49-F238E27FC236}">
-                <a16:creationId xmlns:a16="http://schemas.microsoft.com/office/drawing/2014/main" id="{4EA1F2F0-1F0D-4449-BA98-EEC00466FD19}"/>
-              </a:ext>
-            </a:extLst>
-          </p:cNvPr>
-          <p:cNvCxnSpPr>
-            <a:cxnSpLocks/>
-          </p:cNvCxnSpPr>
-          <p:nvPr/>
-        </p:nvCxnSpPr>
-        <p:spPr>
-          <a:xfrm flipH="1">
-            <a:off x="2898535" y="3452499"/>
-            <a:ext cx="679936" cy="11696"/>
-          </a:xfrm>
-          <a:prstGeom prst="straightConnector1">
-            <a:avLst/>
-          </a:prstGeom>
-          <a:ln>
-            <a:tailEnd type="triangle"/>
-          </a:ln>
-        </p:spPr>
-        <p:style>
-          <a:lnRef idx="1">
-            <a:schemeClr val="accent1"/>
-          </a:lnRef>
-          <a:fillRef idx="0">
-            <a:schemeClr val="accent1"/>
-          </a:fillRef>
-          <a:effectRef idx="0">
-            <a:schemeClr val="accent1"/>
-          </a:effectRef>
-          <a:fontRef idx="minor">
-            <a:schemeClr val="tx1"/>
-          </a:fontRef>
-        </p:style>
-      </p:cxnSp>
-      <p:sp>
-        <p:nvSpPr>
-          <p:cNvPr id="30" name="Action Button: Blank 29">
-            <a:hlinkClick r:id="rId2" action="ppaction://hlinksldjump" highlightClick="1"/>
-            <a:extLst>
-              <a:ext uri="{FF2B5EF4-FFF2-40B4-BE49-F238E27FC236}">
-                <a16:creationId xmlns:a16="http://schemas.microsoft.com/office/drawing/2014/main" id="{63E1B8DF-FF7A-4643-8796-DA47B5247D70}"/>
+                <a16:creationId xmlns:a16="http://schemas.microsoft.com/office/drawing/2014/main" id="{009ADF53-DE78-40CB-A529-169B9D72BA5A}"/>
               </a:ext>
             </a:extLst>
           </p:cNvPr>
@@ -12865,12 +12682,24 @@
         </p:nvSpPr>
         <p:spPr>
           <a:xfrm>
-            <a:off x="2428140" y="1941778"/>
-            <a:ext cx="1608992" cy="404854"/>
+            <a:off x="8033742" y="3741126"/>
+            <a:ext cx="1075683" cy="351641"/>
           </a:xfrm>
-          <a:prstGeom prst="actionButtonBlank">
+          <a:prstGeom prst="roundRect">
             <a:avLst/>
           </a:prstGeom>
+          <a:solidFill>
+            <a:schemeClr val="tx1">
+              <a:lumMod val="85000"/>
+            </a:schemeClr>
+          </a:solidFill>
+          <a:ln>
+            <a:solidFill>
+              <a:schemeClr val="tx1">
+                <a:lumMod val="95000"/>
+              </a:schemeClr>
+            </a:solidFill>
+          </a:ln>
         </p:spPr>
         <p:style>
           <a:lnRef idx="2">
@@ -12894,20 +12723,28 @@
           <a:p>
             <a:pPr algn="ctr"/>
             <a:r>
-              <a:rPr lang="en-US" dirty="0"/>
-              <a:t>LOGIN </a:t>
+              <a:rPr lang="en-US" sz="1200" dirty="0">
+                <a:solidFill>
+                  <a:schemeClr val="bg1"/>
+                </a:solidFill>
+              </a:rPr>
+              <a:t>CLICK HERE</a:t>
             </a:r>
-            <a:endParaRPr lang="en-MY" dirty="0"/>
-          </a:p>
-        </p:txBody>
-      </p:sp>
-      <p:sp>
-        <p:nvSpPr>
-          <p:cNvPr id="32" name="Action Button: Blank 31">
-            <a:hlinkClick r:id="rId3" action="ppaction://hlinksldjump" highlightClick="1"/>
+            <a:endParaRPr lang="en-MY" sz="1200" dirty="0">
+              <a:solidFill>
+                <a:schemeClr val="bg1"/>
+              </a:solidFill>
+            </a:endParaRPr>
+          </a:p>
+        </p:txBody>
+      </p:sp>
+      <p:sp>
+        <p:nvSpPr>
+          <p:cNvPr id="19" name="Rectangle: Rounded Corners 18">
+            <a:hlinkClick r:id="rId2" action="ppaction://hlinksldjump"/>
             <a:extLst>
               <a:ext uri="{FF2B5EF4-FFF2-40B4-BE49-F238E27FC236}">
-                <a16:creationId xmlns:a16="http://schemas.microsoft.com/office/drawing/2014/main" id="{588DEDFB-5FA9-4477-9AAB-B4EF0DF57B2B}"/>
+                <a16:creationId xmlns:a16="http://schemas.microsoft.com/office/drawing/2014/main" id="{626AAC78-BAA1-461C-96FE-35C35B010EF3}"/>
               </a:ext>
             </a:extLst>
           </p:cNvPr>
@@ -12916,12 +12753,24 @@
         </p:nvSpPr>
         <p:spPr>
           <a:xfrm>
-            <a:off x="4233489" y="1779782"/>
-            <a:ext cx="1608992" cy="404854"/>
+            <a:off x="3155839" y="3741126"/>
+            <a:ext cx="1075683" cy="351641"/>
           </a:xfrm>
-          <a:prstGeom prst="actionButtonBlank">
+          <a:prstGeom prst="roundRect">
             <a:avLst/>
           </a:prstGeom>
+          <a:solidFill>
+            <a:schemeClr val="tx1">
+              <a:lumMod val="95000"/>
+            </a:schemeClr>
+          </a:solidFill>
+          <a:ln>
+            <a:solidFill>
+              <a:schemeClr val="tx1">
+                <a:lumMod val="95000"/>
+              </a:schemeClr>
+            </a:solidFill>
+          </a:ln>
         </p:spPr>
         <p:style>
           <a:lnRef idx="2">
@@ -12945,661 +12794,132 @@
           <a:p>
             <a:pPr algn="ctr"/>
             <a:r>
-              <a:rPr lang="en-US" dirty="0"/>
-              <a:t>REGISTER </a:t>
+              <a:rPr lang="en-US" sz="1200" dirty="0">
+                <a:solidFill>
+                  <a:schemeClr val="bg1"/>
+                </a:solidFill>
+              </a:rPr>
+              <a:t>CLICK HERE</a:t>
             </a:r>
-            <a:endParaRPr lang="en-MY" dirty="0"/>
-          </a:p>
-        </p:txBody>
-      </p:sp>
-      <p:sp>
-        <p:nvSpPr>
-          <p:cNvPr id="34" name="Action Button: Blank 33">
-            <a:hlinkClick r:id="rId4" action="ppaction://hlinksldjump" highlightClick="1"/>
+            <a:endParaRPr lang="en-MY" sz="1200" dirty="0">
+              <a:solidFill>
+                <a:schemeClr val="bg1"/>
+              </a:solidFill>
+            </a:endParaRPr>
+          </a:p>
+        </p:txBody>
+      </p:sp>
+      <p:pic>
+        <p:nvPicPr>
+          <p:cNvPr id="3" name="Picture 2">
             <a:extLst>
               <a:ext uri="{FF2B5EF4-FFF2-40B4-BE49-F238E27FC236}">
-                <a16:creationId xmlns:a16="http://schemas.microsoft.com/office/drawing/2014/main" id="{80B175FD-2777-4EBB-A5C4-E4958637AD6C}"/>
+                <a16:creationId xmlns:a16="http://schemas.microsoft.com/office/drawing/2014/main" id="{AAB100D8-ACAF-4D97-85E1-FC8495AD795A}"/>
               </a:ext>
             </a:extLst>
           </p:cNvPr>
-          <p:cNvSpPr/>
+          <p:cNvPicPr>
+            <a:picLocks noChangeAspect="1"/>
+          </p:cNvPicPr>
           <p:nvPr/>
-        </p:nvSpPr>
+        </p:nvPicPr>
+        <p:blipFill>
+          <a:blip r:embed="rId5"/>
+          <a:stretch>
+            <a:fillRect/>
+          </a:stretch>
+        </p:blipFill>
         <p:spPr>
           <a:xfrm>
-            <a:off x="6076944" y="1779782"/>
-            <a:ext cx="1608992" cy="404854"/>
+            <a:off x="4686416" y="1019552"/>
+            <a:ext cx="2836020" cy="5047440"/>
           </a:xfrm>
-          <a:prstGeom prst="actionButtonBlank">
+          <a:prstGeom prst="rect">
             <a:avLst/>
           </a:prstGeom>
         </p:spPr>
-        <p:style>
-          <a:lnRef idx="2">
-            <a:schemeClr val="accent4">
-              <a:shade val="50000"/>
-            </a:schemeClr>
-          </a:lnRef>
-          <a:fillRef idx="1">
-            <a:schemeClr val="accent4"/>
-          </a:fillRef>
-          <a:effectRef idx="0">
-            <a:schemeClr val="accent4"/>
-          </a:effectRef>
-          <a:fontRef idx="minor">
-            <a:schemeClr val="lt1"/>
-          </a:fontRef>
-        </p:style>
-        <p:txBody>
-          <a:bodyPr rtlCol="0" anchor="ctr"/>
-          <a:lstStyle/>
-          <a:p>
-            <a:pPr algn="ctr"/>
-            <a:r>
-              <a:rPr lang="en-US" dirty="0"/>
-              <a:t>ADMIN MENU </a:t>
-            </a:r>
-            <a:endParaRPr lang="en-MY" dirty="0"/>
-          </a:p>
-        </p:txBody>
-      </p:sp>
-      <p:sp>
-        <p:nvSpPr>
-          <p:cNvPr id="37" name="Action Button: Blank 36">
-            <a:hlinkClick r:id="rId5" action="ppaction://hlinksldjump" highlightClick="1"/>
+      </p:pic>
+      <p:sp>
+        <p:nvSpPr>
+          <p:cNvPr id="8" name="TextBox 7">
+            <a:hlinkClick r:id="rId2" action="ppaction://hlinksldjump"/>
             <a:extLst>
               <a:ext uri="{FF2B5EF4-FFF2-40B4-BE49-F238E27FC236}">
-                <a16:creationId xmlns:a16="http://schemas.microsoft.com/office/drawing/2014/main" id="{CF063DF7-6D94-4E98-A75E-E5893FDECFC3}"/>
+                <a16:creationId xmlns:a16="http://schemas.microsoft.com/office/drawing/2014/main" id="{A5859E7F-E45B-47E1-B8B2-6D05C3750BDD}"/>
               </a:ext>
             </a:extLst>
           </p:cNvPr>
-          <p:cNvSpPr/>
+          <p:cNvSpPr txBox="1"/>
           <p:nvPr/>
         </p:nvSpPr>
         <p:spPr>
           <a:xfrm>
-            <a:off x="7907210" y="1941778"/>
-            <a:ext cx="1685197" cy="404854"/>
+            <a:off x="4813971" y="3762879"/>
+            <a:ext cx="2580909" cy="338681"/>
           </a:xfrm>
-          <a:prstGeom prst="actionButtonBlank">
+          <a:prstGeom prst="rect">
             <a:avLst/>
           </a:prstGeom>
+          <a:noFill/>
         </p:spPr>
-        <p:style>
-          <a:lnRef idx="2">
-            <a:schemeClr val="accent4">
-              <a:shade val="50000"/>
-            </a:schemeClr>
-          </a:lnRef>
-          <a:fillRef idx="1">
-            <a:schemeClr val="accent4"/>
-          </a:fillRef>
-          <a:effectRef idx="0">
-            <a:schemeClr val="accent4"/>
-          </a:effectRef>
-          <a:fontRef idx="minor">
-            <a:schemeClr val="lt1"/>
-          </a:fontRef>
-        </p:style>
-        <p:txBody>
-          <a:bodyPr rtlCol="0" anchor="ctr"/>
+        <p:txBody>
+          <a:bodyPr wrap="square" rtlCol="0">
+            <a:spAutoFit/>
+          </a:bodyPr>
           <a:lstStyle/>
           <a:p>
-            <a:pPr algn="ctr"/>
-            <a:r>
-              <a:rPr lang="en-US" dirty="0"/>
-              <a:t>TEACHER MENU </a:t>
-            </a:r>
             <a:endParaRPr lang="en-MY" dirty="0"/>
           </a:p>
         </p:txBody>
       </p:sp>
       <p:sp>
         <p:nvSpPr>
-          <p:cNvPr id="39" name="Action Button: Blank 38">
-            <a:hlinkClick r:id="rId6" action="ppaction://hlinksldjump" highlightClick="1"/>
+          <p:cNvPr id="9" name="TextBox 8">
+            <a:hlinkClick r:id="rId3" action="ppaction://hlinksldjump"/>
             <a:extLst>
               <a:ext uri="{FF2B5EF4-FFF2-40B4-BE49-F238E27FC236}">
-                <a16:creationId xmlns:a16="http://schemas.microsoft.com/office/drawing/2014/main" id="{764D9361-F234-4702-B910-A473538D97BA}"/>
+                <a16:creationId xmlns:a16="http://schemas.microsoft.com/office/drawing/2014/main" id="{2836FC32-344F-4343-9047-B4FC88A7712A}"/>
               </a:ext>
             </a:extLst>
           </p:cNvPr>
-          <p:cNvSpPr/>
+          <p:cNvSpPr txBox="1"/>
           <p:nvPr/>
         </p:nvSpPr>
         <p:spPr>
           <a:xfrm>
-            <a:off x="703386" y="3255920"/>
-            <a:ext cx="2035416" cy="404854"/>
+            <a:off x="5485529" y="4132615"/>
+            <a:ext cx="1237791" cy="338681"/>
           </a:xfrm>
-          <a:prstGeom prst="actionButtonBlank">
+          <a:prstGeom prst="rect">
             <a:avLst/>
           </a:prstGeom>
+          <a:noFill/>
         </p:spPr>
-        <p:style>
-          <a:lnRef idx="2">
-            <a:schemeClr val="accent4">
-              <a:shade val="50000"/>
-            </a:schemeClr>
-          </a:lnRef>
-          <a:fillRef idx="1">
-            <a:schemeClr val="accent4"/>
-          </a:fillRef>
-          <a:effectRef idx="0">
-            <a:schemeClr val="accent4"/>
-          </a:effectRef>
-          <a:fontRef idx="minor">
-            <a:schemeClr val="lt1"/>
-          </a:fontRef>
-        </p:style>
-        <p:txBody>
-          <a:bodyPr rtlCol="0" anchor="ctr"/>
+        <p:txBody>
+          <a:bodyPr wrap="square" rtlCol="0">
+            <a:spAutoFit/>
+          </a:bodyPr>
           <a:lstStyle/>
           <a:p>
-            <a:pPr algn="ctr"/>
-            <a:r>
-              <a:rPr lang="en-US" dirty="0"/>
-              <a:t> MANAGE TEACHER</a:t>
-            </a:r>
             <a:endParaRPr lang="en-MY" dirty="0"/>
           </a:p>
         </p:txBody>
       </p:sp>
-      <p:sp>
-        <p:nvSpPr>
-          <p:cNvPr id="41" name="Action Button: Blank 40">
-            <a:hlinkClick r:id="rId7" action="ppaction://hlinksldjump" highlightClick="1"/>
-            <a:extLst>
-              <a:ext uri="{FF2B5EF4-FFF2-40B4-BE49-F238E27FC236}">
-                <a16:creationId xmlns:a16="http://schemas.microsoft.com/office/drawing/2014/main" id="{69CCF740-F40B-4ADD-89EE-ED178F0725BB}"/>
-              </a:ext>
-            </a:extLst>
-          </p:cNvPr>
-          <p:cNvSpPr/>
-          <p:nvPr/>
-        </p:nvSpPr>
-        <p:spPr>
-          <a:xfrm>
-            <a:off x="9526462" y="3247142"/>
-            <a:ext cx="2026629" cy="404854"/>
-          </a:xfrm>
-          <a:prstGeom prst="actionButtonBlank">
-            <a:avLst/>
-          </a:prstGeom>
-        </p:spPr>
-        <p:style>
-          <a:lnRef idx="2">
-            <a:schemeClr val="accent4">
-              <a:shade val="50000"/>
-            </a:schemeClr>
-          </a:lnRef>
-          <a:fillRef idx="1">
-            <a:schemeClr val="accent4"/>
-          </a:fillRef>
-          <a:effectRef idx="0">
-            <a:schemeClr val="accent4"/>
-          </a:effectRef>
-          <a:fontRef idx="minor">
-            <a:schemeClr val="lt1"/>
-          </a:fontRef>
-        </p:style>
-        <p:txBody>
-          <a:bodyPr rtlCol="0" anchor="ctr"/>
-          <a:lstStyle/>
-          <a:p>
-            <a:pPr algn="ctr"/>
-            <a:r>
-              <a:rPr lang="en-US" dirty="0"/>
-              <a:t>MANAGE STUDENT </a:t>
-            </a:r>
-            <a:endParaRPr lang="en-MY" dirty="0"/>
-          </a:p>
-        </p:txBody>
-      </p:sp>
-      <p:sp>
-        <p:nvSpPr>
-          <p:cNvPr id="43" name="Action Button: Blank 42">
-            <a:hlinkClick r:id="rId8" action="ppaction://hlinksldjump" highlightClick="1"/>
-            <a:extLst>
-              <a:ext uri="{FF2B5EF4-FFF2-40B4-BE49-F238E27FC236}">
-                <a16:creationId xmlns:a16="http://schemas.microsoft.com/office/drawing/2014/main" id="{D2D8F7C3-133A-419C-86A1-B23583113B31}"/>
-              </a:ext>
-            </a:extLst>
-          </p:cNvPr>
-          <p:cNvSpPr/>
-          <p:nvPr/>
-        </p:nvSpPr>
-        <p:spPr>
-          <a:xfrm>
-            <a:off x="5650520" y="4944723"/>
-            <a:ext cx="2035416" cy="404854"/>
-          </a:xfrm>
-          <a:prstGeom prst="actionButtonBlank">
-            <a:avLst/>
-          </a:prstGeom>
-        </p:spPr>
-        <p:style>
-          <a:lnRef idx="2">
-            <a:schemeClr val="accent4">
-              <a:shade val="50000"/>
-            </a:schemeClr>
-          </a:lnRef>
-          <a:fillRef idx="1">
-            <a:schemeClr val="accent4"/>
-          </a:fillRef>
-          <a:effectRef idx="0">
-            <a:schemeClr val="accent4"/>
-          </a:effectRef>
-          <a:fontRef idx="minor">
-            <a:schemeClr val="lt1"/>
-          </a:fontRef>
-        </p:style>
-        <p:txBody>
-          <a:bodyPr rtlCol="0" anchor="ctr"/>
-          <a:lstStyle/>
-          <a:p>
-            <a:pPr algn="ctr"/>
-            <a:r>
-              <a:rPr lang="en-US" dirty="0"/>
-              <a:t>REGISTER STUDENT</a:t>
-            </a:r>
-            <a:endParaRPr lang="en-MY" dirty="0"/>
-          </a:p>
-        </p:txBody>
-      </p:sp>
-      <p:sp>
-        <p:nvSpPr>
-          <p:cNvPr id="45" name="Action Button: Blank 44">
-            <a:hlinkClick r:id="rId9" action="ppaction://hlinksldjump" highlightClick="1"/>
-            <a:extLst>
-              <a:ext uri="{FF2B5EF4-FFF2-40B4-BE49-F238E27FC236}">
-                <a16:creationId xmlns:a16="http://schemas.microsoft.com/office/drawing/2014/main" id="{95EA709C-60F0-4B30-9224-ECD9ADB7F10B}"/>
-              </a:ext>
-            </a:extLst>
-          </p:cNvPr>
-          <p:cNvSpPr/>
-          <p:nvPr/>
-        </p:nvSpPr>
-        <p:spPr>
-          <a:xfrm>
-            <a:off x="7878778" y="4944723"/>
-            <a:ext cx="1843447" cy="404854"/>
-          </a:xfrm>
-          <a:prstGeom prst="actionButtonBlank">
-            <a:avLst/>
-          </a:prstGeom>
-        </p:spPr>
-        <p:style>
-          <a:lnRef idx="2">
-            <a:schemeClr val="accent4">
-              <a:shade val="50000"/>
-            </a:schemeClr>
-          </a:lnRef>
-          <a:fillRef idx="1">
-            <a:schemeClr val="accent4"/>
-          </a:fillRef>
-          <a:effectRef idx="0">
-            <a:schemeClr val="accent4"/>
-          </a:effectRef>
-          <a:fontRef idx="minor">
-            <a:schemeClr val="lt1"/>
-          </a:fontRef>
-        </p:style>
-        <p:txBody>
-          <a:bodyPr rtlCol="0" anchor="ctr"/>
-          <a:lstStyle/>
-          <a:p>
-            <a:pPr algn="ctr"/>
-            <a:r>
-              <a:rPr lang="en-US" dirty="0"/>
-              <a:t>UPDATE STUDENT </a:t>
-            </a:r>
-            <a:endParaRPr lang="en-MY" dirty="0"/>
-          </a:p>
-        </p:txBody>
-      </p:sp>
-      <p:sp>
-        <p:nvSpPr>
-          <p:cNvPr id="51" name="Action Button: Blank 50">
-            <a:hlinkClick r:id="rId10" action="ppaction://hlinksldjump" highlightClick="1"/>
-            <a:extLst>
-              <a:ext uri="{FF2B5EF4-FFF2-40B4-BE49-F238E27FC236}">
-                <a16:creationId xmlns:a16="http://schemas.microsoft.com/office/drawing/2014/main" id="{E654FACC-5E13-4120-8D8F-9AF988D8AC92}"/>
-              </a:ext>
-            </a:extLst>
-          </p:cNvPr>
-          <p:cNvSpPr/>
-          <p:nvPr/>
-        </p:nvSpPr>
-        <p:spPr>
-          <a:xfrm>
-            <a:off x="9668604" y="4291817"/>
-            <a:ext cx="1742343" cy="404854"/>
-          </a:xfrm>
-          <a:prstGeom prst="actionButtonBlank">
-            <a:avLst/>
-          </a:prstGeom>
-        </p:spPr>
-        <p:style>
-          <a:lnRef idx="2">
-            <a:schemeClr val="accent4">
-              <a:shade val="50000"/>
-            </a:schemeClr>
-          </a:lnRef>
-          <a:fillRef idx="1">
-            <a:schemeClr val="accent4"/>
-          </a:fillRef>
-          <a:effectRef idx="0">
-            <a:schemeClr val="accent4"/>
-          </a:effectRef>
-          <a:fontRef idx="minor">
-            <a:schemeClr val="lt1"/>
-          </a:fontRef>
-        </p:style>
-        <p:txBody>
-          <a:bodyPr rtlCol="0" anchor="ctr"/>
-          <a:lstStyle/>
-          <a:p>
-            <a:pPr algn="ctr"/>
-            <a:r>
-              <a:rPr lang="en-US" dirty="0"/>
-              <a:t>DELETE STUDENT </a:t>
-            </a:r>
-            <a:endParaRPr lang="en-MY" dirty="0"/>
-          </a:p>
-        </p:txBody>
-      </p:sp>
-      <p:cxnSp>
-        <p:nvCxnSpPr>
-          <p:cNvPr id="23" name="Straight Arrow Connector 22">
-            <a:extLst>
-              <a:ext uri="{FF2B5EF4-FFF2-40B4-BE49-F238E27FC236}">
-                <a16:creationId xmlns:a16="http://schemas.microsoft.com/office/drawing/2014/main" id="{DCA85B94-3C7B-4E4E-ADC3-8BAA0E7D8D42}"/>
-              </a:ext>
-            </a:extLst>
-          </p:cNvPr>
-          <p:cNvCxnSpPr>
-            <a:cxnSpLocks/>
-          </p:cNvCxnSpPr>
-          <p:nvPr/>
-        </p:nvCxnSpPr>
-        <p:spPr>
-          <a:xfrm>
-            <a:off x="8380438" y="4038249"/>
-            <a:ext cx="0" cy="599618"/>
-          </a:xfrm>
-          <a:prstGeom prst="straightConnector1">
-            <a:avLst/>
-          </a:prstGeom>
-          <a:ln>
-            <a:tailEnd type="triangle"/>
-          </a:ln>
-        </p:spPr>
-        <p:style>
-          <a:lnRef idx="1">
-            <a:schemeClr val="accent1"/>
-          </a:lnRef>
-          <a:fillRef idx="0">
-            <a:schemeClr val="accent1"/>
-          </a:fillRef>
-          <a:effectRef idx="0">
-            <a:schemeClr val="accent1"/>
-          </a:effectRef>
-          <a:fontRef idx="minor">
-            <a:schemeClr val="tx1"/>
-          </a:fontRef>
-        </p:style>
-      </p:cxnSp>
-      <p:cxnSp>
-        <p:nvCxnSpPr>
-          <p:cNvPr id="24" name="Straight Arrow Connector 23">
-            <a:extLst>
-              <a:ext uri="{FF2B5EF4-FFF2-40B4-BE49-F238E27FC236}">
-                <a16:creationId xmlns:a16="http://schemas.microsoft.com/office/drawing/2014/main" id="{56023A74-D044-4722-8FA2-815B919B39B4}"/>
-              </a:ext>
-            </a:extLst>
-          </p:cNvPr>
-          <p:cNvCxnSpPr>
-            <a:cxnSpLocks/>
-          </p:cNvCxnSpPr>
-          <p:nvPr/>
-        </p:nvCxnSpPr>
-        <p:spPr>
-          <a:xfrm>
-            <a:off x="6668228" y="4193894"/>
-            <a:ext cx="0" cy="523137"/>
-          </a:xfrm>
-          <a:prstGeom prst="straightConnector1">
-            <a:avLst/>
-          </a:prstGeom>
-          <a:ln>
-            <a:tailEnd type="triangle"/>
-          </a:ln>
-        </p:spPr>
-        <p:style>
-          <a:lnRef idx="1">
-            <a:schemeClr val="accent1"/>
-          </a:lnRef>
-          <a:fillRef idx="0">
-            <a:schemeClr val="accent1"/>
-          </a:fillRef>
-          <a:effectRef idx="0">
-            <a:schemeClr val="accent1"/>
-          </a:effectRef>
-          <a:fontRef idx="minor">
-            <a:schemeClr val="tx1"/>
-          </a:fontRef>
-        </p:style>
-      </p:cxnSp>
-      <p:sp>
-        <p:nvSpPr>
-          <p:cNvPr id="5" name="Action Button: Blank 4">
-            <a:hlinkClick r:id="rId11" action="ppaction://hlinksldjump" highlightClick="1"/>
-            <a:extLst>
-              <a:ext uri="{FF2B5EF4-FFF2-40B4-BE49-F238E27FC236}">
-                <a16:creationId xmlns:a16="http://schemas.microsoft.com/office/drawing/2014/main" id="{F198DBDB-DD09-43DB-B2ED-97BAFEB37798}"/>
-              </a:ext>
-            </a:extLst>
-          </p:cNvPr>
-          <p:cNvSpPr/>
-          <p:nvPr/>
-        </p:nvSpPr>
-        <p:spPr>
-          <a:xfrm>
-            <a:off x="703386" y="4291817"/>
-            <a:ext cx="2035416" cy="404854"/>
-          </a:xfrm>
-          <a:prstGeom prst="actionButtonBlank">
-            <a:avLst/>
-          </a:prstGeom>
-        </p:spPr>
-        <p:style>
-          <a:lnRef idx="2">
-            <a:schemeClr val="accent4">
-              <a:shade val="50000"/>
-            </a:schemeClr>
-          </a:lnRef>
-          <a:fillRef idx="1">
-            <a:schemeClr val="accent4"/>
-          </a:fillRef>
-          <a:effectRef idx="0">
-            <a:schemeClr val="accent4"/>
-          </a:effectRef>
-          <a:fontRef idx="minor">
-            <a:schemeClr val="lt1"/>
-          </a:fontRef>
-        </p:style>
-        <p:txBody>
-          <a:bodyPr rtlCol="0" anchor="ctr"/>
-          <a:lstStyle/>
-          <a:p>
-            <a:pPr algn="ctr"/>
-            <a:r>
-              <a:rPr lang="en-US" dirty="0"/>
-              <a:t>REGISTER TEACHER</a:t>
-            </a:r>
-            <a:endParaRPr lang="en-MY" dirty="0"/>
-          </a:p>
-        </p:txBody>
-      </p:sp>
-      <p:sp>
-        <p:nvSpPr>
-          <p:cNvPr id="10" name="Action Button: Blank 9">
-            <a:hlinkClick r:id="rId12" action="ppaction://hlinksldjump" highlightClick="1"/>
-            <a:extLst>
-              <a:ext uri="{FF2B5EF4-FFF2-40B4-BE49-F238E27FC236}">
-                <a16:creationId xmlns:a16="http://schemas.microsoft.com/office/drawing/2014/main" id="{E661E83E-7F91-496C-84C0-145414D60D42}"/>
-              </a:ext>
-            </a:extLst>
-          </p:cNvPr>
-          <p:cNvSpPr/>
-          <p:nvPr/>
-        </p:nvSpPr>
-        <p:spPr>
-          <a:xfrm>
-            <a:off x="1679046" y="4944723"/>
-            <a:ext cx="1843447" cy="404854"/>
-          </a:xfrm>
-          <a:prstGeom prst="actionButtonBlank">
-            <a:avLst/>
-          </a:prstGeom>
-        </p:spPr>
-        <p:style>
-          <a:lnRef idx="2">
-            <a:schemeClr val="accent4">
-              <a:shade val="50000"/>
-            </a:schemeClr>
-          </a:lnRef>
-          <a:fillRef idx="1">
-            <a:schemeClr val="accent4"/>
-          </a:fillRef>
-          <a:effectRef idx="0">
-            <a:schemeClr val="accent4"/>
-          </a:effectRef>
-          <a:fontRef idx="minor">
-            <a:schemeClr val="lt1"/>
-          </a:fontRef>
-        </p:style>
-        <p:txBody>
-          <a:bodyPr rtlCol="0" anchor="ctr"/>
-          <a:lstStyle/>
-          <a:p>
-            <a:pPr algn="ctr"/>
-            <a:r>
-              <a:rPr lang="en-US" dirty="0"/>
-              <a:t>UPDATE TEACHER </a:t>
-            </a:r>
-            <a:endParaRPr lang="en-MY" dirty="0"/>
-          </a:p>
-        </p:txBody>
-      </p:sp>
-      <p:sp>
-        <p:nvSpPr>
-          <p:cNvPr id="12" name="Action Button: Blank 11">
-            <a:hlinkClick r:id="rId13" action="ppaction://hlinksldjump" highlightClick="1"/>
-            <a:extLst>
-              <a:ext uri="{FF2B5EF4-FFF2-40B4-BE49-F238E27FC236}">
-                <a16:creationId xmlns:a16="http://schemas.microsoft.com/office/drawing/2014/main" id="{69397D47-E94E-4093-A060-CBEA68ACA493}"/>
-              </a:ext>
-            </a:extLst>
-          </p:cNvPr>
-          <p:cNvSpPr/>
-          <p:nvPr/>
-        </p:nvSpPr>
-        <p:spPr>
-          <a:xfrm>
-            <a:off x="3715335" y="4944723"/>
-            <a:ext cx="1742343" cy="404854"/>
-          </a:xfrm>
-          <a:prstGeom prst="actionButtonBlank">
-            <a:avLst/>
-          </a:prstGeom>
-        </p:spPr>
-        <p:style>
-          <a:lnRef idx="2">
-            <a:schemeClr val="accent4">
-              <a:shade val="50000"/>
-            </a:schemeClr>
-          </a:lnRef>
-          <a:fillRef idx="1">
-            <a:schemeClr val="accent4"/>
-          </a:fillRef>
-          <a:effectRef idx="0">
-            <a:schemeClr val="accent4"/>
-          </a:effectRef>
-          <a:fontRef idx="minor">
-            <a:schemeClr val="lt1"/>
-          </a:fontRef>
-        </p:style>
-        <p:txBody>
-          <a:bodyPr rtlCol="0" anchor="ctr"/>
-          <a:lstStyle/>
-          <a:p>
-            <a:pPr algn="ctr"/>
-            <a:r>
-              <a:rPr lang="en-US" dirty="0"/>
-              <a:t>DELETE TEACHER </a:t>
-            </a:r>
-            <a:endParaRPr lang="en-MY" dirty="0"/>
-          </a:p>
-        </p:txBody>
-      </p:sp>
-      <p:cxnSp>
-        <p:nvCxnSpPr>
-          <p:cNvPr id="33" name="Straight Arrow Connector 32">
-            <a:extLst>
-              <a:ext uri="{FF2B5EF4-FFF2-40B4-BE49-F238E27FC236}">
-                <a16:creationId xmlns:a16="http://schemas.microsoft.com/office/drawing/2014/main" id="{07E27A74-B281-47EF-8D68-080FE86113AA}"/>
-              </a:ext>
-            </a:extLst>
-          </p:cNvPr>
-          <p:cNvCxnSpPr>
-            <a:cxnSpLocks/>
-          </p:cNvCxnSpPr>
-          <p:nvPr/>
-        </p:nvCxnSpPr>
-        <p:spPr>
-          <a:xfrm flipH="1">
-            <a:off x="3364452" y="4078139"/>
-            <a:ext cx="428037" cy="518975"/>
-          </a:xfrm>
-          <a:prstGeom prst="straightConnector1">
-            <a:avLst/>
-          </a:prstGeom>
-          <a:ln>
-            <a:tailEnd type="triangle"/>
-          </a:ln>
-        </p:spPr>
-        <p:style>
-          <a:lnRef idx="1">
-            <a:schemeClr val="accent1"/>
-          </a:lnRef>
-          <a:fillRef idx="0">
-            <a:schemeClr val="accent1"/>
-          </a:fillRef>
-          <a:effectRef idx="0">
-            <a:schemeClr val="accent1"/>
-          </a:effectRef>
-          <a:fontRef idx="minor">
-            <a:schemeClr val="tx1"/>
-          </a:fontRef>
-        </p:style>
-      </p:cxnSp>
     </p:spTree>
     <p:extLst>
       <p:ext uri="{BB962C8B-B14F-4D97-AF65-F5344CB8AC3E}">
-        <p14:creationId xmlns:p14="http://schemas.microsoft.com/office/powerpoint/2010/main" val="2634091323"/>
+        <p14:creationId xmlns:p14="http://schemas.microsoft.com/office/powerpoint/2010/main" val="1987474841"/>
       </p:ext>
     </p:extLst>
   </p:cSld>
   <p:clrMapOvr>
     <a:masterClrMapping/>
   </p:clrMapOvr>
-  <mc:AlternateContent xmlns:mc="http://schemas.openxmlformats.org/markup-compatibility/2006">
-    <mc:Choice xmlns:p14="http://schemas.microsoft.com/office/powerpoint/2010/main" Requires="p14">
+  <mc:AlternateContent xmlns:mc="http://schemas.openxmlformats.org/markup-compatibility/2006" xmlns:p14="http://schemas.microsoft.com/office/powerpoint/2010/main">
+    <mc:Choice Requires="p14">
       <p:transition spd="slow" p14:dur="2000" advClick="0"/>
     </mc:Choice>
-    <mc:Fallback>
+    <mc:Fallback xmlns="">
       <p:transition spd="slow" advClick="0"/>
     </mc:Fallback>
   </mc:AlternateContent>
@@ -13638,7 +12958,7 @@
         <p:spPr>
           <a:xfrm>
             <a:off x="266330" y="221942"/>
-            <a:ext cx="11745157" cy="369332"/>
+            <a:ext cx="11745157" cy="523220"/>
           </a:xfrm>
           <a:prstGeom prst="rect">
             <a:avLst/>
@@ -13653,154 +12973,25 @@
           <a:p>
             <a:pPr algn="ctr"/>
             <a:r>
-              <a:rPr lang="en-US" dirty="0"/>
+              <a:rPr lang="en-US" sz="2800" dirty="0">
+                <a:solidFill>
+                  <a:srgbClr val="FFFF00"/>
+                </a:solidFill>
+              </a:rPr>
               <a:t>MANAGE TEACHER INTERFACE</a:t>
             </a:r>
-            <a:endParaRPr lang="en-MY" dirty="0"/>
-          </a:p>
-        </p:txBody>
-      </p:sp>
-      <p:pic>
-        <p:nvPicPr>
-          <p:cNvPr id="6" name="Picture 5">
-            <a:extLst>
-              <a:ext uri="{FF2B5EF4-FFF2-40B4-BE49-F238E27FC236}">
-                <a16:creationId xmlns:a16="http://schemas.microsoft.com/office/drawing/2014/main" id="{2697772E-8345-4AB6-9FC7-2A959F0B03E7}"/>
-              </a:ext>
-            </a:extLst>
-          </p:cNvPr>
-          <p:cNvPicPr>
-            <a:picLocks noChangeAspect="1"/>
-          </p:cNvPicPr>
-          <p:nvPr/>
-        </p:nvPicPr>
-        <p:blipFill>
-          <a:blip r:embed="rId2"/>
-          <a:stretch>
-            <a:fillRect/>
-          </a:stretch>
-        </p:blipFill>
-        <p:spPr>
-          <a:xfrm>
-            <a:off x="4695825" y="938212"/>
-            <a:ext cx="2800350" cy="4981575"/>
-          </a:xfrm>
-          <a:prstGeom prst="rect">
-            <a:avLst/>
-          </a:prstGeom>
-        </p:spPr>
-      </p:pic>
-      <p:sp>
-        <p:nvSpPr>
-          <p:cNvPr id="2" name="Action Button: Go Forward or Next 1">
-            <a:hlinkClick r:id="" action="ppaction://hlinkshowjump?jump=nextslide" highlightClick="1"/>
-            <a:extLst>
-              <a:ext uri="{FF2B5EF4-FFF2-40B4-BE49-F238E27FC236}">
-                <a16:creationId xmlns:a16="http://schemas.microsoft.com/office/drawing/2014/main" id="{40ADCED9-053E-4CB7-B941-5F1105F68829}"/>
-              </a:ext>
-            </a:extLst>
-          </p:cNvPr>
-          <p:cNvSpPr/>
-          <p:nvPr/>
-        </p:nvSpPr>
-        <p:spPr>
-          <a:xfrm>
-            <a:off x="10814538" y="5910262"/>
-            <a:ext cx="939312" cy="508123"/>
-          </a:xfrm>
-          <a:prstGeom prst="actionButtonForwardNext">
-            <a:avLst/>
-          </a:prstGeom>
-          <a:ln>
-            <a:solidFill>
-              <a:schemeClr val="bg2">
-                <a:lumMod val="75000"/>
-                <a:lumOff val="25000"/>
-              </a:schemeClr>
-            </a:solidFill>
-          </a:ln>
-        </p:spPr>
-        <p:style>
-          <a:lnRef idx="3">
-            <a:schemeClr val="lt1"/>
-          </a:lnRef>
-          <a:fillRef idx="1">
-            <a:schemeClr val="accent3"/>
-          </a:fillRef>
-          <a:effectRef idx="1">
-            <a:schemeClr val="accent3"/>
-          </a:effectRef>
-          <a:fontRef idx="minor">
-            <a:schemeClr val="lt1"/>
-          </a:fontRef>
-        </p:style>
-        <p:txBody>
-          <a:bodyPr rtlCol="0" anchor="ctr"/>
-          <a:lstStyle/>
-          <a:p>
-            <a:pPr algn="ctr"/>
-            <a:endParaRPr lang="en-MY"/>
-          </a:p>
-        </p:txBody>
-      </p:sp>
-      <p:sp>
-        <p:nvSpPr>
-          <p:cNvPr id="3" name="Action Button: Go Back or Previous 2">
-            <a:hlinkClick r:id="" action="ppaction://hlinkshowjump?jump=previousslide" highlightClick="1"/>
-            <a:extLst>
-              <a:ext uri="{FF2B5EF4-FFF2-40B4-BE49-F238E27FC236}">
-                <a16:creationId xmlns:a16="http://schemas.microsoft.com/office/drawing/2014/main" id="{3CB36435-6BDE-4D7C-89E5-BBE807C9A41A}"/>
-              </a:ext>
-            </a:extLst>
-          </p:cNvPr>
-          <p:cNvSpPr/>
-          <p:nvPr/>
-        </p:nvSpPr>
-        <p:spPr>
-          <a:xfrm>
-            <a:off x="876627" y="5910262"/>
-            <a:ext cx="906971" cy="508123"/>
-          </a:xfrm>
-          <a:prstGeom prst="actionButtonBackPrevious">
-            <a:avLst/>
-          </a:prstGeom>
-          <a:ln>
-            <a:solidFill>
-              <a:schemeClr val="tx2">
-                <a:lumMod val="10000"/>
-              </a:schemeClr>
-            </a:solidFill>
-          </a:ln>
-        </p:spPr>
-        <p:style>
-          <a:lnRef idx="2">
-            <a:schemeClr val="accent4">
-              <a:shade val="50000"/>
-            </a:schemeClr>
-          </a:lnRef>
-          <a:fillRef idx="1">
-            <a:schemeClr val="accent4"/>
-          </a:fillRef>
-          <a:effectRef idx="0">
-            <a:schemeClr val="accent4"/>
-          </a:effectRef>
-          <a:fontRef idx="minor">
-            <a:schemeClr val="lt1"/>
-          </a:fontRef>
-        </p:style>
-        <p:txBody>
-          <a:bodyPr rtlCol="0" anchor="ctr"/>
-          <a:lstStyle/>
-          <a:p>
-            <a:pPr algn="ctr"/>
-            <a:endParaRPr lang="en-MY"/>
+            <a:endParaRPr lang="en-MY" sz="2800" dirty="0">
+              <a:solidFill>
+                <a:srgbClr val="FFFF00"/>
+              </a:solidFill>
+            </a:endParaRPr>
           </a:p>
         </p:txBody>
       </p:sp>
       <p:sp>
         <p:nvSpPr>
           <p:cNvPr id="4" name="TextBox 3">
-            <a:hlinkClick r:id="rId3" action="ppaction://hlinksldjump"/>
+            <a:hlinkClick r:id="rId2" action="ppaction://hlinksldjump"/>
             <a:extLst>
               <a:ext uri="{FF2B5EF4-FFF2-40B4-BE49-F238E27FC236}">
                 <a16:creationId xmlns:a16="http://schemas.microsoft.com/office/drawing/2014/main" id="{59866C26-AC1D-4B95-BA4A-129649C6C0E8}"/>
@@ -13833,7 +13024,7 @@
       <p:sp>
         <p:nvSpPr>
           <p:cNvPr id="9" name="TextBox 8">
-            <a:hlinkClick r:id="rId4" action="ppaction://hlinksldjump"/>
+            <a:hlinkClick r:id="rId3" action="ppaction://hlinksldjump"/>
             <a:extLst>
               <a:ext uri="{FF2B5EF4-FFF2-40B4-BE49-F238E27FC236}">
                 <a16:creationId xmlns:a16="http://schemas.microsoft.com/office/drawing/2014/main" id="{32723DCC-4CE4-4F7C-9DA5-D6F26C01B06D}"/>
@@ -13866,7 +13057,7 @@
       <p:sp>
         <p:nvSpPr>
           <p:cNvPr id="11" name="TextBox 10">
-            <a:hlinkClick r:id="rId5" action="ppaction://hlinksldjump"/>
+            <a:hlinkClick r:id="rId4" action="ppaction://hlinksldjump"/>
             <a:extLst>
               <a:ext uri="{FF2B5EF4-FFF2-40B4-BE49-F238E27FC236}">
                 <a16:creationId xmlns:a16="http://schemas.microsoft.com/office/drawing/2014/main" id="{A5796DFC-7BBF-4C8D-BE2F-369FE1C14FF1}"/>
@@ -13896,6 +13087,167 @@
           </a:p>
         </p:txBody>
       </p:sp>
+      <p:pic>
+        <p:nvPicPr>
+          <p:cNvPr id="10" name="Picture 9">
+            <a:extLst>
+              <a:ext uri="{FF2B5EF4-FFF2-40B4-BE49-F238E27FC236}">
+                <a16:creationId xmlns:a16="http://schemas.microsoft.com/office/drawing/2014/main" id="{33FEF8C6-F211-45C2-B778-13B686748817}"/>
+              </a:ext>
+            </a:extLst>
+          </p:cNvPr>
+          <p:cNvPicPr>
+            <a:picLocks noChangeAspect="1"/>
+          </p:cNvPicPr>
+          <p:nvPr/>
+        </p:nvPicPr>
+        <p:blipFill rotWithShape="1">
+          <a:blip r:embed="rId5"/>
+          <a:srcRect l="1823" t="716" r="1131" b="1553"/>
+          <a:stretch/>
+        </p:blipFill>
+        <p:spPr>
+          <a:xfrm>
+            <a:off x="4668714" y="835270"/>
+            <a:ext cx="2875085" cy="5143500"/>
+          </a:xfrm>
+          <a:prstGeom prst="rect">
+            <a:avLst/>
+          </a:prstGeom>
+        </p:spPr>
+      </p:pic>
+      <p:sp>
+        <p:nvSpPr>
+          <p:cNvPr id="12" name="TextBox 11">
+            <a:hlinkClick r:id="rId2" action="ppaction://hlinksldjump"/>
+            <a:extLst>
+              <a:ext uri="{FF2B5EF4-FFF2-40B4-BE49-F238E27FC236}">
+                <a16:creationId xmlns:a16="http://schemas.microsoft.com/office/drawing/2014/main" id="{838AB273-D7F6-46D6-88DC-6ACB7FD6BE05}"/>
+              </a:ext>
+            </a:extLst>
+          </p:cNvPr>
+          <p:cNvSpPr txBox="1"/>
+          <p:nvPr/>
+        </p:nvSpPr>
+        <p:spPr>
+          <a:xfrm>
+            <a:off x="4835763" y="3000307"/>
+            <a:ext cx="1090251" cy="290523"/>
+          </a:xfrm>
+          <a:prstGeom prst="rect">
+            <a:avLst/>
+          </a:prstGeom>
+          <a:noFill/>
+        </p:spPr>
+        <p:txBody>
+          <a:bodyPr wrap="square" rtlCol="0">
+            <a:spAutoFit/>
+          </a:bodyPr>
+          <a:lstStyle/>
+          <a:p>
+            <a:endParaRPr lang="en-MY" dirty="0"/>
+          </a:p>
+        </p:txBody>
+      </p:sp>
+      <p:sp>
+        <p:nvSpPr>
+          <p:cNvPr id="13" name="TextBox 12">
+            <a:hlinkClick r:id="rId3" action="ppaction://hlinksldjump"/>
+            <a:extLst>
+              <a:ext uri="{FF2B5EF4-FFF2-40B4-BE49-F238E27FC236}">
+                <a16:creationId xmlns:a16="http://schemas.microsoft.com/office/drawing/2014/main" id="{AEB18707-DEBC-4144-91DD-4FEB5916EEB9}"/>
+              </a:ext>
+            </a:extLst>
+          </p:cNvPr>
+          <p:cNvSpPr txBox="1"/>
+          <p:nvPr/>
+        </p:nvSpPr>
+        <p:spPr>
+          <a:xfrm>
+            <a:off x="6400801" y="2960906"/>
+            <a:ext cx="955436" cy="369332"/>
+          </a:xfrm>
+          <a:prstGeom prst="rect">
+            <a:avLst/>
+          </a:prstGeom>
+          <a:noFill/>
+        </p:spPr>
+        <p:txBody>
+          <a:bodyPr wrap="square" rtlCol="0">
+            <a:spAutoFit/>
+          </a:bodyPr>
+          <a:lstStyle/>
+          <a:p>
+            <a:endParaRPr lang="en-MY" dirty="0"/>
+          </a:p>
+        </p:txBody>
+      </p:sp>
+      <p:sp>
+        <p:nvSpPr>
+          <p:cNvPr id="14" name="TextBox 13">
+            <a:hlinkClick r:id="rId4" action="ppaction://hlinksldjump"/>
+            <a:extLst>
+              <a:ext uri="{FF2B5EF4-FFF2-40B4-BE49-F238E27FC236}">
+                <a16:creationId xmlns:a16="http://schemas.microsoft.com/office/drawing/2014/main" id="{444D84B2-79BD-450E-8417-C96F6DCD17BB}"/>
+              </a:ext>
+            </a:extLst>
+          </p:cNvPr>
+          <p:cNvSpPr txBox="1"/>
+          <p:nvPr/>
+        </p:nvSpPr>
+        <p:spPr>
+          <a:xfrm>
+            <a:off x="5647587" y="3527763"/>
+            <a:ext cx="955436" cy="369332"/>
+          </a:xfrm>
+          <a:prstGeom prst="rect">
+            <a:avLst/>
+          </a:prstGeom>
+          <a:noFill/>
+        </p:spPr>
+        <p:txBody>
+          <a:bodyPr wrap="square" rtlCol="0">
+            <a:spAutoFit/>
+          </a:bodyPr>
+          <a:lstStyle/>
+          <a:p>
+            <a:endParaRPr lang="en-MY" dirty="0"/>
+          </a:p>
+        </p:txBody>
+      </p:sp>
+      <p:sp>
+        <p:nvSpPr>
+          <p:cNvPr id="15" name="TextBox 14">
+            <a:hlinkClick r:id="rId6" action="ppaction://hlinksldjump"/>
+            <a:extLst>
+              <a:ext uri="{FF2B5EF4-FFF2-40B4-BE49-F238E27FC236}">
+                <a16:creationId xmlns:a16="http://schemas.microsoft.com/office/drawing/2014/main" id="{750AB329-BC30-4CF0-BADB-AB83D8CB916A}"/>
+              </a:ext>
+            </a:extLst>
+          </p:cNvPr>
+          <p:cNvSpPr txBox="1"/>
+          <p:nvPr/>
+        </p:nvSpPr>
+        <p:spPr>
+          <a:xfrm>
+            <a:off x="5776545" y="4294280"/>
+            <a:ext cx="624255" cy="369332"/>
+          </a:xfrm>
+          <a:prstGeom prst="rect">
+            <a:avLst/>
+          </a:prstGeom>
+          <a:noFill/>
+        </p:spPr>
+        <p:txBody>
+          <a:bodyPr wrap="square" rtlCol="0">
+            <a:spAutoFit/>
+          </a:bodyPr>
+          <a:lstStyle/>
+          <a:p>
+            <a:endParaRPr lang="en-MY" dirty="0"/>
+          </a:p>
+        </p:txBody>
+      </p:sp>
     </p:spTree>
     <p:extLst>
       <p:ext uri="{BB962C8B-B14F-4D97-AF65-F5344CB8AC3E}">
@@ -13906,11 +13258,11 @@
   <p:clrMapOvr>
     <a:masterClrMapping/>
   </p:clrMapOvr>
-  <mc:AlternateContent xmlns:mc="http://schemas.openxmlformats.org/markup-compatibility/2006">
-    <mc:Choice xmlns:p14="http://schemas.microsoft.com/office/powerpoint/2010/main" Requires="p14">
+  <mc:AlternateContent xmlns:mc="http://schemas.openxmlformats.org/markup-compatibility/2006" xmlns:p14="http://schemas.microsoft.com/office/powerpoint/2010/main">
+    <mc:Choice Requires="p14">
       <p:transition spd="slow" p14:dur="2000" advClick="0"/>
     </mc:Choice>
-    <mc:Fallback>
+    <mc:Fallback xmlns="">
       <p:transition spd="slow" advClick="0"/>
     </mc:Fallback>
   </mc:AlternateContent>
@@ -13949,7 +13301,7 @@
         <p:spPr>
           <a:xfrm>
             <a:off x="115410" y="124287"/>
-            <a:ext cx="11913833" cy="369332"/>
+            <a:ext cx="11913833" cy="523220"/>
           </a:xfrm>
           <a:prstGeom prst="rect">
             <a:avLst/>
@@ -13964,10 +13316,18 @@
           <a:p>
             <a:pPr algn="ctr"/>
             <a:r>
-              <a:rPr lang="en-US" dirty="0"/>
+              <a:rPr lang="en-US" sz="2800" dirty="0">
+                <a:solidFill>
+                  <a:srgbClr val="FFFF00"/>
+                </a:solidFill>
+              </a:rPr>
               <a:t>REGISTER TEACHER INTERFACE</a:t>
             </a:r>
-            <a:endParaRPr lang="en-MY" dirty="0"/>
+            <a:endParaRPr lang="en-MY" sz="2800" dirty="0">
+              <a:solidFill>
+                <a:srgbClr val="FFFF00"/>
+              </a:solidFill>
+            </a:endParaRPr>
           </a:p>
         </p:txBody>
       </p:sp>
@@ -13985,129 +13345,21 @@
           </p:cNvPicPr>
           <p:nvPr/>
         </p:nvPicPr>
-        <p:blipFill>
+        <p:blipFill rotWithShape="1">
           <a:blip r:embed="rId2"/>
-          <a:stretch>
-            <a:fillRect/>
-          </a:stretch>
+          <a:srcRect l="1838" t="622" r="2043" b="2198"/>
+          <a:stretch/>
         </p:blipFill>
         <p:spPr>
           <a:xfrm>
-            <a:off x="4669025" y="918351"/>
-            <a:ext cx="2853950" cy="5021297"/>
+            <a:off x="4636477" y="832733"/>
+            <a:ext cx="2919046" cy="5192534"/>
           </a:xfrm>
           <a:prstGeom prst="rect">
             <a:avLst/>
           </a:prstGeom>
         </p:spPr>
       </p:pic>
-      <p:sp>
-        <p:nvSpPr>
-          <p:cNvPr id="11" name="Action Button: Go Forward or Next 10">
-            <a:hlinkClick r:id="" action="ppaction://hlinkshowjump?jump=nextslide" highlightClick="1"/>
-            <a:extLst>
-              <a:ext uri="{FF2B5EF4-FFF2-40B4-BE49-F238E27FC236}">
-                <a16:creationId xmlns:a16="http://schemas.microsoft.com/office/drawing/2014/main" id="{FC208EED-B2FE-4983-9C1B-DA988E6A6E2C}"/>
-              </a:ext>
-            </a:extLst>
-          </p:cNvPr>
-          <p:cNvSpPr/>
-          <p:nvPr/>
-        </p:nvSpPr>
-        <p:spPr>
-          <a:xfrm>
-            <a:off x="10814538" y="5910262"/>
-            <a:ext cx="939312" cy="508123"/>
-          </a:xfrm>
-          <a:prstGeom prst="actionButtonForwardNext">
-            <a:avLst/>
-          </a:prstGeom>
-          <a:ln>
-            <a:solidFill>
-              <a:schemeClr val="bg2">
-                <a:lumMod val="75000"/>
-                <a:lumOff val="25000"/>
-              </a:schemeClr>
-            </a:solidFill>
-          </a:ln>
-        </p:spPr>
-        <p:style>
-          <a:lnRef idx="3">
-            <a:schemeClr val="lt1"/>
-          </a:lnRef>
-          <a:fillRef idx="1">
-            <a:schemeClr val="accent3"/>
-          </a:fillRef>
-          <a:effectRef idx="1">
-            <a:schemeClr val="accent3"/>
-          </a:effectRef>
-          <a:fontRef idx="minor">
-            <a:schemeClr val="lt1"/>
-          </a:fontRef>
-        </p:style>
-        <p:txBody>
-          <a:bodyPr rtlCol="0" anchor="ctr"/>
-          <a:lstStyle/>
-          <a:p>
-            <a:pPr algn="ctr"/>
-            <a:endParaRPr lang="en-MY"/>
-          </a:p>
-        </p:txBody>
-      </p:sp>
-      <p:sp>
-        <p:nvSpPr>
-          <p:cNvPr id="13" name="Action Button: Go Back or Previous 12">
-            <a:hlinkClick r:id="" action="ppaction://hlinkshowjump?jump=previousslide" highlightClick="1"/>
-            <a:extLst>
-              <a:ext uri="{FF2B5EF4-FFF2-40B4-BE49-F238E27FC236}">
-                <a16:creationId xmlns:a16="http://schemas.microsoft.com/office/drawing/2014/main" id="{B31E4B69-B909-45EC-9C9D-01F4A2FCD3B6}"/>
-              </a:ext>
-            </a:extLst>
-          </p:cNvPr>
-          <p:cNvSpPr/>
-          <p:nvPr/>
-        </p:nvSpPr>
-        <p:spPr>
-          <a:xfrm>
-            <a:off x="876627" y="5910262"/>
-            <a:ext cx="906971" cy="508123"/>
-          </a:xfrm>
-          <a:prstGeom prst="actionButtonBackPrevious">
-            <a:avLst/>
-          </a:prstGeom>
-          <a:ln>
-            <a:solidFill>
-              <a:schemeClr val="tx2">
-                <a:lumMod val="10000"/>
-              </a:schemeClr>
-            </a:solidFill>
-          </a:ln>
-        </p:spPr>
-        <p:style>
-          <a:lnRef idx="2">
-            <a:schemeClr val="accent4">
-              <a:shade val="50000"/>
-            </a:schemeClr>
-          </a:lnRef>
-          <a:fillRef idx="1">
-            <a:schemeClr val="accent4"/>
-          </a:fillRef>
-          <a:effectRef idx="0">
-            <a:schemeClr val="accent4"/>
-          </a:effectRef>
-          <a:fontRef idx="minor">
-            <a:schemeClr val="lt1"/>
-          </a:fontRef>
-        </p:style>
-        <p:txBody>
-          <a:bodyPr rtlCol="0" anchor="ctr"/>
-          <a:lstStyle/>
-          <a:p>
-            <a:pPr algn="ctr"/>
-            <a:endParaRPr lang="en-MY"/>
-          </a:p>
-        </p:txBody>
-      </p:sp>
       <p:sp>
         <p:nvSpPr>
           <p:cNvPr id="18" name="TextBox 17">
@@ -14123,8 +13375,8 @@
         </p:nvSpPr>
         <p:spPr>
           <a:xfrm>
-            <a:off x="5220393" y="3848793"/>
-            <a:ext cx="1712422" cy="365760"/>
+            <a:off x="5161085" y="3919132"/>
+            <a:ext cx="1767452" cy="353930"/>
           </a:xfrm>
           <a:prstGeom prst="rect">
             <a:avLst/>
@@ -14151,11 +13403,11 @@
   <p:clrMapOvr>
     <a:masterClrMapping/>
   </p:clrMapOvr>
-  <mc:AlternateContent xmlns:mc="http://schemas.openxmlformats.org/markup-compatibility/2006">
-    <mc:Choice xmlns:p14="http://schemas.microsoft.com/office/powerpoint/2010/main" Requires="p14">
+  <mc:AlternateContent xmlns:mc="http://schemas.openxmlformats.org/markup-compatibility/2006" xmlns:p14="http://schemas.microsoft.com/office/powerpoint/2010/main">
+    <mc:Choice Requires="p14">
       <p:transition spd="slow" p14:dur="2000" advClick="0"/>
     </mc:Choice>
-    <mc:Fallback>
+    <mc:Fallback xmlns="">
       <p:transition spd="slow" advClick="0"/>
     </mc:Fallback>
   </mc:AlternateContent>
@@ -14194,7 +13446,7 @@
         <p:spPr>
           <a:xfrm>
             <a:off x="115410" y="124287"/>
-            <a:ext cx="11913833" cy="369332"/>
+            <a:ext cx="11913833" cy="523220"/>
           </a:xfrm>
           <a:prstGeom prst="rect">
             <a:avLst/>
@@ -14209,63 +13461,18 @@
           <a:p>
             <a:pPr algn="ctr"/>
             <a:r>
-              <a:rPr lang="en-US" dirty="0"/>
+              <a:rPr lang="en-US" sz="2800" dirty="0">
+                <a:solidFill>
+                  <a:srgbClr val="FFFF00"/>
+                </a:solidFill>
+              </a:rPr>
               <a:t>UPDATE TEACHER INTERFACE</a:t>
             </a:r>
-            <a:endParaRPr lang="en-MY" dirty="0"/>
-          </a:p>
-        </p:txBody>
-      </p:sp>
-      <p:sp>
-        <p:nvSpPr>
-          <p:cNvPr id="8" name="Action Button: Go Forward or Next 7">
-            <a:hlinkClick r:id="" action="ppaction://hlinkshowjump?jump=nextslide" highlightClick="1"/>
-            <a:extLst>
-              <a:ext uri="{FF2B5EF4-FFF2-40B4-BE49-F238E27FC236}">
-                <a16:creationId xmlns:a16="http://schemas.microsoft.com/office/drawing/2014/main" id="{32317A10-3091-4EC1-9A62-9AB669BBA7CA}"/>
-              </a:ext>
-            </a:extLst>
-          </p:cNvPr>
-          <p:cNvSpPr/>
-          <p:nvPr/>
-        </p:nvSpPr>
-        <p:spPr>
-          <a:xfrm>
-            <a:off x="10814538" y="5910262"/>
-            <a:ext cx="939312" cy="508123"/>
-          </a:xfrm>
-          <a:prstGeom prst="actionButtonForwardNext">
-            <a:avLst/>
-          </a:prstGeom>
-          <a:ln>
-            <a:solidFill>
-              <a:schemeClr val="bg2">
-                <a:lumMod val="75000"/>
-                <a:lumOff val="25000"/>
-              </a:schemeClr>
-            </a:solidFill>
-          </a:ln>
-        </p:spPr>
-        <p:style>
-          <a:lnRef idx="3">
-            <a:schemeClr val="lt1"/>
-          </a:lnRef>
-          <a:fillRef idx="1">
-            <a:schemeClr val="accent3"/>
-          </a:fillRef>
-          <a:effectRef idx="1">
-            <a:schemeClr val="accent3"/>
-          </a:effectRef>
-          <a:fontRef idx="minor">
-            <a:schemeClr val="lt1"/>
-          </a:fontRef>
-        </p:style>
-        <p:txBody>
-          <a:bodyPr rtlCol="0" anchor="ctr"/>
-          <a:lstStyle/>
-          <a:p>
-            <a:pPr algn="ctr"/>
-            <a:endParaRPr lang="en-MY"/>
+            <a:endParaRPr lang="en-MY" sz="2800" dirty="0">
+              <a:solidFill>
+                <a:srgbClr val="FFFF00"/>
+              </a:solidFill>
+            </a:endParaRPr>
           </a:p>
         </p:txBody>
       </p:sp>
@@ -14283,76 +13490,21 @@
           </p:cNvPicPr>
           <p:nvPr/>
         </p:nvPicPr>
-        <p:blipFill>
+        <p:blipFill rotWithShape="1">
           <a:blip r:embed="rId2"/>
-          <a:stretch>
-            <a:fillRect/>
-          </a:stretch>
+          <a:srcRect l="1633" t="2037" r="2820" b="3122"/>
+          <a:stretch/>
         </p:blipFill>
         <p:spPr>
           <a:xfrm>
-            <a:off x="4738687" y="1000125"/>
-            <a:ext cx="2714625" cy="4857750"/>
+            <a:off x="4632080" y="828682"/>
+            <a:ext cx="2927839" cy="5200636"/>
           </a:xfrm>
           <a:prstGeom prst="rect">
             <a:avLst/>
           </a:prstGeom>
         </p:spPr>
       </p:pic>
-      <p:sp>
-        <p:nvSpPr>
-          <p:cNvPr id="11" name="Action Button: Go Back or Previous 10">
-            <a:hlinkClick r:id="" action="ppaction://hlinkshowjump?jump=previousslide" highlightClick="1"/>
-            <a:extLst>
-              <a:ext uri="{FF2B5EF4-FFF2-40B4-BE49-F238E27FC236}">
-                <a16:creationId xmlns:a16="http://schemas.microsoft.com/office/drawing/2014/main" id="{0A596ED1-CD78-4CC5-8D17-D122BBFE076D}"/>
-              </a:ext>
-            </a:extLst>
-          </p:cNvPr>
-          <p:cNvSpPr/>
-          <p:nvPr/>
-        </p:nvSpPr>
-        <p:spPr>
-          <a:xfrm>
-            <a:off x="876627" y="5910262"/>
-            <a:ext cx="906971" cy="508123"/>
-          </a:xfrm>
-          <a:prstGeom prst="actionButtonBackPrevious">
-            <a:avLst/>
-          </a:prstGeom>
-          <a:ln>
-            <a:solidFill>
-              <a:schemeClr val="tx2">
-                <a:lumMod val="10000"/>
-              </a:schemeClr>
-            </a:solidFill>
-          </a:ln>
-        </p:spPr>
-        <p:style>
-          <a:lnRef idx="2">
-            <a:schemeClr val="accent4">
-              <a:shade val="50000"/>
-            </a:schemeClr>
-          </a:lnRef>
-          <a:fillRef idx="1">
-            <a:schemeClr val="accent4"/>
-          </a:fillRef>
-          <a:effectRef idx="0">
-            <a:schemeClr val="accent4"/>
-          </a:effectRef>
-          <a:fontRef idx="minor">
-            <a:schemeClr val="lt1"/>
-          </a:fontRef>
-        </p:style>
-        <p:txBody>
-          <a:bodyPr rtlCol="0" anchor="ctr"/>
-          <a:lstStyle/>
-          <a:p>
-            <a:pPr algn="ctr"/>
-            <a:endParaRPr lang="en-MY"/>
-          </a:p>
-        </p:txBody>
-      </p:sp>
       <p:sp>
         <p:nvSpPr>
           <p:cNvPr id="17" name="TextBox 16">
@@ -14368,7 +13520,7 @@
         </p:nvSpPr>
         <p:spPr>
           <a:xfrm>
-            <a:off x="5216115" y="3807230"/>
+            <a:off x="5216115" y="3877568"/>
             <a:ext cx="1712422" cy="365760"/>
           </a:xfrm>
           <a:prstGeom prst="rect">
@@ -14396,11 +13548,11 @@
   <p:clrMapOvr>
     <a:masterClrMapping/>
   </p:clrMapOvr>
-  <mc:AlternateContent xmlns:mc="http://schemas.openxmlformats.org/markup-compatibility/2006">
-    <mc:Choice xmlns:p14="http://schemas.microsoft.com/office/powerpoint/2010/main" Requires="p14">
+  <mc:AlternateContent xmlns:mc="http://schemas.openxmlformats.org/markup-compatibility/2006" xmlns:p14="http://schemas.microsoft.com/office/powerpoint/2010/main">
+    <mc:Choice Requires="p14">
       <p:transition spd="slow" p14:dur="2000" advClick="0"/>
     </mc:Choice>
-    <mc:Fallback>
+    <mc:Fallback xmlns="">
       <p:transition spd="slow" advClick="0"/>
     </mc:Fallback>
   </mc:AlternateContent>
@@ -14439,7 +13591,7 @@
         <p:spPr>
           <a:xfrm>
             <a:off x="115410" y="124287"/>
-            <a:ext cx="11913833" cy="369332"/>
+            <a:ext cx="11913833" cy="523220"/>
           </a:xfrm>
           <a:prstGeom prst="rect">
             <a:avLst/>
@@ -14454,10 +13606,18 @@
           <a:p>
             <a:pPr algn="ctr"/>
             <a:r>
-              <a:rPr lang="en-US" dirty="0"/>
-              <a:t>DELETE STUDENT INTERFACE</a:t>
+              <a:rPr lang="en-US" sz="2800" dirty="0">
+                <a:solidFill>
+                  <a:srgbClr val="FFFF00"/>
+                </a:solidFill>
+              </a:rPr>
+              <a:t>DELETE TEACHER INTERFACE</a:t>
             </a:r>
-            <a:endParaRPr lang="en-MY" dirty="0"/>
+            <a:endParaRPr lang="en-MY" sz="2800" dirty="0">
+              <a:solidFill>
+                <a:srgbClr val="FFFF00"/>
+              </a:solidFill>
+            </a:endParaRPr>
           </a:p>
         </p:txBody>
       </p:sp>
@@ -14475,130 +13635,21 @@
           </p:cNvPicPr>
           <p:nvPr/>
         </p:nvPicPr>
-        <p:blipFill>
+        <p:blipFill rotWithShape="1">
           <a:blip r:embed="rId2"/>
-          <a:stretch>
-            <a:fillRect/>
-          </a:stretch>
+          <a:srcRect l="3496" t="2504" r="3704" b="3057"/>
+          <a:stretch/>
         </p:blipFill>
         <p:spPr>
           <a:xfrm>
-            <a:off x="4693798" y="975147"/>
-            <a:ext cx="2804403" cy="4907705"/>
+            <a:off x="4652482" y="854076"/>
+            <a:ext cx="2887036" cy="5149848"/>
           </a:xfrm>
           <a:prstGeom prst="rect">
             <a:avLst/>
           </a:prstGeom>
         </p:spPr>
       </p:pic>
-      <p:sp>
-        <p:nvSpPr>
-          <p:cNvPr id="9" name="Action Button: Go Home 8">
-            <a:hlinkClick r:id="" action="ppaction://hlinkshowjump?jump=firstslide" highlightClick="1"/>
-            <a:extLst>
-              <a:ext uri="{FF2B5EF4-FFF2-40B4-BE49-F238E27FC236}">
-                <a16:creationId xmlns:a16="http://schemas.microsoft.com/office/drawing/2014/main" id="{A998C389-5E9E-4D51-A790-ADA44814EC26}"/>
-              </a:ext>
-            </a:extLst>
-          </p:cNvPr>
-          <p:cNvSpPr/>
-          <p:nvPr/>
-        </p:nvSpPr>
-        <p:spPr>
-          <a:xfrm>
-            <a:off x="10744200" y="5924550"/>
-            <a:ext cx="1056443" cy="668216"/>
-          </a:xfrm>
-          <a:prstGeom prst="actionButtonHome">
-            <a:avLst/>
-          </a:prstGeom>
-          <a:ln>
-            <a:solidFill>
-              <a:schemeClr val="accent1">
-                <a:lumMod val="10000"/>
-              </a:schemeClr>
-            </a:solidFill>
-          </a:ln>
-        </p:spPr>
-        <p:style>
-          <a:lnRef idx="2">
-            <a:schemeClr val="accent5">
-              <a:shade val="50000"/>
-            </a:schemeClr>
-          </a:lnRef>
-          <a:fillRef idx="1">
-            <a:schemeClr val="accent5"/>
-          </a:fillRef>
-          <a:effectRef idx="0">
-            <a:schemeClr val="accent5"/>
-          </a:effectRef>
-          <a:fontRef idx="minor">
-            <a:schemeClr val="lt1"/>
-          </a:fontRef>
-        </p:style>
-        <p:txBody>
-          <a:bodyPr rtlCol="0" anchor="ctr"/>
-          <a:lstStyle/>
-          <a:p>
-            <a:pPr algn="ctr"/>
-            <a:endParaRPr lang="en-MY"/>
-          </a:p>
-        </p:txBody>
-      </p:sp>
-      <p:sp>
-        <p:nvSpPr>
-          <p:cNvPr id="11" name="Action Button: Go Back or Previous 10">
-            <a:hlinkClick r:id="" action="ppaction://hlinkshowjump?jump=previousslide" highlightClick="1"/>
-            <a:extLst>
-              <a:ext uri="{FF2B5EF4-FFF2-40B4-BE49-F238E27FC236}">
-                <a16:creationId xmlns:a16="http://schemas.microsoft.com/office/drawing/2014/main" id="{62729E00-4D6C-471B-93F9-F849C7B5AB69}"/>
-              </a:ext>
-            </a:extLst>
-          </p:cNvPr>
-          <p:cNvSpPr/>
-          <p:nvPr/>
-        </p:nvSpPr>
-        <p:spPr>
-          <a:xfrm>
-            <a:off x="876627" y="5910262"/>
-            <a:ext cx="906971" cy="508123"/>
-          </a:xfrm>
-          <a:prstGeom prst="actionButtonBackPrevious">
-            <a:avLst/>
-          </a:prstGeom>
-          <a:ln>
-            <a:solidFill>
-              <a:schemeClr val="tx2">
-                <a:lumMod val="10000"/>
-              </a:schemeClr>
-            </a:solidFill>
-          </a:ln>
-        </p:spPr>
-        <p:style>
-          <a:lnRef idx="2">
-            <a:schemeClr val="accent4">
-              <a:shade val="50000"/>
-            </a:schemeClr>
-          </a:lnRef>
-          <a:fillRef idx="1">
-            <a:schemeClr val="accent4"/>
-          </a:fillRef>
-          <a:effectRef idx="0">
-            <a:schemeClr val="accent4"/>
-          </a:effectRef>
-          <a:fontRef idx="minor">
-            <a:schemeClr val="lt1"/>
-          </a:fontRef>
-        </p:style>
-        <p:txBody>
-          <a:bodyPr rtlCol="0" anchor="ctr"/>
-          <a:lstStyle/>
-          <a:p>
-            <a:pPr algn="ctr"/>
-            <a:endParaRPr lang="en-MY"/>
-          </a:p>
-        </p:txBody>
-      </p:sp>
       <p:sp>
         <p:nvSpPr>
           <p:cNvPr id="17" name="TextBox 16">
@@ -14614,8 +13665,8 @@
         </p:nvSpPr>
         <p:spPr>
           <a:xfrm>
-            <a:off x="5216115" y="3807229"/>
-            <a:ext cx="1712422" cy="365760"/>
+            <a:off x="5169436" y="3895152"/>
+            <a:ext cx="1805780" cy="365760"/>
           </a:xfrm>
           <a:prstGeom prst="rect">
             <a:avLst/>
@@ -14642,11 +13693,11 @@
   <p:clrMapOvr>
     <a:masterClrMapping/>
   </p:clrMapOvr>
-  <mc:AlternateContent xmlns:mc="http://schemas.openxmlformats.org/markup-compatibility/2006">
-    <mc:Choice xmlns:p14="http://schemas.microsoft.com/office/powerpoint/2010/main" Requires="p14">
+  <mc:AlternateContent xmlns:mc="http://schemas.openxmlformats.org/markup-compatibility/2006" xmlns:p14="http://schemas.microsoft.com/office/powerpoint/2010/main">
+    <mc:Choice Requires="p14">
       <p:transition spd="slow" p14:dur="2000" advClick="0"/>
     </mc:Choice>
-    <mc:Fallback>
+    <mc:Fallback xmlns="">
       <p:transition spd="slow" advClick="0"/>
     </mc:Fallback>
   </mc:AlternateContent>
@@ -14675,7 +13726,7 @@
           <p:cNvPr id="4" name="TextBox 3">
             <a:extLst>
               <a:ext uri="{FF2B5EF4-FFF2-40B4-BE49-F238E27FC236}">
-                <a16:creationId xmlns:a16="http://schemas.microsoft.com/office/drawing/2014/main" id="{FB6F6D85-918A-4B7B-825D-83511722034B}"/>
+                <a16:creationId xmlns:a16="http://schemas.microsoft.com/office/drawing/2014/main" id="{EC5C8E7A-9165-4538-B872-42B0DAA1E62A}"/>
               </a:ext>
             </a:extLst>
           </p:cNvPr>
@@ -14684,8 +13735,8 @@
         </p:nvSpPr>
         <p:spPr>
           <a:xfrm>
-            <a:off x="409575" y="161925"/>
-            <a:ext cx="11344275" cy="369332"/>
+            <a:off x="498629" y="160140"/>
+            <a:ext cx="11194742" cy="523220"/>
           </a:xfrm>
           <a:prstGeom prst="rect">
             <a:avLst/>
@@ -14700,19 +13751,125 @@
           <a:p>
             <a:pPr algn="ctr"/>
             <a:r>
-              <a:rPr lang="en-US" dirty="0"/>
-              <a:t>LOGIN INTERFACE</a:t>
+              <a:rPr lang="en-US" sz="2800" dirty="0">
+                <a:solidFill>
+                  <a:srgbClr val="FFFF00"/>
+                </a:solidFill>
+              </a:rPr>
+              <a:t>REGISTER INTERFACE</a:t>
             </a:r>
+            <a:endParaRPr lang="en-MY" sz="2800" dirty="0">
+              <a:solidFill>
+                <a:srgbClr val="FFFF00"/>
+              </a:solidFill>
+            </a:endParaRPr>
+          </a:p>
+        </p:txBody>
+      </p:sp>
+      <p:sp>
+        <p:nvSpPr>
+          <p:cNvPr id="9" name="TextBox 8">
+            <a:hlinkClick r:id="rId2" action="ppaction://hlinksldjump"/>
+            <a:extLst>
+              <a:ext uri="{FF2B5EF4-FFF2-40B4-BE49-F238E27FC236}">
+                <a16:creationId xmlns:a16="http://schemas.microsoft.com/office/drawing/2014/main" id="{34679284-F88A-419A-BC6A-86ECCE60AD3F}"/>
+              </a:ext>
+            </a:extLst>
+          </p:cNvPr>
+          <p:cNvSpPr txBox="1"/>
+          <p:nvPr/>
+        </p:nvSpPr>
+        <p:spPr>
+          <a:xfrm>
+            <a:off x="5794131" y="4360984"/>
+            <a:ext cx="580292" cy="369332"/>
+          </a:xfrm>
+          <a:prstGeom prst="rect">
+            <a:avLst/>
+          </a:prstGeom>
+          <a:noFill/>
+        </p:spPr>
+        <p:txBody>
+          <a:bodyPr wrap="square" rtlCol="0">
+            <a:spAutoFit/>
+          </a:bodyPr>
+          <a:lstStyle/>
+          <a:p>
+            <a:endParaRPr lang="en-MY" dirty="0"/>
+          </a:p>
+        </p:txBody>
+      </p:sp>
+      <p:sp>
+        <p:nvSpPr>
+          <p:cNvPr id="10" name="TextBox 9">
+            <a:extLst>
+              <a:ext uri="{FF2B5EF4-FFF2-40B4-BE49-F238E27FC236}">
+                <a16:creationId xmlns:a16="http://schemas.microsoft.com/office/drawing/2014/main" id="{A17DC650-857A-479D-A844-2A0025AC8B9D}"/>
+              </a:ext>
+            </a:extLst>
+          </p:cNvPr>
+          <p:cNvSpPr txBox="1"/>
+          <p:nvPr/>
+        </p:nvSpPr>
+        <p:spPr>
+          <a:xfrm>
+            <a:off x="5811715" y="5152292"/>
+            <a:ext cx="184731" cy="369332"/>
+          </a:xfrm>
+          <a:prstGeom prst="rect">
+            <a:avLst/>
+          </a:prstGeom>
+          <a:noFill/>
+        </p:spPr>
+        <p:txBody>
+          <a:bodyPr wrap="none" rtlCol="0">
+            <a:spAutoFit/>
+          </a:bodyPr>
+          <a:lstStyle/>
+          <a:p>
+            <a:endParaRPr lang="en-MY" dirty="0"/>
+          </a:p>
+        </p:txBody>
+      </p:sp>
+      <p:sp>
+        <p:nvSpPr>
+          <p:cNvPr id="11" name="TextBox 10">
+            <a:hlinkClick r:id="rId2" action="ppaction://hlinksldjump"/>
+            <a:extLst>
+              <a:ext uri="{FF2B5EF4-FFF2-40B4-BE49-F238E27FC236}">
+                <a16:creationId xmlns:a16="http://schemas.microsoft.com/office/drawing/2014/main" id="{A103E17E-793A-4D7A-AC43-0B67BFA4C3FB}"/>
+              </a:ext>
+            </a:extLst>
+          </p:cNvPr>
+          <p:cNvSpPr txBox="1"/>
+          <p:nvPr/>
+        </p:nvSpPr>
+        <p:spPr>
+          <a:xfrm>
+            <a:off x="5454162" y="4698837"/>
+            <a:ext cx="1283676" cy="158207"/>
+          </a:xfrm>
+          <a:prstGeom prst="rect">
+            <a:avLst/>
+          </a:prstGeom>
+          <a:noFill/>
+        </p:spPr>
+        <p:txBody>
+          <a:bodyPr wrap="square" rtlCol="0">
+            <a:spAutoFit/>
+          </a:bodyPr>
+          <a:lstStyle/>
+          <a:p>
             <a:endParaRPr lang="en-MY" dirty="0"/>
           </a:p>
         </p:txBody>
       </p:sp>
       <p:pic>
         <p:nvPicPr>
-          <p:cNvPr id="5" name="Picture 4">
+          <p:cNvPr id="3" name="Picture 2">
             <a:extLst>
               <a:ext uri="{FF2B5EF4-FFF2-40B4-BE49-F238E27FC236}">
-                <a16:creationId xmlns:a16="http://schemas.microsoft.com/office/drawing/2014/main" id="{3250821C-0517-49EA-985D-6D8452D45F31}"/>
+                <a16:creationId xmlns:a16="http://schemas.microsoft.com/office/drawing/2014/main" id="{55BC26E0-F95E-4040-9AF1-067081FDA15D}"/>
               </a:ext>
             </a:extLst>
           </p:cNvPr>
@@ -14722,15 +13879,15 @@
           <p:nvPr/>
         </p:nvPicPr>
         <p:blipFill>
-          <a:blip r:embed="rId2"/>
+          <a:blip r:embed="rId3"/>
           <a:stretch>
             <a:fillRect/>
           </a:stretch>
         </p:blipFill>
         <p:spPr>
           <a:xfrm>
-            <a:off x="4724399" y="947737"/>
-            <a:ext cx="2714625" cy="4962525"/>
+            <a:off x="4979011" y="952868"/>
+            <a:ext cx="2790824" cy="4952264"/>
           </a:xfrm>
           <a:prstGeom prst="rect">
             <a:avLst/>
@@ -14739,118 +13896,11 @@
       </p:pic>
       <p:sp>
         <p:nvSpPr>
-          <p:cNvPr id="2" name="Action Button: Go Forward or Next 1">
-            <a:hlinkClick r:id="" action="ppaction://hlinkshowjump?jump=nextslide" highlightClick="1"/>
+          <p:cNvPr id="5" name="TextBox 4">
+            <a:hlinkClick r:id="rId2" action="ppaction://hlinksldjump"/>
             <a:extLst>
               <a:ext uri="{FF2B5EF4-FFF2-40B4-BE49-F238E27FC236}">
-                <a16:creationId xmlns:a16="http://schemas.microsoft.com/office/drawing/2014/main" id="{6455D3AC-1ABB-474A-B764-4AF8494C3A2A}"/>
-              </a:ext>
-            </a:extLst>
-          </p:cNvPr>
-          <p:cNvSpPr/>
-          <p:nvPr/>
-        </p:nvSpPr>
-        <p:spPr>
-          <a:xfrm>
-            <a:off x="10814538" y="5910262"/>
-            <a:ext cx="939312" cy="508123"/>
-          </a:xfrm>
-          <a:prstGeom prst="actionButtonForwardNext">
-            <a:avLst/>
-          </a:prstGeom>
-          <a:ln>
-            <a:solidFill>
-              <a:schemeClr val="bg2">
-                <a:lumMod val="75000"/>
-                <a:lumOff val="25000"/>
-              </a:schemeClr>
-            </a:solidFill>
-          </a:ln>
-        </p:spPr>
-        <p:style>
-          <a:lnRef idx="3">
-            <a:schemeClr val="lt1"/>
-          </a:lnRef>
-          <a:fillRef idx="1">
-            <a:schemeClr val="accent3"/>
-          </a:fillRef>
-          <a:effectRef idx="1">
-            <a:schemeClr val="accent3"/>
-          </a:effectRef>
-          <a:fontRef idx="minor">
-            <a:schemeClr val="lt1"/>
-          </a:fontRef>
-        </p:style>
-        <p:txBody>
-          <a:bodyPr rtlCol="0" anchor="ctr"/>
-          <a:lstStyle/>
-          <a:p>
-            <a:pPr algn="ctr"/>
-            <a:endParaRPr lang="en-MY"/>
-          </a:p>
-        </p:txBody>
-      </p:sp>
-      <p:sp>
-        <p:nvSpPr>
-          <p:cNvPr id="3" name="Action Button: Go Back or Previous 2">
-            <a:hlinkClick r:id="" action="ppaction://hlinkshowjump?jump=previousslide" highlightClick="1"/>
-            <a:extLst>
-              <a:ext uri="{FF2B5EF4-FFF2-40B4-BE49-F238E27FC236}">
-                <a16:creationId xmlns:a16="http://schemas.microsoft.com/office/drawing/2014/main" id="{DF200C9C-3FC7-4A23-B0F0-4B9F8706BE03}"/>
-              </a:ext>
-            </a:extLst>
-          </p:cNvPr>
-          <p:cNvSpPr/>
-          <p:nvPr/>
-        </p:nvSpPr>
-        <p:spPr>
-          <a:xfrm>
-            <a:off x="876627" y="5910262"/>
-            <a:ext cx="906971" cy="508123"/>
-          </a:xfrm>
-          <a:prstGeom prst="actionButtonBackPrevious">
-            <a:avLst/>
-          </a:prstGeom>
-          <a:ln>
-            <a:solidFill>
-              <a:schemeClr val="tx2">
-                <a:lumMod val="10000"/>
-              </a:schemeClr>
-            </a:solidFill>
-          </a:ln>
-        </p:spPr>
-        <p:style>
-          <a:lnRef idx="2">
-            <a:schemeClr val="accent4">
-              <a:shade val="50000"/>
-            </a:schemeClr>
-          </a:lnRef>
-          <a:fillRef idx="1">
-            <a:schemeClr val="accent4"/>
-          </a:fillRef>
-          <a:effectRef idx="0">
-            <a:schemeClr val="accent4"/>
-          </a:effectRef>
-          <a:fontRef idx="minor">
-            <a:schemeClr val="lt1"/>
-          </a:fontRef>
-        </p:style>
-        <p:txBody>
-          <a:bodyPr rtlCol="0" anchor="ctr"/>
-          <a:lstStyle/>
-          <a:p>
-            <a:pPr algn="ctr"/>
-            <a:endParaRPr lang="en-MY"/>
-          </a:p>
-        </p:txBody>
-      </p:sp>
-      <p:sp>
-        <p:nvSpPr>
-          <p:cNvPr id="6" name="TextBox 5">
-            <a:hlinkClick r:id="rId3" action="ppaction://hlinksldjump"/>
-            <a:extLst>
-              <a:ext uri="{FF2B5EF4-FFF2-40B4-BE49-F238E27FC236}">
-                <a16:creationId xmlns:a16="http://schemas.microsoft.com/office/drawing/2014/main" id="{B0D135D4-AA62-4A17-8AC2-3B8C7508B024}"/>
+                <a16:creationId xmlns:a16="http://schemas.microsoft.com/office/drawing/2014/main" id="{5E3168FD-7E57-4F8E-B112-65F03F83332C}"/>
               </a:ext>
             </a:extLst>
           </p:cNvPr>
@@ -14859,8 +13909,8 @@
         </p:nvSpPr>
         <p:spPr>
           <a:xfrm>
-            <a:off x="4839799" y="3727938"/>
-            <a:ext cx="2512402" cy="219809"/>
+            <a:off x="6084277" y="4368419"/>
+            <a:ext cx="580292" cy="254708"/>
           </a:xfrm>
           <a:prstGeom prst="rect">
             <a:avLst/>
@@ -14880,10 +13930,10 @@
       <p:sp>
         <p:nvSpPr>
           <p:cNvPr id="7" name="TextBox 6">
-            <a:hlinkClick r:id="rId4" action="ppaction://hlinksldjump"/>
+            <a:hlinkClick r:id="rId2" action="ppaction://hlinksldjump"/>
             <a:extLst>
               <a:ext uri="{FF2B5EF4-FFF2-40B4-BE49-F238E27FC236}">
-                <a16:creationId xmlns:a16="http://schemas.microsoft.com/office/drawing/2014/main" id="{A74703C7-A4FD-42B2-9FD0-4999418DD1D2}"/>
+                <a16:creationId xmlns:a16="http://schemas.microsoft.com/office/drawing/2014/main" id="{EB5134FD-DE73-4D08-9C2F-70372B3FF0F2}"/>
               </a:ext>
             </a:extLst>
           </p:cNvPr>
@@ -14892,8 +13942,8 @@
         </p:nvSpPr>
         <p:spPr>
           <a:xfrm>
-            <a:off x="5470645" y="3947747"/>
-            <a:ext cx="1222131" cy="219809"/>
+            <a:off x="5675434" y="4698837"/>
+            <a:ext cx="1397977" cy="108167"/>
           </a:xfrm>
           <a:prstGeom prst="rect">
             <a:avLst/>
@@ -14910,227 +13960,21 @@
           </a:p>
         </p:txBody>
       </p:sp>
-      <p:sp>
-        <p:nvSpPr>
-          <p:cNvPr id="10" name="TextBox 9">
-            <a:extLst>
-              <a:ext uri="{FF2B5EF4-FFF2-40B4-BE49-F238E27FC236}">
-                <a16:creationId xmlns:a16="http://schemas.microsoft.com/office/drawing/2014/main" id="{6074F10B-8A2F-490B-A104-3640AB3956D0}"/>
-              </a:ext>
-            </a:extLst>
-          </p:cNvPr>
-          <p:cNvSpPr txBox="1"/>
-          <p:nvPr/>
-        </p:nvSpPr>
-        <p:spPr>
-          <a:xfrm>
-            <a:off x="2302483" y="3732281"/>
-            <a:ext cx="2180493" cy="369332"/>
-          </a:xfrm>
-          <a:prstGeom prst="rect">
-            <a:avLst/>
-          </a:prstGeom>
-          <a:noFill/>
-        </p:spPr>
-        <p:txBody>
-          <a:bodyPr wrap="square" rtlCol="0">
-            <a:spAutoFit/>
-          </a:bodyPr>
-          <a:lstStyle/>
-          <a:p>
-            <a:endParaRPr lang="en-MY" dirty="0"/>
-          </a:p>
-        </p:txBody>
-      </p:sp>
-      <p:sp>
-        <p:nvSpPr>
-          <p:cNvPr id="12" name="TextBox 11">
-            <a:extLst>
-              <a:ext uri="{FF2B5EF4-FFF2-40B4-BE49-F238E27FC236}">
-                <a16:creationId xmlns:a16="http://schemas.microsoft.com/office/drawing/2014/main" id="{6799A628-455E-42C5-9338-EE7709496E0E}"/>
-              </a:ext>
-            </a:extLst>
-          </p:cNvPr>
-          <p:cNvSpPr txBox="1"/>
-          <p:nvPr/>
-        </p:nvSpPr>
-        <p:spPr>
-          <a:xfrm>
-            <a:off x="7709023" y="3358606"/>
-            <a:ext cx="1725122" cy="369332"/>
-          </a:xfrm>
-          <a:prstGeom prst="rect">
-            <a:avLst/>
-          </a:prstGeom>
-          <a:noFill/>
-        </p:spPr>
-        <p:txBody>
-          <a:bodyPr wrap="square" rtlCol="0">
-            <a:spAutoFit/>
-          </a:bodyPr>
-          <a:lstStyle/>
-          <a:p>
-            <a:pPr algn="ctr"/>
-            <a:r>
-              <a:rPr lang="en-US" dirty="0"/>
-              <a:t>Login as Teacher</a:t>
-            </a:r>
-          </a:p>
-        </p:txBody>
-      </p:sp>
-      <p:sp>
-        <p:nvSpPr>
-          <p:cNvPr id="14" name="TextBox 13">
-            <a:extLst>
-              <a:ext uri="{FF2B5EF4-FFF2-40B4-BE49-F238E27FC236}">
-                <a16:creationId xmlns:a16="http://schemas.microsoft.com/office/drawing/2014/main" id="{2F1CE3F8-468B-479B-B08C-7EB5F5FD1E2E}"/>
-              </a:ext>
-            </a:extLst>
-          </p:cNvPr>
-          <p:cNvSpPr txBox="1"/>
-          <p:nvPr/>
-        </p:nvSpPr>
-        <p:spPr>
-          <a:xfrm>
-            <a:off x="2904387" y="3358606"/>
-            <a:ext cx="1578589" cy="369332"/>
-          </a:xfrm>
-          <a:prstGeom prst="rect">
-            <a:avLst/>
-          </a:prstGeom>
-          <a:noFill/>
-        </p:spPr>
-        <p:txBody>
-          <a:bodyPr wrap="square" rtlCol="0">
-            <a:spAutoFit/>
-          </a:bodyPr>
-          <a:lstStyle/>
-          <a:p>
-            <a:pPr algn="ctr"/>
-            <a:r>
-              <a:rPr lang="en-US" dirty="0"/>
-              <a:t>Login as Admin</a:t>
-            </a:r>
-          </a:p>
-        </p:txBody>
-      </p:sp>
-      <p:sp>
-        <p:nvSpPr>
-          <p:cNvPr id="17" name="Rectangle: Rounded Corners 16">
-            <a:hlinkClick r:id="rId5" action="ppaction://hlinksldjump"/>
-            <a:extLst>
-              <a:ext uri="{FF2B5EF4-FFF2-40B4-BE49-F238E27FC236}">
-                <a16:creationId xmlns:a16="http://schemas.microsoft.com/office/drawing/2014/main" id="{009ADF53-DE78-40CB-A529-169B9D72BA5A}"/>
-              </a:ext>
-            </a:extLst>
-          </p:cNvPr>
-          <p:cNvSpPr/>
-          <p:nvPr/>
-        </p:nvSpPr>
-        <p:spPr>
-          <a:xfrm>
-            <a:off x="8033742" y="3741126"/>
-            <a:ext cx="1075683" cy="351641"/>
-          </a:xfrm>
-          <a:prstGeom prst="roundRect">
-            <a:avLst/>
-          </a:prstGeom>
-        </p:spPr>
-        <p:style>
-          <a:lnRef idx="2">
-            <a:schemeClr val="accent4">
-              <a:shade val="50000"/>
-            </a:schemeClr>
-          </a:lnRef>
-          <a:fillRef idx="1">
-            <a:schemeClr val="accent4"/>
-          </a:fillRef>
-          <a:effectRef idx="0">
-            <a:schemeClr val="accent4"/>
-          </a:effectRef>
-          <a:fontRef idx="minor">
-            <a:schemeClr val="lt1"/>
-          </a:fontRef>
-        </p:style>
-        <p:txBody>
-          <a:bodyPr rtlCol="0" anchor="ctr"/>
-          <a:lstStyle/>
-          <a:p>
-            <a:pPr algn="ctr"/>
-            <a:r>
-              <a:rPr lang="en-US" sz="1200" dirty="0"/>
-              <a:t>CLICK HERE</a:t>
-            </a:r>
-            <a:endParaRPr lang="en-MY" sz="1200" dirty="0"/>
-          </a:p>
-        </p:txBody>
-      </p:sp>
-      <p:sp>
-        <p:nvSpPr>
-          <p:cNvPr id="19" name="Rectangle: Rounded Corners 18">
-            <a:hlinkClick r:id="rId3" action="ppaction://hlinksldjump"/>
-            <a:extLst>
-              <a:ext uri="{FF2B5EF4-FFF2-40B4-BE49-F238E27FC236}">
-                <a16:creationId xmlns:a16="http://schemas.microsoft.com/office/drawing/2014/main" id="{626AAC78-BAA1-461C-96FE-35C35B010EF3}"/>
-              </a:ext>
-            </a:extLst>
-          </p:cNvPr>
-          <p:cNvSpPr/>
-          <p:nvPr/>
-        </p:nvSpPr>
-        <p:spPr>
-          <a:xfrm>
-            <a:off x="3155839" y="3741126"/>
-            <a:ext cx="1075683" cy="351641"/>
-          </a:xfrm>
-          <a:prstGeom prst="roundRect">
-            <a:avLst/>
-          </a:prstGeom>
-        </p:spPr>
-        <p:style>
-          <a:lnRef idx="2">
-            <a:schemeClr val="accent4">
-              <a:shade val="50000"/>
-            </a:schemeClr>
-          </a:lnRef>
-          <a:fillRef idx="1">
-            <a:schemeClr val="accent4"/>
-          </a:fillRef>
-          <a:effectRef idx="0">
-            <a:schemeClr val="accent4"/>
-          </a:effectRef>
-          <a:fontRef idx="minor">
-            <a:schemeClr val="lt1"/>
-          </a:fontRef>
-        </p:style>
-        <p:txBody>
-          <a:bodyPr rtlCol="0" anchor="ctr"/>
-          <a:lstStyle/>
-          <a:p>
-            <a:pPr algn="ctr"/>
-            <a:r>
-              <a:rPr lang="en-US" sz="1200" dirty="0"/>
-              <a:t>CLICK HERE</a:t>
-            </a:r>
-            <a:endParaRPr lang="en-MY" sz="1200" dirty="0"/>
-          </a:p>
-        </p:txBody>
-      </p:sp>
     </p:spTree>
     <p:extLst>
       <p:ext uri="{BB962C8B-B14F-4D97-AF65-F5344CB8AC3E}">
-        <p14:creationId xmlns:p14="http://schemas.microsoft.com/office/powerpoint/2010/main" val="1987474841"/>
+        <p14:creationId xmlns:p14="http://schemas.microsoft.com/office/powerpoint/2010/main" val="3454661769"/>
       </p:ext>
     </p:extLst>
   </p:cSld>
   <p:clrMapOvr>
     <a:masterClrMapping/>
   </p:clrMapOvr>
-  <mc:AlternateContent xmlns:mc="http://schemas.openxmlformats.org/markup-compatibility/2006">
-    <mc:Choice xmlns:p14="http://schemas.microsoft.com/office/powerpoint/2010/main" Requires="p14">
+  <mc:AlternateContent xmlns:mc="http://schemas.openxmlformats.org/markup-compatibility/2006" xmlns:p14="http://schemas.microsoft.com/office/powerpoint/2010/main">
+    <mc:Choice Requires="p14">
       <p:transition spd="slow" p14:dur="2000" advClick="0"/>
     </mc:Choice>
-    <mc:Fallback>
+    <mc:Fallback xmlns="">
       <p:transition spd="slow" advClick="0"/>
     </mc:Fallback>
   </mc:AlternateContent>
@@ -15159,7 +14003,7 @@
           <p:cNvPr id="4" name="TextBox 3">
             <a:extLst>
               <a:ext uri="{FF2B5EF4-FFF2-40B4-BE49-F238E27FC236}">
-                <a16:creationId xmlns:a16="http://schemas.microsoft.com/office/drawing/2014/main" id="{EC5C8E7A-9165-4538-B872-42B0DAA1E62A}"/>
+                <a16:creationId xmlns:a16="http://schemas.microsoft.com/office/drawing/2014/main" id="{0BB597E4-D779-46AD-AB55-E26EDA0C87B4}"/>
               </a:ext>
             </a:extLst>
           </p:cNvPr>
@@ -15168,8 +14012,8 @@
         </p:nvSpPr>
         <p:spPr>
           <a:xfrm>
-            <a:off x="498628" y="195309"/>
-            <a:ext cx="11194742" cy="369332"/>
+            <a:off x="346229" y="204186"/>
+            <a:ext cx="11718524" cy="523220"/>
           </a:xfrm>
           <a:prstGeom prst="rect">
             <a:avLst/>
@@ -15184,19 +14028,157 @@
           <a:p>
             <a:pPr algn="ctr"/>
             <a:r>
-              <a:rPr lang="en-US" dirty="0"/>
-              <a:t>REGISTER INTERFACE</a:t>
+              <a:rPr lang="en-US" sz="2800" dirty="0">
+                <a:solidFill>
+                  <a:srgbClr val="FFFF00"/>
+                </a:solidFill>
+              </a:rPr>
+              <a:t>ADMIN MENU INTERFACE</a:t>
             </a:r>
+            <a:endParaRPr lang="en-MY" sz="2800" dirty="0">
+              <a:solidFill>
+                <a:srgbClr val="FFFF00"/>
+              </a:solidFill>
+            </a:endParaRPr>
+          </a:p>
+        </p:txBody>
+      </p:sp>
+      <p:sp>
+        <p:nvSpPr>
+          <p:cNvPr id="9" name="TextBox 8">
+            <a:extLst>
+              <a:ext uri="{FF2B5EF4-FFF2-40B4-BE49-F238E27FC236}">
+                <a16:creationId xmlns:a16="http://schemas.microsoft.com/office/drawing/2014/main" id="{7317FD75-BD84-4483-B52E-C3AFB16F58BC}"/>
+              </a:ext>
+            </a:extLst>
+          </p:cNvPr>
+          <p:cNvSpPr txBox="1"/>
+          <p:nvPr/>
+        </p:nvSpPr>
+        <p:spPr>
+          <a:xfrm>
+            <a:off x="4923692" y="3499338"/>
+            <a:ext cx="993531" cy="228601"/>
+          </a:xfrm>
+          <a:prstGeom prst="rect">
+            <a:avLst/>
+          </a:prstGeom>
+          <a:noFill/>
+        </p:spPr>
+        <p:txBody>
+          <a:bodyPr wrap="square" rtlCol="0">
+            <a:spAutoFit/>
+          </a:bodyPr>
+          <a:lstStyle/>
+          <a:p>
+            <a:endParaRPr lang="en-MY" dirty="0"/>
+          </a:p>
+        </p:txBody>
+      </p:sp>
+      <p:sp>
+        <p:nvSpPr>
+          <p:cNvPr id="11" name="TextBox 10">
+            <a:extLst>
+              <a:ext uri="{FF2B5EF4-FFF2-40B4-BE49-F238E27FC236}">
+                <a16:creationId xmlns:a16="http://schemas.microsoft.com/office/drawing/2014/main" id="{6474A924-562D-41D5-9469-B97F4A3EEE96}"/>
+              </a:ext>
+            </a:extLst>
+          </p:cNvPr>
+          <p:cNvSpPr txBox="1"/>
+          <p:nvPr/>
+        </p:nvSpPr>
+        <p:spPr>
+          <a:xfrm>
+            <a:off x="6409588" y="3466180"/>
+            <a:ext cx="826481" cy="261759"/>
+          </a:xfrm>
+          <a:prstGeom prst="rect">
+            <a:avLst/>
+          </a:prstGeom>
+          <a:noFill/>
+        </p:spPr>
+        <p:txBody>
+          <a:bodyPr wrap="square" rtlCol="0">
+            <a:spAutoFit/>
+          </a:bodyPr>
+          <a:lstStyle/>
+          <a:p>
+            <a:endParaRPr lang="en-MY" dirty="0"/>
+          </a:p>
+        </p:txBody>
+      </p:sp>
+      <p:sp>
+        <p:nvSpPr>
+          <p:cNvPr id="13" name="TextBox 12">
+            <a:hlinkClick r:id="rId2" action="ppaction://hlinksldjump"/>
+            <a:extLst>
+              <a:ext uri="{FF2B5EF4-FFF2-40B4-BE49-F238E27FC236}">
+                <a16:creationId xmlns:a16="http://schemas.microsoft.com/office/drawing/2014/main" id="{A5BD515E-A770-404C-A6A1-311AA3F42BBF}"/>
+              </a:ext>
+            </a:extLst>
+          </p:cNvPr>
+          <p:cNvSpPr txBox="1"/>
+          <p:nvPr/>
+        </p:nvSpPr>
+        <p:spPr>
+          <a:xfrm>
+            <a:off x="5917223" y="4290011"/>
+            <a:ext cx="580292" cy="261759"/>
+          </a:xfrm>
+          <a:prstGeom prst="rect">
+            <a:avLst/>
+          </a:prstGeom>
+          <a:noFill/>
+        </p:spPr>
+        <p:txBody>
+          <a:bodyPr wrap="square" rtlCol="0">
+            <a:spAutoFit/>
+          </a:bodyPr>
+          <a:lstStyle/>
+          <a:p>
+            <a:endParaRPr lang="en-MY" dirty="0"/>
+          </a:p>
+        </p:txBody>
+      </p:sp>
+      <p:sp>
+        <p:nvSpPr>
+          <p:cNvPr id="15" name="TextBox 14">
+            <a:hlinkClick r:id="rId3" action="ppaction://hlinksldjump"/>
+            <a:extLst>
+              <a:ext uri="{FF2B5EF4-FFF2-40B4-BE49-F238E27FC236}">
+                <a16:creationId xmlns:a16="http://schemas.microsoft.com/office/drawing/2014/main" id="{BB510E72-A3F5-4E68-9A7C-233D6BF81C17}"/>
+              </a:ext>
+            </a:extLst>
+          </p:cNvPr>
+          <p:cNvSpPr txBox="1"/>
+          <p:nvPr/>
+        </p:nvSpPr>
+        <p:spPr>
+          <a:xfrm>
+            <a:off x="6409587" y="3000189"/>
+            <a:ext cx="993531" cy="244174"/>
+          </a:xfrm>
+          <a:prstGeom prst="rect">
+            <a:avLst/>
+          </a:prstGeom>
+          <a:noFill/>
+        </p:spPr>
+        <p:txBody>
+          <a:bodyPr wrap="square" rtlCol="0">
+            <a:spAutoFit/>
+          </a:bodyPr>
+          <a:lstStyle/>
+          <a:p>
             <a:endParaRPr lang="en-MY" dirty="0"/>
           </a:p>
         </p:txBody>
       </p:sp>
       <p:pic>
         <p:nvPicPr>
-          <p:cNvPr id="6" name="Picture 5">
+          <p:cNvPr id="3" name="Picture 2">
             <a:extLst>
               <a:ext uri="{FF2B5EF4-FFF2-40B4-BE49-F238E27FC236}">
-                <a16:creationId xmlns:a16="http://schemas.microsoft.com/office/drawing/2014/main" id="{03970180-11C7-4970-B45E-7E5D608B3C55}"/>
+                <a16:creationId xmlns:a16="http://schemas.microsoft.com/office/drawing/2014/main" id="{60E44297-35C1-40DB-A0EC-A1B6DC07C48E}"/>
               </a:ext>
             </a:extLst>
           </p:cNvPr>
@@ -15206,15 +14188,15 @@
           <p:nvPr/>
         </p:nvPicPr>
         <p:blipFill>
-          <a:blip r:embed="rId2"/>
+          <a:blip r:embed="rId4"/>
           <a:stretch>
             <a:fillRect/>
           </a:stretch>
         </p:blipFill>
         <p:spPr>
           <a:xfrm>
-            <a:off x="4700587" y="962025"/>
-            <a:ext cx="2790825" cy="4933950"/>
+            <a:off x="4995061" y="979975"/>
+            <a:ext cx="2829052" cy="5038725"/>
           </a:xfrm>
           <a:prstGeom prst="rect">
             <a:avLst/>
@@ -15223,118 +14205,11 @@
       </p:pic>
       <p:sp>
         <p:nvSpPr>
-          <p:cNvPr id="2" name="Action Button: Go Forward or Next 1">
-            <a:hlinkClick r:id="" action="ppaction://hlinkshowjump?jump=nextslide" highlightClick="1"/>
+          <p:cNvPr id="12" name="TextBox 11">
+            <a:hlinkClick r:id="rId5" action="ppaction://hlinksldjump"/>
             <a:extLst>
               <a:ext uri="{FF2B5EF4-FFF2-40B4-BE49-F238E27FC236}">
-                <a16:creationId xmlns:a16="http://schemas.microsoft.com/office/drawing/2014/main" id="{AC606708-B245-4A48-A339-1D5474395159}"/>
-              </a:ext>
-            </a:extLst>
-          </p:cNvPr>
-          <p:cNvSpPr/>
-          <p:nvPr/>
-        </p:nvSpPr>
-        <p:spPr>
-          <a:xfrm>
-            <a:off x="10814538" y="5910262"/>
-            <a:ext cx="939312" cy="508123"/>
-          </a:xfrm>
-          <a:prstGeom prst="actionButtonForwardNext">
-            <a:avLst/>
-          </a:prstGeom>
-          <a:ln>
-            <a:solidFill>
-              <a:schemeClr val="bg2">
-                <a:lumMod val="75000"/>
-                <a:lumOff val="25000"/>
-              </a:schemeClr>
-            </a:solidFill>
-          </a:ln>
-        </p:spPr>
-        <p:style>
-          <a:lnRef idx="3">
-            <a:schemeClr val="lt1"/>
-          </a:lnRef>
-          <a:fillRef idx="1">
-            <a:schemeClr val="accent3"/>
-          </a:fillRef>
-          <a:effectRef idx="1">
-            <a:schemeClr val="accent3"/>
-          </a:effectRef>
-          <a:fontRef idx="minor">
-            <a:schemeClr val="lt1"/>
-          </a:fontRef>
-        </p:style>
-        <p:txBody>
-          <a:bodyPr rtlCol="0" anchor="ctr"/>
-          <a:lstStyle/>
-          <a:p>
-            <a:pPr algn="ctr"/>
-            <a:endParaRPr lang="en-MY"/>
-          </a:p>
-        </p:txBody>
-      </p:sp>
-      <p:sp>
-        <p:nvSpPr>
-          <p:cNvPr id="3" name="Action Button: Go Back or Previous 2">
-            <a:hlinkClick r:id="" action="ppaction://hlinkshowjump?jump=previousslide" highlightClick="1"/>
-            <a:extLst>
-              <a:ext uri="{FF2B5EF4-FFF2-40B4-BE49-F238E27FC236}">
-                <a16:creationId xmlns:a16="http://schemas.microsoft.com/office/drawing/2014/main" id="{386F95ED-0583-4EA0-9DFF-3FC9E7FE2036}"/>
-              </a:ext>
-            </a:extLst>
-          </p:cNvPr>
-          <p:cNvSpPr/>
-          <p:nvPr/>
-        </p:nvSpPr>
-        <p:spPr>
-          <a:xfrm>
-            <a:off x="876627" y="5910262"/>
-            <a:ext cx="906971" cy="508123"/>
-          </a:xfrm>
-          <a:prstGeom prst="actionButtonBackPrevious">
-            <a:avLst/>
-          </a:prstGeom>
-          <a:ln>
-            <a:solidFill>
-              <a:schemeClr val="tx2">
-                <a:lumMod val="10000"/>
-              </a:schemeClr>
-            </a:solidFill>
-          </a:ln>
-        </p:spPr>
-        <p:style>
-          <a:lnRef idx="2">
-            <a:schemeClr val="accent4">
-              <a:shade val="50000"/>
-            </a:schemeClr>
-          </a:lnRef>
-          <a:fillRef idx="1">
-            <a:schemeClr val="accent4"/>
-          </a:fillRef>
-          <a:effectRef idx="0">
-            <a:schemeClr val="accent4"/>
-          </a:effectRef>
-          <a:fontRef idx="minor">
-            <a:schemeClr val="lt1"/>
-          </a:fontRef>
-        </p:style>
-        <p:txBody>
-          <a:bodyPr rtlCol="0" anchor="ctr"/>
-          <a:lstStyle/>
-          <a:p>
-            <a:pPr algn="ctr"/>
-            <a:endParaRPr lang="en-MY"/>
-          </a:p>
-        </p:txBody>
-      </p:sp>
-      <p:sp>
-        <p:nvSpPr>
-          <p:cNvPr id="9" name="TextBox 8">
-            <a:hlinkClick r:id="rId3" action="ppaction://hlinksldjump"/>
-            <a:extLst>
-              <a:ext uri="{FF2B5EF4-FFF2-40B4-BE49-F238E27FC236}">
-                <a16:creationId xmlns:a16="http://schemas.microsoft.com/office/drawing/2014/main" id="{34679284-F88A-419A-BC6A-86ECCE60AD3F}"/>
+                <a16:creationId xmlns:a16="http://schemas.microsoft.com/office/drawing/2014/main" id="{30E252B3-9405-45B3-BAB3-007A0A7486A8}"/>
               </a:ext>
             </a:extLst>
           </p:cNvPr>
@@ -15343,8 +14218,8 @@
         </p:nvSpPr>
         <p:spPr>
           <a:xfrm>
-            <a:off x="5794131" y="4360984"/>
-            <a:ext cx="580292" cy="369332"/>
+            <a:off x="5285648" y="3081850"/>
+            <a:ext cx="993531" cy="325026"/>
           </a:xfrm>
           <a:prstGeom prst="rect">
             <a:avLst/>
@@ -15363,10 +14238,11 @@
       </p:sp>
       <p:sp>
         <p:nvSpPr>
-          <p:cNvPr id="10" name="TextBox 9">
+          <p:cNvPr id="14" name="TextBox 13">
+            <a:hlinkClick r:id="rId3" action="ppaction://hlinksldjump"/>
             <a:extLst>
               <a:ext uri="{FF2B5EF4-FFF2-40B4-BE49-F238E27FC236}">
-                <a16:creationId xmlns:a16="http://schemas.microsoft.com/office/drawing/2014/main" id="{A17DC650-857A-479D-A844-2A0025AC8B9D}"/>
+                <a16:creationId xmlns:a16="http://schemas.microsoft.com/office/drawing/2014/main" id="{AF0664C9-2AF6-40E2-BB7F-DE732F5F4CC1}"/>
               </a:ext>
             </a:extLst>
           </p:cNvPr>
@@ -15375,8 +14251,8 @@
         </p:nvSpPr>
         <p:spPr>
           <a:xfrm>
-            <a:off x="5811715" y="5152292"/>
-            <a:ext cx="184731" cy="369332"/>
+            <a:off x="6722746" y="3066993"/>
+            <a:ext cx="993530" cy="339883"/>
           </a:xfrm>
           <a:prstGeom prst="rect">
             <a:avLst/>
@@ -15384,7 +14260,7 @@
           <a:noFill/>
         </p:spPr>
         <p:txBody>
-          <a:bodyPr wrap="none" rtlCol="0">
+          <a:bodyPr wrap="square" rtlCol="0">
             <a:spAutoFit/>
           </a:bodyPr>
           <a:lstStyle/>
@@ -15395,11 +14271,11 @@
       </p:sp>
       <p:sp>
         <p:nvSpPr>
-          <p:cNvPr id="11" name="TextBox 10">
-            <a:hlinkClick r:id="rId3" action="ppaction://hlinksldjump"/>
+          <p:cNvPr id="16" name="TextBox 15">
+            <a:hlinkClick r:id="rId2" action="ppaction://hlinksldjump"/>
             <a:extLst>
               <a:ext uri="{FF2B5EF4-FFF2-40B4-BE49-F238E27FC236}">
-                <a16:creationId xmlns:a16="http://schemas.microsoft.com/office/drawing/2014/main" id="{A103E17E-793A-4D7A-AC43-0B67BFA4C3FB}"/>
+                <a16:creationId xmlns:a16="http://schemas.microsoft.com/office/drawing/2014/main" id="{1BF58D9E-648E-4765-9280-E916A81E4CA6}"/>
               </a:ext>
             </a:extLst>
           </p:cNvPr>
@@ -15408,8 +14284,8 @@
         </p:nvSpPr>
         <p:spPr>
           <a:xfrm>
-            <a:off x="5454162" y="4698837"/>
-            <a:ext cx="1283676" cy="158207"/>
+            <a:off x="6250905" y="4349315"/>
+            <a:ext cx="580292" cy="308366"/>
           </a:xfrm>
           <a:prstGeom prst="rect">
             <a:avLst/>
@@ -15429,18 +14305,18 @@
     </p:spTree>
     <p:extLst>
       <p:ext uri="{BB962C8B-B14F-4D97-AF65-F5344CB8AC3E}">
-        <p14:creationId xmlns:p14="http://schemas.microsoft.com/office/powerpoint/2010/main" val="3454661769"/>
+        <p14:creationId xmlns:p14="http://schemas.microsoft.com/office/powerpoint/2010/main" val="2460229919"/>
       </p:ext>
     </p:extLst>
   </p:cSld>
   <p:clrMapOvr>
     <a:masterClrMapping/>
   </p:clrMapOvr>
-  <mc:AlternateContent xmlns:mc="http://schemas.openxmlformats.org/markup-compatibility/2006">
-    <mc:Choice xmlns:p14="http://schemas.microsoft.com/office/powerpoint/2010/main" Requires="p14">
+  <mc:AlternateContent xmlns:mc="http://schemas.openxmlformats.org/markup-compatibility/2006" xmlns:p14="http://schemas.microsoft.com/office/powerpoint/2010/main">
+    <mc:Choice Requires="p14">
       <p:transition spd="slow" p14:dur="2000" advClick="0"/>
     </mc:Choice>
-    <mc:Fallback>
+    <mc:Fallback xmlns="">
       <p:transition spd="slow" advClick="0"/>
     </mc:Fallback>
   </mc:AlternateContent>
@@ -15469,7 +14345,7 @@
           <p:cNvPr id="4" name="TextBox 3">
             <a:extLst>
               <a:ext uri="{FF2B5EF4-FFF2-40B4-BE49-F238E27FC236}">
-                <a16:creationId xmlns:a16="http://schemas.microsoft.com/office/drawing/2014/main" id="{0BB597E4-D779-46AD-AB55-E26EDA0C87B4}"/>
+                <a16:creationId xmlns:a16="http://schemas.microsoft.com/office/drawing/2014/main" id="{3BB1162C-43A9-4396-9440-1DA2602E024B}"/>
               </a:ext>
             </a:extLst>
           </p:cNvPr>
@@ -15478,8 +14354,8 @@
         </p:nvSpPr>
         <p:spPr>
           <a:xfrm>
-            <a:off x="346229" y="204186"/>
-            <a:ext cx="11718524" cy="369332"/>
+            <a:off x="363984" y="159798"/>
+            <a:ext cx="11700769" cy="523220"/>
           </a:xfrm>
           <a:prstGeom prst="rect">
             <a:avLst/>
@@ -15494,19 +14370,156 @@
           <a:p>
             <a:pPr algn="ctr"/>
             <a:r>
-              <a:rPr lang="en-US" dirty="0"/>
-              <a:t>ADMIN MENU INTERFACE</a:t>
+              <a:rPr lang="en-US" sz="2800" dirty="0">
+                <a:solidFill>
+                  <a:srgbClr val="FFFF00"/>
+                </a:solidFill>
+              </a:rPr>
+              <a:t>TEACHER MENU INTERFACE</a:t>
             </a:r>
+            <a:endParaRPr lang="en-MY" sz="2800" dirty="0">
+              <a:solidFill>
+                <a:srgbClr val="FFFF00"/>
+              </a:solidFill>
+            </a:endParaRPr>
+          </a:p>
+        </p:txBody>
+      </p:sp>
+      <p:sp>
+        <p:nvSpPr>
+          <p:cNvPr id="7" name="TextBox 6">
+            <a:hlinkClick r:id="rId2" action="ppaction://hlinksldjump"/>
+            <a:extLst>
+              <a:ext uri="{FF2B5EF4-FFF2-40B4-BE49-F238E27FC236}">
+                <a16:creationId xmlns:a16="http://schemas.microsoft.com/office/drawing/2014/main" id="{87AE1098-EEAB-4071-B790-1E08BA39FA3A}"/>
+              </a:ext>
+            </a:extLst>
+          </p:cNvPr>
+          <p:cNvSpPr txBox="1"/>
+          <p:nvPr/>
+        </p:nvSpPr>
+        <p:spPr>
+          <a:xfrm>
+            <a:off x="5284177" y="3113482"/>
+            <a:ext cx="562708" cy="834264"/>
+          </a:xfrm>
+          <a:prstGeom prst="rect">
+            <a:avLst/>
+          </a:prstGeom>
+          <a:noFill/>
+        </p:spPr>
+        <p:txBody>
+          <a:bodyPr wrap="square" rtlCol="0">
+            <a:spAutoFit/>
+          </a:bodyPr>
+          <a:lstStyle/>
+          <a:p>
+            <a:endParaRPr lang="en-MY" dirty="0"/>
+          </a:p>
+        </p:txBody>
+      </p:sp>
+      <p:sp>
+        <p:nvSpPr>
+          <p:cNvPr id="9" name="TextBox 8">
+            <a:extLst>
+              <a:ext uri="{FF2B5EF4-FFF2-40B4-BE49-F238E27FC236}">
+                <a16:creationId xmlns:a16="http://schemas.microsoft.com/office/drawing/2014/main" id="{81605849-221B-41E0-BF60-E3E5D354EE84}"/>
+              </a:ext>
+            </a:extLst>
+          </p:cNvPr>
+          <p:cNvSpPr txBox="1"/>
+          <p:nvPr/>
+        </p:nvSpPr>
+        <p:spPr>
+          <a:xfrm>
+            <a:off x="5284177" y="2052544"/>
+            <a:ext cx="562708" cy="834264"/>
+          </a:xfrm>
+          <a:prstGeom prst="rect">
+            <a:avLst/>
+          </a:prstGeom>
+          <a:noFill/>
+        </p:spPr>
+        <p:txBody>
+          <a:bodyPr wrap="square" rtlCol="0">
+            <a:spAutoFit/>
+          </a:bodyPr>
+          <a:lstStyle/>
+          <a:p>
+            <a:endParaRPr lang="en-MY" dirty="0"/>
+          </a:p>
+        </p:txBody>
+      </p:sp>
+      <p:sp>
+        <p:nvSpPr>
+          <p:cNvPr id="11" name="TextBox 10">
+            <a:extLst>
+              <a:ext uri="{FF2B5EF4-FFF2-40B4-BE49-F238E27FC236}">
+                <a16:creationId xmlns:a16="http://schemas.microsoft.com/office/drawing/2014/main" id="{0BA285A2-D6F2-4F68-80E5-AAA4C6246621}"/>
+              </a:ext>
+            </a:extLst>
+          </p:cNvPr>
+          <p:cNvSpPr txBox="1"/>
+          <p:nvPr/>
+        </p:nvSpPr>
+        <p:spPr>
+          <a:xfrm>
+            <a:off x="6345117" y="2035965"/>
+            <a:ext cx="562708" cy="834264"/>
+          </a:xfrm>
+          <a:prstGeom prst="rect">
+            <a:avLst/>
+          </a:prstGeom>
+          <a:noFill/>
+        </p:spPr>
+        <p:txBody>
+          <a:bodyPr wrap="square" rtlCol="0">
+            <a:spAutoFit/>
+          </a:bodyPr>
+          <a:lstStyle/>
+          <a:p>
+            <a:endParaRPr lang="en-MY" dirty="0"/>
+          </a:p>
+        </p:txBody>
+      </p:sp>
+      <p:sp>
+        <p:nvSpPr>
+          <p:cNvPr id="13" name="TextBox 12">
+            <a:extLst>
+              <a:ext uri="{FF2B5EF4-FFF2-40B4-BE49-F238E27FC236}">
+                <a16:creationId xmlns:a16="http://schemas.microsoft.com/office/drawing/2014/main" id="{4F20C8E8-46B5-4608-8A0A-35E6D46163C9}"/>
+              </a:ext>
+            </a:extLst>
+          </p:cNvPr>
+          <p:cNvSpPr txBox="1"/>
+          <p:nvPr/>
+        </p:nvSpPr>
+        <p:spPr>
+          <a:xfrm>
+            <a:off x="6345117" y="3113482"/>
+            <a:ext cx="562708" cy="834264"/>
+          </a:xfrm>
+          <a:prstGeom prst="rect">
+            <a:avLst/>
+          </a:prstGeom>
+          <a:noFill/>
+        </p:spPr>
+        <p:txBody>
+          <a:bodyPr wrap="square" rtlCol="0">
+            <a:spAutoFit/>
+          </a:bodyPr>
+          <a:lstStyle/>
+          <a:p>
             <a:endParaRPr lang="en-MY" dirty="0"/>
           </a:p>
         </p:txBody>
       </p:sp>
       <p:pic>
         <p:nvPicPr>
-          <p:cNvPr id="5" name="Picture 4">
+          <p:cNvPr id="3" name="Picture 2">
             <a:extLst>
               <a:ext uri="{FF2B5EF4-FFF2-40B4-BE49-F238E27FC236}">
-                <a16:creationId xmlns:a16="http://schemas.microsoft.com/office/drawing/2014/main" id="{E811003C-EB93-45F4-AABC-00161F30BC02}"/>
+                <a16:creationId xmlns:a16="http://schemas.microsoft.com/office/drawing/2014/main" id="{CB7E37CE-EE76-4C3D-B947-F0135536B7CE}"/>
               </a:ext>
             </a:extLst>
           </p:cNvPr>
@@ -15516,15 +14529,15 @@
           <p:nvPr/>
         </p:nvPicPr>
         <p:blipFill>
-          <a:blip r:embed="rId2"/>
+          <a:blip r:embed="rId3"/>
           <a:stretch>
             <a:fillRect/>
           </a:stretch>
         </p:blipFill>
         <p:spPr>
           <a:xfrm>
-            <a:off x="4686300" y="909637"/>
-            <a:ext cx="2819400" cy="5038725"/>
+            <a:off x="4967143" y="1198102"/>
+            <a:ext cx="2494449" cy="4461796"/>
           </a:xfrm>
           <a:prstGeom prst="rect">
             <a:avLst/>
@@ -15533,118 +14546,10 @@
       </p:pic>
       <p:sp>
         <p:nvSpPr>
-          <p:cNvPr id="2" name="Action Button: Go Forward or Next 1">
-            <a:hlinkClick r:id="" action="ppaction://hlinkshowjump?jump=nextslide" highlightClick="1"/>
+          <p:cNvPr id="8" name="TextBox 7">
             <a:extLst>
               <a:ext uri="{FF2B5EF4-FFF2-40B4-BE49-F238E27FC236}">
-                <a16:creationId xmlns:a16="http://schemas.microsoft.com/office/drawing/2014/main" id="{1C751CC7-7597-4EC3-A316-BCE7BAE953F1}"/>
-              </a:ext>
-            </a:extLst>
-          </p:cNvPr>
-          <p:cNvSpPr/>
-          <p:nvPr/>
-        </p:nvSpPr>
-        <p:spPr>
-          <a:xfrm>
-            <a:off x="10814538" y="5910262"/>
-            <a:ext cx="939312" cy="508123"/>
-          </a:xfrm>
-          <a:prstGeom prst="actionButtonForwardNext">
-            <a:avLst/>
-          </a:prstGeom>
-          <a:ln>
-            <a:solidFill>
-              <a:schemeClr val="bg2">
-                <a:lumMod val="75000"/>
-                <a:lumOff val="25000"/>
-              </a:schemeClr>
-            </a:solidFill>
-          </a:ln>
-        </p:spPr>
-        <p:style>
-          <a:lnRef idx="3">
-            <a:schemeClr val="lt1"/>
-          </a:lnRef>
-          <a:fillRef idx="1">
-            <a:schemeClr val="accent3"/>
-          </a:fillRef>
-          <a:effectRef idx="1">
-            <a:schemeClr val="accent3"/>
-          </a:effectRef>
-          <a:fontRef idx="minor">
-            <a:schemeClr val="lt1"/>
-          </a:fontRef>
-        </p:style>
-        <p:txBody>
-          <a:bodyPr rtlCol="0" anchor="ctr"/>
-          <a:lstStyle/>
-          <a:p>
-            <a:pPr algn="ctr"/>
-            <a:endParaRPr lang="en-MY"/>
-          </a:p>
-        </p:txBody>
-      </p:sp>
-      <p:sp>
-        <p:nvSpPr>
-          <p:cNvPr id="3" name="Action Button: Go Back or Previous 2">
-            <a:hlinkClick r:id="" action="ppaction://hlinkshowjump?jump=previousslide" highlightClick="1"/>
-            <a:extLst>
-              <a:ext uri="{FF2B5EF4-FFF2-40B4-BE49-F238E27FC236}">
-                <a16:creationId xmlns:a16="http://schemas.microsoft.com/office/drawing/2014/main" id="{44B6054E-7777-4C56-9F98-E48DE063AC43}"/>
-              </a:ext>
-            </a:extLst>
-          </p:cNvPr>
-          <p:cNvSpPr/>
-          <p:nvPr/>
-        </p:nvSpPr>
-        <p:spPr>
-          <a:xfrm>
-            <a:off x="876627" y="5910262"/>
-            <a:ext cx="906971" cy="508123"/>
-          </a:xfrm>
-          <a:prstGeom prst="actionButtonBackPrevious">
-            <a:avLst/>
-          </a:prstGeom>
-          <a:ln>
-            <a:solidFill>
-              <a:schemeClr val="tx2">
-                <a:lumMod val="10000"/>
-              </a:schemeClr>
-            </a:solidFill>
-          </a:ln>
-        </p:spPr>
-        <p:style>
-          <a:lnRef idx="2">
-            <a:schemeClr val="accent4">
-              <a:shade val="50000"/>
-            </a:schemeClr>
-          </a:lnRef>
-          <a:fillRef idx="1">
-            <a:schemeClr val="accent4"/>
-          </a:fillRef>
-          <a:effectRef idx="0">
-            <a:schemeClr val="accent4"/>
-          </a:effectRef>
-          <a:fontRef idx="minor">
-            <a:schemeClr val="lt1"/>
-          </a:fontRef>
-        </p:style>
-        <p:txBody>
-          <a:bodyPr rtlCol="0" anchor="ctr"/>
-          <a:lstStyle/>
-          <a:p>
-            <a:pPr algn="ctr"/>
-            <a:endParaRPr lang="en-MY"/>
-          </a:p>
-        </p:txBody>
-      </p:sp>
-      <p:sp>
-        <p:nvSpPr>
-          <p:cNvPr id="6" name="TextBox 5">
-            <a:hlinkClick r:id="rId3" action="ppaction://hlinksldjump"/>
-            <a:extLst>
-              <a:ext uri="{FF2B5EF4-FFF2-40B4-BE49-F238E27FC236}">
-                <a16:creationId xmlns:a16="http://schemas.microsoft.com/office/drawing/2014/main" id="{30ED8DA8-69BB-4A8D-926B-B6A1572E30AC}"/>
+                <a16:creationId xmlns:a16="http://schemas.microsoft.com/office/drawing/2014/main" id="{74A49B23-E76E-4463-A359-DFBD9048E61E}"/>
               </a:ext>
             </a:extLst>
           </p:cNvPr>
@@ -15653,8 +14558,8 @@
         </p:nvSpPr>
         <p:spPr>
           <a:xfrm>
-            <a:off x="4923692" y="3015761"/>
-            <a:ext cx="993531" cy="228601"/>
+            <a:off x="6409010" y="1884571"/>
+            <a:ext cx="712176" cy="969079"/>
           </a:xfrm>
           <a:prstGeom prst="rect">
             <a:avLst/>
@@ -15673,10 +14578,10 @@
       </p:sp>
       <p:sp>
         <p:nvSpPr>
-          <p:cNvPr id="9" name="TextBox 8">
+          <p:cNvPr id="10" name="TextBox 9">
             <a:extLst>
               <a:ext uri="{FF2B5EF4-FFF2-40B4-BE49-F238E27FC236}">
-                <a16:creationId xmlns:a16="http://schemas.microsoft.com/office/drawing/2014/main" id="{7317FD75-BD84-4483-B52E-C3AFB16F58BC}"/>
+                <a16:creationId xmlns:a16="http://schemas.microsoft.com/office/drawing/2014/main" id="{4B0A6BD3-8DC3-4008-A6C7-3D7CB0436385}"/>
               </a:ext>
             </a:extLst>
           </p:cNvPr>
@@ -15685,8 +14590,8 @@
         </p:nvSpPr>
         <p:spPr>
           <a:xfrm>
-            <a:off x="4923692" y="3499338"/>
-            <a:ext cx="993531" cy="228601"/>
+            <a:off x="6409010" y="3050286"/>
+            <a:ext cx="712176" cy="969079"/>
           </a:xfrm>
           <a:prstGeom prst="rect">
             <a:avLst/>
@@ -15705,10 +14610,11 @@
       </p:sp>
       <p:sp>
         <p:nvSpPr>
-          <p:cNvPr id="11" name="TextBox 10">
+          <p:cNvPr id="16" name="TextBox 15">
+            <a:hlinkClick r:id="rId4" action="ppaction://hlinksldjump"/>
             <a:extLst>
               <a:ext uri="{FF2B5EF4-FFF2-40B4-BE49-F238E27FC236}">
-                <a16:creationId xmlns:a16="http://schemas.microsoft.com/office/drawing/2014/main" id="{6474A924-562D-41D5-9469-B97F4A3EEE96}"/>
+                <a16:creationId xmlns:a16="http://schemas.microsoft.com/office/drawing/2014/main" id="{DF5D9AE8-ECF1-467E-BDA9-339EAE839AE8}"/>
               </a:ext>
             </a:extLst>
           </p:cNvPr>
@@ -15717,8 +14623,8 @@
         </p:nvSpPr>
         <p:spPr>
           <a:xfrm>
-            <a:off x="6409588" y="3466180"/>
-            <a:ext cx="826481" cy="261759"/>
+            <a:off x="5286090" y="3046074"/>
+            <a:ext cx="712176" cy="969079"/>
           </a:xfrm>
           <a:prstGeom prst="rect">
             <a:avLst/>
@@ -15737,11 +14643,11 @@
       </p:sp>
       <p:sp>
         <p:nvSpPr>
-          <p:cNvPr id="13" name="TextBox 12">
-            <a:hlinkClick r:id="rId4" action="ppaction://hlinksldjump"/>
+          <p:cNvPr id="18" name="TextBox 17">
+            <a:hlinkClick r:id="rId5" action="ppaction://hlinksldjump"/>
             <a:extLst>
               <a:ext uri="{FF2B5EF4-FFF2-40B4-BE49-F238E27FC236}">
-                <a16:creationId xmlns:a16="http://schemas.microsoft.com/office/drawing/2014/main" id="{A5BD515E-A770-404C-A6A1-311AA3F42BBF}"/>
+                <a16:creationId xmlns:a16="http://schemas.microsoft.com/office/drawing/2014/main" id="{263DCDBD-F7B3-4B76-92FB-400EBE6BDA30}"/>
               </a:ext>
             </a:extLst>
           </p:cNvPr>
@@ -15750,8 +14656,8 @@
         </p:nvSpPr>
         <p:spPr>
           <a:xfrm>
-            <a:off x="5917223" y="4290011"/>
-            <a:ext cx="580292" cy="261759"/>
+            <a:off x="5976368" y="4160905"/>
+            <a:ext cx="475997" cy="369332"/>
           </a:xfrm>
           <a:prstGeom prst="rect">
             <a:avLst/>
@@ -15768,54 +14674,21 @@
           </a:p>
         </p:txBody>
       </p:sp>
-      <p:sp>
-        <p:nvSpPr>
-          <p:cNvPr id="15" name="TextBox 14">
-            <a:hlinkClick r:id="rId5" action="ppaction://hlinksldjump"/>
-            <a:extLst>
-              <a:ext uri="{FF2B5EF4-FFF2-40B4-BE49-F238E27FC236}">
-                <a16:creationId xmlns:a16="http://schemas.microsoft.com/office/drawing/2014/main" id="{BB510E72-A3F5-4E68-9A7C-233D6BF81C17}"/>
-              </a:ext>
-            </a:extLst>
-          </p:cNvPr>
-          <p:cNvSpPr txBox="1"/>
-          <p:nvPr/>
-        </p:nvSpPr>
-        <p:spPr>
-          <a:xfrm>
-            <a:off x="6409587" y="3000189"/>
-            <a:ext cx="993531" cy="244174"/>
-          </a:xfrm>
-          <a:prstGeom prst="rect">
-            <a:avLst/>
-          </a:prstGeom>
-          <a:noFill/>
-        </p:spPr>
-        <p:txBody>
-          <a:bodyPr wrap="square" rtlCol="0">
-            <a:spAutoFit/>
-          </a:bodyPr>
-          <a:lstStyle/>
-          <a:p>
-            <a:endParaRPr lang="en-MY" dirty="0"/>
-          </a:p>
-        </p:txBody>
-      </p:sp>
     </p:spTree>
     <p:extLst>
       <p:ext uri="{BB962C8B-B14F-4D97-AF65-F5344CB8AC3E}">
-        <p14:creationId xmlns:p14="http://schemas.microsoft.com/office/powerpoint/2010/main" val="2460229919"/>
+        <p14:creationId xmlns:p14="http://schemas.microsoft.com/office/powerpoint/2010/main" val="3777454521"/>
       </p:ext>
     </p:extLst>
   </p:cSld>
   <p:clrMapOvr>
     <a:masterClrMapping/>
   </p:clrMapOvr>
-  <mc:AlternateContent xmlns:mc="http://schemas.openxmlformats.org/markup-compatibility/2006">
-    <mc:Choice xmlns:p14="http://schemas.microsoft.com/office/powerpoint/2010/main" Requires="p14">
+  <mc:AlternateContent xmlns:mc="http://schemas.openxmlformats.org/markup-compatibility/2006" xmlns:p14="http://schemas.microsoft.com/office/powerpoint/2010/main">
+    <mc:Choice Requires="p14">
       <p:transition spd="slow" p14:dur="2000" advClick="0"/>
     </mc:Choice>
-    <mc:Fallback>
+    <mc:Fallback xmlns="">
       <p:transition spd="slow" advClick="0"/>
     </mc:Fallback>
   </mc:AlternateContent>
@@ -15841,10 +14714,10 @@
       </p:grpSpPr>
       <p:sp>
         <p:nvSpPr>
-          <p:cNvPr id="4" name="TextBox 3">
+          <p:cNvPr id="2" name="TextBox 1">
             <a:extLst>
               <a:ext uri="{FF2B5EF4-FFF2-40B4-BE49-F238E27FC236}">
-                <a16:creationId xmlns:a16="http://schemas.microsoft.com/office/drawing/2014/main" id="{3BB1162C-43A9-4396-9440-1DA2602E024B}"/>
+                <a16:creationId xmlns:a16="http://schemas.microsoft.com/office/drawing/2014/main" id="{537D5AB4-B93F-41E5-ABDB-48CB9324BA39}"/>
               </a:ext>
             </a:extLst>
           </p:cNvPr>
@@ -15853,8 +14726,8 @@
         </p:nvSpPr>
         <p:spPr>
           <a:xfrm>
-            <a:off x="363984" y="159798"/>
-            <a:ext cx="11700769" cy="369332"/>
+            <a:off x="115410" y="124287"/>
+            <a:ext cx="11913833" cy="523220"/>
           </a:xfrm>
           <a:prstGeom prst="rect">
             <a:avLst/>
@@ -15869,19 +14742,27 @@
           <a:p>
             <a:pPr algn="ctr"/>
             <a:r>
-              <a:rPr lang="en-US" dirty="0"/>
-              <a:t>TEACHER MENU INTERFACE</a:t>
+              <a:rPr lang="en-US" sz="2800" dirty="0">
+                <a:solidFill>
+                  <a:srgbClr val="FFFF00"/>
+                </a:solidFill>
+              </a:rPr>
+              <a:t>REGISTER STUDENT INTERFACE</a:t>
             </a:r>
-            <a:endParaRPr lang="en-MY" dirty="0"/>
+            <a:endParaRPr lang="en-MY" sz="2800" dirty="0">
+              <a:solidFill>
+                <a:srgbClr val="FFFF00"/>
+              </a:solidFill>
+            </a:endParaRPr>
           </a:p>
         </p:txBody>
       </p:sp>
       <p:pic>
         <p:nvPicPr>
-          <p:cNvPr id="5" name="Picture 4">
+          <p:cNvPr id="3" name="Picture 2">
             <a:extLst>
               <a:ext uri="{FF2B5EF4-FFF2-40B4-BE49-F238E27FC236}">
-                <a16:creationId xmlns:a16="http://schemas.microsoft.com/office/drawing/2014/main" id="{AEC38FE5-7F6B-4807-BD30-573C0ED28F15}"/>
+                <a16:creationId xmlns:a16="http://schemas.microsoft.com/office/drawing/2014/main" id="{2DE06B7F-1410-440F-8414-9BE27CD5CDD2}"/>
               </a:ext>
             </a:extLst>
           </p:cNvPr>
@@ -15890,16 +14771,15 @@
           </p:cNvPicPr>
           <p:nvPr/>
         </p:nvPicPr>
-        <p:blipFill>
+        <p:blipFill rotWithShape="1">
           <a:blip r:embed="rId2"/>
-          <a:stretch>
-            <a:fillRect/>
-          </a:stretch>
+          <a:srcRect r="6140"/>
+          <a:stretch/>
         </p:blipFill>
         <p:spPr>
           <a:xfrm>
-            <a:off x="4976812" y="1447800"/>
-            <a:ext cx="2238375" cy="3962400"/>
+            <a:off x="4657794" y="997163"/>
+            <a:ext cx="2876411" cy="4863673"/>
           </a:xfrm>
           <a:prstGeom prst="rect">
             <a:avLst/>
@@ -15908,118 +14788,11 @@
       </p:pic>
       <p:sp>
         <p:nvSpPr>
-          <p:cNvPr id="2" name="Action Button: Go Forward or Next 1">
-            <a:hlinkClick r:id="" action="ppaction://hlinkshowjump?jump=nextslide" highlightClick="1"/>
-            <a:extLst>
-              <a:ext uri="{FF2B5EF4-FFF2-40B4-BE49-F238E27FC236}">
-                <a16:creationId xmlns:a16="http://schemas.microsoft.com/office/drawing/2014/main" id="{3DD7BF99-5471-4AE9-82EA-62BEAEC55A3B}"/>
-              </a:ext>
-            </a:extLst>
-          </p:cNvPr>
-          <p:cNvSpPr/>
-          <p:nvPr/>
-        </p:nvSpPr>
-        <p:spPr>
-          <a:xfrm>
-            <a:off x="10814538" y="5910262"/>
-            <a:ext cx="939312" cy="508123"/>
-          </a:xfrm>
-          <a:prstGeom prst="actionButtonForwardNext">
-            <a:avLst/>
-          </a:prstGeom>
-          <a:ln>
-            <a:solidFill>
-              <a:schemeClr val="bg2">
-                <a:lumMod val="75000"/>
-                <a:lumOff val="25000"/>
-              </a:schemeClr>
-            </a:solidFill>
-          </a:ln>
-        </p:spPr>
-        <p:style>
-          <a:lnRef idx="3">
-            <a:schemeClr val="lt1"/>
-          </a:lnRef>
-          <a:fillRef idx="1">
-            <a:schemeClr val="accent3"/>
-          </a:fillRef>
-          <a:effectRef idx="1">
-            <a:schemeClr val="accent3"/>
-          </a:effectRef>
-          <a:fontRef idx="minor">
-            <a:schemeClr val="lt1"/>
-          </a:fontRef>
-        </p:style>
-        <p:txBody>
-          <a:bodyPr rtlCol="0" anchor="ctr"/>
-          <a:lstStyle/>
-          <a:p>
-            <a:pPr algn="ctr"/>
-            <a:endParaRPr lang="en-MY"/>
-          </a:p>
-        </p:txBody>
-      </p:sp>
-      <p:sp>
-        <p:nvSpPr>
-          <p:cNvPr id="3" name="Action Button: Go Back or Previous 2">
-            <a:hlinkClick r:id="" action="ppaction://hlinkshowjump?jump=previousslide" highlightClick="1"/>
-            <a:extLst>
-              <a:ext uri="{FF2B5EF4-FFF2-40B4-BE49-F238E27FC236}">
-                <a16:creationId xmlns:a16="http://schemas.microsoft.com/office/drawing/2014/main" id="{5E0D7EB5-B29D-4F75-BC75-7A639F5D1C96}"/>
-              </a:ext>
-            </a:extLst>
-          </p:cNvPr>
-          <p:cNvSpPr/>
-          <p:nvPr/>
-        </p:nvSpPr>
-        <p:spPr>
-          <a:xfrm>
-            <a:off x="876627" y="5910262"/>
-            <a:ext cx="906971" cy="508123"/>
-          </a:xfrm>
-          <a:prstGeom prst="actionButtonBackPrevious">
-            <a:avLst/>
-          </a:prstGeom>
-          <a:ln>
-            <a:solidFill>
-              <a:schemeClr val="tx2">
-                <a:lumMod val="10000"/>
-              </a:schemeClr>
-            </a:solidFill>
-          </a:ln>
-        </p:spPr>
-        <p:style>
-          <a:lnRef idx="2">
-            <a:schemeClr val="accent4">
-              <a:shade val="50000"/>
-            </a:schemeClr>
-          </a:lnRef>
-          <a:fillRef idx="1">
-            <a:schemeClr val="accent4"/>
-          </a:fillRef>
-          <a:effectRef idx="0">
-            <a:schemeClr val="accent4"/>
-          </a:effectRef>
-          <a:fontRef idx="minor">
-            <a:schemeClr val="lt1"/>
-          </a:fontRef>
-        </p:style>
-        <p:txBody>
-          <a:bodyPr rtlCol="0" anchor="ctr"/>
-          <a:lstStyle/>
-          <a:p>
-            <a:pPr algn="ctr"/>
-            <a:endParaRPr lang="en-MY"/>
-          </a:p>
-        </p:txBody>
-      </p:sp>
-      <p:sp>
-        <p:nvSpPr>
-          <p:cNvPr id="7" name="TextBox 6">
+          <p:cNvPr id="4" name="TextBox 3">
             <a:hlinkClick r:id="rId3" action="ppaction://hlinksldjump"/>
             <a:extLst>
               <a:ext uri="{FF2B5EF4-FFF2-40B4-BE49-F238E27FC236}">
-                <a16:creationId xmlns:a16="http://schemas.microsoft.com/office/drawing/2014/main" id="{87AE1098-EEAB-4071-B790-1E08BA39FA3A}"/>
+                <a16:creationId xmlns:a16="http://schemas.microsoft.com/office/drawing/2014/main" id="{2C6CDB0A-D26A-4915-B48C-568D5F97D33D}"/>
               </a:ext>
             </a:extLst>
           </p:cNvPr>
@@ -16028,8 +14801,8 @@
         </p:nvSpPr>
         <p:spPr>
           <a:xfrm>
-            <a:off x="5284177" y="3113482"/>
-            <a:ext cx="562708" cy="834264"/>
+            <a:off x="5216768" y="4018086"/>
+            <a:ext cx="641838" cy="386861"/>
           </a:xfrm>
           <a:prstGeom prst="rect">
             <a:avLst/>
@@ -16049,9 +14822,10 @@
       <p:sp>
         <p:nvSpPr>
           <p:cNvPr id="9" name="TextBox 8">
+            <a:hlinkClick r:id="rId3" action="ppaction://hlinksldjump"/>
             <a:extLst>
               <a:ext uri="{FF2B5EF4-FFF2-40B4-BE49-F238E27FC236}">
-                <a16:creationId xmlns:a16="http://schemas.microsoft.com/office/drawing/2014/main" id="{81605849-221B-41E0-BF60-E3E5D354EE84}"/>
+                <a16:creationId xmlns:a16="http://schemas.microsoft.com/office/drawing/2014/main" id="{33BB271C-F8CB-42E2-B007-C8941A1DB4CA}"/>
               </a:ext>
             </a:extLst>
           </p:cNvPr>
@@ -16060,8 +14834,8 @@
         </p:nvSpPr>
         <p:spPr>
           <a:xfrm>
-            <a:off x="5284177" y="2052544"/>
-            <a:ext cx="562708" cy="834264"/>
+            <a:off x="6268915" y="4018085"/>
+            <a:ext cx="641838" cy="386862"/>
           </a:xfrm>
           <a:prstGeom prst="rect">
             <a:avLst/>
@@ -16078,85 +14852,21 @@
           </a:p>
         </p:txBody>
       </p:sp>
-      <p:sp>
-        <p:nvSpPr>
-          <p:cNvPr id="11" name="TextBox 10">
-            <a:extLst>
-              <a:ext uri="{FF2B5EF4-FFF2-40B4-BE49-F238E27FC236}">
-                <a16:creationId xmlns:a16="http://schemas.microsoft.com/office/drawing/2014/main" id="{0BA285A2-D6F2-4F68-80E5-AAA4C6246621}"/>
-              </a:ext>
-            </a:extLst>
-          </p:cNvPr>
-          <p:cNvSpPr txBox="1"/>
-          <p:nvPr/>
-        </p:nvSpPr>
-        <p:spPr>
-          <a:xfrm>
-            <a:off x="6345117" y="2035965"/>
-            <a:ext cx="562708" cy="834264"/>
-          </a:xfrm>
-          <a:prstGeom prst="rect">
-            <a:avLst/>
-          </a:prstGeom>
-          <a:noFill/>
-        </p:spPr>
-        <p:txBody>
-          <a:bodyPr wrap="square" rtlCol="0">
-            <a:spAutoFit/>
-          </a:bodyPr>
-          <a:lstStyle/>
-          <a:p>
-            <a:endParaRPr lang="en-MY" dirty="0"/>
-          </a:p>
-        </p:txBody>
-      </p:sp>
-      <p:sp>
-        <p:nvSpPr>
-          <p:cNvPr id="13" name="TextBox 12">
-            <a:extLst>
-              <a:ext uri="{FF2B5EF4-FFF2-40B4-BE49-F238E27FC236}">
-                <a16:creationId xmlns:a16="http://schemas.microsoft.com/office/drawing/2014/main" id="{4F20C8E8-46B5-4608-8A0A-35E6D46163C9}"/>
-              </a:ext>
-            </a:extLst>
-          </p:cNvPr>
-          <p:cNvSpPr txBox="1"/>
-          <p:nvPr/>
-        </p:nvSpPr>
-        <p:spPr>
-          <a:xfrm>
-            <a:off x="6345117" y="3113482"/>
-            <a:ext cx="562708" cy="834264"/>
-          </a:xfrm>
-          <a:prstGeom prst="rect">
-            <a:avLst/>
-          </a:prstGeom>
-          <a:noFill/>
-        </p:spPr>
-        <p:txBody>
-          <a:bodyPr wrap="square" rtlCol="0">
-            <a:spAutoFit/>
-          </a:bodyPr>
-          <a:lstStyle/>
-          <a:p>
-            <a:endParaRPr lang="en-MY" dirty="0"/>
-          </a:p>
-        </p:txBody>
-      </p:sp>
     </p:spTree>
     <p:extLst>
       <p:ext uri="{BB962C8B-B14F-4D97-AF65-F5344CB8AC3E}">
-        <p14:creationId xmlns:p14="http://schemas.microsoft.com/office/powerpoint/2010/main" val="3777454521"/>
+        <p14:creationId xmlns:p14="http://schemas.microsoft.com/office/powerpoint/2010/main" val="3574968391"/>
       </p:ext>
     </p:extLst>
   </p:cSld>
   <p:clrMapOvr>
     <a:masterClrMapping/>
   </p:clrMapOvr>
-  <mc:AlternateContent xmlns:mc="http://schemas.openxmlformats.org/markup-compatibility/2006">
-    <mc:Choice xmlns:p14="http://schemas.microsoft.com/office/powerpoint/2010/main" Requires="p14">
+  <mc:AlternateContent xmlns:mc="http://schemas.openxmlformats.org/markup-compatibility/2006" xmlns:p14="http://schemas.microsoft.com/office/powerpoint/2010/main">
+    <mc:Choice Requires="p14">
       <p:transition spd="slow" p14:dur="2000" advClick="0"/>
     </mc:Choice>
-    <mc:Fallback>
+    <mc:Fallback xmlns="">
       <p:transition spd="slow" advClick="0"/>
     </mc:Fallback>
   </mc:AlternateContent>
@@ -16195,7 +14905,7 @@
         <p:spPr>
           <a:xfrm>
             <a:off x="230819" y="204186"/>
-            <a:ext cx="11842812" cy="369332"/>
+            <a:ext cx="11842812" cy="523220"/>
           </a:xfrm>
           <a:prstGeom prst="rect">
             <a:avLst/>
@@ -16210,19 +14920,27 @@
           <a:p>
             <a:pPr algn="ctr"/>
             <a:r>
-              <a:rPr lang="en-US" dirty="0"/>
+              <a:rPr lang="en-US" sz="2800" dirty="0">
+                <a:solidFill>
+                  <a:srgbClr val="FFFF00"/>
+                </a:solidFill>
+              </a:rPr>
               <a:t>MANAGE STUDENT INTERFACE</a:t>
             </a:r>
-            <a:endParaRPr lang="en-MY" dirty="0"/>
+            <a:endParaRPr lang="en-MY" sz="2800" dirty="0">
+              <a:solidFill>
+                <a:srgbClr val="FFFF00"/>
+              </a:solidFill>
+            </a:endParaRPr>
           </a:p>
         </p:txBody>
       </p:sp>
       <p:pic>
         <p:nvPicPr>
-          <p:cNvPr id="3" name="Picture 2">
+          <p:cNvPr id="13" name="Picture 12">
             <a:extLst>
               <a:ext uri="{FF2B5EF4-FFF2-40B4-BE49-F238E27FC236}">
-                <a16:creationId xmlns:a16="http://schemas.microsoft.com/office/drawing/2014/main" id="{E59D1A50-C45A-4077-AB9B-BE9F73822D59}"/>
+                <a16:creationId xmlns:a16="http://schemas.microsoft.com/office/drawing/2014/main" id="{5C2337BD-9143-4DC6-9045-C86C2EF209D0}"/>
               </a:ext>
             </a:extLst>
           </p:cNvPr>
@@ -16232,21 +14950,15 @@
           <p:nvPr/>
         </p:nvPicPr>
         <p:blipFill>
-          <a:blip r:embed="rId2">
-            <a:extLst>
-              <a:ext uri="{28A0092B-C50C-407E-A947-70E740481C1C}">
-                <a14:useLocalDpi xmlns:a14="http://schemas.microsoft.com/office/drawing/2010/main" val="0"/>
-              </a:ext>
-            </a:extLst>
-          </a:blip>
+          <a:blip r:embed="rId2"/>
           <a:stretch>
             <a:fillRect/>
           </a:stretch>
         </p:blipFill>
         <p:spPr>
           <a:xfrm>
-            <a:off x="4698934" y="876554"/>
-            <a:ext cx="2794132" cy="5104891"/>
+            <a:off x="4683081" y="833805"/>
+            <a:ext cx="2938288" cy="5190389"/>
           </a:xfrm>
           <a:prstGeom prst="rect">
             <a:avLst/>
@@ -16255,118 +14967,11 @@
       </p:pic>
       <p:sp>
         <p:nvSpPr>
-          <p:cNvPr id="2" name="Action Button: Go Forward or Next 1">
-            <a:hlinkClick r:id="" action="ppaction://hlinkshowjump?jump=nextslide" highlightClick="1"/>
-            <a:extLst>
-              <a:ext uri="{FF2B5EF4-FFF2-40B4-BE49-F238E27FC236}">
-                <a16:creationId xmlns:a16="http://schemas.microsoft.com/office/drawing/2014/main" id="{69A6E81E-622B-4DB9-AB43-3590D226936F}"/>
-              </a:ext>
-            </a:extLst>
-          </p:cNvPr>
-          <p:cNvSpPr/>
-          <p:nvPr/>
-        </p:nvSpPr>
-        <p:spPr>
-          <a:xfrm>
-            <a:off x="10814538" y="5910262"/>
-            <a:ext cx="939312" cy="508123"/>
-          </a:xfrm>
-          <a:prstGeom prst="actionButtonForwardNext">
-            <a:avLst/>
-          </a:prstGeom>
-          <a:ln>
-            <a:solidFill>
-              <a:schemeClr val="bg2">
-                <a:lumMod val="75000"/>
-                <a:lumOff val="25000"/>
-              </a:schemeClr>
-            </a:solidFill>
-          </a:ln>
-        </p:spPr>
-        <p:style>
-          <a:lnRef idx="3">
-            <a:schemeClr val="lt1"/>
-          </a:lnRef>
-          <a:fillRef idx="1">
-            <a:schemeClr val="accent3"/>
-          </a:fillRef>
-          <a:effectRef idx="1">
-            <a:schemeClr val="accent3"/>
-          </a:effectRef>
-          <a:fontRef idx="minor">
-            <a:schemeClr val="lt1"/>
-          </a:fontRef>
-        </p:style>
-        <p:txBody>
-          <a:bodyPr rtlCol="0" anchor="ctr"/>
-          <a:lstStyle/>
-          <a:p>
-            <a:pPr algn="ctr"/>
-            <a:endParaRPr lang="en-MY"/>
-          </a:p>
-        </p:txBody>
-      </p:sp>
-      <p:sp>
-        <p:nvSpPr>
-          <p:cNvPr id="7" name="Action Button: Go Back or Previous 6">
-            <a:hlinkClick r:id="" action="ppaction://hlinkshowjump?jump=previousslide" highlightClick="1"/>
-            <a:extLst>
-              <a:ext uri="{FF2B5EF4-FFF2-40B4-BE49-F238E27FC236}">
-                <a16:creationId xmlns:a16="http://schemas.microsoft.com/office/drawing/2014/main" id="{75401FDE-0730-493B-A077-629EE2EFC1D1}"/>
-              </a:ext>
-            </a:extLst>
-          </p:cNvPr>
-          <p:cNvSpPr/>
-          <p:nvPr/>
-        </p:nvSpPr>
-        <p:spPr>
-          <a:xfrm>
-            <a:off x="876627" y="5910262"/>
-            <a:ext cx="906971" cy="508123"/>
-          </a:xfrm>
-          <a:prstGeom prst="actionButtonBackPrevious">
-            <a:avLst/>
-          </a:prstGeom>
-          <a:ln>
-            <a:solidFill>
-              <a:schemeClr val="tx2">
-                <a:lumMod val="10000"/>
-              </a:schemeClr>
-            </a:solidFill>
-          </a:ln>
-        </p:spPr>
-        <p:style>
-          <a:lnRef idx="2">
-            <a:schemeClr val="accent4">
-              <a:shade val="50000"/>
-            </a:schemeClr>
-          </a:lnRef>
-          <a:fillRef idx="1">
-            <a:schemeClr val="accent4"/>
-          </a:fillRef>
-          <a:effectRef idx="0">
-            <a:schemeClr val="accent4"/>
-          </a:effectRef>
-          <a:fontRef idx="minor">
-            <a:schemeClr val="lt1"/>
-          </a:fontRef>
-        </p:style>
-        <p:txBody>
-          <a:bodyPr rtlCol="0" anchor="ctr"/>
-          <a:lstStyle/>
-          <a:p>
-            <a:pPr algn="ctr"/>
-            <a:endParaRPr lang="en-MY"/>
-          </a:p>
-        </p:txBody>
-      </p:sp>
-      <p:sp>
-        <p:nvSpPr>
-          <p:cNvPr id="4" name="TextBox 3">
+          <p:cNvPr id="14" name="TextBox 13">
             <a:hlinkClick r:id="rId3" action="ppaction://hlinksldjump"/>
             <a:extLst>
               <a:ext uri="{FF2B5EF4-FFF2-40B4-BE49-F238E27FC236}">
-                <a16:creationId xmlns:a16="http://schemas.microsoft.com/office/drawing/2014/main" id="{BD4AD869-A2D7-4C12-BD6D-AA81AA1BC461}"/>
+                <a16:creationId xmlns:a16="http://schemas.microsoft.com/office/drawing/2014/main" id="{E507182A-F6F4-42EC-A48C-FC7B89311694}"/>
               </a:ext>
             </a:extLst>
           </p:cNvPr>
@@ -16375,8 +14980,8 @@
         </p:nvSpPr>
         <p:spPr>
           <a:xfrm>
-            <a:off x="4879727" y="3044149"/>
-            <a:ext cx="826481" cy="261759"/>
+            <a:off x="4914899" y="3042138"/>
+            <a:ext cx="1046285" cy="280518"/>
           </a:xfrm>
           <a:prstGeom prst="rect">
             <a:avLst/>
@@ -16395,11 +15000,11 @@
       </p:sp>
       <p:sp>
         <p:nvSpPr>
-          <p:cNvPr id="9" name="TextBox 8">
+          <p:cNvPr id="15" name="TextBox 14">
             <a:hlinkClick r:id="rId4" action="ppaction://hlinksldjump"/>
             <a:extLst>
               <a:ext uri="{FF2B5EF4-FFF2-40B4-BE49-F238E27FC236}">
-                <a16:creationId xmlns:a16="http://schemas.microsoft.com/office/drawing/2014/main" id="{A2A97FA5-CD27-45D3-BEB8-CEB96ECB5931}"/>
+                <a16:creationId xmlns:a16="http://schemas.microsoft.com/office/drawing/2014/main" id="{91FBA9CA-C7CA-4163-923F-DD4422095C70}"/>
               </a:ext>
             </a:extLst>
           </p:cNvPr>
@@ -16408,8 +15013,8 @@
         </p:nvSpPr>
         <p:spPr>
           <a:xfrm>
-            <a:off x="6418385" y="3044149"/>
-            <a:ext cx="974935" cy="261759"/>
+            <a:off x="6497514" y="3042138"/>
+            <a:ext cx="905609" cy="254250"/>
           </a:xfrm>
           <a:prstGeom prst="rect">
             <a:avLst/>
@@ -16428,11 +15033,11 @@
       </p:sp>
       <p:sp>
         <p:nvSpPr>
-          <p:cNvPr id="11" name="TextBox 10">
+          <p:cNvPr id="16" name="TextBox 15">
             <a:hlinkClick r:id="rId5" action="ppaction://hlinksldjump"/>
             <a:extLst>
               <a:ext uri="{FF2B5EF4-FFF2-40B4-BE49-F238E27FC236}">
-                <a16:creationId xmlns:a16="http://schemas.microsoft.com/office/drawing/2014/main" id="{3DDA1E1C-1317-4A5F-A4C3-BFC802D75F94}"/>
+                <a16:creationId xmlns:a16="http://schemas.microsoft.com/office/drawing/2014/main" id="{0946E409-A926-43A9-BA38-BD6B128C36F5}"/>
               </a:ext>
             </a:extLst>
           </p:cNvPr>
@@ -16441,8 +15046,41 @@
         </p:nvSpPr>
         <p:spPr>
           <a:xfrm>
-            <a:off x="5591904" y="3543301"/>
-            <a:ext cx="974935" cy="261759"/>
+            <a:off x="5671039" y="3603846"/>
+            <a:ext cx="1062402" cy="273562"/>
+          </a:xfrm>
+          <a:prstGeom prst="rect">
+            <a:avLst/>
+          </a:prstGeom>
+          <a:noFill/>
+        </p:spPr>
+        <p:txBody>
+          <a:bodyPr wrap="square" rtlCol="0">
+            <a:spAutoFit/>
+          </a:bodyPr>
+          <a:lstStyle/>
+          <a:p>
+            <a:endParaRPr lang="en-MY" dirty="0"/>
+          </a:p>
+        </p:txBody>
+      </p:sp>
+      <p:sp>
+        <p:nvSpPr>
+          <p:cNvPr id="17" name="TextBox 16">
+            <a:hlinkClick r:id="rId6" action="ppaction://hlinksldjump"/>
+            <a:extLst>
+              <a:ext uri="{FF2B5EF4-FFF2-40B4-BE49-F238E27FC236}">
+                <a16:creationId xmlns:a16="http://schemas.microsoft.com/office/drawing/2014/main" id="{324BC201-723B-46F5-B007-247CE51634E8}"/>
+              </a:ext>
+            </a:extLst>
+          </p:cNvPr>
+          <p:cNvSpPr txBox="1"/>
+          <p:nvPr/>
+        </p:nvSpPr>
+        <p:spPr>
+          <a:xfrm>
+            <a:off x="5838091" y="4377624"/>
+            <a:ext cx="659423" cy="273562"/>
           </a:xfrm>
           <a:prstGeom prst="rect">
             <a:avLst/>
@@ -16469,11 +15107,11 @@
   <p:clrMapOvr>
     <a:masterClrMapping/>
   </p:clrMapOvr>
-  <mc:AlternateContent xmlns:mc="http://schemas.openxmlformats.org/markup-compatibility/2006">
-    <mc:Choice xmlns:p14="http://schemas.microsoft.com/office/powerpoint/2010/main" Requires="p14">
+  <mc:AlternateContent xmlns:mc="http://schemas.openxmlformats.org/markup-compatibility/2006" xmlns:p14="http://schemas.microsoft.com/office/powerpoint/2010/main">
+    <mc:Choice Requires="p14">
       <p:transition spd="slow" p14:dur="2000" advClick="0"/>
     </mc:Choice>
-    <mc:Fallback>
+    <mc:Fallback xmlns="">
       <p:transition spd="slow" advClick="0"/>
     </mc:Fallback>
   </mc:AlternateContent>
@@ -16512,7 +15150,7 @@
         <p:spPr>
           <a:xfrm>
             <a:off x="115410" y="124287"/>
-            <a:ext cx="11913833" cy="369332"/>
+            <a:ext cx="11913833" cy="523220"/>
           </a:xfrm>
           <a:prstGeom prst="rect">
             <a:avLst/>
@@ -16527,10 +15165,18 @@
           <a:p>
             <a:pPr algn="ctr"/>
             <a:r>
-              <a:rPr lang="en-US" dirty="0"/>
+              <a:rPr lang="en-US" sz="2800" dirty="0">
+                <a:solidFill>
+                  <a:srgbClr val="FFFF00"/>
+                </a:solidFill>
+              </a:rPr>
               <a:t>REGISTER STUDENT INTERFACE</a:t>
             </a:r>
-            <a:endParaRPr lang="en-MY" dirty="0"/>
+            <a:endParaRPr lang="en-MY" sz="2800" dirty="0">
+              <a:solidFill>
+                <a:srgbClr val="FFFF00"/>
+              </a:solidFill>
+            </a:endParaRPr>
           </a:p>
         </p:txBody>
       </p:sp>
@@ -16548,129 +15194,21 @@
           </p:cNvPicPr>
           <p:nvPr/>
         </p:nvPicPr>
-        <p:blipFill>
+        <p:blipFill rotWithShape="1">
           <a:blip r:embed="rId2"/>
-          <a:stretch>
-            <a:fillRect/>
-          </a:stretch>
+          <a:srcRect r="6140"/>
+          <a:stretch/>
         </p:blipFill>
         <p:spPr>
           <a:xfrm>
-            <a:off x="4895988" y="1562100"/>
-            <a:ext cx="2352675" cy="3733800"/>
+            <a:off x="4657794" y="997163"/>
+            <a:ext cx="2876411" cy="4863673"/>
           </a:xfrm>
           <a:prstGeom prst="rect">
             <a:avLst/>
           </a:prstGeom>
         </p:spPr>
       </p:pic>
-      <p:sp>
-        <p:nvSpPr>
-          <p:cNvPr id="5" name="Action Button: Go Forward or Next 4">
-            <a:hlinkClick r:id="" action="ppaction://hlinkshowjump?jump=nextslide" highlightClick="1"/>
-            <a:extLst>
-              <a:ext uri="{FF2B5EF4-FFF2-40B4-BE49-F238E27FC236}">
-                <a16:creationId xmlns:a16="http://schemas.microsoft.com/office/drawing/2014/main" id="{F34DC1AD-513E-4441-9F8E-915A35E684D0}"/>
-              </a:ext>
-            </a:extLst>
-          </p:cNvPr>
-          <p:cNvSpPr/>
-          <p:nvPr/>
-        </p:nvSpPr>
-        <p:spPr>
-          <a:xfrm>
-            <a:off x="10814538" y="5910262"/>
-            <a:ext cx="939312" cy="508123"/>
-          </a:xfrm>
-          <a:prstGeom prst="actionButtonForwardNext">
-            <a:avLst/>
-          </a:prstGeom>
-          <a:ln>
-            <a:solidFill>
-              <a:schemeClr val="bg2">
-                <a:lumMod val="75000"/>
-                <a:lumOff val="25000"/>
-              </a:schemeClr>
-            </a:solidFill>
-          </a:ln>
-        </p:spPr>
-        <p:style>
-          <a:lnRef idx="3">
-            <a:schemeClr val="lt1"/>
-          </a:lnRef>
-          <a:fillRef idx="1">
-            <a:schemeClr val="accent3"/>
-          </a:fillRef>
-          <a:effectRef idx="1">
-            <a:schemeClr val="accent3"/>
-          </a:effectRef>
-          <a:fontRef idx="minor">
-            <a:schemeClr val="lt1"/>
-          </a:fontRef>
-        </p:style>
-        <p:txBody>
-          <a:bodyPr rtlCol="0" anchor="ctr"/>
-          <a:lstStyle/>
-          <a:p>
-            <a:pPr algn="ctr"/>
-            <a:endParaRPr lang="en-MY"/>
-          </a:p>
-        </p:txBody>
-      </p:sp>
-      <p:sp>
-        <p:nvSpPr>
-          <p:cNvPr id="7" name="Action Button: Go Back or Previous 6">
-            <a:hlinkClick r:id="" action="ppaction://hlinkshowjump?jump=previousslide" highlightClick="1"/>
-            <a:extLst>
-              <a:ext uri="{FF2B5EF4-FFF2-40B4-BE49-F238E27FC236}">
-                <a16:creationId xmlns:a16="http://schemas.microsoft.com/office/drawing/2014/main" id="{6CA0ADC7-F7F6-4158-95A9-A7FE1EF53BB4}"/>
-              </a:ext>
-            </a:extLst>
-          </p:cNvPr>
-          <p:cNvSpPr/>
-          <p:nvPr/>
-        </p:nvSpPr>
-        <p:spPr>
-          <a:xfrm>
-            <a:off x="876627" y="5910262"/>
-            <a:ext cx="906971" cy="508123"/>
-          </a:xfrm>
-          <a:prstGeom prst="actionButtonBackPrevious">
-            <a:avLst/>
-          </a:prstGeom>
-          <a:ln>
-            <a:solidFill>
-              <a:schemeClr val="tx2">
-                <a:lumMod val="10000"/>
-              </a:schemeClr>
-            </a:solidFill>
-          </a:ln>
-        </p:spPr>
-        <p:style>
-          <a:lnRef idx="2">
-            <a:schemeClr val="accent4">
-              <a:shade val="50000"/>
-            </a:schemeClr>
-          </a:lnRef>
-          <a:fillRef idx="1">
-            <a:schemeClr val="accent4"/>
-          </a:fillRef>
-          <a:effectRef idx="0">
-            <a:schemeClr val="accent4"/>
-          </a:effectRef>
-          <a:fontRef idx="minor">
-            <a:schemeClr val="lt1"/>
-          </a:fontRef>
-        </p:style>
-        <p:txBody>
-          <a:bodyPr rtlCol="0" anchor="ctr"/>
-          <a:lstStyle/>
-          <a:p>
-            <a:pPr algn="ctr"/>
-            <a:endParaRPr lang="en-MY"/>
-          </a:p>
-        </p:txBody>
-      </p:sp>
       <p:sp>
         <p:nvSpPr>
           <p:cNvPr id="4" name="TextBox 3">
@@ -16686,8 +15224,8 @@
         </p:nvSpPr>
         <p:spPr>
           <a:xfrm>
-            <a:off x="5339861" y="3719145"/>
-            <a:ext cx="480647" cy="298939"/>
+            <a:off x="5216768" y="4018086"/>
+            <a:ext cx="641838" cy="386861"/>
           </a:xfrm>
           <a:prstGeom prst="rect">
             <a:avLst/>
@@ -16719,8 +15257,8 @@
         </p:nvSpPr>
         <p:spPr>
           <a:xfrm>
-            <a:off x="6096000" y="3719145"/>
-            <a:ext cx="559776" cy="298939"/>
+            <a:off x="6268915" y="4018085"/>
+            <a:ext cx="641838" cy="386862"/>
           </a:xfrm>
           <a:prstGeom prst="rect">
             <a:avLst/>
@@ -16747,11 +15285,11 @@
   <p:clrMapOvr>
     <a:masterClrMapping/>
   </p:clrMapOvr>
-  <mc:AlternateContent xmlns:mc="http://schemas.openxmlformats.org/markup-compatibility/2006">
-    <mc:Choice xmlns:p14="http://schemas.microsoft.com/office/powerpoint/2010/main" Requires="p14">
+  <mc:AlternateContent xmlns:mc="http://schemas.openxmlformats.org/markup-compatibility/2006" xmlns:p14="http://schemas.microsoft.com/office/powerpoint/2010/main">
+    <mc:Choice Requires="p14">
       <p:transition spd="slow" p14:dur="2000" advClick="0"/>
     </mc:Choice>
-    <mc:Fallback>
+    <mc:Fallback xmlns="">
       <p:transition spd="slow" advClick="0"/>
     </mc:Fallback>
   </mc:AlternateContent>
@@ -16826,7 +15364,7 @@
         <p:spPr>
           <a:xfrm>
             <a:off x="115410" y="124287"/>
-            <a:ext cx="11913833" cy="369332"/>
+            <a:ext cx="11913833" cy="523220"/>
           </a:xfrm>
           <a:prstGeom prst="rect">
             <a:avLst/>
@@ -16841,117 +15379,18 @@
           <a:p>
             <a:pPr algn="ctr"/>
             <a:r>
-              <a:rPr lang="en-US" dirty="0"/>
+              <a:rPr lang="en-US" sz="2800" dirty="0">
+                <a:solidFill>
+                  <a:srgbClr val="FFFF00"/>
+                </a:solidFill>
+              </a:rPr>
               <a:t>UPDATE STUDENT INTERFACE</a:t>
             </a:r>
-            <a:endParaRPr lang="en-MY" dirty="0"/>
-          </a:p>
-        </p:txBody>
-      </p:sp>
-      <p:sp>
-        <p:nvSpPr>
-          <p:cNvPr id="2" name="Action Button: Go Forward or Next 1">
-            <a:hlinkClick r:id="" action="ppaction://hlinkshowjump?jump=nextslide" highlightClick="1"/>
-            <a:extLst>
-              <a:ext uri="{FF2B5EF4-FFF2-40B4-BE49-F238E27FC236}">
-                <a16:creationId xmlns:a16="http://schemas.microsoft.com/office/drawing/2014/main" id="{4ABB173D-52AB-46F7-837D-DFA1983AB94D}"/>
-              </a:ext>
-            </a:extLst>
-          </p:cNvPr>
-          <p:cNvSpPr/>
-          <p:nvPr/>
-        </p:nvSpPr>
-        <p:spPr>
-          <a:xfrm>
-            <a:off x="10814538" y="5910262"/>
-            <a:ext cx="939312" cy="508123"/>
-          </a:xfrm>
-          <a:prstGeom prst="actionButtonForwardNext">
-            <a:avLst/>
-          </a:prstGeom>
-          <a:ln>
-            <a:solidFill>
-              <a:schemeClr val="bg2">
-                <a:lumMod val="75000"/>
-                <a:lumOff val="25000"/>
-              </a:schemeClr>
-            </a:solidFill>
-          </a:ln>
-        </p:spPr>
-        <p:style>
-          <a:lnRef idx="3">
-            <a:schemeClr val="lt1"/>
-          </a:lnRef>
-          <a:fillRef idx="1">
-            <a:schemeClr val="accent3"/>
-          </a:fillRef>
-          <a:effectRef idx="1">
-            <a:schemeClr val="accent3"/>
-          </a:effectRef>
-          <a:fontRef idx="minor">
-            <a:schemeClr val="lt1"/>
-          </a:fontRef>
-        </p:style>
-        <p:txBody>
-          <a:bodyPr rtlCol="0" anchor="ctr"/>
-          <a:lstStyle/>
-          <a:p>
-            <a:pPr algn="ctr"/>
-            <a:endParaRPr lang="en-MY"/>
-          </a:p>
-        </p:txBody>
-      </p:sp>
-      <p:sp>
-        <p:nvSpPr>
-          <p:cNvPr id="7" name="Action Button: Go Back or Previous 6">
-            <a:hlinkClick r:id="" action="ppaction://hlinkshowjump?jump=previousslide" highlightClick="1"/>
-            <a:extLst>
-              <a:ext uri="{FF2B5EF4-FFF2-40B4-BE49-F238E27FC236}">
-                <a16:creationId xmlns:a16="http://schemas.microsoft.com/office/drawing/2014/main" id="{3BB6AB79-9DCD-438D-B110-3840F9592B69}"/>
-              </a:ext>
-            </a:extLst>
-          </p:cNvPr>
-          <p:cNvSpPr/>
-          <p:nvPr/>
-        </p:nvSpPr>
-        <p:spPr>
-          <a:xfrm>
-            <a:off x="876627" y="5910262"/>
-            <a:ext cx="906971" cy="508123"/>
-          </a:xfrm>
-          <a:prstGeom prst="actionButtonBackPrevious">
-            <a:avLst/>
-          </a:prstGeom>
-          <a:ln>
-            <a:solidFill>
-              <a:schemeClr val="tx2">
-                <a:lumMod val="10000"/>
-              </a:schemeClr>
-            </a:solidFill>
-          </a:ln>
-        </p:spPr>
-        <p:style>
-          <a:lnRef idx="2">
-            <a:schemeClr val="accent4">
-              <a:shade val="50000"/>
-            </a:schemeClr>
-          </a:lnRef>
-          <a:fillRef idx="1">
-            <a:schemeClr val="accent4"/>
-          </a:fillRef>
-          <a:effectRef idx="0">
-            <a:schemeClr val="accent4"/>
-          </a:effectRef>
-          <a:fontRef idx="minor">
-            <a:schemeClr val="lt1"/>
-          </a:fontRef>
-        </p:style>
-        <p:txBody>
-          <a:bodyPr rtlCol="0" anchor="ctr"/>
-          <a:lstStyle/>
-          <a:p>
-            <a:pPr algn="ctr"/>
-            <a:endParaRPr lang="en-MY"/>
+            <a:endParaRPr lang="en-MY" sz="2800" dirty="0">
+              <a:solidFill>
+                <a:srgbClr val="FFFF00"/>
+              </a:solidFill>
+            </a:endParaRPr>
           </a:p>
         </p:txBody>
       </p:sp>
@@ -17031,11 +15470,11 @@
   <p:clrMapOvr>
     <a:masterClrMapping/>
   </p:clrMapOvr>
-  <mc:AlternateContent xmlns:mc="http://schemas.openxmlformats.org/markup-compatibility/2006">
-    <mc:Choice xmlns:p14="http://schemas.microsoft.com/office/powerpoint/2010/main" Requires="p14">
+  <mc:AlternateContent xmlns:mc="http://schemas.openxmlformats.org/markup-compatibility/2006" xmlns:p14="http://schemas.microsoft.com/office/powerpoint/2010/main">
+    <mc:Choice Requires="p14">
       <p:transition spd="slow" p14:dur="2000" advClick="0"/>
     </mc:Choice>
-    <mc:Fallback>
+    <mc:Fallback xmlns="">
       <p:transition spd="slow" advClick="0"/>
     </mc:Fallback>
   </mc:AlternateContent>
@@ -17073,7 +15512,7 @@
           </p:cNvPicPr>
           <p:nvPr/>
         </p:nvPicPr>
-        <p:blipFill>
+        <p:blipFill rotWithShape="1">
           <a:blip r:embed="rId2">
             <a:extLst>
               <a:ext uri="{28A0092B-C50C-407E-A947-70E740481C1C}">
@@ -17081,14 +15520,13 @@
               </a:ext>
             </a:extLst>
           </a:blip>
-          <a:stretch>
-            <a:fillRect/>
-          </a:stretch>
+          <a:srcRect r="1342"/>
+          <a:stretch/>
         </p:blipFill>
         <p:spPr>
           <a:xfrm>
             <a:off x="4662487" y="933450"/>
-            <a:ext cx="2867025" cy="4991100"/>
+            <a:ext cx="2828559" cy="4991100"/>
           </a:xfrm>
           <a:prstGeom prst="rect">
             <a:avLst/>
@@ -17110,7 +15548,7 @@
         <p:spPr>
           <a:xfrm>
             <a:off x="115410" y="124287"/>
-            <a:ext cx="11913833" cy="369332"/>
+            <a:ext cx="11913833" cy="523220"/>
           </a:xfrm>
           <a:prstGeom prst="rect">
             <a:avLst/>
@@ -17125,64 +15563,18 @@
           <a:p>
             <a:pPr algn="ctr"/>
             <a:r>
-              <a:rPr lang="en-US" dirty="0"/>
+              <a:rPr lang="en-US" sz="2800" dirty="0">
+                <a:solidFill>
+                  <a:srgbClr val="FFFF00"/>
+                </a:solidFill>
+              </a:rPr>
               <a:t>DELETE STUDENT INTERFACE</a:t>
             </a:r>
-            <a:endParaRPr lang="en-MY" dirty="0"/>
-          </a:p>
-        </p:txBody>
-      </p:sp>
-      <p:sp>
-        <p:nvSpPr>
-          <p:cNvPr id="11" name="Action Button: Go Back or Previous 10">
-            <a:hlinkClick r:id="" action="ppaction://hlinkshowjump?jump=previousslide" highlightClick="1"/>
-            <a:extLst>
-              <a:ext uri="{FF2B5EF4-FFF2-40B4-BE49-F238E27FC236}">
-                <a16:creationId xmlns:a16="http://schemas.microsoft.com/office/drawing/2014/main" id="{0239751F-9463-4DEF-AAEF-5A2E59DE735D}"/>
-              </a:ext>
-            </a:extLst>
-          </p:cNvPr>
-          <p:cNvSpPr/>
-          <p:nvPr/>
-        </p:nvSpPr>
-        <p:spPr>
-          <a:xfrm>
-            <a:off x="876627" y="5910262"/>
-            <a:ext cx="906971" cy="508123"/>
-          </a:xfrm>
-          <a:prstGeom prst="actionButtonBackPrevious">
-            <a:avLst/>
-          </a:prstGeom>
-          <a:ln>
-            <a:solidFill>
-              <a:schemeClr val="tx2">
-                <a:lumMod val="10000"/>
-              </a:schemeClr>
-            </a:solidFill>
-          </a:ln>
-        </p:spPr>
-        <p:style>
-          <a:lnRef idx="2">
-            <a:schemeClr val="accent4">
-              <a:shade val="50000"/>
-            </a:schemeClr>
-          </a:lnRef>
-          <a:fillRef idx="1">
-            <a:schemeClr val="accent4"/>
-          </a:fillRef>
-          <a:effectRef idx="0">
-            <a:schemeClr val="accent4"/>
-          </a:effectRef>
-          <a:fontRef idx="minor">
-            <a:schemeClr val="lt1"/>
-          </a:fontRef>
-        </p:style>
-        <p:txBody>
-          <a:bodyPr rtlCol="0" anchor="ctr"/>
-          <a:lstStyle/>
-          <a:p>
-            <a:pPr algn="ctr"/>
-            <a:endParaRPr lang="en-MY"/>
+            <a:endParaRPr lang="en-MY" sz="2800" dirty="0">
+              <a:solidFill>
+                <a:srgbClr val="FFFF00"/>
+              </a:solidFill>
+            </a:endParaRPr>
           </a:p>
         </p:txBody>
       </p:sp>
@@ -17252,59 +15644,6 @@
           </a:p>
         </p:txBody>
       </p:sp>
-      <p:sp>
-        <p:nvSpPr>
-          <p:cNvPr id="6" name="Action Button: Go Forward or Next 5">
-            <a:hlinkClick r:id="" action="ppaction://hlinkshowjump?jump=nextslide" highlightClick="1"/>
-            <a:extLst>
-              <a:ext uri="{FF2B5EF4-FFF2-40B4-BE49-F238E27FC236}">
-                <a16:creationId xmlns:a16="http://schemas.microsoft.com/office/drawing/2014/main" id="{CEB15960-BD12-456B-A4AC-7C90CB1208ED}"/>
-              </a:ext>
-            </a:extLst>
-          </p:cNvPr>
-          <p:cNvSpPr/>
-          <p:nvPr/>
-        </p:nvSpPr>
-        <p:spPr>
-          <a:xfrm>
-            <a:off x="10814538" y="5910262"/>
-            <a:ext cx="939312" cy="508123"/>
-          </a:xfrm>
-          <a:prstGeom prst="actionButtonForwardNext">
-            <a:avLst/>
-          </a:prstGeom>
-          <a:ln>
-            <a:solidFill>
-              <a:schemeClr val="bg2">
-                <a:lumMod val="75000"/>
-                <a:lumOff val="25000"/>
-              </a:schemeClr>
-            </a:solidFill>
-          </a:ln>
-        </p:spPr>
-        <p:style>
-          <a:lnRef idx="3">
-            <a:schemeClr val="lt1"/>
-          </a:lnRef>
-          <a:fillRef idx="1">
-            <a:schemeClr val="accent3"/>
-          </a:fillRef>
-          <a:effectRef idx="1">
-            <a:schemeClr val="accent3"/>
-          </a:effectRef>
-          <a:fontRef idx="minor">
-            <a:schemeClr val="lt1"/>
-          </a:fontRef>
-        </p:style>
-        <p:txBody>
-          <a:bodyPr rtlCol="0" anchor="ctr"/>
-          <a:lstStyle/>
-          <a:p>
-            <a:pPr algn="ctr"/>
-            <a:endParaRPr lang="en-MY"/>
-          </a:p>
-        </p:txBody>
-      </p:sp>
     </p:spTree>
     <p:extLst>
       <p:ext uri="{BB962C8B-B14F-4D97-AF65-F5344CB8AC3E}">
@@ -17315,11 +15654,11 @@
   <p:clrMapOvr>
     <a:masterClrMapping/>
   </p:clrMapOvr>
-  <mc:AlternateContent xmlns:mc="http://schemas.openxmlformats.org/markup-compatibility/2006">
-    <mc:Choice xmlns:p14="http://schemas.microsoft.com/office/powerpoint/2010/main" Requires="p14">
+  <mc:AlternateContent xmlns:mc="http://schemas.openxmlformats.org/markup-compatibility/2006" xmlns:p14="http://schemas.microsoft.com/office/powerpoint/2010/main">
+    <mc:Choice Requires="p14">
       <p:transition spd="slow" p14:dur="2000" advClick="0"/>
     </mc:Choice>
-    <mc:Fallback>
+    <mc:Fallback xmlns="">
       <p:transition spd="slow" advClick="0"/>
     </mc:Fallback>
   </mc:AlternateContent>
@@ -17329,7 +15668,7 @@
 <file path=ppt/theme/theme1.xml><?xml version="1.0" encoding="utf-8"?>
 <a:theme xmlns:a="http://schemas.openxmlformats.org/drawingml/2006/main" name="Circuit">
   <a:themeElements>
-    <a:clrScheme name="Grayscale">
+    <a:clrScheme name="Circuit">
       <a:dk1>
         <a:sysClr val="windowText" lastClr="000000"/>
       </a:dk1>
@@ -17337,34 +15676,34 @@
         <a:sysClr val="window" lastClr="FFFFFF"/>
       </a:lt1>
       <a:dk2>
-        <a:srgbClr val="000000"/>
+        <a:srgbClr val="252C36"/>
       </a:dk2>
       <a:lt2>
-        <a:srgbClr val="F8F8F8"/>
+        <a:srgbClr val="7C96A3"/>
       </a:lt2>
       <a:accent1>
-        <a:srgbClr val="DDDDDD"/>
+        <a:srgbClr val="4FD093"/>
       </a:accent1>
       <a:accent2>
-        <a:srgbClr val="B2B2B2"/>
+        <a:srgbClr val="54BCDF"/>
       </a:accent2>
       <a:accent3>
-        <a:srgbClr val="969696"/>
+        <a:srgbClr val="A262D0"/>
       </a:accent3>
       <a:accent4>
-        <a:srgbClr val="808080"/>
+        <a:srgbClr val="D7537B"/>
       </a:accent4>
       <a:accent5>
-        <a:srgbClr val="5F5F5F"/>
+        <a:srgbClr val="E78045"/>
       </a:accent5>
       <a:accent6>
-        <a:srgbClr val="4D4D4D"/>
+        <a:srgbClr val="84C350"/>
       </a:accent6>
       <a:hlink>
-        <a:srgbClr val="5F5F5F"/>
+        <a:srgbClr val="22FFFF"/>
       </a:hlink>
       <a:folHlink>
-        <a:srgbClr val="919191"/>
+        <a:srgbClr val="9BF3FD"/>
       </a:folHlink>
     </a:clrScheme>
     <a:fontScheme name="Circuit">
